--- a/姚美君答辩ppt.pptx
+++ b/姚美君答辩ppt.pptx
@@ -1,9 +1,9 @@
 
 <file path=ppt/presentation.xml><?xml version="1.0" encoding="utf-8"?>
-<p:presentation xmlns:a="http://schemas.openxmlformats.org/drawingml/2006/main" xmlns:r="http://schemas.openxmlformats.org/officeDocument/2006/relationships" xmlns:p="http://schemas.openxmlformats.org/presentationml/2006/main" saveSubsetFonts="1" autoCompressPictures="0">
+<p:presentation xmlns:a="http://schemas.openxmlformats.org/drawingml/2006/main" xmlns:r="http://schemas.openxmlformats.org/officeDocument/2006/relationships" xmlns:p="http://schemas.openxmlformats.org/presentationml/2006/main" autoCompressPictures="0">
   <p:sldMasterIdLst>
-    <p:sldMasterId id="2147483666" r:id="rId1"/>
-    <p:sldMasterId id="2147483679" r:id="rId2"/>
+    <p:sldMasterId id="2147483648" r:id="rId1"/>
+    <p:sldMasterId id="2147483657" r:id="rId2"/>
   </p:sldMasterIdLst>
   <p:notesMasterIdLst>
     <p:notesMasterId r:id="rId35"/>
@@ -48,7 +48,7 @@
     <a:defPPr>
       <a:defRPr lang="zh-CN"/>
     </a:defPPr>
-    <a:lvl1pPr marL="0" algn="l" defTabSz="914377" rtl="0" eaLnBrk="1" latinLnBrk="0" hangingPunct="1">
+    <a:lvl1pPr marL="0" algn="l" defTabSz="913765" rtl="0" eaLnBrk="1" latinLnBrk="0" hangingPunct="1">
       <a:defRPr sz="1800" kern="1200">
         <a:solidFill>
           <a:schemeClr val="tx1"/>
@@ -58,7 +58,7 @@
         <a:cs typeface="+mn-cs"/>
       </a:defRPr>
     </a:lvl1pPr>
-    <a:lvl2pPr marL="457189" algn="l" defTabSz="914377" rtl="0" eaLnBrk="1" latinLnBrk="0" hangingPunct="1">
+    <a:lvl2pPr marL="457200" algn="l" defTabSz="913765" rtl="0" eaLnBrk="1" latinLnBrk="0" hangingPunct="1">
       <a:defRPr sz="1800" kern="1200">
         <a:solidFill>
           <a:schemeClr val="tx1"/>
@@ -68,7 +68,7 @@
         <a:cs typeface="+mn-cs"/>
       </a:defRPr>
     </a:lvl2pPr>
-    <a:lvl3pPr marL="914377" algn="l" defTabSz="914377" rtl="0" eaLnBrk="1" latinLnBrk="0" hangingPunct="1">
+    <a:lvl3pPr marL="914400" algn="l" defTabSz="913765" rtl="0" eaLnBrk="1" latinLnBrk="0" hangingPunct="1">
       <a:defRPr sz="1800" kern="1200">
         <a:solidFill>
           <a:schemeClr val="tx1"/>
@@ -78,7 +78,7 @@
         <a:cs typeface="+mn-cs"/>
       </a:defRPr>
     </a:lvl3pPr>
-    <a:lvl4pPr marL="1371566" algn="l" defTabSz="914377" rtl="0" eaLnBrk="1" latinLnBrk="0" hangingPunct="1">
+    <a:lvl4pPr marL="1371600" algn="l" defTabSz="913765" rtl="0" eaLnBrk="1" latinLnBrk="0" hangingPunct="1">
       <a:defRPr sz="1800" kern="1200">
         <a:solidFill>
           <a:schemeClr val="tx1"/>
@@ -88,7 +88,7 @@
         <a:cs typeface="+mn-cs"/>
       </a:defRPr>
     </a:lvl4pPr>
-    <a:lvl5pPr marL="1828754" algn="l" defTabSz="914377" rtl="0" eaLnBrk="1" latinLnBrk="0" hangingPunct="1">
+    <a:lvl5pPr marL="1828800" algn="l" defTabSz="913765" rtl="0" eaLnBrk="1" latinLnBrk="0" hangingPunct="1">
       <a:defRPr sz="1800" kern="1200">
         <a:solidFill>
           <a:schemeClr val="tx1"/>
@@ -98,7 +98,7 @@
         <a:cs typeface="+mn-cs"/>
       </a:defRPr>
     </a:lvl5pPr>
-    <a:lvl6pPr marL="2285943" algn="l" defTabSz="914377" rtl="0" eaLnBrk="1" latinLnBrk="0" hangingPunct="1">
+    <a:lvl6pPr marL="2286000" algn="l" defTabSz="913765" rtl="0" eaLnBrk="1" latinLnBrk="0" hangingPunct="1">
       <a:defRPr sz="1800" kern="1200">
         <a:solidFill>
           <a:schemeClr val="tx1"/>
@@ -108,7 +108,7 @@
         <a:cs typeface="+mn-cs"/>
       </a:defRPr>
     </a:lvl6pPr>
-    <a:lvl7pPr marL="2743131" algn="l" defTabSz="914377" rtl="0" eaLnBrk="1" latinLnBrk="0" hangingPunct="1">
+    <a:lvl7pPr marL="2743200" algn="l" defTabSz="913765" rtl="0" eaLnBrk="1" latinLnBrk="0" hangingPunct="1">
       <a:defRPr sz="1800" kern="1200">
         <a:solidFill>
           <a:schemeClr val="tx1"/>
@@ -118,7 +118,7 @@
         <a:cs typeface="+mn-cs"/>
       </a:defRPr>
     </a:lvl7pPr>
-    <a:lvl8pPr marL="3200320" algn="l" defTabSz="914377" rtl="0" eaLnBrk="1" latinLnBrk="0" hangingPunct="1">
+    <a:lvl8pPr marL="3200400" algn="l" defTabSz="913765" rtl="0" eaLnBrk="1" latinLnBrk="0" hangingPunct="1">
       <a:defRPr sz="1800" kern="1200">
         <a:solidFill>
           <a:schemeClr val="tx1"/>
@@ -128,7 +128,7 @@
         <a:cs typeface="+mn-cs"/>
       </a:defRPr>
     </a:lvl8pPr>
-    <a:lvl9pPr marL="3657509" algn="l" defTabSz="914377" rtl="0" eaLnBrk="1" latinLnBrk="0" hangingPunct="1">
+    <a:lvl9pPr marL="3657600" algn="l" defTabSz="913765" rtl="0" eaLnBrk="1" latinLnBrk="0" hangingPunct="1">
       <a:defRPr sz="1800" kern="1200">
         <a:solidFill>
           <a:schemeClr val="tx1"/>
@@ -232,7 +232,7 @@
           <a:p>
             <a:fld id="{3E6E1E63-6347-BD4F-A808-7F54FA34CE72}" type="datetimeFigureOut">
               <a:rPr kumimoji="1" lang="zh-CN" altLang="en-US" smtClean="0"/>
-              <a:t>2018/6/2</a:t>
+              <a:t>2018/12/31</a:t>
             </a:fld>
             <a:endParaRPr kumimoji="1" lang="zh-CN" altLang="en-US"/>
           </a:p>
@@ -397,11 +397,6 @@
         </p:txBody>
       </p:sp>
     </p:spTree>
-    <p:extLst>
-      <p:ext uri="{BB962C8B-B14F-4D97-AF65-F5344CB8AC3E}">
-        <p14:creationId xmlns:p14="http://schemas.microsoft.com/office/powerpoint/2010/main" val="912194650"/>
-      </p:ext>
-    </p:extLst>
   </p:cSld>
   <p:clrMap bg1="lt1" tx1="dk1" bg2="lt2" tx2="dk2" accent1="accent1" accent2="accent2" accent3="accent3" accent4="accent4" accent5="accent5" accent6="accent6" hlink="hlink" folHlink="folHlink"/>
   <p:notesStyle>
@@ -571,11 +566,6 @@
         </p:txBody>
       </p:sp>
     </p:spTree>
-    <p:extLst>
-      <p:ext uri="{BB962C8B-B14F-4D97-AF65-F5344CB8AC3E}">
-        <p14:creationId xmlns:p14="http://schemas.microsoft.com/office/powerpoint/2010/main" val="307108529"/>
-      </p:ext>
-    </p:extLst>
   </p:cSld>
   <p:clrMapOvr>
     <a:masterClrMapping/>
@@ -655,11 +645,6 @@
         </p:txBody>
       </p:sp>
     </p:spTree>
-    <p:extLst>
-      <p:ext uri="{BB962C8B-B14F-4D97-AF65-F5344CB8AC3E}">
-        <p14:creationId xmlns:p14="http://schemas.microsoft.com/office/powerpoint/2010/main" val="695496223"/>
-      </p:ext>
-    </p:extLst>
   </p:cSld>
   <p:clrMapOvr>
     <a:masterClrMapping/>
@@ -739,11 +724,6 @@
         </p:txBody>
       </p:sp>
     </p:spTree>
-    <p:extLst>
-      <p:ext uri="{BB962C8B-B14F-4D97-AF65-F5344CB8AC3E}">
-        <p14:creationId xmlns:p14="http://schemas.microsoft.com/office/powerpoint/2010/main" val="3007203104"/>
-      </p:ext>
-    </p:extLst>
   </p:cSld>
   <p:clrMapOvr>
     <a:masterClrMapping/>
@@ -823,11 +803,6 @@
         </p:txBody>
       </p:sp>
     </p:spTree>
-    <p:extLst>
-      <p:ext uri="{BB962C8B-B14F-4D97-AF65-F5344CB8AC3E}">
-        <p14:creationId xmlns:p14="http://schemas.microsoft.com/office/powerpoint/2010/main" val="3696446275"/>
-      </p:ext>
-    </p:extLst>
   </p:cSld>
   <p:clrMapOvr>
     <a:masterClrMapping/>
@@ -1601,9 +1576,6 @@
         </p:style>
         <p:txBody>
           <a:bodyPr rot="0" spcFirstLastPara="0" vertOverflow="overflow" horzOverflow="overflow" vert="horz" wrap="square" lIns="91440" tIns="45720" rIns="91440" bIns="45720" numCol="1" spcCol="0" rtlCol="0" fromWordArt="0" anchor="ctr" anchorCtr="0" forceAA="0" compatLnSpc="1">
-            <a:prstTxWarp prst="textNoShape">
-              <a:avLst/>
-            </a:prstTxWarp>
             <a:noAutofit/>
           </a:bodyPr>
           <a:lstStyle/>
@@ -1974,9 +1946,6 @@
         </p:style>
         <p:txBody>
           <a:bodyPr rot="0" spcFirstLastPara="0" vertOverflow="overflow" horzOverflow="overflow" vert="horz" wrap="square" lIns="91440" tIns="45720" rIns="91440" bIns="45720" numCol="1" spcCol="0" rtlCol="0" fromWordArt="0" anchor="ctr" anchorCtr="0" forceAA="0" compatLnSpc="1">
-            <a:prstTxWarp prst="textNoShape">
-              <a:avLst/>
-            </a:prstTxWarp>
             <a:noAutofit/>
           </a:bodyPr>
           <a:lstStyle/>
@@ -2229,9 +2198,6 @@
         </p:style>
         <p:txBody>
           <a:bodyPr rot="0" spcFirstLastPara="0" vertOverflow="overflow" horzOverflow="overflow" vert="horz" wrap="square" lIns="91440" tIns="45720" rIns="91440" bIns="45720" numCol="1" spcCol="0" rtlCol="0" fromWordArt="0" anchor="ctr" anchorCtr="0" forceAA="0" compatLnSpc="1">
-            <a:prstTxWarp prst="textNoShape">
-              <a:avLst/>
-            </a:prstTxWarp>
             <a:noAutofit/>
           </a:bodyPr>
           <a:lstStyle/>
@@ -2464,9 +2430,6 @@
         </p:style>
         <p:txBody>
           <a:bodyPr rot="0" spcFirstLastPara="0" vertOverflow="overflow" horzOverflow="overflow" vert="horz" wrap="square" lIns="91440" tIns="45720" rIns="91440" bIns="45720" numCol="1" spcCol="0" rtlCol="0" fromWordArt="0" anchor="ctr" anchorCtr="0" forceAA="0" compatLnSpc="1">
-            <a:prstTxWarp prst="textNoShape">
-              <a:avLst/>
-            </a:prstTxWarp>
             <a:noAutofit/>
           </a:bodyPr>
           <a:lstStyle/>
@@ -2594,9 +2557,6 @@
         </p:style>
         <p:txBody>
           <a:bodyPr rot="0" spcFirstLastPara="0" vertOverflow="overflow" horzOverflow="overflow" vert="horz" wrap="square" lIns="91440" tIns="45720" rIns="91440" bIns="45720" numCol="1" spcCol="0" rtlCol="0" fromWordArt="0" anchor="ctr" anchorCtr="0" forceAA="0" compatLnSpc="1">
-            <a:prstTxWarp prst="textNoShape">
-              <a:avLst/>
-            </a:prstTxWarp>
             <a:noAutofit/>
           </a:bodyPr>
           <a:lstStyle/>
@@ -3383,9 +3343,6 @@
         </p:style>
         <p:txBody>
           <a:bodyPr rot="0" spcFirstLastPara="0" vertOverflow="overflow" horzOverflow="overflow" vert="horz" wrap="square" lIns="91440" tIns="45720" rIns="91440" bIns="45720" numCol="1" spcCol="0" rtlCol="0" fromWordArt="0" anchor="ctr" anchorCtr="0" forceAA="0" compatLnSpc="1">
-            <a:prstTxWarp prst="textNoShape">
-              <a:avLst/>
-            </a:prstTxWarp>
             <a:noAutofit/>
           </a:bodyPr>
           <a:lstStyle/>
@@ -4389,9 +4346,6 @@
         </p:style>
         <p:txBody>
           <a:bodyPr rot="0" spcFirstLastPara="0" vertOverflow="overflow" horzOverflow="overflow" vert="horz" wrap="square" lIns="91440" tIns="45720" rIns="91440" bIns="45720" numCol="1" spcCol="0" rtlCol="0" fromWordArt="0" anchor="ctr" anchorCtr="0" forceAA="0" compatLnSpc="1">
-            <a:prstTxWarp prst="textNoShape">
-              <a:avLst/>
-            </a:prstTxWarp>
             <a:noAutofit/>
           </a:bodyPr>
           <a:lstStyle/>
@@ -4477,9 +4431,6 @@
         </p:style>
         <p:txBody>
           <a:bodyPr rot="0" spcFirstLastPara="0" vertOverflow="overflow" horzOverflow="overflow" vert="horz" wrap="square" lIns="91440" tIns="45720" rIns="91440" bIns="45720" numCol="1" spcCol="0" rtlCol="0" fromWordArt="0" anchor="ctr" anchorCtr="0" forceAA="0" compatLnSpc="1">
-            <a:prstTxWarp prst="textNoShape">
-              <a:avLst/>
-            </a:prstTxWarp>
             <a:noAutofit/>
           </a:bodyPr>
           <a:lstStyle/>
@@ -4533,11 +4484,6 @@
         </p:txBody>
       </p:sp>
     </p:spTree>
-    <p:extLst>
-      <p:ext uri="{BB962C8B-B14F-4D97-AF65-F5344CB8AC3E}">
-        <p14:creationId xmlns:p14="http://schemas.microsoft.com/office/powerpoint/2010/main" val="1620699520"/>
-      </p:ext>
-    </p:extLst>
   </p:cSld>
   <p:clrMapOvr>
     <a:masterClrMapping/>
@@ -4583,7 +4529,7 @@
           </a:bodyPr>
           <a:lstStyle/>
           <a:p>
-            <a:pPr defTabSz="609585"/>
+            <a:pPr defTabSz="608965"/>
             <a:r>
               <a:rPr lang="zh-CN" altLang="en-US" sz="1800" dirty="0">
                 <a:solidFill>
@@ -4592,9 +4538,9 @@
                     <a:lumOff val="25000"/>
                   </a:schemeClr>
                 </a:solidFill>
-                <a:latin typeface="Segoe UI Light"/>
-                <a:ea typeface="微软雅黑"/>
-                <a:cs typeface="Segoe UI Light"/>
+                <a:latin typeface="Segoe UI Light" panose="020B0502040204020203"/>
+                <a:ea typeface="微软雅黑" panose="020B0503020204020204" charset="-122"/>
+                <a:cs typeface="Segoe UI Light" panose="020B0502040204020203"/>
               </a:rPr>
               <a:t>背景图片素材</a:t>
             </a:r>
@@ -4622,7 +4568,7 @@
           </a:bodyPr>
           <a:lstStyle/>
           <a:p>
-            <a:pPr defTabSz="609585"/>
+            <a:pPr defTabSz="608965"/>
             <a:r>
               <a:rPr kumimoji="1" lang="en-US" altLang="zh-CN" sz="1000" dirty="0">
                 <a:solidFill>
@@ -4631,9 +4577,9 @@
                     <a:lumOff val="25000"/>
                   </a:schemeClr>
                 </a:solidFill>
-                <a:latin typeface="Segoe UI Light"/>
-                <a:ea typeface="微软雅黑" charset="0"/>
-                <a:cs typeface="Segoe UI Light"/>
+                <a:latin typeface="Segoe UI Light" panose="020B0502040204020203"/>
+                <a:ea typeface="微软雅黑" panose="020B0503020204020204" charset="-122"/>
+                <a:cs typeface="Segoe UI Light" panose="020B0502040204020203"/>
               </a:rPr>
               <a:t>OfficePLUS</a:t>
             </a:r>
@@ -4644,19 +4590,14 @@
                   <a:lumOff val="25000"/>
                 </a:schemeClr>
               </a:solidFill>
-              <a:latin typeface="Segoe UI Light"/>
-              <a:ea typeface="微软雅黑" charset="0"/>
-              <a:cs typeface="Segoe UI Light"/>
+              <a:latin typeface="Segoe UI Light" panose="020B0502040204020203"/>
+              <a:ea typeface="微软雅黑" panose="020B0503020204020204" charset="-122"/>
+              <a:cs typeface="Segoe UI Light" panose="020B0502040204020203"/>
             </a:endParaRPr>
           </a:p>
         </p:txBody>
       </p:sp>
     </p:spTree>
-    <p:extLst>
-      <p:ext uri="{BB962C8B-B14F-4D97-AF65-F5344CB8AC3E}">
-        <p14:creationId xmlns:p14="http://schemas.microsoft.com/office/powerpoint/2010/main" val="141874670"/>
-      </p:ext>
-    </p:extLst>
   </p:cSld>
   <p:clrMapOvr>
     <a:masterClrMapping/>
@@ -4703,7 +4644,7 @@
           </a:bodyPr>
           <a:lstStyle/>
           <a:p>
-            <a:pPr marL="0" marR="0" lvl="0" indent="0" algn="ctr" defTabSz="609585" eaLnBrk="1" fontAlgn="auto" latinLnBrk="0" hangingPunct="1">
+            <a:pPr marL="0" marR="0" lvl="0" indent="0" algn="ctr" defTabSz="608965" eaLnBrk="1" fontAlgn="auto" latinLnBrk="0" hangingPunct="1">
               <a:lnSpc>
                 <a:spcPct val="100000"/>
               </a:lnSpc>
@@ -4717,11 +4658,10 @@
               <a:buSzTx/>
               <a:buFontTx/>
               <a:buNone/>
-              <a:tabLst/>
               <a:defRPr/>
             </a:pPr>
             <a:r>
-              <a:rPr kumimoji="1" lang="zh-CN" altLang="en-US" sz="1333" b="0" i="0" u="none" strike="noStrike" kern="0" cap="none" spc="0" normalizeH="0" baseline="0" noProof="0" dirty="0">
+              <a:rPr kumimoji="1" lang="zh-CN" altLang="en-US" sz="1335" b="0" i="0" u="none" strike="noStrike" kern="0" cap="none" spc="0" normalizeH="0" baseline="0" noProof="0" dirty="0">
                 <a:ln>
                   <a:noFill/>
                 </a:ln>
@@ -4731,13 +4671,13 @@
                 <a:effectLst/>
                 <a:uLnTx/>
                 <a:uFillTx/>
-                <a:latin typeface="Century Gothic"/>
-                <a:ea typeface="微软雅黑" charset="0"/>
+                <a:latin typeface="Century Gothic" panose="020B0502020202020204"/>
+                <a:ea typeface="微软雅黑" panose="020B0503020204020204" charset="-122"/>
               </a:rPr>
               <a:t>点击</a:t>
             </a:r>
             <a:r>
-              <a:rPr kumimoji="1" lang="en-US" altLang="zh-CN" sz="1333" b="0" i="0" u="none" strike="noStrike" kern="0" cap="none" spc="0" normalizeH="0" baseline="0" noProof="0" dirty="0">
+              <a:rPr kumimoji="1" lang="en-US" altLang="zh-CN" sz="1335" b="0" i="0" u="none" strike="noStrike" kern="0" cap="none" spc="0" normalizeH="0" baseline="0" noProof="0" dirty="0">
                 <a:ln>
                   <a:noFill/>
                 </a:ln>
@@ -4747,14 +4687,14 @@
                 <a:effectLst/>
                 <a:uLnTx/>
                 <a:uFillTx/>
-                <a:latin typeface="Segoe UI Light" charset="0"/>
-                <a:ea typeface="Segoe UI Light" charset="0"/>
-                <a:cs typeface="Segoe UI Light" charset="0"/>
+                <a:latin typeface="Segoe UI Light" panose="020B0502040204020203" charset="0"/>
+                <a:ea typeface="Segoe UI Light" panose="020B0502040204020203" charset="0"/>
+                <a:cs typeface="Segoe UI Light" panose="020B0502040204020203" charset="0"/>
               </a:rPr>
               <a:t>Logo</a:t>
             </a:r>
             <a:r>
-              <a:rPr kumimoji="1" lang="zh-CN" altLang="en-US" sz="1333" b="0" i="0" u="none" strike="noStrike" kern="0" cap="none" spc="0" normalizeH="0" baseline="0" noProof="0" dirty="0">
+              <a:rPr kumimoji="1" lang="zh-CN" altLang="en-US" sz="1335" b="0" i="0" u="none" strike="noStrike" kern="0" cap="none" spc="0" normalizeH="0" baseline="0" noProof="0" dirty="0">
                 <a:ln>
                   <a:noFill/>
                 </a:ln>
@@ -4764,8 +4704,8 @@
                 <a:effectLst/>
                 <a:uLnTx/>
                 <a:uFillTx/>
-                <a:latin typeface="Century Gothic"/>
-                <a:ea typeface="微软雅黑" charset="0"/>
+                <a:latin typeface="Century Gothic" panose="020B0502020202020204"/>
+                <a:ea typeface="微软雅黑" panose="020B0503020204020204" charset="-122"/>
               </a:rPr>
               <a:t>获取更多优质模板（放映模式）</a:t>
             </a:r>
@@ -4805,11 +4745,6 @@
         </p:spPr>
       </p:pic>
     </p:spTree>
-    <p:extLst>
-      <p:ext uri="{BB962C8B-B14F-4D97-AF65-F5344CB8AC3E}">
-        <p14:creationId xmlns:p14="http://schemas.microsoft.com/office/powerpoint/2010/main" val="3417325454"/>
-      </p:ext>
-    </p:extLst>
   </p:cSld>
   <p:clrMapOvr>
     <a:masterClrMapping/>
@@ -4882,9 +4817,6 @@
         </p:style>
         <p:txBody>
           <a:bodyPr rot="0" spcFirstLastPara="0" vertOverflow="overflow" horzOverflow="overflow" vert="horz" wrap="square" lIns="91440" tIns="45720" rIns="91440" bIns="45720" numCol="1" spcCol="0" rtlCol="0" fromWordArt="0" anchor="ctr" anchorCtr="0" forceAA="0" compatLnSpc="1">
-            <a:prstTxWarp prst="textNoShape">
-              <a:avLst/>
-            </a:prstTxWarp>
             <a:noAutofit/>
           </a:bodyPr>
           <a:lstStyle/>
@@ -5187,11 +5119,6 @@
         </p:txBody>
       </p:sp>
     </p:spTree>
-    <p:extLst>
-      <p:ext uri="{BB962C8B-B14F-4D97-AF65-F5344CB8AC3E}">
-        <p14:creationId xmlns:p14="http://schemas.microsoft.com/office/powerpoint/2010/main" val="772159250"/>
-      </p:ext>
-    </p:extLst>
   </p:cSld>
   <p:clrMapOvr>
     <a:masterClrMapping/>
@@ -5252,9 +5179,6 @@
         </p:style>
         <p:txBody>
           <a:bodyPr rot="0" spcFirstLastPara="0" vertOverflow="overflow" horzOverflow="overflow" vert="horz" wrap="square" lIns="91440" tIns="45720" rIns="91440" bIns="45720" numCol="1" spcCol="0" rtlCol="0" fromWordArt="0" anchor="ctr" anchorCtr="0" forceAA="0" compatLnSpc="1">
-            <a:prstTxWarp prst="textNoShape">
-              <a:avLst/>
-            </a:prstTxWarp>
             <a:noAutofit/>
           </a:bodyPr>
           <a:lstStyle/>
@@ -5641,11 +5565,6 @@
         </p:txBody>
       </p:sp>
     </p:spTree>
-    <p:extLst>
-      <p:ext uri="{BB962C8B-B14F-4D97-AF65-F5344CB8AC3E}">
-        <p14:creationId xmlns:p14="http://schemas.microsoft.com/office/powerpoint/2010/main" val="933596911"/>
-      </p:ext>
-    </p:extLst>
   </p:cSld>
   <p:clrMapOvr>
     <a:masterClrMapping/>
@@ -5706,9 +5625,6 @@
         </p:style>
         <p:txBody>
           <a:bodyPr rot="0" spcFirstLastPara="0" vertOverflow="overflow" horzOverflow="overflow" vert="horz" wrap="square" lIns="91440" tIns="45720" rIns="91440" bIns="45720" numCol="1" spcCol="0" rtlCol="0" fromWordArt="0" anchor="ctr" anchorCtr="0" forceAA="0" compatLnSpc="1">
-            <a:prstTxWarp prst="textNoShape">
-              <a:avLst/>
-            </a:prstTxWarp>
             <a:noAutofit/>
           </a:bodyPr>
           <a:lstStyle/>
@@ -6179,11 +6095,6 @@
         </p:txBody>
       </p:sp>
     </p:spTree>
-    <p:extLst>
-      <p:ext uri="{BB962C8B-B14F-4D97-AF65-F5344CB8AC3E}">
-        <p14:creationId xmlns:p14="http://schemas.microsoft.com/office/powerpoint/2010/main" val="1424321892"/>
-      </p:ext>
-    </p:extLst>
   </p:cSld>
   <p:clrMapOvr>
     <a:masterClrMapping/>
@@ -6244,9 +6155,6 @@
         </p:style>
         <p:txBody>
           <a:bodyPr rot="0" spcFirstLastPara="0" vertOverflow="overflow" horzOverflow="overflow" vert="horz" wrap="square" lIns="91440" tIns="45720" rIns="91440" bIns="45720" numCol="1" spcCol="0" rtlCol="0" fromWordArt="0" anchor="ctr" anchorCtr="0" forceAA="0" compatLnSpc="1">
-            <a:prstTxWarp prst="textNoShape">
-              <a:avLst/>
-            </a:prstTxWarp>
             <a:noAutofit/>
           </a:bodyPr>
           <a:lstStyle/>
@@ -6801,11 +6709,6 @@
         </p:txBody>
       </p:sp>
     </p:spTree>
-    <p:extLst>
-      <p:ext uri="{BB962C8B-B14F-4D97-AF65-F5344CB8AC3E}">
-        <p14:creationId xmlns:p14="http://schemas.microsoft.com/office/powerpoint/2010/main" val="418646579"/>
-      </p:ext>
-    </p:extLst>
   </p:cSld>
   <p:clrMapOvr>
     <a:masterClrMapping/>
@@ -7579,9 +7482,6 @@
         </p:style>
         <p:txBody>
           <a:bodyPr rot="0" spcFirstLastPara="0" vertOverflow="overflow" horzOverflow="overflow" vert="horz" wrap="square" lIns="91440" tIns="45720" rIns="91440" bIns="45720" numCol="1" spcCol="0" rtlCol="0" fromWordArt="0" anchor="ctr" anchorCtr="0" forceAA="0" compatLnSpc="1">
-            <a:prstTxWarp prst="textNoShape">
-              <a:avLst/>
-            </a:prstTxWarp>
             <a:noAutofit/>
           </a:bodyPr>
           <a:lstStyle/>
@@ -7952,9 +7852,6 @@
         </p:style>
         <p:txBody>
           <a:bodyPr rot="0" spcFirstLastPara="0" vertOverflow="overflow" horzOverflow="overflow" vert="horz" wrap="square" lIns="91440" tIns="45720" rIns="91440" bIns="45720" numCol="1" spcCol="0" rtlCol="0" fromWordArt="0" anchor="ctr" anchorCtr="0" forceAA="0" compatLnSpc="1">
-            <a:prstTxWarp prst="textNoShape">
-              <a:avLst/>
-            </a:prstTxWarp>
             <a:noAutofit/>
           </a:bodyPr>
           <a:lstStyle/>
@@ -8207,9 +8104,6 @@
         </p:style>
         <p:txBody>
           <a:bodyPr rot="0" spcFirstLastPara="0" vertOverflow="overflow" horzOverflow="overflow" vert="horz" wrap="square" lIns="91440" tIns="45720" rIns="91440" bIns="45720" numCol="1" spcCol="0" rtlCol="0" fromWordArt="0" anchor="ctr" anchorCtr="0" forceAA="0" compatLnSpc="1">
-            <a:prstTxWarp prst="textNoShape">
-              <a:avLst/>
-            </a:prstTxWarp>
             <a:noAutofit/>
           </a:bodyPr>
           <a:lstStyle/>
@@ -8442,9 +8336,6 @@
         </p:style>
         <p:txBody>
           <a:bodyPr rot="0" spcFirstLastPara="0" vertOverflow="overflow" horzOverflow="overflow" vert="horz" wrap="square" lIns="91440" tIns="45720" rIns="91440" bIns="45720" numCol="1" spcCol="0" rtlCol="0" fromWordArt="0" anchor="ctr" anchorCtr="0" forceAA="0" compatLnSpc="1">
-            <a:prstTxWarp prst="textNoShape">
-              <a:avLst/>
-            </a:prstTxWarp>
             <a:noAutofit/>
           </a:bodyPr>
           <a:lstStyle/>
@@ -8572,9 +8463,6 @@
         </p:style>
         <p:txBody>
           <a:bodyPr rot="0" spcFirstLastPara="0" vertOverflow="overflow" horzOverflow="overflow" vert="horz" wrap="square" lIns="91440" tIns="45720" rIns="91440" bIns="45720" numCol="1" spcCol="0" rtlCol="0" fromWordArt="0" anchor="ctr" anchorCtr="0" forceAA="0" compatLnSpc="1">
-            <a:prstTxWarp prst="textNoShape">
-              <a:avLst/>
-            </a:prstTxWarp>
             <a:noAutofit/>
           </a:bodyPr>
           <a:lstStyle/>
@@ -9361,9 +9249,6 @@
         </p:style>
         <p:txBody>
           <a:bodyPr rot="0" spcFirstLastPara="0" vertOverflow="overflow" horzOverflow="overflow" vert="horz" wrap="square" lIns="91440" tIns="45720" rIns="91440" bIns="45720" numCol="1" spcCol="0" rtlCol="0" fromWordArt="0" anchor="ctr" anchorCtr="0" forceAA="0" compatLnSpc="1">
-            <a:prstTxWarp prst="textNoShape">
-              <a:avLst/>
-            </a:prstTxWarp>
             <a:noAutofit/>
           </a:bodyPr>
           <a:lstStyle/>
@@ -10327,9 +10212,6 @@
         </p:style>
         <p:txBody>
           <a:bodyPr rot="0" spcFirstLastPara="0" vertOverflow="overflow" horzOverflow="overflow" vert="horz" wrap="square" lIns="91440" tIns="45720" rIns="91440" bIns="45720" numCol="1" spcCol="0" rtlCol="0" fromWordArt="0" anchor="ctr" anchorCtr="0" forceAA="0" compatLnSpc="1">
-            <a:prstTxWarp prst="textNoShape">
-              <a:avLst/>
-            </a:prstTxWarp>
             <a:noAutofit/>
           </a:bodyPr>
           <a:lstStyle/>
@@ -10375,9 +10257,6 @@
         </p:style>
         <p:txBody>
           <a:bodyPr rot="0" spcFirstLastPara="0" vertOverflow="overflow" horzOverflow="overflow" vert="horz" wrap="square" lIns="91440" tIns="45720" rIns="91440" bIns="45720" numCol="1" spcCol="0" rtlCol="0" fromWordArt="0" anchor="ctr" anchorCtr="0" forceAA="0" compatLnSpc="1">
-            <a:prstTxWarp prst="textNoShape">
-              <a:avLst/>
-            </a:prstTxWarp>
             <a:noAutofit/>
           </a:bodyPr>
           <a:lstStyle/>
@@ -10472,11 +10351,6 @@
         </p:txBody>
       </p:sp>
     </p:spTree>
-    <p:extLst>
-      <p:ext uri="{BB962C8B-B14F-4D97-AF65-F5344CB8AC3E}">
-        <p14:creationId xmlns:p14="http://schemas.microsoft.com/office/powerpoint/2010/main" val="1886374673"/>
-      </p:ext>
-    </p:extLst>
   </p:cSld>
   <p:clrMapOvr>
     <a:masterClrMapping/>
@@ -11264,9 +11138,6 @@
           </p:style>
           <p:txBody>
             <a:bodyPr rot="0" spcFirstLastPara="0" vertOverflow="overflow" horzOverflow="overflow" vert="horz" wrap="square" lIns="91440" tIns="45720" rIns="91440" bIns="45720" numCol="1" spcCol="0" rtlCol="0" fromWordArt="0" anchor="ctr" anchorCtr="0" forceAA="0" compatLnSpc="1">
-              <a:prstTxWarp prst="textNoShape">
-                <a:avLst/>
-              </a:prstTxWarp>
               <a:noAutofit/>
             </a:bodyPr>
             <a:lstStyle/>
@@ -11637,9 +11508,6 @@
           </p:style>
           <p:txBody>
             <a:bodyPr rot="0" spcFirstLastPara="0" vertOverflow="overflow" horzOverflow="overflow" vert="horz" wrap="square" lIns="91440" tIns="45720" rIns="91440" bIns="45720" numCol="1" spcCol="0" rtlCol="0" fromWordArt="0" anchor="ctr" anchorCtr="0" forceAA="0" compatLnSpc="1">
-              <a:prstTxWarp prst="textNoShape">
-                <a:avLst/>
-              </a:prstTxWarp>
               <a:noAutofit/>
             </a:bodyPr>
             <a:lstStyle/>
@@ -11892,9 +11760,6 @@
           </p:style>
           <p:txBody>
             <a:bodyPr rot="0" spcFirstLastPara="0" vertOverflow="overflow" horzOverflow="overflow" vert="horz" wrap="square" lIns="91440" tIns="45720" rIns="91440" bIns="45720" numCol="1" spcCol="0" rtlCol="0" fromWordArt="0" anchor="ctr" anchorCtr="0" forceAA="0" compatLnSpc="1">
-              <a:prstTxWarp prst="textNoShape">
-                <a:avLst/>
-              </a:prstTxWarp>
               <a:noAutofit/>
             </a:bodyPr>
             <a:lstStyle/>
@@ -12127,9 +11992,6 @@
           </p:style>
           <p:txBody>
             <a:bodyPr rot="0" spcFirstLastPara="0" vertOverflow="overflow" horzOverflow="overflow" vert="horz" wrap="square" lIns="91440" tIns="45720" rIns="91440" bIns="45720" numCol="1" spcCol="0" rtlCol="0" fromWordArt="0" anchor="ctr" anchorCtr="0" forceAA="0" compatLnSpc="1">
-              <a:prstTxWarp prst="textNoShape">
-                <a:avLst/>
-              </a:prstTxWarp>
               <a:noAutofit/>
             </a:bodyPr>
             <a:lstStyle/>
@@ -12257,9 +12119,6 @@
           </p:style>
           <p:txBody>
             <a:bodyPr rot="0" spcFirstLastPara="0" vertOverflow="overflow" horzOverflow="overflow" vert="horz" wrap="square" lIns="91440" tIns="45720" rIns="91440" bIns="45720" numCol="1" spcCol="0" rtlCol="0" fromWordArt="0" anchor="ctr" anchorCtr="0" forceAA="0" compatLnSpc="1">
-              <a:prstTxWarp prst="textNoShape">
-                <a:avLst/>
-              </a:prstTxWarp>
               <a:noAutofit/>
             </a:bodyPr>
             <a:lstStyle/>
@@ -13046,9 +12905,6 @@
           </p:style>
           <p:txBody>
             <a:bodyPr rot="0" spcFirstLastPara="0" vertOverflow="overflow" horzOverflow="overflow" vert="horz" wrap="square" lIns="91440" tIns="45720" rIns="91440" bIns="45720" numCol="1" spcCol="0" rtlCol="0" fromWordArt="0" anchor="ctr" anchorCtr="0" forceAA="0" compatLnSpc="1">
-              <a:prstTxWarp prst="textNoShape">
-                <a:avLst/>
-              </a:prstTxWarp>
               <a:noAutofit/>
             </a:bodyPr>
             <a:lstStyle/>
@@ -14012,9 +13868,6 @@
           </p:style>
           <p:txBody>
             <a:bodyPr rot="0" spcFirstLastPara="0" vertOverflow="overflow" horzOverflow="overflow" vert="horz" wrap="square" lIns="91440" tIns="45720" rIns="91440" bIns="45720" numCol="1" spcCol="0" rtlCol="0" fromWordArt="0" anchor="ctr" anchorCtr="0" forceAA="0" compatLnSpc="1">
-              <a:prstTxWarp prst="textNoShape">
-                <a:avLst/>
-              </a:prstTxWarp>
               <a:noAutofit/>
             </a:bodyPr>
             <a:lstStyle/>
@@ -14116,11 +13969,6 @@
         </p:txBody>
       </p:sp>
     </p:spTree>
-    <p:extLst>
-      <p:ext uri="{BB962C8B-B14F-4D97-AF65-F5344CB8AC3E}">
-        <p14:creationId xmlns:p14="http://schemas.microsoft.com/office/powerpoint/2010/main" val="1632621729"/>
-      </p:ext>
-    </p:extLst>
   </p:cSld>
   <p:clrMapOvr>
     <a:masterClrMapping/>
@@ -14146,11 +13994,6 @@
         </a:xfrm>
       </p:grpSpPr>
     </p:spTree>
-    <p:extLst>
-      <p:ext uri="{BB962C8B-B14F-4D97-AF65-F5344CB8AC3E}">
-        <p14:creationId xmlns:p14="http://schemas.microsoft.com/office/powerpoint/2010/main" val="1286966948"/>
-      </p:ext>
-    </p:extLst>
   </p:cSld>
   <p:clrMapOvr>
     <a:masterClrMapping/>
@@ -14204,7 +14047,7 @@
           </a:bodyPr>
           <a:lstStyle/>
           <a:p>
-            <a:pPr marL="0" marR="0" lvl="0" indent="0" defTabSz="609585" eaLnBrk="1" fontAlgn="auto" latinLnBrk="0" hangingPunct="1">
+            <a:pPr marL="0" marR="0" lvl="0" indent="0" defTabSz="608965" eaLnBrk="1" fontAlgn="auto" latinLnBrk="0" hangingPunct="1">
               <a:lnSpc>
                 <a:spcPct val="100000"/>
               </a:lnSpc>
@@ -14218,7 +14061,6 @@
               <a:buSzTx/>
               <a:buFontTx/>
               <a:buNone/>
-              <a:tabLst/>
               <a:defRPr/>
             </a:pPr>
             <a:r>
@@ -14232,9 +14074,9 @@
                 <a:effectLst/>
                 <a:uLnTx/>
                 <a:uFillTx/>
-                <a:latin typeface="Segoe UI Light"/>
-                <a:ea typeface="微软雅黑"/>
-                <a:cs typeface="Segoe UI Light"/>
+                <a:latin typeface="Segoe UI Light" panose="020B0502040204020203"/>
+                <a:ea typeface="微软雅黑" panose="020B0503020204020204" charset="-122"/>
+                <a:cs typeface="Segoe UI Light" panose="020B0502040204020203"/>
               </a:rPr>
               <a:t>标注</a:t>
             </a:r>
@@ -14262,7 +14104,7 @@
           </a:bodyPr>
           <a:lstStyle/>
           <a:p>
-            <a:pPr marL="0" marR="0" lvl="0" indent="0" defTabSz="609585" eaLnBrk="1" fontAlgn="auto" latinLnBrk="0" hangingPunct="1">
+            <a:pPr marL="0" marR="0" lvl="0" indent="0" defTabSz="608965" eaLnBrk="1" fontAlgn="auto" latinLnBrk="0" hangingPunct="1">
               <a:lnSpc>
                 <a:spcPct val="130000"/>
               </a:lnSpc>
@@ -14276,7 +14118,6 @@
               <a:buSzTx/>
               <a:buFontTx/>
               <a:buNone/>
-              <a:tabLst/>
               <a:defRPr/>
             </a:pPr>
             <a:r>
@@ -14290,9 +14131,9 @@
                 <a:effectLst/>
                 <a:uLnTx/>
                 <a:uFillTx/>
-                <a:latin typeface="Segoe UI Light"/>
-                <a:ea typeface="微软雅黑"/>
-                <a:cs typeface="Segoe UI Light"/>
+                <a:latin typeface="Segoe UI Light" panose="020B0502040204020203"/>
+                <a:ea typeface="微软雅黑" panose="020B0503020204020204" charset="-122"/>
+                <a:cs typeface="Segoe UI Light" panose="020B0502040204020203"/>
               </a:rPr>
               <a:t>字体使用 </a:t>
             </a:r>
@@ -14306,13 +14147,13 @@
               <a:effectLst/>
               <a:uLnTx/>
               <a:uFillTx/>
-              <a:latin typeface="Segoe UI Light"/>
-              <a:ea typeface="微软雅黑"/>
-              <a:cs typeface="Segoe UI Light"/>
+              <a:latin typeface="Segoe UI Light" panose="020B0502040204020203"/>
+              <a:ea typeface="微软雅黑" panose="020B0503020204020204" charset="-122"/>
+              <a:cs typeface="Segoe UI Light" panose="020B0502040204020203"/>
             </a:endParaRPr>
           </a:p>
           <a:p>
-            <a:pPr marL="0" marR="0" lvl="0" indent="0" defTabSz="609585" eaLnBrk="1" fontAlgn="auto" latinLnBrk="0" hangingPunct="1">
+            <a:pPr marL="0" marR="0" lvl="0" indent="0" defTabSz="608965" eaLnBrk="1" fontAlgn="auto" latinLnBrk="0" hangingPunct="1">
               <a:lnSpc>
                 <a:spcPct val="130000"/>
               </a:lnSpc>
@@ -14326,7 +14167,6 @@
               <a:buSzTx/>
               <a:buFontTx/>
               <a:buNone/>
-              <a:tabLst/>
               <a:defRPr/>
             </a:pPr>
             <a:endParaRPr kumimoji="0" lang="en-US" altLang="zh-CN" sz="1400" b="0" i="0" u="none" strike="noStrike" kern="0" cap="none" spc="0" normalizeH="0" baseline="0" noProof="0" dirty="0">
@@ -14339,13 +14179,13 @@
               <a:effectLst/>
               <a:uLnTx/>
               <a:uFillTx/>
-              <a:latin typeface="Segoe UI Light"/>
-              <a:ea typeface="微软雅黑"/>
-              <a:cs typeface="Segoe UI Light"/>
+              <a:latin typeface="Segoe UI Light" panose="020B0502040204020203"/>
+              <a:ea typeface="微软雅黑" panose="020B0503020204020204" charset="-122"/>
+              <a:cs typeface="Segoe UI Light" panose="020B0502040204020203"/>
             </a:endParaRPr>
           </a:p>
           <a:p>
-            <a:pPr marL="0" marR="0" lvl="0" indent="0" defTabSz="609585" eaLnBrk="1" fontAlgn="auto" latinLnBrk="0" hangingPunct="1">
+            <a:pPr marL="0" marR="0" lvl="0" indent="0" defTabSz="608965" eaLnBrk="1" fontAlgn="auto" latinLnBrk="0" hangingPunct="1">
               <a:lnSpc>
                 <a:spcPct val="130000"/>
               </a:lnSpc>
@@ -14359,7 +14199,6 @@
               <a:buSzTx/>
               <a:buFontTx/>
               <a:buNone/>
-              <a:tabLst/>
               <a:defRPr/>
             </a:pPr>
             <a:endParaRPr kumimoji="0" lang="en-US" altLang="zh-CN" sz="1400" b="0" i="0" u="none" strike="noStrike" kern="0" cap="none" spc="0" normalizeH="0" baseline="0" noProof="0" dirty="0">
@@ -14372,13 +14211,13 @@
               <a:effectLst/>
               <a:uLnTx/>
               <a:uFillTx/>
-              <a:latin typeface="Segoe UI Light"/>
-              <a:ea typeface="微软雅黑"/>
-              <a:cs typeface="Segoe UI Light"/>
+              <a:latin typeface="Segoe UI Light" panose="020B0502040204020203"/>
+              <a:ea typeface="微软雅黑" panose="020B0503020204020204" charset="-122"/>
+              <a:cs typeface="Segoe UI Light" panose="020B0502040204020203"/>
             </a:endParaRPr>
           </a:p>
           <a:p>
-            <a:pPr marL="0" marR="0" lvl="0" indent="0" defTabSz="609585" eaLnBrk="1" fontAlgn="auto" latinLnBrk="0" hangingPunct="1">
+            <a:pPr marL="0" marR="0" lvl="0" indent="0" defTabSz="608965" eaLnBrk="1" fontAlgn="auto" latinLnBrk="0" hangingPunct="1">
               <a:lnSpc>
                 <a:spcPct val="130000"/>
               </a:lnSpc>
@@ -14392,7 +14231,6 @@
               <a:buSzTx/>
               <a:buFontTx/>
               <a:buNone/>
-              <a:tabLst/>
               <a:defRPr/>
             </a:pPr>
             <a:endParaRPr kumimoji="0" lang="en-US" altLang="zh-CN" sz="1400" b="0" i="0" u="none" strike="noStrike" kern="0" cap="none" spc="0" normalizeH="0" baseline="0" noProof="0" dirty="0">
@@ -14405,13 +14243,13 @@
               <a:effectLst/>
               <a:uLnTx/>
               <a:uFillTx/>
-              <a:latin typeface="Segoe UI Light"/>
-              <a:ea typeface="微软雅黑"/>
-              <a:cs typeface="Segoe UI Light"/>
+              <a:latin typeface="Segoe UI Light" panose="020B0502040204020203"/>
+              <a:ea typeface="微软雅黑" panose="020B0503020204020204" charset="-122"/>
+              <a:cs typeface="Segoe UI Light" panose="020B0502040204020203"/>
             </a:endParaRPr>
           </a:p>
           <a:p>
-            <a:pPr marL="0" marR="0" lvl="0" indent="0" defTabSz="609585" eaLnBrk="1" fontAlgn="auto" latinLnBrk="0" hangingPunct="1">
+            <a:pPr marL="0" marR="0" lvl="0" indent="0" defTabSz="608965" eaLnBrk="1" fontAlgn="auto" latinLnBrk="0" hangingPunct="1">
               <a:lnSpc>
                 <a:spcPct val="130000"/>
               </a:lnSpc>
@@ -14425,7 +14263,6 @@
               <a:buSzTx/>
               <a:buFontTx/>
               <a:buNone/>
-              <a:tabLst/>
               <a:defRPr/>
             </a:pPr>
             <a:endParaRPr kumimoji="0" lang="en-US" altLang="zh-CN" sz="1400" b="0" i="0" u="none" strike="noStrike" kern="0" cap="none" spc="0" normalizeH="0" baseline="0" noProof="0" dirty="0">
@@ -14438,13 +14275,13 @@
               <a:effectLst/>
               <a:uLnTx/>
               <a:uFillTx/>
-              <a:latin typeface="Segoe UI Light"/>
-              <a:ea typeface="微软雅黑"/>
-              <a:cs typeface="Segoe UI Light"/>
+              <a:latin typeface="Segoe UI Light" panose="020B0502040204020203"/>
+              <a:ea typeface="微软雅黑" panose="020B0503020204020204" charset="-122"/>
+              <a:cs typeface="Segoe UI Light" panose="020B0502040204020203"/>
             </a:endParaRPr>
           </a:p>
           <a:p>
-            <a:pPr marL="0" marR="0" lvl="0" indent="0" defTabSz="609585" eaLnBrk="1" fontAlgn="auto" latinLnBrk="0" hangingPunct="1">
+            <a:pPr marL="0" marR="0" lvl="0" indent="0" defTabSz="608965" eaLnBrk="1" fontAlgn="auto" latinLnBrk="0" hangingPunct="1">
               <a:lnSpc>
                 <a:spcPct val="130000"/>
               </a:lnSpc>
@@ -14458,7 +14295,6 @@
               <a:buSzTx/>
               <a:buFontTx/>
               <a:buNone/>
-              <a:tabLst/>
               <a:defRPr/>
             </a:pPr>
             <a:r>
@@ -14472,9 +14308,9 @@
                 <a:effectLst/>
                 <a:uLnTx/>
                 <a:uFillTx/>
-                <a:latin typeface="Segoe UI Light"/>
-                <a:ea typeface="微软雅黑"/>
-                <a:cs typeface="Segoe UI Light"/>
+                <a:latin typeface="Segoe UI Light" panose="020B0502040204020203"/>
+                <a:ea typeface="微软雅黑" panose="020B0503020204020204" charset="-122"/>
+                <a:cs typeface="Segoe UI Light" panose="020B0502040204020203"/>
               </a:rPr>
               <a:t>行距</a:t>
             </a:r>
@@ -14488,13 +14324,13 @@
               <a:effectLst/>
               <a:uLnTx/>
               <a:uFillTx/>
-              <a:latin typeface="Segoe UI Light"/>
-              <a:ea typeface="微软雅黑"/>
-              <a:cs typeface="Segoe UI Light"/>
+              <a:latin typeface="Segoe UI Light" panose="020B0502040204020203"/>
+              <a:ea typeface="微软雅黑" panose="020B0503020204020204" charset="-122"/>
+              <a:cs typeface="Segoe UI Light" panose="020B0502040204020203"/>
             </a:endParaRPr>
           </a:p>
           <a:p>
-            <a:pPr marL="0" marR="0" lvl="0" indent="0" defTabSz="609585" eaLnBrk="1" fontAlgn="auto" latinLnBrk="0" hangingPunct="1">
+            <a:pPr marL="0" marR="0" lvl="0" indent="0" defTabSz="608965" eaLnBrk="1" fontAlgn="auto" latinLnBrk="0" hangingPunct="1">
               <a:lnSpc>
                 <a:spcPct val="130000"/>
               </a:lnSpc>
@@ -14508,7 +14344,6 @@
               <a:buSzTx/>
               <a:buFontTx/>
               <a:buNone/>
-              <a:tabLst/>
               <a:defRPr/>
             </a:pPr>
             <a:endParaRPr kumimoji="0" lang="en-US" altLang="zh-CN" sz="1400" b="0" i="0" u="none" strike="noStrike" kern="0" cap="none" spc="0" normalizeH="0" baseline="0" noProof="0" dirty="0">
@@ -14521,13 +14356,13 @@
               <a:effectLst/>
               <a:uLnTx/>
               <a:uFillTx/>
-              <a:latin typeface="Segoe UI Light"/>
-              <a:ea typeface="微软雅黑"/>
-              <a:cs typeface="Segoe UI Light"/>
+              <a:latin typeface="Segoe UI Light" panose="020B0502040204020203"/>
+              <a:ea typeface="微软雅黑" panose="020B0503020204020204" charset="-122"/>
+              <a:cs typeface="Segoe UI Light" panose="020B0502040204020203"/>
             </a:endParaRPr>
           </a:p>
           <a:p>
-            <a:pPr marL="0" marR="0" lvl="0" indent="0" defTabSz="609585" eaLnBrk="1" fontAlgn="auto" latinLnBrk="0" hangingPunct="1">
+            <a:pPr marL="0" marR="0" lvl="0" indent="0" defTabSz="608965" eaLnBrk="1" fontAlgn="auto" latinLnBrk="0" hangingPunct="1">
               <a:lnSpc>
                 <a:spcPct val="130000"/>
               </a:lnSpc>
@@ -14541,7 +14376,6 @@
               <a:buSzTx/>
               <a:buFontTx/>
               <a:buNone/>
-              <a:tabLst/>
               <a:defRPr/>
             </a:pPr>
             <a:endParaRPr kumimoji="0" lang="en-US" altLang="zh-CN" sz="1400" b="0" i="0" u="none" strike="noStrike" kern="0" cap="none" spc="0" normalizeH="0" baseline="0" noProof="0" dirty="0">
@@ -14554,13 +14388,13 @@
               <a:effectLst/>
               <a:uLnTx/>
               <a:uFillTx/>
-              <a:latin typeface="Segoe UI Light"/>
-              <a:ea typeface="微软雅黑"/>
-              <a:cs typeface="Segoe UI Light"/>
+              <a:latin typeface="Segoe UI Light" panose="020B0502040204020203"/>
+              <a:ea typeface="微软雅黑" panose="020B0503020204020204" charset="-122"/>
+              <a:cs typeface="Segoe UI Light" panose="020B0502040204020203"/>
             </a:endParaRPr>
           </a:p>
           <a:p>
-            <a:pPr marL="0" marR="0" lvl="0" indent="0" defTabSz="609585" eaLnBrk="1" fontAlgn="auto" latinLnBrk="0" hangingPunct="1">
+            <a:pPr marL="0" marR="0" lvl="0" indent="0" defTabSz="608965" eaLnBrk="1" fontAlgn="auto" latinLnBrk="0" hangingPunct="1">
               <a:lnSpc>
                 <a:spcPct val="130000"/>
               </a:lnSpc>
@@ -14574,7 +14408,6 @@
               <a:buSzTx/>
               <a:buFontTx/>
               <a:buNone/>
-              <a:tabLst/>
               <a:defRPr/>
             </a:pPr>
             <a:r>
@@ -14588,15 +14421,15 @@
                 <a:effectLst/>
                 <a:uLnTx/>
                 <a:uFillTx/>
-                <a:latin typeface="Segoe UI Light"/>
-                <a:ea typeface="微软雅黑"/>
-                <a:cs typeface="Segoe UI Light"/>
+                <a:latin typeface="Segoe UI Light" panose="020B0502040204020203"/>
+                <a:ea typeface="微软雅黑" panose="020B0503020204020204" charset="-122"/>
+                <a:cs typeface="Segoe UI Light" panose="020B0502040204020203"/>
               </a:rPr>
               <a:t>背景图片出处</a:t>
             </a:r>
           </a:p>
           <a:p>
-            <a:pPr marL="0" marR="0" lvl="0" indent="0" defTabSz="609585" eaLnBrk="1" fontAlgn="auto" latinLnBrk="0" hangingPunct="1">
+            <a:pPr marL="0" marR="0" lvl="0" indent="0" defTabSz="608965" eaLnBrk="1" fontAlgn="auto" latinLnBrk="0" hangingPunct="1">
               <a:lnSpc>
                 <a:spcPct val="130000"/>
               </a:lnSpc>
@@ -14610,7 +14443,6 @@
               <a:buSzTx/>
               <a:buFontTx/>
               <a:buNone/>
-              <a:tabLst/>
               <a:defRPr/>
             </a:pPr>
             <a:endParaRPr kumimoji="0" lang="zh-CN" altLang="en-US" sz="1400" b="0" i="0" u="none" strike="noStrike" kern="0" cap="none" spc="0" normalizeH="0" baseline="0" noProof="0" dirty="0">
@@ -14623,13 +14455,13 @@
               <a:effectLst/>
               <a:uLnTx/>
               <a:uFillTx/>
-              <a:latin typeface="Segoe UI Light"/>
-              <a:ea typeface="微软雅黑"/>
-              <a:cs typeface="Segoe UI Light"/>
+              <a:latin typeface="Segoe UI Light" panose="020B0502040204020203"/>
+              <a:ea typeface="微软雅黑" panose="020B0503020204020204" charset="-122"/>
+              <a:cs typeface="Segoe UI Light" panose="020B0502040204020203"/>
             </a:endParaRPr>
           </a:p>
           <a:p>
-            <a:pPr marL="0" marR="0" lvl="0" indent="0" defTabSz="609585" eaLnBrk="1" fontAlgn="auto" latinLnBrk="0" hangingPunct="1">
+            <a:pPr marL="0" marR="0" lvl="0" indent="0" defTabSz="608965" eaLnBrk="1" fontAlgn="auto" latinLnBrk="0" hangingPunct="1">
               <a:lnSpc>
                 <a:spcPct val="130000"/>
               </a:lnSpc>
@@ -14643,7 +14475,6 @@
               <a:buSzTx/>
               <a:buFontTx/>
               <a:buNone/>
-              <a:tabLst/>
               <a:defRPr/>
             </a:pPr>
             <a:endParaRPr kumimoji="0" lang="zh-CN" altLang="en-US" sz="1400" b="0" i="0" u="none" strike="noStrike" kern="0" cap="none" spc="0" normalizeH="0" baseline="0" noProof="0" dirty="0">
@@ -14656,13 +14487,13 @@
               <a:effectLst/>
               <a:uLnTx/>
               <a:uFillTx/>
-              <a:latin typeface="Segoe UI Light"/>
-              <a:ea typeface="微软雅黑"/>
-              <a:cs typeface="Segoe UI Light"/>
+              <a:latin typeface="Segoe UI Light" panose="020B0502040204020203"/>
+              <a:ea typeface="微软雅黑" panose="020B0503020204020204" charset="-122"/>
+              <a:cs typeface="Segoe UI Light" panose="020B0502040204020203"/>
             </a:endParaRPr>
           </a:p>
           <a:p>
-            <a:pPr marL="0" marR="0" lvl="0" indent="0" defTabSz="609585" eaLnBrk="1" fontAlgn="auto" latinLnBrk="0" hangingPunct="1">
+            <a:pPr marL="0" marR="0" lvl="0" indent="0" defTabSz="608965" eaLnBrk="1" fontAlgn="auto" latinLnBrk="0" hangingPunct="1">
               <a:lnSpc>
                 <a:spcPct val="130000"/>
               </a:lnSpc>
@@ -14676,7 +14507,6 @@
               <a:buSzTx/>
               <a:buFontTx/>
               <a:buNone/>
-              <a:tabLst/>
               <a:defRPr/>
             </a:pPr>
             <a:r>
@@ -14690,9 +14520,9 @@
                 <a:effectLst/>
                 <a:uLnTx/>
                 <a:uFillTx/>
-                <a:latin typeface="Segoe UI Light"/>
-                <a:ea typeface="微软雅黑"/>
-                <a:cs typeface="Segoe UI Light"/>
+                <a:latin typeface="Segoe UI Light" panose="020B0502040204020203"/>
+                <a:ea typeface="微软雅黑" panose="020B0503020204020204" charset="-122"/>
+                <a:cs typeface="Segoe UI Light" panose="020B0502040204020203"/>
               </a:rPr>
               <a:t>声明</a:t>
             </a:r>
@@ -14706,9 +14536,9 @@
               <a:effectLst/>
               <a:uLnTx/>
               <a:uFillTx/>
-              <a:latin typeface="Segoe UI Light"/>
-              <a:ea typeface="微软雅黑"/>
-              <a:cs typeface="Segoe UI Light"/>
+              <a:latin typeface="Segoe UI Light" panose="020B0502040204020203"/>
+              <a:ea typeface="微软雅黑" panose="020B0503020204020204" charset="-122"/>
+              <a:cs typeface="Segoe UI Light" panose="020B0502040204020203"/>
             </a:endParaRPr>
           </a:p>
         </p:txBody>
@@ -14748,7 +14578,6 @@
               <a:buSzTx/>
               <a:buFontTx/>
               <a:buNone/>
-              <a:tabLst/>
               <a:defRPr/>
             </a:pPr>
             <a:r>
@@ -14762,9 +14591,9 @@
                 <a:effectLst/>
                 <a:uLnTx/>
                 <a:uFillTx/>
-                <a:latin typeface="Segoe UI Light"/>
-                <a:ea typeface="微软雅黑"/>
-                <a:cs typeface="Segoe UI Light"/>
+                <a:latin typeface="Segoe UI Light" panose="020B0502040204020203"/>
+                <a:ea typeface="微软雅黑" panose="020B0503020204020204" charset="-122"/>
+                <a:cs typeface="Segoe UI Light" panose="020B0502040204020203"/>
               </a:rPr>
               <a:t>英文 </a:t>
             </a:r>
@@ -14779,14 +14608,14 @@
                 <a:effectLst/>
                 <a:uLnTx/>
                 <a:uFillTx/>
-                <a:latin typeface="Segoe UI Light"/>
-                <a:cs typeface="Segoe UI Light"/>
+                <a:latin typeface="Segoe UI Light" panose="020B0502040204020203"/>
+                <a:cs typeface="Segoe UI Light" panose="020B0502040204020203"/>
               </a:rPr>
               <a:t>Century Gothic</a:t>
             </a:r>
           </a:p>
           <a:p>
-            <a:pPr marL="0" marR="0" lvl="0" indent="0" defTabSz="609585" eaLnBrk="1" fontAlgn="auto" latinLnBrk="0" hangingPunct="1">
+            <a:pPr marL="0" marR="0" lvl="0" indent="0" defTabSz="608965" eaLnBrk="1" fontAlgn="auto" latinLnBrk="0" hangingPunct="1">
               <a:lnSpc>
                 <a:spcPct val="130000"/>
               </a:lnSpc>
@@ -14800,7 +14629,6 @@
               <a:buSzTx/>
               <a:buFontTx/>
               <a:buNone/>
-              <a:tabLst/>
               <a:defRPr/>
             </a:pPr>
             <a:endParaRPr kumimoji="0" lang="en-US" altLang="zh-CN" sz="1400" b="0" i="0" u="none" strike="noStrike" kern="0" cap="none" spc="0" normalizeH="0" baseline="0" noProof="0" dirty="0">
@@ -14813,13 +14641,13 @@
               <a:effectLst/>
               <a:uLnTx/>
               <a:uFillTx/>
-              <a:latin typeface="Segoe UI Light"/>
-              <a:ea typeface="微软雅黑"/>
-              <a:cs typeface="Segoe UI Light"/>
+              <a:latin typeface="Segoe UI Light" panose="020B0502040204020203"/>
+              <a:ea typeface="微软雅黑" panose="020B0503020204020204" charset="-122"/>
+              <a:cs typeface="Segoe UI Light" panose="020B0502040204020203"/>
             </a:endParaRPr>
           </a:p>
           <a:p>
-            <a:pPr marL="0" marR="0" lvl="0" indent="0" defTabSz="609585" eaLnBrk="1" fontAlgn="auto" latinLnBrk="0" hangingPunct="1">
+            <a:pPr marL="0" marR="0" lvl="0" indent="0" defTabSz="608965" eaLnBrk="1" fontAlgn="auto" latinLnBrk="0" hangingPunct="1">
               <a:lnSpc>
                 <a:spcPct val="130000"/>
               </a:lnSpc>
@@ -14833,7 +14661,6 @@
               <a:buSzTx/>
               <a:buFontTx/>
               <a:buNone/>
-              <a:tabLst/>
               <a:defRPr/>
             </a:pPr>
             <a:r>
@@ -14847,9 +14674,9 @@
                 <a:effectLst/>
                 <a:uLnTx/>
                 <a:uFillTx/>
-                <a:latin typeface="Segoe UI Light"/>
-                <a:ea typeface="微软雅黑"/>
-                <a:cs typeface="Segoe UI Light"/>
+                <a:latin typeface="Segoe UI Light" panose="020B0502040204020203"/>
+                <a:ea typeface="微软雅黑" panose="020B0503020204020204" charset="-122"/>
+                <a:cs typeface="Segoe UI Light" panose="020B0502040204020203"/>
               </a:rPr>
               <a:t>中文 微软雅黑</a:t>
             </a:r>
@@ -14863,13 +14690,13 @@
               <a:effectLst/>
               <a:uLnTx/>
               <a:uFillTx/>
-              <a:latin typeface="Segoe UI Light"/>
-              <a:ea typeface="微软雅黑"/>
-              <a:cs typeface="Segoe UI Light"/>
+              <a:latin typeface="Segoe UI Light" panose="020B0502040204020203"/>
+              <a:ea typeface="微软雅黑" panose="020B0503020204020204" charset="-122"/>
+              <a:cs typeface="Segoe UI Light" panose="020B0502040204020203"/>
             </a:endParaRPr>
           </a:p>
           <a:p>
-            <a:pPr marL="0" marR="0" lvl="0" indent="0" defTabSz="609585" eaLnBrk="1" fontAlgn="auto" latinLnBrk="0" hangingPunct="1">
+            <a:pPr marL="0" marR="0" lvl="0" indent="0" defTabSz="608965" eaLnBrk="1" fontAlgn="auto" latinLnBrk="0" hangingPunct="1">
               <a:lnSpc>
                 <a:spcPct val="130000"/>
               </a:lnSpc>
@@ -14883,7 +14710,6 @@
               <a:buSzTx/>
               <a:buFontTx/>
               <a:buNone/>
-              <a:tabLst/>
               <a:defRPr/>
             </a:pPr>
             <a:endParaRPr kumimoji="0" lang="en-US" altLang="zh-CN" sz="1400" b="0" i="0" u="none" strike="noStrike" kern="0" cap="none" spc="0" normalizeH="0" baseline="0" noProof="0" dirty="0">
@@ -14896,13 +14722,13 @@
               <a:effectLst/>
               <a:uLnTx/>
               <a:uFillTx/>
-              <a:latin typeface="Segoe UI Light"/>
-              <a:ea typeface="微软雅黑"/>
-              <a:cs typeface="Segoe UI Light"/>
+              <a:latin typeface="Segoe UI Light" panose="020B0502040204020203"/>
+              <a:ea typeface="微软雅黑" panose="020B0503020204020204" charset="-122"/>
+              <a:cs typeface="Segoe UI Light" panose="020B0502040204020203"/>
             </a:endParaRPr>
           </a:p>
           <a:p>
-            <a:pPr marL="0" marR="0" lvl="0" indent="0" defTabSz="609585" eaLnBrk="1" fontAlgn="auto" latinLnBrk="0" hangingPunct="1">
+            <a:pPr marL="0" marR="0" lvl="0" indent="0" defTabSz="608965" eaLnBrk="1" fontAlgn="auto" latinLnBrk="0" hangingPunct="1">
               <a:lnSpc>
                 <a:spcPct val="130000"/>
               </a:lnSpc>
@@ -14916,7 +14742,6 @@
               <a:buSzTx/>
               <a:buFontTx/>
               <a:buNone/>
-              <a:tabLst/>
               <a:defRPr/>
             </a:pPr>
             <a:endParaRPr kumimoji="0" lang="en-US" altLang="zh-CN" sz="1400" b="0" i="0" u="none" strike="noStrike" kern="0" cap="none" spc="0" normalizeH="0" baseline="0" noProof="0" dirty="0">
@@ -14929,13 +14754,13 @@
               <a:effectLst/>
               <a:uLnTx/>
               <a:uFillTx/>
-              <a:latin typeface="Segoe UI Light"/>
-              <a:ea typeface="微软雅黑"/>
-              <a:cs typeface="Segoe UI Light"/>
+              <a:latin typeface="Segoe UI Light" panose="020B0502040204020203"/>
+              <a:ea typeface="微软雅黑" panose="020B0503020204020204" charset="-122"/>
+              <a:cs typeface="Segoe UI Light" panose="020B0502040204020203"/>
             </a:endParaRPr>
           </a:p>
           <a:p>
-            <a:pPr marL="0" marR="0" lvl="0" indent="0" defTabSz="609585" eaLnBrk="1" fontAlgn="auto" latinLnBrk="0" hangingPunct="1">
+            <a:pPr marL="0" marR="0" lvl="0" indent="0" defTabSz="608965" eaLnBrk="1" fontAlgn="auto" latinLnBrk="0" hangingPunct="1">
               <a:lnSpc>
                 <a:spcPct val="130000"/>
               </a:lnSpc>
@@ -14949,7 +14774,6 @@
               <a:buSzTx/>
               <a:buFontTx/>
               <a:buNone/>
-              <a:tabLst/>
               <a:defRPr/>
             </a:pPr>
             <a:r>
@@ -14963,9 +14787,9 @@
                 <a:effectLst/>
                 <a:uLnTx/>
                 <a:uFillTx/>
-                <a:latin typeface="Segoe UI Light"/>
-                <a:ea typeface="微软雅黑"/>
-                <a:cs typeface="Segoe UI Light"/>
+                <a:latin typeface="Segoe UI Light" panose="020B0502040204020203"/>
+                <a:ea typeface="微软雅黑" panose="020B0503020204020204" charset="-122"/>
+                <a:cs typeface="Segoe UI Light" panose="020B0502040204020203"/>
               </a:rPr>
               <a:t>正文 </a:t>
             </a:r>
@@ -14980,15 +14804,15 @@
                 <a:effectLst/>
                 <a:uLnTx/>
                 <a:uFillTx/>
-                <a:latin typeface="Segoe UI Light"/>
-                <a:ea typeface="微软雅黑"/>
-                <a:cs typeface="Segoe UI Light"/>
+                <a:latin typeface="Segoe UI Light" panose="020B0502040204020203"/>
+                <a:ea typeface="微软雅黑" panose="020B0503020204020204" charset="-122"/>
+                <a:cs typeface="Segoe UI Light" panose="020B0502040204020203"/>
               </a:rPr>
               <a:t>1.3</a:t>
             </a:r>
           </a:p>
           <a:p>
-            <a:pPr marL="0" marR="0" lvl="0" indent="0" defTabSz="609585" eaLnBrk="1" fontAlgn="auto" latinLnBrk="0" hangingPunct="1">
+            <a:pPr marL="0" marR="0" lvl="0" indent="0" defTabSz="608965" eaLnBrk="1" fontAlgn="auto" latinLnBrk="0" hangingPunct="1">
               <a:lnSpc>
                 <a:spcPct val="130000"/>
               </a:lnSpc>
@@ -15002,7 +14826,6 @@
               <a:buSzTx/>
               <a:buFontTx/>
               <a:buNone/>
-              <a:tabLst/>
               <a:defRPr/>
             </a:pPr>
             <a:endParaRPr kumimoji="0" lang="en-US" altLang="zh-CN" sz="1400" b="0" i="0" u="none" strike="noStrike" kern="0" cap="none" spc="0" normalizeH="0" baseline="0" noProof="0" dirty="0">
@@ -15015,13 +14838,13 @@
               <a:effectLst/>
               <a:uLnTx/>
               <a:uFillTx/>
-              <a:latin typeface="Segoe UI Light"/>
-              <a:ea typeface="微软雅黑"/>
-              <a:cs typeface="Segoe UI Light"/>
+              <a:latin typeface="Segoe UI Light" panose="020B0502040204020203"/>
+              <a:ea typeface="微软雅黑" panose="020B0503020204020204" charset="-122"/>
+              <a:cs typeface="Segoe UI Light" panose="020B0502040204020203"/>
             </a:endParaRPr>
           </a:p>
           <a:p>
-            <a:pPr marL="0" marR="0" lvl="0" indent="0" defTabSz="609585" eaLnBrk="1" fontAlgn="auto" latinLnBrk="0" hangingPunct="1">
+            <a:pPr marL="0" marR="0" lvl="0" indent="0" defTabSz="608965" eaLnBrk="1" fontAlgn="auto" latinLnBrk="0" hangingPunct="1">
               <a:lnSpc>
                 <a:spcPct val="130000"/>
               </a:lnSpc>
@@ -15035,7 +14858,6 @@
               <a:buSzTx/>
               <a:buFontTx/>
               <a:buNone/>
-              <a:tabLst/>
               <a:defRPr/>
             </a:pPr>
             <a:endParaRPr kumimoji="0" lang="en-US" altLang="zh-CN" sz="1400" b="0" i="0" u="none" strike="noStrike" kern="0" cap="none" spc="0" normalizeH="0" baseline="0" noProof="0" dirty="0">
@@ -15048,13 +14870,13 @@
               <a:effectLst/>
               <a:uLnTx/>
               <a:uFillTx/>
-              <a:latin typeface="Segoe UI Light"/>
-              <a:ea typeface="微软雅黑"/>
-              <a:cs typeface="Segoe UI Light"/>
+              <a:latin typeface="Segoe UI Light" panose="020B0502040204020203"/>
+              <a:ea typeface="微软雅黑" panose="020B0503020204020204" charset="-122"/>
+              <a:cs typeface="Segoe UI Light" panose="020B0502040204020203"/>
             </a:endParaRPr>
           </a:p>
           <a:p>
-            <a:pPr marL="0" marR="0" lvl="0" indent="0" defTabSz="609585" eaLnBrk="1" fontAlgn="auto" latinLnBrk="0" hangingPunct="1">
+            <a:pPr marL="0" marR="0" lvl="0" indent="0" defTabSz="608965" eaLnBrk="1" fontAlgn="auto" latinLnBrk="0" hangingPunct="1">
               <a:lnSpc>
                 <a:spcPct val="130000"/>
               </a:lnSpc>
@@ -15068,7 +14890,6 @@
               <a:buSzTx/>
               <a:buFontTx/>
               <a:buNone/>
-              <a:tabLst/>
               <a:defRPr/>
             </a:pPr>
             <a:r>
@@ -15082,9 +14903,9 @@
                 <a:effectLst/>
                 <a:uLnTx/>
                 <a:uFillTx/>
-                <a:latin typeface="Segoe UI Light"/>
-                <a:ea typeface="微软雅黑"/>
-                <a:cs typeface="Segoe UI Light"/>
+                <a:latin typeface="Segoe UI Light" panose="020B0502040204020203"/>
+                <a:ea typeface="微软雅黑" panose="020B0503020204020204" charset="-122"/>
+                <a:cs typeface="Segoe UI Light" panose="020B0502040204020203"/>
               </a:rPr>
               <a:t>cn.bing.com</a:t>
             </a:r>
@@ -15098,13 +14919,13 @@
               <a:effectLst/>
               <a:uLnTx/>
               <a:uFillTx/>
-              <a:latin typeface="Segoe UI Light"/>
-              <a:ea typeface="微软雅黑"/>
-              <a:cs typeface="Segoe UI Light"/>
+              <a:latin typeface="Segoe UI Light" panose="020B0502040204020203"/>
+              <a:ea typeface="微软雅黑" panose="020B0503020204020204" charset="-122"/>
+              <a:cs typeface="Segoe UI Light" panose="020B0502040204020203"/>
             </a:endParaRPr>
           </a:p>
           <a:p>
-            <a:pPr marL="0" marR="0" lvl="0" indent="0" defTabSz="609585" eaLnBrk="1" fontAlgn="auto" latinLnBrk="0" hangingPunct="1">
+            <a:pPr marL="0" marR="0" lvl="0" indent="0" defTabSz="608965" eaLnBrk="1" fontAlgn="auto" latinLnBrk="0" hangingPunct="1">
               <a:lnSpc>
                 <a:spcPct val="130000"/>
               </a:lnSpc>
@@ -15118,7 +14939,6 @@
               <a:buSzTx/>
               <a:buFontTx/>
               <a:buNone/>
-              <a:tabLst/>
               <a:defRPr/>
             </a:pPr>
             <a:endParaRPr kumimoji="0" lang="zh-CN" altLang="en-US" sz="1400" b="0" i="0" u="none" strike="noStrike" kern="0" cap="none" spc="0" normalizeH="0" baseline="0" noProof="0" dirty="0">
@@ -15131,13 +14951,13 @@
               <a:effectLst/>
               <a:uLnTx/>
               <a:uFillTx/>
-              <a:latin typeface="Segoe UI Light"/>
-              <a:ea typeface="微软雅黑"/>
-              <a:cs typeface="Segoe UI Light"/>
+              <a:latin typeface="Segoe UI Light" panose="020B0502040204020203"/>
+              <a:ea typeface="微软雅黑" panose="020B0503020204020204" charset="-122"/>
+              <a:cs typeface="Segoe UI Light" panose="020B0502040204020203"/>
             </a:endParaRPr>
           </a:p>
           <a:p>
-            <a:pPr marL="0" marR="0" lvl="0" indent="0" defTabSz="609585" eaLnBrk="1" fontAlgn="auto" latinLnBrk="0" hangingPunct="1">
+            <a:pPr marL="0" marR="0" lvl="0" indent="0" defTabSz="608965" eaLnBrk="1" fontAlgn="auto" latinLnBrk="0" hangingPunct="1">
               <a:lnSpc>
                 <a:spcPct val="130000"/>
               </a:lnSpc>
@@ -15151,7 +14971,6 @@
               <a:buSzTx/>
               <a:buFontTx/>
               <a:buNone/>
-              <a:tabLst/>
               <a:defRPr/>
             </a:pPr>
             <a:endParaRPr kumimoji="0" lang="zh-CN" altLang="en-US" sz="1400" b="0" i="0" u="none" strike="noStrike" kern="0" cap="none" spc="0" normalizeH="0" baseline="0" noProof="0" dirty="0">
@@ -15164,13 +14983,13 @@
               <a:effectLst/>
               <a:uLnTx/>
               <a:uFillTx/>
-              <a:latin typeface="Segoe UI Light"/>
-              <a:ea typeface="微软雅黑"/>
-              <a:cs typeface="Segoe UI Light"/>
+              <a:latin typeface="Segoe UI Light" panose="020B0502040204020203"/>
+              <a:ea typeface="微软雅黑" panose="020B0503020204020204" charset="-122"/>
+              <a:cs typeface="Segoe UI Light" panose="020B0502040204020203"/>
             </a:endParaRPr>
           </a:p>
           <a:p>
-            <a:pPr marL="0" marR="0" lvl="0" indent="0" algn="l" defTabSz="609585" rtl="0" eaLnBrk="1" fontAlgn="auto" latinLnBrk="0" hangingPunct="1">
+            <a:pPr marL="0" marR="0" lvl="0" indent="0" algn="l" defTabSz="608965" rtl="0" eaLnBrk="1" fontAlgn="auto" latinLnBrk="0" hangingPunct="1">
               <a:lnSpc>
                 <a:spcPct val="130000"/>
               </a:lnSpc>
@@ -15184,11 +15003,10 @@
               <a:buSzTx/>
               <a:buFontTx/>
               <a:buNone/>
-              <a:tabLst/>
               <a:defRPr/>
             </a:pPr>
             <a:r>
-              <a:rPr kumimoji="0" lang="zh-CN" altLang="en-US" sz="1333" b="0" i="0" u="none" strike="noStrike" kern="1200" cap="none" spc="0" normalizeH="0" baseline="0" noProof="0" dirty="0">
+              <a:rPr kumimoji="0" lang="zh-CN" altLang="en-US" sz="1335" b="0" i="0" u="none" strike="noStrike" kern="1200" cap="none" spc="0" normalizeH="0" baseline="0" noProof="0" dirty="0">
                 <a:ln>
                   <a:noFill/>
                 </a:ln>
@@ -15198,14 +15016,14 @@
                 <a:effectLst/>
                 <a:uLnTx/>
                 <a:uFillTx/>
-                <a:latin typeface="Century Gothic"/>
-                <a:ea typeface="微软雅黑" charset="0"/>
+                <a:latin typeface="Century Gothic" panose="020B0502020202020204"/>
+                <a:ea typeface="微软雅黑" panose="020B0503020204020204" charset="-122"/>
                 <a:cs typeface="+mn-cs"/>
               </a:rPr>
               <a:t>本网站所提供的任何信息内容（包括但不限于 </a:t>
             </a:r>
             <a:r>
-              <a:rPr kumimoji="0" lang="en-US" altLang="zh-CN" sz="1333" b="0" i="0" u="none" strike="noStrike" kern="1200" cap="none" spc="0" normalizeH="0" baseline="0" noProof="0" dirty="0">
+              <a:rPr kumimoji="0" lang="en-US" altLang="zh-CN" sz="1335" b="0" i="0" u="none" strike="noStrike" kern="1200" cap="none" spc="0" normalizeH="0" baseline="0" noProof="0" dirty="0">
                 <a:ln>
                   <a:noFill/>
                 </a:ln>
@@ -15215,14 +15033,14 @@
                 <a:effectLst/>
                 <a:uLnTx/>
                 <a:uFillTx/>
-                <a:latin typeface="Segoe UI Light" charset="0"/>
-                <a:ea typeface="Segoe UI Light" charset="0"/>
-                <a:cs typeface="Segoe UI Light" charset="0"/>
+                <a:latin typeface="Segoe UI Light" panose="020B0502040204020203" charset="0"/>
+                <a:ea typeface="Segoe UI Light" panose="020B0502040204020203" charset="0"/>
+                <a:cs typeface="Segoe UI Light" panose="020B0502040204020203" charset="0"/>
               </a:rPr>
               <a:t>PPT</a:t>
             </a:r>
             <a:r>
-              <a:rPr kumimoji="0" lang="zh-CN" altLang="en-US" sz="1333" b="0" i="0" u="none" strike="noStrike" kern="1200" cap="none" spc="0" normalizeH="0" baseline="0" noProof="0" dirty="0">
+              <a:rPr kumimoji="0" lang="zh-CN" altLang="en-US" sz="1335" b="0" i="0" u="none" strike="noStrike" kern="1200" cap="none" spc="0" normalizeH="0" baseline="0" noProof="0" dirty="0">
                 <a:ln>
                   <a:noFill/>
                 </a:ln>
@@ -15232,14 +15050,14 @@
                 <a:effectLst/>
                 <a:uLnTx/>
                 <a:uFillTx/>
-                <a:latin typeface="Segoe UI Light" charset="0"/>
-                <a:ea typeface="Segoe UI Light" charset="0"/>
-                <a:cs typeface="Segoe UI Light" charset="0"/>
+                <a:latin typeface="Segoe UI Light" panose="020B0502040204020203" charset="0"/>
+                <a:ea typeface="Segoe UI Light" panose="020B0502040204020203" charset="0"/>
+                <a:cs typeface="Segoe UI Light" panose="020B0502040204020203" charset="0"/>
               </a:rPr>
               <a:t> </a:t>
             </a:r>
             <a:r>
-              <a:rPr kumimoji="0" lang="zh-CN" altLang="en-US" sz="1333" b="0" i="0" u="none" strike="noStrike" kern="1200" cap="none" spc="0" normalizeH="0" baseline="0" noProof="0" dirty="0">
+              <a:rPr kumimoji="0" lang="zh-CN" altLang="en-US" sz="1335" b="0" i="0" u="none" strike="noStrike" kern="1200" cap="none" spc="0" normalizeH="0" baseline="0" noProof="0" dirty="0">
                 <a:ln>
                   <a:noFill/>
                 </a:ln>
@@ -15249,14 +15067,14 @@
                 <a:effectLst/>
                 <a:uLnTx/>
                 <a:uFillTx/>
-                <a:latin typeface="Century Gothic"/>
-                <a:ea typeface="微软雅黑" charset="0"/>
+                <a:latin typeface="Century Gothic" panose="020B0502020202020204"/>
+                <a:ea typeface="微软雅黑" panose="020B0503020204020204" charset="-122"/>
                 <a:cs typeface="+mn-cs"/>
               </a:rPr>
               <a:t>模板、</a:t>
             </a:r>
             <a:r>
-              <a:rPr kumimoji="0" lang="en-US" altLang="zh-CN" sz="1333" b="0" i="0" u="none" strike="noStrike" kern="1200" cap="none" spc="0" normalizeH="0" baseline="0" noProof="0" dirty="0">
+              <a:rPr kumimoji="0" lang="en-US" altLang="zh-CN" sz="1335" b="0" i="0" u="none" strike="noStrike" kern="1200" cap="none" spc="0" normalizeH="0" baseline="0" noProof="0" dirty="0">
                 <a:ln>
                   <a:noFill/>
                 </a:ln>
@@ -15266,14 +15084,14 @@
                 <a:effectLst/>
                 <a:uLnTx/>
                 <a:uFillTx/>
-                <a:latin typeface="Segoe UI Light" charset="0"/>
-                <a:ea typeface="Segoe UI Light" charset="0"/>
-                <a:cs typeface="Segoe UI Light" charset="0"/>
+                <a:latin typeface="Segoe UI Light" panose="020B0502040204020203" charset="0"/>
+                <a:ea typeface="Segoe UI Light" panose="020B0502040204020203" charset="0"/>
+                <a:cs typeface="Segoe UI Light" panose="020B0502040204020203" charset="0"/>
               </a:rPr>
               <a:t>Word</a:t>
             </a:r>
             <a:r>
-              <a:rPr kumimoji="0" lang="zh-CN" altLang="en-US" sz="1333" b="0" i="0" u="none" strike="noStrike" kern="1200" cap="none" spc="0" normalizeH="0" baseline="0" noProof="0" dirty="0">
+              <a:rPr kumimoji="0" lang="zh-CN" altLang="en-US" sz="1335" b="0" i="0" u="none" strike="noStrike" kern="1200" cap="none" spc="0" normalizeH="0" baseline="0" noProof="0" dirty="0">
                 <a:ln>
                   <a:noFill/>
                 </a:ln>
@@ -15283,14 +15101,14 @@
                 <a:effectLst/>
                 <a:uLnTx/>
                 <a:uFillTx/>
-                <a:latin typeface="Segoe UI Light" charset="0"/>
-                <a:ea typeface="Segoe UI Light" charset="0"/>
-                <a:cs typeface="Segoe UI Light" charset="0"/>
+                <a:latin typeface="Segoe UI Light" panose="020B0502040204020203" charset="0"/>
+                <a:ea typeface="Segoe UI Light" panose="020B0502040204020203" charset="0"/>
+                <a:cs typeface="Segoe UI Light" panose="020B0502040204020203" charset="0"/>
               </a:rPr>
               <a:t> </a:t>
             </a:r>
             <a:r>
-              <a:rPr kumimoji="0" lang="zh-CN" altLang="en-US" sz="1333" b="0" i="0" u="none" strike="noStrike" kern="1200" cap="none" spc="0" normalizeH="0" baseline="0" noProof="0" dirty="0">
+              <a:rPr kumimoji="0" lang="zh-CN" altLang="en-US" sz="1335" b="0" i="0" u="none" strike="noStrike" kern="1200" cap="none" spc="0" normalizeH="0" baseline="0" noProof="0" dirty="0">
                 <a:ln>
                   <a:noFill/>
                 </a:ln>
@@ -15300,14 +15118,14 @@
                 <a:effectLst/>
                 <a:uLnTx/>
                 <a:uFillTx/>
-                <a:latin typeface="Century Gothic"/>
-                <a:ea typeface="微软雅黑" charset="0"/>
+                <a:latin typeface="Century Gothic" panose="020B0502020202020204"/>
+                <a:ea typeface="微软雅黑" panose="020B0503020204020204" charset="-122"/>
                 <a:cs typeface="+mn-cs"/>
               </a:rPr>
               <a:t>文档、</a:t>
             </a:r>
             <a:r>
-              <a:rPr kumimoji="0" lang="en-US" altLang="zh-CN" sz="1333" b="0" i="0" u="none" strike="noStrike" kern="1200" cap="none" spc="0" normalizeH="0" baseline="0" noProof="0" dirty="0">
+              <a:rPr kumimoji="0" lang="en-US" altLang="zh-CN" sz="1335" b="0" i="0" u="none" strike="noStrike" kern="1200" cap="none" spc="0" normalizeH="0" baseline="0" noProof="0" dirty="0">
                 <a:ln>
                   <a:noFill/>
                 </a:ln>
@@ -15317,14 +15135,14 @@
                 <a:effectLst/>
                 <a:uLnTx/>
                 <a:uFillTx/>
-                <a:latin typeface="Segoe UI Light" charset="0"/>
-                <a:ea typeface="Segoe UI Light" charset="0"/>
-                <a:cs typeface="Segoe UI Light" charset="0"/>
+                <a:latin typeface="Segoe UI Light" panose="020B0502040204020203" charset="0"/>
+                <a:ea typeface="Segoe UI Light" panose="020B0502040204020203" charset="0"/>
+                <a:cs typeface="Segoe UI Light" panose="020B0502040204020203" charset="0"/>
               </a:rPr>
               <a:t>Excel</a:t>
             </a:r>
             <a:r>
-              <a:rPr kumimoji="0" lang="zh-CN" altLang="en-US" sz="1333" b="0" i="0" u="none" strike="noStrike" kern="1200" cap="none" spc="0" normalizeH="0" baseline="0" noProof="0" dirty="0">
+              <a:rPr kumimoji="0" lang="zh-CN" altLang="en-US" sz="1335" b="0" i="0" u="none" strike="noStrike" kern="1200" cap="none" spc="0" normalizeH="0" baseline="0" noProof="0" dirty="0">
                 <a:ln>
                   <a:noFill/>
                 </a:ln>
@@ -15334,14 +15152,14 @@
                 <a:effectLst/>
                 <a:uLnTx/>
                 <a:uFillTx/>
-                <a:latin typeface="Segoe UI Light" charset="0"/>
-                <a:ea typeface="Segoe UI Light" charset="0"/>
-                <a:cs typeface="Segoe UI Light" charset="0"/>
+                <a:latin typeface="Segoe UI Light" panose="020B0502040204020203" charset="0"/>
+                <a:ea typeface="Segoe UI Light" panose="020B0502040204020203" charset="0"/>
+                <a:cs typeface="Segoe UI Light" panose="020B0502040204020203" charset="0"/>
               </a:rPr>
               <a:t> </a:t>
             </a:r>
             <a:r>
-              <a:rPr kumimoji="0" lang="zh-CN" altLang="en-US" sz="1333" b="0" i="0" u="none" strike="noStrike" kern="1200" cap="none" spc="0" normalizeH="0" baseline="0" noProof="0" dirty="0">
+              <a:rPr kumimoji="0" lang="zh-CN" altLang="en-US" sz="1335" b="0" i="0" u="none" strike="noStrike" kern="1200" cap="none" spc="0" normalizeH="0" baseline="0" noProof="0" dirty="0">
                 <a:ln>
                   <a:noFill/>
                 </a:ln>
@@ -15351,14 +15169,14 @@
                 <a:effectLst/>
                 <a:uLnTx/>
                 <a:uFillTx/>
-                <a:latin typeface="Century Gothic"/>
-                <a:ea typeface="微软雅黑" charset="0"/>
+                <a:latin typeface="Century Gothic" panose="020B0502020202020204"/>
+                <a:ea typeface="微软雅黑" panose="020B0503020204020204" charset="-122"/>
                 <a:cs typeface="+mn-cs"/>
               </a:rPr>
               <a:t>图表、图片素材等）均受</a:t>
             </a:r>
             <a:r>
-              <a:rPr kumimoji="0" lang="en-US" altLang="zh-CN" sz="1333" b="0" i="0" u="none" strike="noStrike" kern="1200" cap="none" spc="0" normalizeH="0" baseline="0" noProof="0" dirty="0">
+              <a:rPr kumimoji="0" lang="en-US" altLang="zh-CN" sz="1335" b="0" i="0" u="none" strike="noStrike" kern="1200" cap="none" spc="0" normalizeH="0" baseline="0" noProof="0" dirty="0">
                 <a:ln>
                   <a:noFill/>
                 </a:ln>
@@ -15368,14 +15186,14 @@
                 <a:effectLst/>
                 <a:uLnTx/>
                 <a:uFillTx/>
-                <a:latin typeface="Century Gothic"/>
-                <a:ea typeface="微软雅黑" charset="0"/>
+                <a:latin typeface="Century Gothic" panose="020B0502020202020204"/>
+                <a:ea typeface="微软雅黑" panose="020B0503020204020204" charset="-122"/>
                 <a:cs typeface="+mn-cs"/>
               </a:rPr>
               <a:t>《</a:t>
             </a:r>
             <a:r>
-              <a:rPr kumimoji="0" lang="zh-CN" altLang="en-US" sz="1333" b="0" i="0" u="none" strike="noStrike" kern="1200" cap="none" spc="0" normalizeH="0" baseline="0" noProof="0" dirty="0">
+              <a:rPr kumimoji="0" lang="zh-CN" altLang="en-US" sz="1335" b="0" i="0" u="none" strike="noStrike" kern="1200" cap="none" spc="0" normalizeH="0" baseline="0" noProof="0" dirty="0">
                 <a:ln>
                   <a:noFill/>
                 </a:ln>
@@ -15385,14 +15203,14 @@
                 <a:effectLst/>
                 <a:uLnTx/>
                 <a:uFillTx/>
-                <a:latin typeface="Century Gothic"/>
-                <a:ea typeface="微软雅黑" charset="0"/>
+                <a:latin typeface="Century Gothic" panose="020B0502020202020204"/>
+                <a:ea typeface="微软雅黑" panose="020B0503020204020204" charset="-122"/>
                 <a:cs typeface="+mn-cs"/>
               </a:rPr>
               <a:t>中华人民共和国著作权法</a:t>
             </a:r>
             <a:r>
-              <a:rPr kumimoji="0" lang="en-US" altLang="zh-CN" sz="1333" b="0" i="0" u="none" strike="noStrike" kern="1200" cap="none" spc="0" normalizeH="0" baseline="0" noProof="0" dirty="0">
+              <a:rPr kumimoji="0" lang="en-US" altLang="zh-CN" sz="1335" b="0" i="0" u="none" strike="noStrike" kern="1200" cap="none" spc="0" normalizeH="0" baseline="0" noProof="0" dirty="0">
                 <a:ln>
                   <a:noFill/>
                 </a:ln>
@@ -15402,14 +15220,14 @@
                 <a:effectLst/>
                 <a:uLnTx/>
                 <a:uFillTx/>
-                <a:latin typeface="Century Gothic"/>
-                <a:ea typeface="微软雅黑" charset="0"/>
+                <a:latin typeface="Century Gothic" panose="020B0502020202020204"/>
+                <a:ea typeface="微软雅黑" panose="020B0503020204020204" charset="-122"/>
                 <a:cs typeface="+mn-cs"/>
               </a:rPr>
               <a:t>》</a:t>
             </a:r>
             <a:r>
-              <a:rPr kumimoji="0" lang="zh-CN" altLang="en-US" sz="1333" b="0" i="0" u="none" strike="noStrike" kern="1200" cap="none" spc="0" normalizeH="0" baseline="0" noProof="0" dirty="0">
+              <a:rPr kumimoji="0" lang="zh-CN" altLang="en-US" sz="1335" b="0" i="0" u="none" strike="noStrike" kern="1200" cap="none" spc="0" normalizeH="0" baseline="0" noProof="0" dirty="0">
                 <a:ln>
                   <a:noFill/>
                 </a:ln>
@@ -15419,14 +15237,14 @@
                 <a:effectLst/>
                 <a:uLnTx/>
                 <a:uFillTx/>
-                <a:latin typeface="Century Gothic"/>
-                <a:ea typeface="微软雅黑" charset="0"/>
+                <a:latin typeface="Century Gothic" panose="020B0502020202020204"/>
+                <a:ea typeface="微软雅黑" panose="020B0503020204020204" charset="-122"/>
                 <a:cs typeface="+mn-cs"/>
               </a:rPr>
               <a:t>、</a:t>
             </a:r>
             <a:r>
-              <a:rPr kumimoji="0" lang="en-US" altLang="zh-CN" sz="1333" b="0" i="0" u="none" strike="noStrike" kern="1200" cap="none" spc="0" normalizeH="0" baseline="0" noProof="0" dirty="0">
+              <a:rPr kumimoji="0" lang="en-US" altLang="zh-CN" sz="1335" b="0" i="0" u="none" strike="noStrike" kern="1200" cap="none" spc="0" normalizeH="0" baseline="0" noProof="0" dirty="0">
                 <a:ln>
                   <a:noFill/>
                 </a:ln>
@@ -15436,14 +15254,14 @@
                 <a:effectLst/>
                 <a:uLnTx/>
                 <a:uFillTx/>
-                <a:latin typeface="Century Gothic"/>
-                <a:ea typeface="微软雅黑" charset="0"/>
+                <a:latin typeface="Century Gothic" panose="020B0502020202020204"/>
+                <a:ea typeface="微软雅黑" panose="020B0503020204020204" charset="-122"/>
                 <a:cs typeface="+mn-cs"/>
               </a:rPr>
               <a:t>《</a:t>
             </a:r>
             <a:r>
-              <a:rPr kumimoji="0" lang="zh-CN" altLang="en-US" sz="1333" b="0" i="0" u="none" strike="noStrike" kern="1200" cap="none" spc="0" normalizeH="0" baseline="0" noProof="0" dirty="0">
+              <a:rPr kumimoji="0" lang="zh-CN" altLang="en-US" sz="1335" b="0" i="0" u="none" strike="noStrike" kern="1200" cap="none" spc="0" normalizeH="0" baseline="0" noProof="0" dirty="0">
                 <a:ln>
                   <a:noFill/>
                 </a:ln>
@@ -15453,14 +15271,14 @@
                 <a:effectLst/>
                 <a:uLnTx/>
                 <a:uFillTx/>
-                <a:latin typeface="Century Gothic"/>
-                <a:ea typeface="微软雅黑" charset="0"/>
+                <a:latin typeface="Century Gothic" panose="020B0502020202020204"/>
+                <a:ea typeface="微软雅黑" panose="020B0503020204020204" charset="-122"/>
                 <a:cs typeface="+mn-cs"/>
               </a:rPr>
               <a:t>信息网络传播权保护条例</a:t>
             </a:r>
             <a:r>
-              <a:rPr kumimoji="0" lang="en-US" altLang="zh-CN" sz="1333" b="0" i="0" u="none" strike="noStrike" kern="1200" cap="none" spc="0" normalizeH="0" baseline="0" noProof="0" dirty="0">
+              <a:rPr kumimoji="0" lang="en-US" altLang="zh-CN" sz="1335" b="0" i="0" u="none" strike="noStrike" kern="1200" cap="none" spc="0" normalizeH="0" baseline="0" noProof="0" dirty="0">
                 <a:ln>
                   <a:noFill/>
                 </a:ln>
@@ -15470,14 +15288,14 @@
                 <a:effectLst/>
                 <a:uLnTx/>
                 <a:uFillTx/>
-                <a:latin typeface="Century Gothic"/>
-                <a:ea typeface="微软雅黑" charset="0"/>
+                <a:latin typeface="Century Gothic" panose="020B0502020202020204"/>
+                <a:ea typeface="微软雅黑" panose="020B0503020204020204" charset="-122"/>
                 <a:cs typeface="+mn-cs"/>
               </a:rPr>
               <a:t>》</a:t>
             </a:r>
             <a:r>
-              <a:rPr kumimoji="0" lang="zh-CN" altLang="en-US" sz="1333" b="0" i="0" u="none" strike="noStrike" kern="1200" cap="none" spc="0" normalizeH="0" baseline="0" noProof="0" dirty="0">
+              <a:rPr kumimoji="0" lang="zh-CN" altLang="en-US" sz="1335" b="0" i="0" u="none" strike="noStrike" kern="1200" cap="none" spc="0" normalizeH="0" baseline="0" noProof="0" dirty="0">
                 <a:ln>
                   <a:noFill/>
                 </a:ln>
@@ -15487,14 +15305,14 @@
                 <a:effectLst/>
                 <a:uLnTx/>
                 <a:uFillTx/>
-                <a:latin typeface="Century Gothic"/>
-                <a:ea typeface="微软雅黑" charset="0"/>
+                <a:latin typeface="Century Gothic" panose="020B0502020202020204"/>
+                <a:ea typeface="微软雅黑" panose="020B0503020204020204" charset="-122"/>
                 <a:cs typeface="+mn-cs"/>
               </a:rPr>
               <a:t>及其他适用的法律法规的保护，未经权利人书面明确授权，信息内容的任何部分</a:t>
             </a:r>
             <a:r>
-              <a:rPr kumimoji="0" lang="en-US" altLang="zh-CN" sz="1333" b="0" i="0" u="none" strike="noStrike" kern="1200" cap="none" spc="0" normalizeH="0" baseline="0" noProof="0" dirty="0">
+              <a:rPr kumimoji="0" lang="en-US" altLang="zh-CN" sz="1335" b="0" i="0" u="none" strike="noStrike" kern="1200" cap="none" spc="0" normalizeH="0" baseline="0" noProof="0" dirty="0">
                 <a:ln>
                   <a:noFill/>
                 </a:ln>
@@ -15504,14 +15322,14 @@
                 <a:effectLst/>
                 <a:uLnTx/>
                 <a:uFillTx/>
-                <a:latin typeface="Century Gothic"/>
-                <a:ea typeface="微软雅黑" charset="0"/>
+                <a:latin typeface="Century Gothic" panose="020B0502020202020204"/>
+                <a:ea typeface="微软雅黑" panose="020B0503020204020204" charset="-122"/>
                 <a:cs typeface="+mn-cs"/>
               </a:rPr>
               <a:t>(</a:t>
             </a:r>
             <a:r>
-              <a:rPr kumimoji="0" lang="zh-CN" altLang="en-US" sz="1333" b="0" i="0" u="none" strike="noStrike" kern="1200" cap="none" spc="0" normalizeH="0" baseline="0" noProof="0" dirty="0">
+              <a:rPr kumimoji="0" lang="zh-CN" altLang="en-US" sz="1335" b="0" i="0" u="none" strike="noStrike" kern="1200" cap="none" spc="0" normalizeH="0" baseline="0" noProof="0" dirty="0">
                 <a:ln>
                   <a:noFill/>
                 </a:ln>
@@ -15521,14 +15339,14 @@
                 <a:effectLst/>
                 <a:uLnTx/>
                 <a:uFillTx/>
-                <a:latin typeface="Century Gothic"/>
-                <a:ea typeface="微软雅黑" charset="0"/>
+                <a:latin typeface="Century Gothic" panose="020B0502020202020204"/>
+                <a:ea typeface="微软雅黑" panose="020B0503020204020204" charset="-122"/>
                 <a:cs typeface="+mn-cs"/>
               </a:rPr>
               <a:t>包括图片或图表</a:t>
             </a:r>
             <a:r>
-              <a:rPr kumimoji="0" lang="en-US" altLang="zh-CN" sz="1333" b="0" i="0" u="none" strike="noStrike" kern="1200" cap="none" spc="0" normalizeH="0" baseline="0" noProof="0" dirty="0">
+              <a:rPr kumimoji="0" lang="en-US" altLang="zh-CN" sz="1335" b="0" i="0" u="none" strike="noStrike" kern="1200" cap="none" spc="0" normalizeH="0" baseline="0" noProof="0" dirty="0">
                 <a:ln>
                   <a:noFill/>
                 </a:ln>
@@ -15538,14 +15356,14 @@
                 <a:effectLst/>
                 <a:uLnTx/>
                 <a:uFillTx/>
-                <a:latin typeface="Century Gothic"/>
-                <a:ea typeface="微软雅黑" charset="0"/>
+                <a:latin typeface="Century Gothic" panose="020B0502020202020204"/>
+                <a:ea typeface="微软雅黑" panose="020B0503020204020204" charset="-122"/>
                 <a:cs typeface="+mn-cs"/>
               </a:rPr>
               <a:t>)</a:t>
             </a:r>
             <a:r>
-              <a:rPr kumimoji="0" lang="zh-CN" altLang="en-US" sz="1333" b="0" i="0" u="none" strike="noStrike" kern="1200" cap="none" spc="0" normalizeH="0" baseline="0" noProof="0" dirty="0">
+              <a:rPr kumimoji="0" lang="zh-CN" altLang="en-US" sz="1335" b="0" i="0" u="none" strike="noStrike" kern="1200" cap="none" spc="0" normalizeH="0" baseline="0" noProof="0" dirty="0">
                 <a:ln>
                   <a:noFill/>
                 </a:ln>
@@ -15555,8 +15373,8 @@
                 <a:effectLst/>
                 <a:uLnTx/>
                 <a:uFillTx/>
-                <a:latin typeface="Century Gothic"/>
-                <a:ea typeface="微软雅黑" charset="0"/>
+                <a:latin typeface="Century Gothic" panose="020B0502020202020204"/>
+                <a:ea typeface="微软雅黑" panose="020B0503020204020204" charset="-122"/>
                 <a:cs typeface="+mn-cs"/>
               </a:rPr>
               <a:t>不得被全部或部分的复制、传播、销售，否则将承担法律责任。</a:t>
@@ -15585,7 +15403,7 @@
           </a:bodyPr>
           <a:lstStyle/>
           <a:p>
-            <a:pPr marL="0" marR="0" lvl="0" indent="0" defTabSz="609585" eaLnBrk="1" fontAlgn="auto" latinLnBrk="0" hangingPunct="1">
+            <a:pPr marL="0" marR="0" lvl="0" indent="0" defTabSz="608965" eaLnBrk="1" fontAlgn="auto" latinLnBrk="0" hangingPunct="1">
               <a:lnSpc>
                 <a:spcPct val="100000"/>
               </a:lnSpc>
@@ -15599,7 +15417,6 @@
               <a:buSzTx/>
               <a:buFontTx/>
               <a:buNone/>
-              <a:tabLst/>
               <a:defRPr/>
             </a:pPr>
             <a:r>
@@ -15613,9 +15430,9 @@
                 <a:effectLst/>
                 <a:uLnTx/>
                 <a:uFillTx/>
-                <a:latin typeface="Segoe UI Light"/>
-                <a:ea typeface="微软雅黑" charset="0"/>
-                <a:cs typeface="Segoe UI Light"/>
+                <a:latin typeface="Segoe UI Light" panose="020B0502040204020203"/>
+                <a:ea typeface="微软雅黑" panose="020B0503020204020204" charset="-122"/>
+                <a:cs typeface="Segoe UI Light" panose="020B0502040204020203"/>
               </a:rPr>
               <a:t>OfficePLUS</a:t>
             </a:r>
@@ -15629,19 +15446,14 @@
               <a:effectLst/>
               <a:uLnTx/>
               <a:uFillTx/>
-              <a:latin typeface="Segoe UI Light"/>
-              <a:ea typeface="微软雅黑" charset="0"/>
-              <a:cs typeface="Segoe UI Light"/>
+              <a:latin typeface="Segoe UI Light" panose="020B0502040204020203"/>
+              <a:ea typeface="微软雅黑" panose="020B0503020204020204" charset="-122"/>
+              <a:cs typeface="Segoe UI Light" panose="020B0502040204020203"/>
             </a:endParaRPr>
           </a:p>
         </p:txBody>
       </p:sp>
     </p:spTree>
-    <p:extLst>
-      <p:ext uri="{BB962C8B-B14F-4D97-AF65-F5344CB8AC3E}">
-        <p14:creationId xmlns:p14="http://schemas.microsoft.com/office/powerpoint/2010/main" val="573996030"/>
-      </p:ext>
-    </p:extLst>
   </p:cSld>
   <p:clrMapOvr>
     <a:masterClrMapping/>
@@ -15672,22 +15484,17 @@
         </a:xfrm>
       </p:grpSpPr>
     </p:spTree>
-    <p:extLst>
-      <p:ext uri="{BB962C8B-B14F-4D97-AF65-F5344CB8AC3E}">
-        <p14:creationId xmlns:p14="http://schemas.microsoft.com/office/powerpoint/2010/main" val="269441500"/>
-      </p:ext>
-    </p:extLst>
   </p:cSld>
   <p:clrMap bg1="lt1" tx1="dk1" bg2="lt2" tx2="dk2" accent1="accent1" accent2="accent2" accent3="accent3" accent4="accent4" accent5="accent5" accent6="accent6" hlink="hlink" folHlink="folHlink"/>
   <p:sldLayoutIdLst>
-    <p:sldLayoutId id="2147483686" r:id="rId1"/>
-    <p:sldLayoutId id="2147483682" r:id="rId2"/>
-    <p:sldLayoutId id="2147483687" r:id="rId3"/>
-    <p:sldLayoutId id="2147483688" r:id="rId4"/>
-    <p:sldLayoutId id="2147483689" r:id="rId5"/>
-    <p:sldLayoutId id="2147483684" r:id="rId6"/>
-    <p:sldLayoutId id="2147483662" r:id="rId7"/>
-    <p:sldLayoutId id="2147483690" r:id="rId8"/>
+    <p:sldLayoutId id="2147483649" r:id="rId1"/>
+    <p:sldLayoutId id="2147483650" r:id="rId2"/>
+    <p:sldLayoutId id="2147483651" r:id="rId3"/>
+    <p:sldLayoutId id="2147483652" r:id="rId4"/>
+    <p:sldLayoutId id="2147483653" r:id="rId5"/>
+    <p:sldLayoutId id="2147483654" r:id="rId6"/>
+    <p:sldLayoutId id="2147483655" r:id="rId7"/>
+    <p:sldLayoutId id="2147483656" r:id="rId8"/>
   </p:sldLayoutIdLst>
   <p:txStyles>
     <p:titleStyle>
@@ -15995,17 +15802,12 @@
         </a:xfrm>
       </p:grpSpPr>
     </p:spTree>
-    <p:extLst>
-      <p:ext uri="{BB962C8B-B14F-4D97-AF65-F5344CB8AC3E}">
-        <p14:creationId xmlns:p14="http://schemas.microsoft.com/office/powerpoint/2010/main" val="2425087259"/>
-      </p:ext>
-    </p:extLst>
   </p:cSld>
   <p:clrMap bg1="lt1" tx1="dk1" bg2="lt2" tx2="dk2" accent1="accent1" accent2="accent2" accent3="accent3" accent4="accent4" accent5="accent5" accent6="accent6" hlink="hlink" folHlink="folHlink"/>
   <p:sldLayoutIdLst>
-    <p:sldLayoutId id="2147483680" r:id="rId1"/>
-    <p:sldLayoutId id="2147483685" r:id="rId2"/>
-    <p:sldLayoutId id="2147483681" r:id="rId3"/>
+    <p:sldLayoutId id="2147483658" r:id="rId1"/>
+    <p:sldLayoutId id="2147483659" r:id="rId2"/>
+    <p:sldLayoutId id="2147483660" r:id="rId3"/>
   </p:sldLayoutIdLst>
   <p:txStyles>
     <p:titleStyle>
@@ -16395,11 +16197,6 @@
         </p:txBody>
       </p:sp>
     </p:spTree>
-    <p:extLst>
-      <p:ext uri="{BB962C8B-B14F-4D97-AF65-F5344CB8AC3E}">
-        <p14:creationId xmlns:p14="http://schemas.microsoft.com/office/powerpoint/2010/main" val="671068506"/>
-      </p:ext>
-    </p:extLst>
   </p:cSld>
   <p:clrMapOvr>
     <a:masterClrMapping/>
@@ -16438,13 +16235,7 @@
       </p:grpSpPr>
       <p:sp>
         <p:nvSpPr>
-          <p:cNvPr id="2" name="文本占位符 1">
-            <a:extLst>
-              <a:ext uri="{FF2B5EF4-FFF2-40B4-BE49-F238E27FC236}">
-                <a16:creationId xmlns:a16="http://schemas.microsoft.com/office/drawing/2014/main" id="{30B5DABE-AEE3-4875-92EC-152876C8F503}"/>
-              </a:ext>
-            </a:extLst>
-          </p:cNvPr>
+          <p:cNvPr id="2" name="文本占位符 1"/>
           <p:cNvSpPr>
             <a:spLocks noGrp="1"/>
           </p:cNvSpPr>
@@ -16467,13 +16258,7 @@
       </p:sp>
       <p:sp>
         <p:nvSpPr>
-          <p:cNvPr id="3" name="文本占位符 2">
-            <a:extLst>
-              <a:ext uri="{FF2B5EF4-FFF2-40B4-BE49-F238E27FC236}">
-                <a16:creationId xmlns:a16="http://schemas.microsoft.com/office/drawing/2014/main" id="{BAF4F1E3-39FB-4F7C-BE38-D37CBB0B26C5}"/>
-              </a:ext>
-            </a:extLst>
-          </p:cNvPr>
+          <p:cNvPr id="3" name="文本占位符 2"/>
           <p:cNvSpPr>
             <a:spLocks noGrp="1"/>
           </p:cNvSpPr>
@@ -16507,13 +16292,7 @@
       </p:sp>
       <p:sp>
         <p:nvSpPr>
-          <p:cNvPr id="4" name="矩形 3">
-            <a:extLst>
-              <a:ext uri="{FF2B5EF4-FFF2-40B4-BE49-F238E27FC236}">
-                <a16:creationId xmlns:a16="http://schemas.microsoft.com/office/drawing/2014/main" id="{42171ABB-6E0E-43F8-A1B3-B6E37D2C7DF9}"/>
-              </a:ext>
-            </a:extLst>
-          </p:cNvPr>
+          <p:cNvPr id="4" name="矩形 3"/>
           <p:cNvSpPr/>
           <p:nvPr/>
         </p:nvSpPr>
@@ -16547,13 +16326,7 @@
       </p:sp>
       <p:grpSp>
         <p:nvGrpSpPr>
-          <p:cNvPr id="13" name="组合 12">
-            <a:extLst>
-              <a:ext uri="{FF2B5EF4-FFF2-40B4-BE49-F238E27FC236}">
-                <a16:creationId xmlns:a16="http://schemas.microsoft.com/office/drawing/2014/main" id="{CFB6A10D-16D9-491E-BBD4-F13AB4FE1049}"/>
-              </a:ext>
-            </a:extLst>
-          </p:cNvPr>
+          <p:cNvPr id="13" name="组合 12"/>
           <p:cNvGrpSpPr/>
           <p:nvPr/>
         </p:nvGrpSpPr>
@@ -16567,13 +16340,7 @@
         </p:grpSpPr>
         <p:sp>
           <p:nvSpPr>
-            <p:cNvPr id="41" name="文本框 40">
-              <a:extLst>
-                <a:ext uri="{FF2B5EF4-FFF2-40B4-BE49-F238E27FC236}">
-                  <a16:creationId xmlns:a16="http://schemas.microsoft.com/office/drawing/2014/main" id="{D955DB26-3535-4BD4-A19E-DBBBFD3176B1}"/>
-                </a:ext>
-              </a:extLst>
-            </p:cNvPr>
+            <p:cNvPr id="41" name="文本框 40"/>
             <p:cNvSpPr txBox="1"/>
             <p:nvPr/>
           </p:nvSpPr>
@@ -16602,13 +16369,7 @@
         </p:sp>
         <p:pic>
           <p:nvPicPr>
-            <p:cNvPr id="23" name="图片 22">
-              <a:extLst>
-                <a:ext uri="{FF2B5EF4-FFF2-40B4-BE49-F238E27FC236}">
-                  <a16:creationId xmlns:a16="http://schemas.microsoft.com/office/drawing/2014/main" id="{703FDDF3-9026-4077-B1E1-05FD8B9191E4}"/>
-                </a:ext>
-              </a:extLst>
-            </p:cNvPr>
+            <p:cNvPr id="23" name="图片 22"/>
             <p:cNvPicPr>
               <a:picLocks noChangeAspect="1"/>
             </p:cNvPicPr>
@@ -16633,13 +16394,7 @@
       </p:grpSp>
       <p:grpSp>
         <p:nvGrpSpPr>
-          <p:cNvPr id="12" name="组合 11">
-            <a:extLst>
-              <a:ext uri="{FF2B5EF4-FFF2-40B4-BE49-F238E27FC236}">
-                <a16:creationId xmlns:a16="http://schemas.microsoft.com/office/drawing/2014/main" id="{4427A932-D2DE-4874-B368-945F55F0707D}"/>
-              </a:ext>
-            </a:extLst>
-          </p:cNvPr>
+          <p:cNvPr id="12" name="组合 11"/>
           <p:cNvGrpSpPr/>
           <p:nvPr/>
         </p:nvGrpSpPr>
@@ -16653,13 +16408,7 @@
         </p:grpSpPr>
         <p:pic>
           <p:nvPicPr>
-            <p:cNvPr id="5" name="图片 4">
-              <a:extLst>
-                <a:ext uri="{FF2B5EF4-FFF2-40B4-BE49-F238E27FC236}">
-                  <a16:creationId xmlns:a16="http://schemas.microsoft.com/office/drawing/2014/main" id="{08317CC8-1810-425E-A524-5009CC7177C6}"/>
-                </a:ext>
-              </a:extLst>
-            </p:cNvPr>
+            <p:cNvPr id="5" name="图片 4"/>
             <p:cNvPicPr>
               <a:picLocks noChangeAspect="1"/>
             </p:cNvPicPr>
@@ -16683,13 +16432,7 @@
         </p:pic>
         <p:pic>
           <p:nvPicPr>
-            <p:cNvPr id="7" name="图片 6">
-              <a:extLst>
-                <a:ext uri="{FF2B5EF4-FFF2-40B4-BE49-F238E27FC236}">
-                  <a16:creationId xmlns:a16="http://schemas.microsoft.com/office/drawing/2014/main" id="{8F49D54F-F9A4-49ED-9116-C9EE261BE56D}"/>
-                </a:ext>
-              </a:extLst>
-            </p:cNvPr>
+            <p:cNvPr id="7" name="图片 6"/>
             <p:cNvPicPr>
               <a:picLocks noChangeAspect="1"/>
             </p:cNvPicPr>
@@ -16713,13 +16456,7 @@
         </p:pic>
         <p:pic>
           <p:nvPicPr>
-            <p:cNvPr id="8" name="图片 7">
-              <a:extLst>
-                <a:ext uri="{FF2B5EF4-FFF2-40B4-BE49-F238E27FC236}">
-                  <a16:creationId xmlns:a16="http://schemas.microsoft.com/office/drawing/2014/main" id="{4E82CC01-E3AE-41CF-BD7E-4D36FDAD0DC7}"/>
-                </a:ext>
-              </a:extLst>
-            </p:cNvPr>
+            <p:cNvPr id="8" name="图片 7"/>
             <p:cNvPicPr>
               <a:picLocks noChangeAspect="1"/>
             </p:cNvPicPr>
@@ -16743,13 +16480,7 @@
         </p:pic>
         <p:sp>
           <p:nvSpPr>
-            <p:cNvPr id="9" name="文本框 8">
-              <a:extLst>
-                <a:ext uri="{FF2B5EF4-FFF2-40B4-BE49-F238E27FC236}">
-                  <a16:creationId xmlns:a16="http://schemas.microsoft.com/office/drawing/2014/main" id="{A77C8D16-F082-4690-A9D3-CD5B80BD3091}"/>
-                </a:ext>
-              </a:extLst>
-            </p:cNvPr>
+            <p:cNvPr id="9" name="文本框 8"/>
             <p:cNvSpPr txBox="1"/>
             <p:nvPr/>
           </p:nvSpPr>
@@ -16779,13 +16510,7 @@
         </p:sp>
         <p:sp>
           <p:nvSpPr>
-            <p:cNvPr id="28" name="文本框 27">
-              <a:extLst>
-                <a:ext uri="{FF2B5EF4-FFF2-40B4-BE49-F238E27FC236}">
-                  <a16:creationId xmlns:a16="http://schemas.microsoft.com/office/drawing/2014/main" id="{FC130014-9EC2-4495-A7BA-E744049B22E3}"/>
-                </a:ext>
-              </a:extLst>
-            </p:cNvPr>
+            <p:cNvPr id="28" name="文本框 27"/>
             <p:cNvSpPr txBox="1"/>
             <p:nvPr/>
           </p:nvSpPr>
@@ -16815,13 +16540,7 @@
         </p:sp>
         <p:sp>
           <p:nvSpPr>
-            <p:cNvPr id="29" name="文本框 28">
-              <a:extLst>
-                <a:ext uri="{FF2B5EF4-FFF2-40B4-BE49-F238E27FC236}">
-                  <a16:creationId xmlns:a16="http://schemas.microsoft.com/office/drawing/2014/main" id="{BF5A46A0-D4A2-41B1-9FCB-A5D7CC84A46F}"/>
-                </a:ext>
-              </a:extLst>
-            </p:cNvPr>
+            <p:cNvPr id="29" name="文本框 28"/>
             <p:cNvSpPr txBox="1"/>
             <p:nvPr/>
           </p:nvSpPr>
@@ -16851,13 +16570,7 @@
         </p:sp>
         <p:sp>
           <p:nvSpPr>
-            <p:cNvPr id="31" name="文本框 30">
-              <a:extLst>
-                <a:ext uri="{FF2B5EF4-FFF2-40B4-BE49-F238E27FC236}">
-                  <a16:creationId xmlns:a16="http://schemas.microsoft.com/office/drawing/2014/main" id="{E3B0CDE0-CD11-4E4A-B722-90968533A8D6}"/>
-                </a:ext>
-              </a:extLst>
-            </p:cNvPr>
+            <p:cNvPr id="31" name="文本框 30"/>
             <p:cNvSpPr txBox="1"/>
             <p:nvPr/>
           </p:nvSpPr>
@@ -16887,13 +16600,7 @@
         </p:sp>
         <p:sp>
           <p:nvSpPr>
-            <p:cNvPr id="33" name="文本框 32">
-              <a:extLst>
-                <a:ext uri="{FF2B5EF4-FFF2-40B4-BE49-F238E27FC236}">
-                  <a16:creationId xmlns:a16="http://schemas.microsoft.com/office/drawing/2014/main" id="{B80ADA27-6C38-416A-9552-2111D591ACB2}"/>
-                </a:ext>
-              </a:extLst>
-            </p:cNvPr>
+            <p:cNvPr id="33" name="文本框 32"/>
             <p:cNvSpPr txBox="1"/>
             <p:nvPr/>
           </p:nvSpPr>
@@ -16922,13 +16629,7 @@
         </p:sp>
         <p:sp>
           <p:nvSpPr>
-            <p:cNvPr id="10" name="箭头: 下 9">
-              <a:extLst>
-                <a:ext uri="{FF2B5EF4-FFF2-40B4-BE49-F238E27FC236}">
-                  <a16:creationId xmlns:a16="http://schemas.microsoft.com/office/drawing/2014/main" id="{99542950-121C-4441-A718-2E82983CB731}"/>
-                </a:ext>
-              </a:extLst>
-            </p:cNvPr>
+            <p:cNvPr id="10" name="箭头: 下 9"/>
             <p:cNvSpPr/>
             <p:nvPr/>
           </p:nvSpPr>
@@ -16960,9 +16661,6 @@
           </p:style>
           <p:txBody>
             <a:bodyPr rot="0" spcFirstLastPara="0" vertOverflow="overflow" horzOverflow="overflow" vert="horz" wrap="square" lIns="91440" tIns="45720" rIns="91440" bIns="45720" numCol="1" spcCol="0" rtlCol="0" fromWordArt="0" anchor="ctr" anchorCtr="0" forceAA="0" compatLnSpc="1">
-              <a:prstTxWarp prst="textNoShape">
-                <a:avLst/>
-              </a:prstTxWarp>
               <a:noAutofit/>
             </a:bodyPr>
             <a:lstStyle/>
@@ -16974,13 +16672,7 @@
         </p:sp>
         <p:sp>
           <p:nvSpPr>
-            <p:cNvPr id="42" name="箭头: 下 41">
-              <a:extLst>
-                <a:ext uri="{FF2B5EF4-FFF2-40B4-BE49-F238E27FC236}">
-                  <a16:creationId xmlns:a16="http://schemas.microsoft.com/office/drawing/2014/main" id="{F7A1DCB9-653B-45A0-9823-1D8ABDFD8E95}"/>
-                </a:ext>
-              </a:extLst>
-            </p:cNvPr>
+            <p:cNvPr id="42" name="箭头: 下 41"/>
             <p:cNvSpPr/>
             <p:nvPr/>
           </p:nvSpPr>
@@ -17012,9 +16704,6 @@
           </p:style>
           <p:txBody>
             <a:bodyPr rot="0" spcFirstLastPara="0" vertOverflow="overflow" horzOverflow="overflow" vert="horz" wrap="square" lIns="91440" tIns="45720" rIns="91440" bIns="45720" numCol="1" spcCol="0" rtlCol="0" fromWordArt="0" anchor="ctr" anchorCtr="0" forceAA="0" compatLnSpc="1">
-              <a:prstTxWarp prst="textNoShape">
-                <a:avLst/>
-              </a:prstTxWarp>
               <a:noAutofit/>
             </a:bodyPr>
             <a:lstStyle/>
@@ -17026,13 +16715,7 @@
         </p:sp>
         <p:sp>
           <p:nvSpPr>
-            <p:cNvPr id="43" name="文本框 42">
-              <a:extLst>
-                <a:ext uri="{FF2B5EF4-FFF2-40B4-BE49-F238E27FC236}">
-                  <a16:creationId xmlns:a16="http://schemas.microsoft.com/office/drawing/2014/main" id="{2ACBCE3C-0F42-4B23-A255-CB4356B525C1}"/>
-                </a:ext>
-              </a:extLst>
-            </p:cNvPr>
+            <p:cNvPr id="43" name="文本框 42"/>
             <p:cNvSpPr txBox="1"/>
             <p:nvPr/>
           </p:nvSpPr>
@@ -17062,13 +16745,7 @@
         </p:sp>
         <p:sp>
           <p:nvSpPr>
-            <p:cNvPr id="11" name="文本框 10">
-              <a:extLst>
-                <a:ext uri="{FF2B5EF4-FFF2-40B4-BE49-F238E27FC236}">
-                  <a16:creationId xmlns:a16="http://schemas.microsoft.com/office/drawing/2014/main" id="{A5007C29-147D-44F2-BFDE-8CCE19DA0529}"/>
-                </a:ext>
-              </a:extLst>
-            </p:cNvPr>
+            <p:cNvPr id="11" name="文本框 10"/>
             <p:cNvSpPr txBox="1"/>
             <p:nvPr/>
           </p:nvSpPr>
@@ -17131,11 +16808,6 @@
         </p:sp>
       </p:grpSp>
     </p:spTree>
-    <p:extLst>
-      <p:ext uri="{BB962C8B-B14F-4D97-AF65-F5344CB8AC3E}">
-        <p14:creationId xmlns:p14="http://schemas.microsoft.com/office/powerpoint/2010/main" val="2120471578"/>
-      </p:ext>
-    </p:extLst>
   </p:cSld>
   <p:clrMapOvr>
     <a:masterClrMapping/>
@@ -17162,13 +16834,7 @@
       </p:grpSpPr>
       <p:sp>
         <p:nvSpPr>
-          <p:cNvPr id="2" name="文本占位符 1">
-            <a:extLst>
-              <a:ext uri="{FF2B5EF4-FFF2-40B4-BE49-F238E27FC236}">
-                <a16:creationId xmlns:a16="http://schemas.microsoft.com/office/drawing/2014/main" id="{30B5DABE-AEE3-4875-92EC-152876C8F503}"/>
-              </a:ext>
-            </a:extLst>
-          </p:cNvPr>
+          <p:cNvPr id="2" name="文本占位符 1"/>
           <p:cNvSpPr>
             <a:spLocks noGrp="1"/>
           </p:cNvSpPr>
@@ -17196,13 +16862,7 @@
       </p:sp>
       <p:sp>
         <p:nvSpPr>
-          <p:cNvPr id="3" name="文本占位符 2">
-            <a:extLst>
-              <a:ext uri="{FF2B5EF4-FFF2-40B4-BE49-F238E27FC236}">
-                <a16:creationId xmlns:a16="http://schemas.microsoft.com/office/drawing/2014/main" id="{BAF4F1E3-39FB-4F7C-BE38-D37CBB0B26C5}"/>
-              </a:ext>
-            </a:extLst>
-          </p:cNvPr>
+          <p:cNvPr id="3" name="文本占位符 2"/>
           <p:cNvSpPr>
             <a:spLocks noGrp="1"/>
           </p:cNvSpPr>
@@ -17236,13 +16896,7 @@
       </p:sp>
       <p:sp>
         <p:nvSpPr>
-          <p:cNvPr id="4" name="矩形 3">
-            <a:extLst>
-              <a:ext uri="{FF2B5EF4-FFF2-40B4-BE49-F238E27FC236}">
-                <a16:creationId xmlns:a16="http://schemas.microsoft.com/office/drawing/2014/main" id="{42171ABB-6E0E-43F8-A1B3-B6E37D2C7DF9}"/>
-              </a:ext>
-            </a:extLst>
-          </p:cNvPr>
+          <p:cNvPr id="4" name="矩形 3"/>
           <p:cNvSpPr/>
           <p:nvPr/>
         </p:nvSpPr>
@@ -17276,13 +16930,7 @@
       </p:sp>
       <p:grpSp>
         <p:nvGrpSpPr>
-          <p:cNvPr id="15" name="组合 14">
-            <a:extLst>
-              <a:ext uri="{FF2B5EF4-FFF2-40B4-BE49-F238E27FC236}">
-                <a16:creationId xmlns:a16="http://schemas.microsoft.com/office/drawing/2014/main" id="{31397D90-8E54-4E2C-AFFB-B0622DCAE69E}"/>
-              </a:ext>
-            </a:extLst>
-          </p:cNvPr>
+          <p:cNvPr id="15" name="组合 14"/>
           <p:cNvGrpSpPr/>
           <p:nvPr/>
         </p:nvGrpSpPr>
@@ -17296,13 +16944,7 @@
         </p:grpSpPr>
         <p:pic>
           <p:nvPicPr>
-            <p:cNvPr id="14" name="图片 13">
-              <a:extLst>
-                <a:ext uri="{FF2B5EF4-FFF2-40B4-BE49-F238E27FC236}">
-                  <a16:creationId xmlns:a16="http://schemas.microsoft.com/office/drawing/2014/main" id="{F8AE61AB-27F3-4144-9D82-4DA492D12538}"/>
-                </a:ext>
-              </a:extLst>
-            </p:cNvPr>
+            <p:cNvPr id="14" name="图片 13"/>
             <p:cNvPicPr>
               <a:picLocks noChangeAspect="1"/>
             </p:cNvPicPr>
@@ -17326,13 +16968,7 @@
         </p:pic>
         <p:sp>
           <p:nvSpPr>
-            <p:cNvPr id="24" name="文本框 23">
-              <a:extLst>
-                <a:ext uri="{FF2B5EF4-FFF2-40B4-BE49-F238E27FC236}">
-                  <a16:creationId xmlns:a16="http://schemas.microsoft.com/office/drawing/2014/main" id="{648544A0-7D2E-4EF3-AEBD-6E0727905CB6}"/>
-                </a:ext>
-              </a:extLst>
-            </p:cNvPr>
+            <p:cNvPr id="24" name="文本框 23"/>
             <p:cNvSpPr txBox="1"/>
             <p:nvPr/>
           </p:nvSpPr>
@@ -17361,13 +16997,7 @@
         </p:sp>
         <p:sp>
           <p:nvSpPr>
-            <p:cNvPr id="6" name="文本框 5">
-              <a:extLst>
-                <a:ext uri="{FF2B5EF4-FFF2-40B4-BE49-F238E27FC236}">
-                  <a16:creationId xmlns:a16="http://schemas.microsoft.com/office/drawing/2014/main" id="{1AA782C9-A4E8-43D1-ACDE-39BBC77E55DB}"/>
-                </a:ext>
-              </a:extLst>
-            </p:cNvPr>
+            <p:cNvPr id="6" name="文本框 5"/>
             <p:cNvSpPr txBox="1"/>
             <p:nvPr/>
           </p:nvSpPr>
@@ -17397,13 +17027,7 @@
         </p:sp>
         <p:sp>
           <p:nvSpPr>
-            <p:cNvPr id="8" name="文本框 7">
-              <a:extLst>
-                <a:ext uri="{FF2B5EF4-FFF2-40B4-BE49-F238E27FC236}">
-                  <a16:creationId xmlns:a16="http://schemas.microsoft.com/office/drawing/2014/main" id="{F6E0F3A6-B52D-4637-85DA-F89D0F466442}"/>
-                </a:ext>
-              </a:extLst>
-            </p:cNvPr>
+            <p:cNvPr id="8" name="文本框 7"/>
             <p:cNvSpPr txBox="1"/>
             <p:nvPr/>
           </p:nvSpPr>
@@ -17437,13 +17061,7 @@
         </p:sp>
         <p:sp>
           <p:nvSpPr>
-            <p:cNvPr id="9" name="文本框 8">
-              <a:extLst>
-                <a:ext uri="{FF2B5EF4-FFF2-40B4-BE49-F238E27FC236}">
-                  <a16:creationId xmlns:a16="http://schemas.microsoft.com/office/drawing/2014/main" id="{95639A43-CBB2-4B72-8C55-D7D1589317E7}"/>
-                </a:ext>
-              </a:extLst>
-            </p:cNvPr>
+            <p:cNvPr id="9" name="文本框 8"/>
             <p:cNvSpPr txBox="1"/>
             <p:nvPr/>
           </p:nvSpPr>
@@ -17477,13 +17095,7 @@
         </p:sp>
         <p:sp>
           <p:nvSpPr>
-            <p:cNvPr id="10" name="文本框 9">
-              <a:extLst>
-                <a:ext uri="{FF2B5EF4-FFF2-40B4-BE49-F238E27FC236}">
-                  <a16:creationId xmlns:a16="http://schemas.microsoft.com/office/drawing/2014/main" id="{F7A91B9B-1671-4CE7-BCFE-09655BBB3288}"/>
-                </a:ext>
-              </a:extLst>
-            </p:cNvPr>
+            <p:cNvPr id="10" name="文本框 9"/>
             <p:cNvSpPr txBox="1"/>
             <p:nvPr/>
           </p:nvSpPr>
@@ -17535,13 +17147,7 @@
         </p:sp>
         <p:sp>
           <p:nvSpPr>
-            <p:cNvPr id="11" name="文本框 10">
-              <a:extLst>
-                <a:ext uri="{FF2B5EF4-FFF2-40B4-BE49-F238E27FC236}">
-                  <a16:creationId xmlns:a16="http://schemas.microsoft.com/office/drawing/2014/main" id="{55A3774C-3D07-4B53-8641-353C9384C6D2}"/>
-                </a:ext>
-              </a:extLst>
-            </p:cNvPr>
+            <p:cNvPr id="11" name="文本框 10"/>
             <p:cNvSpPr txBox="1"/>
             <p:nvPr/>
           </p:nvSpPr>
@@ -17600,13 +17206,7 @@
       </p:grpSp>
       <p:sp>
         <p:nvSpPr>
-          <p:cNvPr id="12" name="文本框 11">
-            <a:extLst>
-              <a:ext uri="{FF2B5EF4-FFF2-40B4-BE49-F238E27FC236}">
-                <a16:creationId xmlns:a16="http://schemas.microsoft.com/office/drawing/2014/main" id="{F68896E9-AACC-43B9-919C-7FC59A784965}"/>
-              </a:ext>
-            </a:extLst>
-          </p:cNvPr>
+          <p:cNvPr id="12" name="文本框 11"/>
           <p:cNvSpPr txBox="1"/>
           <p:nvPr/>
         </p:nvSpPr>
@@ -17767,13 +17367,7 @@
       </p:sp>
       <p:sp>
         <p:nvSpPr>
-          <p:cNvPr id="13" name="文本框 12">
-            <a:extLst>
-              <a:ext uri="{FF2B5EF4-FFF2-40B4-BE49-F238E27FC236}">
-                <a16:creationId xmlns:a16="http://schemas.microsoft.com/office/drawing/2014/main" id="{F96FD95D-5E44-48EC-8A5E-D491FBAB729F}"/>
-              </a:ext>
-            </a:extLst>
-          </p:cNvPr>
+          <p:cNvPr id="13" name="文本框 12"/>
           <p:cNvSpPr txBox="1"/>
           <p:nvPr/>
         </p:nvSpPr>
@@ -17892,11 +17486,6 @@
         </p:txBody>
       </p:sp>
     </p:spTree>
-    <p:extLst>
-      <p:ext uri="{BB962C8B-B14F-4D97-AF65-F5344CB8AC3E}">
-        <p14:creationId xmlns:p14="http://schemas.microsoft.com/office/powerpoint/2010/main" val="4236496570"/>
-      </p:ext>
-    </p:extLst>
   </p:cSld>
   <p:clrMapOvr>
     <a:masterClrMapping/>
@@ -17935,13 +17524,7 @@
       </p:grpSpPr>
       <p:sp>
         <p:nvSpPr>
-          <p:cNvPr id="2" name="文本占位符 1">
-            <a:extLst>
-              <a:ext uri="{FF2B5EF4-FFF2-40B4-BE49-F238E27FC236}">
-                <a16:creationId xmlns:a16="http://schemas.microsoft.com/office/drawing/2014/main" id="{30B5DABE-AEE3-4875-92EC-152876C8F503}"/>
-              </a:ext>
-            </a:extLst>
-          </p:cNvPr>
+          <p:cNvPr id="2" name="文本占位符 1"/>
           <p:cNvSpPr>
             <a:spLocks noGrp="1"/>
           </p:cNvSpPr>
@@ -17969,13 +17552,7 @@
       </p:sp>
       <p:sp>
         <p:nvSpPr>
-          <p:cNvPr id="3" name="文本占位符 2">
-            <a:extLst>
-              <a:ext uri="{FF2B5EF4-FFF2-40B4-BE49-F238E27FC236}">
-                <a16:creationId xmlns:a16="http://schemas.microsoft.com/office/drawing/2014/main" id="{BAF4F1E3-39FB-4F7C-BE38-D37CBB0B26C5}"/>
-              </a:ext>
-            </a:extLst>
-          </p:cNvPr>
+          <p:cNvPr id="3" name="文本占位符 2"/>
           <p:cNvSpPr>
             <a:spLocks noGrp="1"/>
           </p:cNvSpPr>
@@ -18009,13 +17586,7 @@
       </p:sp>
       <p:sp>
         <p:nvSpPr>
-          <p:cNvPr id="4" name="矩形 3">
-            <a:extLst>
-              <a:ext uri="{FF2B5EF4-FFF2-40B4-BE49-F238E27FC236}">
-                <a16:creationId xmlns:a16="http://schemas.microsoft.com/office/drawing/2014/main" id="{42171ABB-6E0E-43F8-A1B3-B6E37D2C7DF9}"/>
-              </a:ext>
-            </a:extLst>
-          </p:cNvPr>
+          <p:cNvPr id="4" name="矩形 3"/>
           <p:cNvSpPr/>
           <p:nvPr/>
         </p:nvSpPr>
@@ -18049,13 +17620,7 @@
       </p:sp>
       <p:pic>
         <p:nvPicPr>
-          <p:cNvPr id="16" name="图片 15">
-            <a:extLst>
-              <a:ext uri="{FF2B5EF4-FFF2-40B4-BE49-F238E27FC236}">
-                <a16:creationId xmlns:a16="http://schemas.microsoft.com/office/drawing/2014/main" id="{23E39C27-0B81-4FDB-8FE9-A7835A37360D}"/>
-              </a:ext>
-            </a:extLst>
-          </p:cNvPr>
+          <p:cNvPr id="16" name="图片 15"/>
           <p:cNvPicPr/>
           <p:nvPr/>
         </p:nvPicPr>
@@ -18077,13 +17642,7 @@
       </p:pic>
       <p:pic>
         <p:nvPicPr>
-          <p:cNvPr id="17" name="图片 16">
-            <a:extLst>
-              <a:ext uri="{FF2B5EF4-FFF2-40B4-BE49-F238E27FC236}">
-                <a16:creationId xmlns:a16="http://schemas.microsoft.com/office/drawing/2014/main" id="{7104EDC5-39C1-4C79-8F63-3D12CFDA81C4}"/>
-              </a:ext>
-            </a:extLst>
-          </p:cNvPr>
+          <p:cNvPr id="17" name="图片 16"/>
           <p:cNvPicPr/>
           <p:nvPr/>
         </p:nvPicPr>
@@ -18116,13 +17675,7 @@
       </p:pic>
       <p:pic>
         <p:nvPicPr>
-          <p:cNvPr id="18" name="图片 17">
-            <a:extLst>
-              <a:ext uri="{FF2B5EF4-FFF2-40B4-BE49-F238E27FC236}">
-                <a16:creationId xmlns:a16="http://schemas.microsoft.com/office/drawing/2014/main" id="{34197A4F-DB12-45AC-B1CE-9BDEA6F439CF}"/>
-              </a:ext>
-            </a:extLst>
-          </p:cNvPr>
+          <p:cNvPr id="18" name="图片 17"/>
           <p:cNvPicPr/>
           <p:nvPr/>
         </p:nvPicPr>
@@ -18155,13 +17708,7 @@
       </p:pic>
       <p:sp>
         <p:nvSpPr>
-          <p:cNvPr id="7" name="文本框 6">
-            <a:extLst>
-              <a:ext uri="{FF2B5EF4-FFF2-40B4-BE49-F238E27FC236}">
-                <a16:creationId xmlns:a16="http://schemas.microsoft.com/office/drawing/2014/main" id="{1D15AFDC-0AA1-40F3-B7CE-0ECFAD37A27B}"/>
-              </a:ext>
-            </a:extLst>
-          </p:cNvPr>
+          <p:cNvPr id="7" name="文本框 6"/>
           <p:cNvSpPr txBox="1"/>
           <p:nvPr/>
         </p:nvSpPr>
@@ -18195,13 +17742,7 @@
       </p:sp>
       <p:sp>
         <p:nvSpPr>
-          <p:cNvPr id="20" name="文本框 19">
-            <a:extLst>
-              <a:ext uri="{FF2B5EF4-FFF2-40B4-BE49-F238E27FC236}">
-                <a16:creationId xmlns:a16="http://schemas.microsoft.com/office/drawing/2014/main" id="{4DD56604-ACC4-4324-9B32-54B9E4EC82E9}"/>
-              </a:ext>
-            </a:extLst>
-          </p:cNvPr>
+          <p:cNvPr id="20" name="文本框 19"/>
           <p:cNvSpPr txBox="1"/>
           <p:nvPr/>
         </p:nvSpPr>
@@ -18231,13 +17772,7 @@
       </p:sp>
       <p:sp>
         <p:nvSpPr>
-          <p:cNvPr id="21" name="文本框 20">
-            <a:extLst>
-              <a:ext uri="{FF2B5EF4-FFF2-40B4-BE49-F238E27FC236}">
-                <a16:creationId xmlns:a16="http://schemas.microsoft.com/office/drawing/2014/main" id="{FB96FE2C-0AE7-47EA-B117-7DB486F698F8}"/>
-              </a:ext>
-            </a:extLst>
-          </p:cNvPr>
+          <p:cNvPr id="21" name="文本框 20"/>
           <p:cNvSpPr txBox="1"/>
           <p:nvPr/>
         </p:nvSpPr>
@@ -18270,11 +17805,7 @@
           <p:sp>
             <p:nvSpPr>
               <p:cNvPr id="19" name="矩形 18">
-                <a:extLst>
-                  <a:ext uri="{FF2B5EF4-FFF2-40B4-BE49-F238E27FC236}">
-                    <a16:creationId xmlns:a16="http://schemas.microsoft.com/office/drawing/2014/main" id="{64346144-72AD-44EA-9E0B-EAF76A11B361}"/>
-                  </a:ext>
-                </a:extLst>
+                <a:extLst/>
               </p:cNvPr>
               <p:cNvSpPr/>
               <p:nvPr/>
@@ -18374,13 +17905,7 @@
         <mc:Fallback xmlns="">
           <p:sp>
             <p:nvSpPr>
-              <p:cNvPr id="19" name="矩形 18">
-                <a:extLst>
-                  <a:ext uri="{FF2B5EF4-FFF2-40B4-BE49-F238E27FC236}">
-                    <a16:creationId xmlns:a16="http://schemas.microsoft.com/office/drawing/2014/main" id="{64346144-72AD-44EA-9E0B-EAF76A11B361}"/>
-                  </a:ext>
-                </a:extLst>
-              </p:cNvPr>
+              <p:cNvPr id="19" name="矩形 18"/>
               <p:cNvSpPr>
                 <a:spLocks noRot="1" noChangeAspect="1" noMove="1" noResize="1" noEditPoints="1" noAdjustHandles="1" noChangeArrowheads="1" noChangeShapeType="1" noTextEdit="1"/>
               </p:cNvSpPr>
@@ -18394,7 +17919,7 @@
               <a:prstGeom prst="rect">
                 <a:avLst/>
               </a:prstGeom>
-              <a:blipFill>
+              <a:blipFill rotWithShape="1">
                 <a:blip r:embed="rId5"/>
                 <a:stretch>
                   <a:fillRect b="-3521"/>
@@ -18411,21 +17936,20 @@
                   </a:rPr>
                   <a:t> </a:t>
                 </a:r>
+                <a:endParaRPr lang="zh-CN" altLang="en-US">
+                  <a:noFill/>
+                </a:endParaRPr>
               </a:p>
             </p:txBody>
           </p:sp>
         </mc:Fallback>
       </mc:AlternateContent>
-      <mc:AlternateContent xmlns:mc="http://schemas.openxmlformats.org/markup-compatibility/2006">
-        <mc:Choice xmlns:a14="http://schemas.microsoft.com/office/drawing/2010/main" Requires="a14">
+      <mc:AlternateContent xmlns:mc="http://schemas.openxmlformats.org/markup-compatibility/2006" xmlns:a14="http://schemas.microsoft.com/office/drawing/2010/main">
+        <mc:Choice Requires="a14">
           <p:sp>
             <p:nvSpPr>
               <p:cNvPr id="23" name="矩形 22">
-                <a:extLst>
-                  <a:ext uri="{FF2B5EF4-FFF2-40B4-BE49-F238E27FC236}">
-                    <a16:creationId xmlns:a16="http://schemas.microsoft.com/office/drawing/2014/main" id="{6EE2E118-9E6D-4233-81D3-6C17921B0F3C}"/>
-                  </a:ext>
-                </a:extLst>
+                <a:extLst/>
               </p:cNvPr>
               <p:cNvSpPr/>
               <p:nvPr/>
@@ -18531,16 +18055,10 @@
             </p:txBody>
           </p:sp>
         </mc:Choice>
-        <mc:Fallback>
+        <mc:Fallback xmlns="">
           <p:sp>
             <p:nvSpPr>
-              <p:cNvPr id="23" name="矩形 22">
-                <a:extLst>
-                  <a:ext uri="{FF2B5EF4-FFF2-40B4-BE49-F238E27FC236}">
-                    <a16:creationId xmlns:a16="http://schemas.microsoft.com/office/drawing/2014/main" id="{6EE2E118-9E6D-4233-81D3-6C17921B0F3C}"/>
-                  </a:ext>
-                </a:extLst>
-              </p:cNvPr>
+              <p:cNvPr id="23" name="矩形 22"/>
               <p:cNvSpPr>
                 <a:spLocks noRot="1" noChangeAspect="1" noMove="1" noResize="1" noEditPoints="1" noAdjustHandles="1" noChangeArrowheads="1" noChangeShapeType="1" noTextEdit="1"/>
               </p:cNvSpPr>
@@ -18554,7 +18072,7 @@
               <a:prstGeom prst="rect">
                 <a:avLst/>
               </a:prstGeom>
-              <a:blipFill>
+              <a:blipFill rotWithShape="1">
                 <a:blip r:embed="rId6"/>
                 <a:stretch>
                   <a:fillRect/>
@@ -18571,6 +18089,9 @@
                   </a:rPr>
                   <a:t> </a:t>
                 </a:r>
+                <a:endParaRPr lang="zh-CN" altLang="en-US">
+                  <a:noFill/>
+                </a:endParaRPr>
               </a:p>
             </p:txBody>
           </p:sp>
@@ -18581,11 +18102,7 @@
           <p:sp>
             <p:nvSpPr>
               <p:cNvPr id="25" name="矩形 24">
-                <a:extLst>
-                  <a:ext uri="{FF2B5EF4-FFF2-40B4-BE49-F238E27FC236}">
-                    <a16:creationId xmlns:a16="http://schemas.microsoft.com/office/drawing/2014/main" id="{F595EA0B-08A1-49DD-AC35-C801A72E8C64}"/>
-                  </a:ext>
-                </a:extLst>
+                <a:extLst/>
               </p:cNvPr>
               <p:cNvSpPr/>
               <p:nvPr/>
@@ -18748,13 +18265,7 @@
         <mc:Fallback xmlns="">
           <p:sp>
             <p:nvSpPr>
-              <p:cNvPr id="25" name="矩形 24">
-                <a:extLst>
-                  <a:ext uri="{FF2B5EF4-FFF2-40B4-BE49-F238E27FC236}">
-                    <a16:creationId xmlns:a16="http://schemas.microsoft.com/office/drawing/2014/main" id="{F595EA0B-08A1-49DD-AC35-C801A72E8C64}"/>
-                  </a:ext>
-                </a:extLst>
-              </p:cNvPr>
+              <p:cNvPr id="25" name="矩形 24"/>
               <p:cNvSpPr>
                 <a:spLocks noRot="1" noChangeAspect="1" noMove="1" noResize="1" noEditPoints="1" noAdjustHandles="1" noChangeArrowheads="1" noChangeShapeType="1" noTextEdit="1"/>
               </p:cNvSpPr>
@@ -18768,7 +18279,7 @@
               <a:prstGeom prst="rect">
                 <a:avLst/>
               </a:prstGeom>
-              <a:blipFill>
+              <a:blipFill rotWithShape="1">
                 <a:blip r:embed="rId7"/>
                 <a:stretch>
                   <a:fillRect/>
@@ -18785,17 +18296,15 @@
                   </a:rPr>
                   <a:t> </a:t>
                 </a:r>
+                <a:endParaRPr lang="zh-CN" altLang="en-US">
+                  <a:noFill/>
+                </a:endParaRPr>
               </a:p>
             </p:txBody>
           </p:sp>
         </mc:Fallback>
       </mc:AlternateContent>
     </p:spTree>
-    <p:extLst>
-      <p:ext uri="{BB962C8B-B14F-4D97-AF65-F5344CB8AC3E}">
-        <p14:creationId xmlns:p14="http://schemas.microsoft.com/office/powerpoint/2010/main" val="65949448"/>
-      </p:ext>
-    </p:extLst>
   </p:cSld>
   <p:clrMapOvr>
     <a:masterClrMapping/>
@@ -18834,13 +18343,7 @@
       </p:grpSpPr>
       <p:sp>
         <p:nvSpPr>
-          <p:cNvPr id="2" name="文本占位符 1">
-            <a:extLst>
-              <a:ext uri="{FF2B5EF4-FFF2-40B4-BE49-F238E27FC236}">
-                <a16:creationId xmlns:a16="http://schemas.microsoft.com/office/drawing/2014/main" id="{ECA5FBB2-EF94-4918-952E-230F8E03BF81}"/>
-              </a:ext>
-            </a:extLst>
-          </p:cNvPr>
+          <p:cNvPr id="2" name="文本占位符 1"/>
           <p:cNvSpPr>
             <a:spLocks noGrp="1"/>
           </p:cNvSpPr>
@@ -18863,13 +18366,7 @@
       </p:sp>
       <p:sp>
         <p:nvSpPr>
-          <p:cNvPr id="3" name="文本占位符 2">
-            <a:extLst>
-              <a:ext uri="{FF2B5EF4-FFF2-40B4-BE49-F238E27FC236}">
-                <a16:creationId xmlns:a16="http://schemas.microsoft.com/office/drawing/2014/main" id="{41DAA7EC-CB08-429D-A7B8-40AC71E98C83}"/>
-              </a:ext>
-            </a:extLst>
-          </p:cNvPr>
+          <p:cNvPr id="3" name="文本占位符 2"/>
           <p:cNvSpPr>
             <a:spLocks noGrp="1"/>
           </p:cNvSpPr>
@@ -18903,13 +18400,7 @@
       </p:sp>
       <p:sp>
         <p:nvSpPr>
-          <p:cNvPr id="5" name="文本框 4">
-            <a:extLst>
-              <a:ext uri="{FF2B5EF4-FFF2-40B4-BE49-F238E27FC236}">
-                <a16:creationId xmlns:a16="http://schemas.microsoft.com/office/drawing/2014/main" id="{FB327E4D-DD6E-4B15-86EA-55BAAFBA33FF}"/>
-              </a:ext>
-            </a:extLst>
-          </p:cNvPr>
+          <p:cNvPr id="5" name="文本框 4"/>
           <p:cNvSpPr txBox="1"/>
           <p:nvPr/>
         </p:nvSpPr>
@@ -18943,13 +18434,7 @@
       </p:sp>
       <p:sp>
         <p:nvSpPr>
-          <p:cNvPr id="9" name="文本框 8">
-            <a:extLst>
-              <a:ext uri="{FF2B5EF4-FFF2-40B4-BE49-F238E27FC236}">
-                <a16:creationId xmlns:a16="http://schemas.microsoft.com/office/drawing/2014/main" id="{A505875F-DE9A-4DBB-BD5F-72B6880CA5FA}"/>
-              </a:ext>
-            </a:extLst>
-          </p:cNvPr>
+          <p:cNvPr id="9" name="文本框 8"/>
           <p:cNvSpPr txBox="1"/>
           <p:nvPr/>
         </p:nvSpPr>
@@ -18982,13 +18467,7 @@
       </p:sp>
       <p:grpSp>
         <p:nvGrpSpPr>
-          <p:cNvPr id="11" name="组合 10">
-            <a:extLst>
-              <a:ext uri="{FF2B5EF4-FFF2-40B4-BE49-F238E27FC236}">
-                <a16:creationId xmlns:a16="http://schemas.microsoft.com/office/drawing/2014/main" id="{6AF58C19-18BD-479D-89FA-9C84D45C6AC6}"/>
-              </a:ext>
-            </a:extLst>
-          </p:cNvPr>
+          <p:cNvPr id="11" name="组合 10"/>
           <p:cNvGrpSpPr/>
           <p:nvPr/>
         </p:nvGrpSpPr>
@@ -19002,13 +18481,7 @@
         </p:grpSpPr>
         <p:sp>
           <p:nvSpPr>
-            <p:cNvPr id="4" name="文本框 3">
-              <a:extLst>
-                <a:ext uri="{FF2B5EF4-FFF2-40B4-BE49-F238E27FC236}">
-                  <a16:creationId xmlns:a16="http://schemas.microsoft.com/office/drawing/2014/main" id="{9FB6B9CC-DD4C-436C-ABE1-65E34D5C4620}"/>
-                </a:ext>
-              </a:extLst>
-            </p:cNvPr>
+            <p:cNvPr id="4" name="文本框 3"/>
             <p:cNvSpPr txBox="1"/>
             <p:nvPr/>
           </p:nvSpPr>
@@ -19042,13 +18515,7 @@
         </p:sp>
         <p:sp>
           <p:nvSpPr>
-            <p:cNvPr id="10" name="文本框 9">
-              <a:extLst>
-                <a:ext uri="{FF2B5EF4-FFF2-40B4-BE49-F238E27FC236}">
-                  <a16:creationId xmlns:a16="http://schemas.microsoft.com/office/drawing/2014/main" id="{88C58EDA-5E42-4026-B65D-975ECAFEA7F7}"/>
-                </a:ext>
-              </a:extLst>
-            </p:cNvPr>
+            <p:cNvPr id="10" name="文本框 9"/>
             <p:cNvSpPr txBox="1"/>
             <p:nvPr/>
           </p:nvSpPr>
@@ -19078,11 +18545,7 @@
           <p:sp>
             <p:nvSpPr>
               <p:cNvPr id="7" name="文本框 6">
-                <a:extLst>
-                  <a:ext uri="{FF2B5EF4-FFF2-40B4-BE49-F238E27FC236}">
-                    <a16:creationId xmlns:a16="http://schemas.microsoft.com/office/drawing/2014/main" id="{FA83B5BC-2E8A-4309-9071-929C81453C09}"/>
-                  </a:ext>
-                </a:extLst>
+                <a:extLst/>
               </p:cNvPr>
               <p:cNvSpPr txBox="1"/>
               <p:nvPr/>
@@ -19723,13 +19186,7 @@
         <mc:Fallback xmlns="">
           <p:sp>
             <p:nvSpPr>
-              <p:cNvPr id="7" name="文本框 6">
-                <a:extLst>
-                  <a:ext uri="{FF2B5EF4-FFF2-40B4-BE49-F238E27FC236}">
-                    <a16:creationId xmlns:a16="http://schemas.microsoft.com/office/drawing/2014/main" id="{FA83B5BC-2E8A-4309-9071-929C81453C09}"/>
-                  </a:ext>
-                </a:extLst>
-              </p:cNvPr>
+              <p:cNvPr id="7" name="文本框 6"/>
               <p:cNvSpPr txBox="1">
                 <a:spLocks noRot="1" noChangeAspect="1" noMove="1" noResize="1" noEditPoints="1" noAdjustHandles="1" noChangeArrowheads="1" noChangeShapeType="1" noTextEdit="1"/>
               </p:cNvSpPr>
@@ -19743,7 +19200,7 @@
               <a:prstGeom prst="rect">
                 <a:avLst/>
               </a:prstGeom>
-              <a:blipFill>
+              <a:blipFill rotWithShape="1">
                 <a:blip r:embed="rId2"/>
                 <a:stretch>
                   <a:fillRect l="-890" t="-1140"/>
@@ -19760,6 +19217,9 @@
                   </a:rPr>
                   <a:t> </a:t>
                 </a:r>
+                <a:endParaRPr lang="zh-CN" altLang="en-US">
+                  <a:noFill/>
+                </a:endParaRPr>
               </a:p>
             </p:txBody>
           </p:sp>
@@ -19767,13 +19227,7 @@
       </mc:AlternateContent>
       <p:sp>
         <p:nvSpPr>
-          <p:cNvPr id="15" name="文本框 14">
-            <a:extLst>
-              <a:ext uri="{FF2B5EF4-FFF2-40B4-BE49-F238E27FC236}">
-                <a16:creationId xmlns:a16="http://schemas.microsoft.com/office/drawing/2014/main" id="{965F283C-EAFC-412D-968D-F52AD243EACD}"/>
-              </a:ext>
-            </a:extLst>
-          </p:cNvPr>
+          <p:cNvPr id="15" name="文本框 14"/>
           <p:cNvSpPr txBox="1"/>
           <p:nvPr/>
         </p:nvSpPr>
@@ -19884,11 +19338,6 @@
         </p:txBody>
       </p:sp>
     </p:spTree>
-    <p:extLst>
-      <p:ext uri="{BB962C8B-B14F-4D97-AF65-F5344CB8AC3E}">
-        <p14:creationId xmlns:p14="http://schemas.microsoft.com/office/powerpoint/2010/main" val="3252052264"/>
-      </p:ext>
-    </p:extLst>
   </p:cSld>
   <p:clrMapOvr>
     <a:masterClrMapping/>
@@ -19927,13 +19376,7 @@
       </p:grpSpPr>
       <p:sp>
         <p:nvSpPr>
-          <p:cNvPr id="2" name="文本占位符 1">
-            <a:extLst>
-              <a:ext uri="{FF2B5EF4-FFF2-40B4-BE49-F238E27FC236}">
-                <a16:creationId xmlns:a16="http://schemas.microsoft.com/office/drawing/2014/main" id="{ECA5FBB2-EF94-4918-952E-230F8E03BF81}"/>
-              </a:ext>
-            </a:extLst>
-          </p:cNvPr>
+          <p:cNvPr id="2" name="文本占位符 1"/>
           <p:cNvSpPr>
             <a:spLocks noGrp="1"/>
           </p:cNvSpPr>
@@ -19956,13 +19399,7 @@
       </p:sp>
       <p:sp>
         <p:nvSpPr>
-          <p:cNvPr id="3" name="文本占位符 2">
-            <a:extLst>
-              <a:ext uri="{FF2B5EF4-FFF2-40B4-BE49-F238E27FC236}">
-                <a16:creationId xmlns:a16="http://schemas.microsoft.com/office/drawing/2014/main" id="{41DAA7EC-CB08-429D-A7B8-40AC71E98C83}"/>
-              </a:ext>
-            </a:extLst>
-          </p:cNvPr>
+          <p:cNvPr id="3" name="文本占位符 2"/>
           <p:cNvSpPr>
             <a:spLocks noGrp="1"/>
           </p:cNvSpPr>
@@ -19996,13 +19433,7 @@
       </p:sp>
       <p:sp>
         <p:nvSpPr>
-          <p:cNvPr id="5" name="文本框 4">
-            <a:extLst>
-              <a:ext uri="{FF2B5EF4-FFF2-40B4-BE49-F238E27FC236}">
-                <a16:creationId xmlns:a16="http://schemas.microsoft.com/office/drawing/2014/main" id="{FB327E4D-DD6E-4B15-86EA-55BAAFBA33FF}"/>
-              </a:ext>
-            </a:extLst>
-          </p:cNvPr>
+          <p:cNvPr id="5" name="文本框 4"/>
           <p:cNvSpPr txBox="1"/>
           <p:nvPr/>
         </p:nvSpPr>
@@ -20036,13 +19467,7 @@
       </p:sp>
       <p:sp>
         <p:nvSpPr>
-          <p:cNvPr id="9" name="文本框 8">
-            <a:extLst>
-              <a:ext uri="{FF2B5EF4-FFF2-40B4-BE49-F238E27FC236}">
-                <a16:creationId xmlns:a16="http://schemas.microsoft.com/office/drawing/2014/main" id="{A505875F-DE9A-4DBB-BD5F-72B6880CA5FA}"/>
-              </a:ext>
-            </a:extLst>
-          </p:cNvPr>
+          <p:cNvPr id="9" name="文本框 8"/>
           <p:cNvSpPr txBox="1"/>
           <p:nvPr/>
         </p:nvSpPr>
@@ -20079,13 +19504,7 @@
       </p:sp>
       <p:grpSp>
         <p:nvGrpSpPr>
-          <p:cNvPr id="11" name="组合 10">
-            <a:extLst>
-              <a:ext uri="{FF2B5EF4-FFF2-40B4-BE49-F238E27FC236}">
-                <a16:creationId xmlns:a16="http://schemas.microsoft.com/office/drawing/2014/main" id="{6AF58C19-18BD-479D-89FA-9C84D45C6AC6}"/>
-              </a:ext>
-            </a:extLst>
-          </p:cNvPr>
+          <p:cNvPr id="11" name="组合 10"/>
           <p:cNvGrpSpPr/>
           <p:nvPr/>
         </p:nvGrpSpPr>
@@ -20099,13 +19518,7 @@
         </p:grpSpPr>
         <p:sp>
           <p:nvSpPr>
-            <p:cNvPr id="4" name="文本框 3">
-              <a:extLst>
-                <a:ext uri="{FF2B5EF4-FFF2-40B4-BE49-F238E27FC236}">
-                  <a16:creationId xmlns:a16="http://schemas.microsoft.com/office/drawing/2014/main" id="{9FB6B9CC-DD4C-436C-ABE1-65E34D5C4620}"/>
-                </a:ext>
-              </a:extLst>
-            </p:cNvPr>
+            <p:cNvPr id="4" name="文本框 3"/>
             <p:cNvSpPr txBox="1"/>
             <p:nvPr/>
           </p:nvSpPr>
@@ -20142,13 +19555,7 @@
         </p:sp>
         <p:sp>
           <p:nvSpPr>
-            <p:cNvPr id="10" name="文本框 9">
-              <a:extLst>
-                <a:ext uri="{FF2B5EF4-FFF2-40B4-BE49-F238E27FC236}">
-                  <a16:creationId xmlns:a16="http://schemas.microsoft.com/office/drawing/2014/main" id="{88C58EDA-5E42-4026-B65D-975ECAFEA7F7}"/>
-                </a:ext>
-              </a:extLst>
-            </p:cNvPr>
+            <p:cNvPr id="10" name="文本框 9"/>
             <p:cNvSpPr txBox="1"/>
             <p:nvPr/>
           </p:nvSpPr>
@@ -20179,13 +19586,7 @@
       </p:grpSp>
       <p:grpSp>
         <p:nvGrpSpPr>
-          <p:cNvPr id="29" name="组合 28">
-            <a:extLst>
-              <a:ext uri="{FF2B5EF4-FFF2-40B4-BE49-F238E27FC236}">
-                <a16:creationId xmlns:a16="http://schemas.microsoft.com/office/drawing/2014/main" id="{C2759488-29EF-4A30-83F3-A83B6E33DAB9}"/>
-              </a:ext>
-            </a:extLst>
-          </p:cNvPr>
+          <p:cNvPr id="29" name="组合 28"/>
           <p:cNvGrpSpPr/>
           <p:nvPr/>
         </p:nvGrpSpPr>
@@ -20199,13 +19600,7 @@
         </p:grpSpPr>
         <p:grpSp>
           <p:nvGrpSpPr>
-            <p:cNvPr id="14" name="组合 13">
-              <a:extLst>
-                <a:ext uri="{FF2B5EF4-FFF2-40B4-BE49-F238E27FC236}">
-                  <a16:creationId xmlns:a16="http://schemas.microsoft.com/office/drawing/2014/main" id="{4156489B-1FA6-4DB1-8B28-CAC190AD045A}"/>
-                </a:ext>
-              </a:extLst>
-            </p:cNvPr>
+            <p:cNvPr id="14" name="组合 13"/>
             <p:cNvGrpSpPr/>
             <p:nvPr/>
           </p:nvGrpSpPr>
@@ -20222,11 +19617,7 @@
               <p:sp>
                 <p:nvSpPr>
                   <p:cNvPr id="6" name="文本框 5">
-                    <a:extLst>
-                      <a:ext uri="{FF2B5EF4-FFF2-40B4-BE49-F238E27FC236}">
-                        <a16:creationId xmlns:a16="http://schemas.microsoft.com/office/drawing/2014/main" id="{E17FFCC0-96B5-4B8D-9DFC-F10C29F53477}"/>
-                      </a:ext>
-                    </a:extLst>
+                    <a:extLst/>
                   </p:cNvPr>
                   <p:cNvSpPr txBox="1"/>
                   <p:nvPr/>
@@ -20553,13 +19944,7 @@
             <mc:Fallback xmlns="">
               <p:sp>
                 <p:nvSpPr>
-                  <p:cNvPr id="6" name="文本框 5">
-                    <a:extLst>
-                      <a:ext uri="{FF2B5EF4-FFF2-40B4-BE49-F238E27FC236}">
-                        <a16:creationId xmlns:a16="http://schemas.microsoft.com/office/drawing/2014/main" id="{E17FFCC0-96B5-4B8D-9DFC-F10C29F53477}"/>
-                      </a:ext>
-                    </a:extLst>
-                  </p:cNvPr>
+                  <p:cNvPr id="6" name="文本框 5"/>
                   <p:cNvSpPr txBox="1">
                     <a:spLocks noRot="1" noChangeAspect="1" noMove="1" noResize="1" noEditPoints="1" noAdjustHandles="1" noChangeArrowheads="1" noChangeShapeType="1" noTextEdit="1"/>
                   </p:cNvSpPr>
@@ -20573,7 +19958,7 @@
                   <a:prstGeom prst="rect">
                     <a:avLst/>
                   </a:prstGeom>
-                  <a:blipFill>
+                  <a:blipFill rotWithShape="1">
                     <a:blip r:embed="rId2"/>
                     <a:stretch>
                       <a:fillRect l="-1366" r="-607" b="-2391"/>
@@ -20590,6 +19975,9 @@
                       </a:rPr>
                       <a:t> </a:t>
                     </a:r>
+                    <a:endParaRPr lang="zh-CN" altLang="en-US">
+                      <a:noFill/>
+                    </a:endParaRPr>
                   </a:p>
                 </p:txBody>
               </p:sp>
@@ -20597,13 +19985,7 @@
           </mc:AlternateContent>
           <p:grpSp>
             <p:nvGrpSpPr>
-              <p:cNvPr id="13" name="组合 12">
-                <a:extLst>
-                  <a:ext uri="{FF2B5EF4-FFF2-40B4-BE49-F238E27FC236}">
-                    <a16:creationId xmlns:a16="http://schemas.microsoft.com/office/drawing/2014/main" id="{4926A205-228A-4B67-B9B6-377B364D15A2}"/>
-                  </a:ext>
-                </a:extLst>
-              </p:cNvPr>
+              <p:cNvPr id="13" name="组合 12"/>
               <p:cNvGrpSpPr/>
               <p:nvPr/>
             </p:nvGrpSpPr>
@@ -20617,13 +19999,7 @@
             </p:grpSpPr>
             <p:pic>
               <p:nvPicPr>
-                <p:cNvPr id="8" name="图片 7">
-                  <a:extLst>
-                    <a:ext uri="{FF2B5EF4-FFF2-40B4-BE49-F238E27FC236}">
-                      <a16:creationId xmlns:a16="http://schemas.microsoft.com/office/drawing/2014/main" id="{5D7C6CF0-B1A5-4A2E-A5E2-B016A9554E25}"/>
-                    </a:ext>
-                  </a:extLst>
-                </p:cNvPr>
+                <p:cNvPr id="8" name="图片 7"/>
                 <p:cNvPicPr>
                   <a:picLocks noChangeAspect="1"/>
                 </p:cNvPicPr>
@@ -20647,13 +20023,7 @@
             </p:pic>
             <p:sp>
               <p:nvSpPr>
-                <p:cNvPr id="12" name="文本框 11">
-                  <a:extLst>
-                    <a:ext uri="{FF2B5EF4-FFF2-40B4-BE49-F238E27FC236}">
-                      <a16:creationId xmlns:a16="http://schemas.microsoft.com/office/drawing/2014/main" id="{83DB0477-0F16-4843-8024-86046FFA9A19}"/>
-                    </a:ext>
-                  </a:extLst>
-                </p:cNvPr>
+                <p:cNvPr id="12" name="文本框 11"/>
                 <p:cNvSpPr txBox="1"/>
                 <p:nvPr/>
               </p:nvSpPr>
@@ -20685,13 +20055,7 @@
         </p:grpSp>
         <p:sp>
           <p:nvSpPr>
-            <p:cNvPr id="21" name="椭圆 20">
-              <a:extLst>
-                <a:ext uri="{FF2B5EF4-FFF2-40B4-BE49-F238E27FC236}">
-                  <a16:creationId xmlns:a16="http://schemas.microsoft.com/office/drawing/2014/main" id="{29EE4305-B6AE-4517-A6A1-7C7596913148}"/>
-                </a:ext>
-              </a:extLst>
-            </p:cNvPr>
+            <p:cNvPr id="21" name="椭圆 20"/>
             <p:cNvSpPr/>
             <p:nvPr/>
           </p:nvSpPr>
@@ -20728,9 +20092,6 @@
           </p:style>
           <p:txBody>
             <a:bodyPr rot="0" spcFirstLastPara="0" vertOverflow="overflow" horzOverflow="overflow" vert="horz" wrap="square" lIns="91440" tIns="45720" rIns="91440" bIns="45720" numCol="1" spcCol="0" rtlCol="0" fromWordArt="0" anchor="ctr" anchorCtr="0" forceAA="0" compatLnSpc="1">
-              <a:prstTxWarp prst="textNoShape">
-                <a:avLst/>
-              </a:prstTxWarp>
               <a:noAutofit/>
             </a:bodyPr>
             <a:lstStyle/>
@@ -20748,13 +20109,7 @@
         </p:sp>
         <p:grpSp>
           <p:nvGrpSpPr>
-            <p:cNvPr id="27" name="组合 26">
-              <a:extLst>
-                <a:ext uri="{FF2B5EF4-FFF2-40B4-BE49-F238E27FC236}">
-                  <a16:creationId xmlns:a16="http://schemas.microsoft.com/office/drawing/2014/main" id="{1B000C58-1B16-4925-8C61-2719059BAF91}"/>
-                </a:ext>
-              </a:extLst>
-            </p:cNvPr>
+            <p:cNvPr id="27" name="组合 26"/>
             <p:cNvGrpSpPr/>
             <p:nvPr/>
           </p:nvGrpSpPr>
@@ -20768,13 +20123,7 @@
           </p:grpSpPr>
           <p:cxnSp>
             <p:nvCxnSpPr>
-              <p:cNvPr id="16" name="直接箭头连接符 15">
-                <a:extLst>
-                  <a:ext uri="{FF2B5EF4-FFF2-40B4-BE49-F238E27FC236}">
-                    <a16:creationId xmlns:a16="http://schemas.microsoft.com/office/drawing/2014/main" id="{1E45B024-8DA0-4897-9EAB-627B2354C4A7}"/>
-                  </a:ext>
-                </a:extLst>
-              </p:cNvPr>
+              <p:cNvPr id="16" name="直接箭头连接符 15"/>
               <p:cNvCxnSpPr/>
               <p:nvPr/>
             </p:nvCxnSpPr>
@@ -20807,16 +20156,8 @@
           </p:cxnSp>
           <p:cxnSp>
             <p:nvCxnSpPr>
-              <p:cNvPr id="17" name="直接箭头连接符 16">
-                <a:extLst>
-                  <a:ext uri="{FF2B5EF4-FFF2-40B4-BE49-F238E27FC236}">
-                    <a16:creationId xmlns:a16="http://schemas.microsoft.com/office/drawing/2014/main" id="{3EB5B0EC-17A4-471E-AE13-D9D2EBBB88F5}"/>
-                  </a:ext>
-                </a:extLst>
-              </p:cNvPr>
-              <p:cNvCxnSpPr>
-                <a:cxnSpLocks/>
-              </p:cNvCxnSpPr>
+              <p:cNvPr id="17" name="直接箭头连接符 16"/>
+              <p:cNvCxnSpPr/>
               <p:nvPr/>
             </p:nvCxnSpPr>
             <p:spPr>
@@ -20848,13 +20189,7 @@
           </p:cxnSp>
           <p:sp>
             <p:nvSpPr>
-              <p:cNvPr id="19" name="弧形 18">
-                <a:extLst>
-                  <a:ext uri="{FF2B5EF4-FFF2-40B4-BE49-F238E27FC236}">
-                    <a16:creationId xmlns:a16="http://schemas.microsoft.com/office/drawing/2014/main" id="{8CAF212A-1BC5-466E-9495-13DD5DB14F67}"/>
-                  </a:ext>
-                </a:extLst>
-              </p:cNvPr>
+              <p:cNvPr id="19" name="弧形 18"/>
               <p:cNvSpPr/>
               <p:nvPr/>
             </p:nvSpPr>
@@ -20895,11 +20230,7 @@
               <p:sp>
                 <p:nvSpPr>
                   <p:cNvPr id="20" name="文本框 19">
-                    <a:extLst>
-                      <a:ext uri="{FF2B5EF4-FFF2-40B4-BE49-F238E27FC236}">
-                        <a16:creationId xmlns:a16="http://schemas.microsoft.com/office/drawing/2014/main" id="{E7795A8D-96C3-4B0A-8FA7-9EABFA184825}"/>
-                      </a:ext>
-                    </a:extLst>
+                    <a:extLst/>
                   </p:cNvPr>
                   <p:cNvSpPr txBox="1"/>
                   <p:nvPr/>
@@ -20981,13 +20312,7 @@
             <mc:Fallback xmlns="">
               <p:sp>
                 <p:nvSpPr>
-                  <p:cNvPr id="20" name="文本框 19">
-                    <a:extLst>
-                      <a:ext uri="{FF2B5EF4-FFF2-40B4-BE49-F238E27FC236}">
-                        <a16:creationId xmlns:a16="http://schemas.microsoft.com/office/drawing/2014/main" id="{E7795A8D-96C3-4B0A-8FA7-9EABFA184825}"/>
-                      </a:ext>
-                    </a:extLst>
-                  </p:cNvPr>
+                  <p:cNvPr id="20" name="文本框 19"/>
                   <p:cNvSpPr txBox="1">
                     <a:spLocks noRot="1" noChangeAspect="1" noMove="1" noResize="1" noEditPoints="1" noAdjustHandles="1" noChangeArrowheads="1" noChangeShapeType="1" noTextEdit="1"/>
                   </p:cNvSpPr>
@@ -21001,7 +20326,7 @@
                   <a:prstGeom prst="rect">
                     <a:avLst/>
                   </a:prstGeom>
-                  <a:blipFill>
+                  <a:blipFill rotWithShape="1">
                     <a:blip r:embed="rId4"/>
                     <a:stretch>
                       <a:fillRect/>
@@ -21018,6 +20343,9 @@
                       </a:rPr>
                       <a:t> </a:t>
                     </a:r>
+                    <a:endParaRPr lang="zh-CN" altLang="en-US">
+                      <a:noFill/>
+                    </a:endParaRPr>
                   </a:p>
                 </p:txBody>
               </p:sp>
@@ -21025,16 +20353,8 @@
           </mc:AlternateContent>
           <p:cxnSp>
             <p:nvCxnSpPr>
-              <p:cNvPr id="23" name="直接箭头连接符 22">
-                <a:extLst>
-                  <a:ext uri="{FF2B5EF4-FFF2-40B4-BE49-F238E27FC236}">
-                    <a16:creationId xmlns:a16="http://schemas.microsoft.com/office/drawing/2014/main" id="{43BFE888-EB5C-48A4-9A48-6D502FD24203}"/>
-                  </a:ext>
-                </a:extLst>
-              </p:cNvPr>
-              <p:cNvCxnSpPr>
-                <a:cxnSpLocks/>
-              </p:cNvCxnSpPr>
+              <p:cNvPr id="23" name="直接箭头连接符 22"/>
+              <p:cNvCxnSpPr/>
               <p:nvPr/>
             </p:nvCxnSpPr>
             <p:spPr>
@@ -21067,11 +20387,6 @@
         </p:grpSp>
       </p:grpSp>
     </p:spTree>
-    <p:extLst>
-      <p:ext uri="{BB962C8B-B14F-4D97-AF65-F5344CB8AC3E}">
-        <p14:creationId xmlns:p14="http://schemas.microsoft.com/office/powerpoint/2010/main" val="653330701"/>
-      </p:ext>
-    </p:extLst>
   </p:cSld>
   <p:clrMapOvr>
     <a:masterClrMapping/>
@@ -21110,13 +20425,7 @@
       </p:grpSpPr>
       <p:sp>
         <p:nvSpPr>
-          <p:cNvPr id="2" name="文本占位符 1">
-            <a:extLst>
-              <a:ext uri="{FF2B5EF4-FFF2-40B4-BE49-F238E27FC236}">
-                <a16:creationId xmlns:a16="http://schemas.microsoft.com/office/drawing/2014/main" id="{ECA5FBB2-EF94-4918-952E-230F8E03BF81}"/>
-              </a:ext>
-            </a:extLst>
-          </p:cNvPr>
+          <p:cNvPr id="2" name="文本占位符 1"/>
           <p:cNvSpPr>
             <a:spLocks noGrp="1"/>
           </p:cNvSpPr>
@@ -21139,13 +20448,7 @@
       </p:sp>
       <p:sp>
         <p:nvSpPr>
-          <p:cNvPr id="3" name="文本占位符 2">
-            <a:extLst>
-              <a:ext uri="{FF2B5EF4-FFF2-40B4-BE49-F238E27FC236}">
-                <a16:creationId xmlns:a16="http://schemas.microsoft.com/office/drawing/2014/main" id="{41DAA7EC-CB08-429D-A7B8-40AC71E98C83}"/>
-              </a:ext>
-            </a:extLst>
-          </p:cNvPr>
+          <p:cNvPr id="3" name="文本占位符 2"/>
           <p:cNvSpPr>
             <a:spLocks noGrp="1"/>
           </p:cNvSpPr>
@@ -21179,13 +20482,7 @@
       </p:sp>
       <p:sp>
         <p:nvSpPr>
-          <p:cNvPr id="5" name="文本框 4">
-            <a:extLst>
-              <a:ext uri="{FF2B5EF4-FFF2-40B4-BE49-F238E27FC236}">
-                <a16:creationId xmlns:a16="http://schemas.microsoft.com/office/drawing/2014/main" id="{FB327E4D-DD6E-4B15-86EA-55BAAFBA33FF}"/>
-              </a:ext>
-            </a:extLst>
-          </p:cNvPr>
+          <p:cNvPr id="5" name="文本框 4"/>
           <p:cNvSpPr txBox="1"/>
           <p:nvPr/>
         </p:nvSpPr>
@@ -21219,13 +20516,7 @@
       </p:sp>
       <p:sp>
         <p:nvSpPr>
-          <p:cNvPr id="9" name="文本框 8">
-            <a:extLst>
-              <a:ext uri="{FF2B5EF4-FFF2-40B4-BE49-F238E27FC236}">
-                <a16:creationId xmlns:a16="http://schemas.microsoft.com/office/drawing/2014/main" id="{A505875F-DE9A-4DBB-BD5F-72B6880CA5FA}"/>
-              </a:ext>
-            </a:extLst>
-          </p:cNvPr>
+          <p:cNvPr id="9" name="文本框 8"/>
           <p:cNvSpPr txBox="1"/>
           <p:nvPr/>
         </p:nvSpPr>
@@ -21262,13 +20553,7 @@
       </p:sp>
       <p:grpSp>
         <p:nvGrpSpPr>
-          <p:cNvPr id="11" name="组合 10">
-            <a:extLst>
-              <a:ext uri="{FF2B5EF4-FFF2-40B4-BE49-F238E27FC236}">
-                <a16:creationId xmlns:a16="http://schemas.microsoft.com/office/drawing/2014/main" id="{6AF58C19-18BD-479D-89FA-9C84D45C6AC6}"/>
-              </a:ext>
-            </a:extLst>
-          </p:cNvPr>
+          <p:cNvPr id="11" name="组合 10"/>
           <p:cNvGrpSpPr/>
           <p:nvPr/>
         </p:nvGrpSpPr>
@@ -21282,13 +20567,7 @@
         </p:grpSpPr>
         <p:sp>
           <p:nvSpPr>
-            <p:cNvPr id="4" name="文本框 3">
-              <a:extLst>
-                <a:ext uri="{FF2B5EF4-FFF2-40B4-BE49-F238E27FC236}">
-                  <a16:creationId xmlns:a16="http://schemas.microsoft.com/office/drawing/2014/main" id="{9FB6B9CC-DD4C-436C-ABE1-65E34D5C4620}"/>
-                </a:ext>
-              </a:extLst>
-            </p:cNvPr>
+            <p:cNvPr id="4" name="文本框 3"/>
             <p:cNvSpPr txBox="1"/>
             <p:nvPr/>
           </p:nvSpPr>
@@ -21325,13 +20604,7 @@
         </p:sp>
         <p:sp>
           <p:nvSpPr>
-            <p:cNvPr id="10" name="文本框 9">
-              <a:extLst>
-                <a:ext uri="{FF2B5EF4-FFF2-40B4-BE49-F238E27FC236}">
-                  <a16:creationId xmlns:a16="http://schemas.microsoft.com/office/drawing/2014/main" id="{88C58EDA-5E42-4026-B65D-975ECAFEA7F7}"/>
-                </a:ext>
-              </a:extLst>
-            </p:cNvPr>
+            <p:cNvPr id="10" name="文本框 9"/>
             <p:cNvSpPr txBox="1"/>
             <p:nvPr/>
           </p:nvSpPr>
@@ -21365,11 +20638,7 @@
           <p:sp>
             <p:nvSpPr>
               <p:cNvPr id="6" name="文本框 5">
-                <a:extLst>
-                  <a:ext uri="{FF2B5EF4-FFF2-40B4-BE49-F238E27FC236}">
-                    <a16:creationId xmlns:a16="http://schemas.microsoft.com/office/drawing/2014/main" id="{E17FFCC0-96B5-4B8D-9DFC-F10C29F53477}"/>
-                  </a:ext>
-                </a:extLst>
+                <a:extLst/>
               </p:cNvPr>
               <p:cNvSpPr txBox="1"/>
               <p:nvPr/>
@@ -21779,13 +21048,7 @@
         <mc:Fallback xmlns="">
           <p:sp>
             <p:nvSpPr>
-              <p:cNvPr id="6" name="文本框 5">
-                <a:extLst>
-                  <a:ext uri="{FF2B5EF4-FFF2-40B4-BE49-F238E27FC236}">
-                    <a16:creationId xmlns:a16="http://schemas.microsoft.com/office/drawing/2014/main" id="{E17FFCC0-96B5-4B8D-9DFC-F10C29F53477}"/>
-                  </a:ext>
-                </a:extLst>
-              </p:cNvPr>
+              <p:cNvPr id="6" name="文本框 5"/>
               <p:cNvSpPr txBox="1">
                 <a:spLocks noRot="1" noChangeAspect="1" noMove="1" noResize="1" noEditPoints="1" noAdjustHandles="1" noChangeArrowheads="1" noChangeShapeType="1" noTextEdit="1"/>
               </p:cNvSpPr>
@@ -21799,7 +21062,7 @@
               <a:prstGeom prst="rect">
                 <a:avLst/>
               </a:prstGeom>
-              <a:blipFill>
+              <a:blipFill rotWithShape="1">
                 <a:blip r:embed="rId2"/>
                 <a:stretch>
                   <a:fillRect l="-1214" r="-759" b="-2490"/>
@@ -21816,6 +21079,9 @@
                   </a:rPr>
                   <a:t> </a:t>
                 </a:r>
+                <a:endParaRPr lang="zh-CN" altLang="en-US">
+                  <a:noFill/>
+                </a:endParaRPr>
               </a:p>
             </p:txBody>
           </p:sp>
@@ -21823,13 +21089,7 @@
       </mc:AlternateContent>
       <p:pic>
         <p:nvPicPr>
-          <p:cNvPr id="24" name="图片 23">
-            <a:extLst>
-              <a:ext uri="{FF2B5EF4-FFF2-40B4-BE49-F238E27FC236}">
-                <a16:creationId xmlns:a16="http://schemas.microsoft.com/office/drawing/2014/main" id="{367EC573-7334-4ED2-A5E4-B6B230837088}"/>
-              </a:ext>
-            </a:extLst>
-          </p:cNvPr>
+          <p:cNvPr id="24" name="图片 23"/>
           <p:cNvPicPr>
             <a:picLocks noChangeAspect="1"/>
           </p:cNvPicPr>
@@ -21852,11 +21112,6 @@
         </p:spPr>
       </p:pic>
     </p:spTree>
-    <p:extLst>
-      <p:ext uri="{BB962C8B-B14F-4D97-AF65-F5344CB8AC3E}">
-        <p14:creationId xmlns:p14="http://schemas.microsoft.com/office/powerpoint/2010/main" val="863084346"/>
-      </p:ext>
-    </p:extLst>
   </p:cSld>
   <p:clrMapOvr>
     <a:masterClrMapping/>
@@ -22024,13 +21279,7 @@
       </p:grpSpPr>
       <p:sp>
         <p:nvSpPr>
-          <p:cNvPr id="2" name="文本占位符 1">
-            <a:extLst>
-              <a:ext uri="{FF2B5EF4-FFF2-40B4-BE49-F238E27FC236}">
-                <a16:creationId xmlns:a16="http://schemas.microsoft.com/office/drawing/2014/main" id="{ECA5FBB2-EF94-4918-952E-230F8E03BF81}"/>
-              </a:ext>
-            </a:extLst>
-          </p:cNvPr>
+          <p:cNvPr id="2" name="文本占位符 1"/>
           <p:cNvSpPr>
             <a:spLocks noGrp="1"/>
           </p:cNvSpPr>
@@ -22053,13 +21302,7 @@
       </p:sp>
       <p:sp>
         <p:nvSpPr>
-          <p:cNvPr id="3" name="文本占位符 2">
-            <a:extLst>
-              <a:ext uri="{FF2B5EF4-FFF2-40B4-BE49-F238E27FC236}">
-                <a16:creationId xmlns:a16="http://schemas.microsoft.com/office/drawing/2014/main" id="{41DAA7EC-CB08-429D-A7B8-40AC71E98C83}"/>
-              </a:ext>
-            </a:extLst>
-          </p:cNvPr>
+          <p:cNvPr id="3" name="文本占位符 2"/>
           <p:cNvSpPr>
             <a:spLocks noGrp="1"/>
           </p:cNvSpPr>
@@ -22093,13 +21336,7 @@
       </p:sp>
       <p:sp>
         <p:nvSpPr>
-          <p:cNvPr id="5" name="文本框 4">
-            <a:extLst>
-              <a:ext uri="{FF2B5EF4-FFF2-40B4-BE49-F238E27FC236}">
-                <a16:creationId xmlns:a16="http://schemas.microsoft.com/office/drawing/2014/main" id="{FB327E4D-DD6E-4B15-86EA-55BAAFBA33FF}"/>
-              </a:ext>
-            </a:extLst>
-          </p:cNvPr>
+          <p:cNvPr id="5" name="文本框 4"/>
           <p:cNvSpPr txBox="1"/>
           <p:nvPr/>
         </p:nvSpPr>
@@ -22136,13 +21373,7 @@
       </p:sp>
       <p:sp>
         <p:nvSpPr>
-          <p:cNvPr id="4" name="文本框 3">
-            <a:extLst>
-              <a:ext uri="{FF2B5EF4-FFF2-40B4-BE49-F238E27FC236}">
-                <a16:creationId xmlns:a16="http://schemas.microsoft.com/office/drawing/2014/main" id="{9FB6B9CC-DD4C-436C-ABE1-65E34D5C4620}"/>
-              </a:ext>
-            </a:extLst>
-          </p:cNvPr>
+          <p:cNvPr id="4" name="文本框 3"/>
           <p:cNvSpPr txBox="1"/>
           <p:nvPr/>
         </p:nvSpPr>
@@ -22175,13 +21406,7 @@
       </p:sp>
       <p:sp>
         <p:nvSpPr>
-          <p:cNvPr id="12" name="矩形 11">
-            <a:extLst>
-              <a:ext uri="{FF2B5EF4-FFF2-40B4-BE49-F238E27FC236}">
-                <a16:creationId xmlns:a16="http://schemas.microsoft.com/office/drawing/2014/main" id="{BEF52E80-8D3E-4700-8DD5-3E8EC71B1E32}"/>
-              </a:ext>
-            </a:extLst>
-          </p:cNvPr>
+          <p:cNvPr id="12" name="矩形 11"/>
           <p:cNvSpPr/>
           <p:nvPr/>
         </p:nvSpPr>
@@ -22215,13 +21440,7 @@
       </p:sp>
       <p:sp>
         <p:nvSpPr>
-          <p:cNvPr id="13" name="文本框 12">
-            <a:extLst>
-              <a:ext uri="{FF2B5EF4-FFF2-40B4-BE49-F238E27FC236}">
-                <a16:creationId xmlns:a16="http://schemas.microsoft.com/office/drawing/2014/main" id="{E494AF1C-E3D4-4FD8-ADCA-C56656B038BE}"/>
-              </a:ext>
-            </a:extLst>
-          </p:cNvPr>
+          <p:cNvPr id="13" name="文本框 12"/>
           <p:cNvSpPr txBox="1"/>
           <p:nvPr/>
         </p:nvSpPr>
@@ -22261,11 +21480,6 @@
         </p:txBody>
       </p:sp>
     </p:spTree>
-    <p:extLst>
-      <p:ext uri="{BB962C8B-B14F-4D97-AF65-F5344CB8AC3E}">
-        <p14:creationId xmlns:p14="http://schemas.microsoft.com/office/powerpoint/2010/main" val="2143597412"/>
-      </p:ext>
-    </p:extLst>
   </p:cSld>
   <p:clrMapOvr>
     <a:masterClrMapping/>
@@ -22348,11 +21562,6 @@
         </p:txBody>
       </p:sp>
     </p:spTree>
-    <p:extLst>
-      <p:ext uri="{BB962C8B-B14F-4D97-AF65-F5344CB8AC3E}">
-        <p14:creationId xmlns:p14="http://schemas.microsoft.com/office/powerpoint/2010/main" val="854155594"/>
-      </p:ext>
-    </p:extLst>
   </p:cSld>
   <p:clrMapOvr>
     <a:masterClrMapping/>
@@ -22475,9 +21684,6 @@
         </p:style>
         <p:txBody>
           <a:bodyPr rot="0" spcFirstLastPara="0" vertOverflow="overflow" horzOverflow="overflow" vert="horz" wrap="square" lIns="91440" tIns="45720" rIns="91440" bIns="45720" numCol="1" spcCol="0" rtlCol="0" fromWordArt="0" anchor="ctr" anchorCtr="0" forceAA="0" compatLnSpc="1">
-            <a:prstTxWarp prst="textNoShape">
-              <a:avLst/>
-            </a:prstTxWarp>
             <a:noAutofit/>
           </a:bodyPr>
           <a:lstStyle/>
@@ -22530,9 +21736,6 @@
         </p:style>
         <p:txBody>
           <a:bodyPr rot="0" spcFirstLastPara="0" vertOverflow="overflow" horzOverflow="overflow" vert="horz" wrap="square" lIns="91440" tIns="45720" rIns="91440" bIns="45720" numCol="1" spcCol="0" rtlCol="0" fromWordArt="0" anchor="ctr" anchorCtr="0" forceAA="0" compatLnSpc="1">
-            <a:prstTxWarp prst="textNoShape">
-              <a:avLst/>
-            </a:prstTxWarp>
             <a:noAutofit/>
           </a:bodyPr>
           <a:lstStyle/>
@@ -22588,9 +21791,6 @@
         </p:style>
         <p:txBody>
           <a:bodyPr rot="0" spcFirstLastPara="0" vertOverflow="overflow" horzOverflow="overflow" vert="horz" wrap="square" lIns="91440" tIns="45720" rIns="91440" bIns="45720" numCol="1" spcCol="0" rtlCol="0" fromWordArt="0" anchor="ctr" anchorCtr="0" forceAA="0" compatLnSpc="1">
-            <a:prstTxWarp prst="textNoShape">
-              <a:avLst/>
-            </a:prstTxWarp>
             <a:noAutofit/>
           </a:bodyPr>
           <a:lstStyle/>
@@ -22646,9 +21846,6 @@
         </p:style>
         <p:txBody>
           <a:bodyPr rot="0" spcFirstLastPara="0" vertOverflow="overflow" horzOverflow="overflow" vert="horz" wrap="square" lIns="91440" tIns="45720" rIns="91440" bIns="45720" numCol="1" spcCol="0" rtlCol="0" fromWordArt="0" anchor="ctr" anchorCtr="0" forceAA="0" compatLnSpc="1">
-            <a:prstTxWarp prst="textNoShape">
-              <a:avLst/>
-            </a:prstTxWarp>
             <a:noAutofit/>
           </a:bodyPr>
           <a:lstStyle/>
@@ -22717,9 +21914,6 @@
           </p:style>
           <p:txBody>
             <a:bodyPr rot="0" spcFirstLastPara="0" vertOverflow="overflow" horzOverflow="overflow" vert="horz" wrap="square" lIns="91440" tIns="45720" rIns="91440" bIns="45720" numCol="1" spcCol="0" rtlCol="0" fromWordArt="0" anchor="ctr" anchorCtr="0" forceAA="0" compatLnSpc="1">
-              <a:prstTxWarp prst="textNoShape">
-                <a:avLst/>
-              </a:prstTxWarp>
               <a:noAutofit/>
             </a:bodyPr>
             <a:lstStyle/>
@@ -23144,16 +22338,10 @@
                 <a:noFill/>
                 <a:prstDash val="solid"/>
                 <a:round/>
-                <a:headEnd/>
-                <a:tailEnd/>
               </a:ln>
             </p:spPr>
             <p:txBody>
-              <a:bodyPr vert="horz" wrap="square" lIns="91440" tIns="45720" rIns="91440" bIns="45720" numCol="1" anchor="t" anchorCtr="0" compatLnSpc="1">
-                <a:prstTxWarp prst="textNoShape">
-                  <a:avLst/>
-                </a:prstTxWarp>
-              </a:bodyPr>
+              <a:bodyPr vert="horz" wrap="square" lIns="91440" tIns="45720" rIns="91440" bIns="45720" numCol="1" anchor="t" anchorCtr="0" compatLnSpc="1"/>
               <a:lstStyle/>
               <a:p>
                 <a:endParaRPr lang="zh-CN" altLang="en-US"/>
@@ -23163,9 +22351,7 @@
           <p:sp>
             <p:nvSpPr>
               <p:cNvPr id="51" name="Freeform 13"/>
-              <p:cNvSpPr>
-                <a:spLocks/>
-              </p:cNvSpPr>
+              <p:cNvSpPr/>
               <p:nvPr/>
             </p:nvSpPr>
             <p:spPr bwMode="auto">
@@ -23298,16 +22484,10 @@
                 <a:noFill/>
                 <a:prstDash val="solid"/>
                 <a:round/>
-                <a:headEnd/>
-                <a:tailEnd/>
               </a:ln>
             </p:spPr>
             <p:txBody>
-              <a:bodyPr vert="horz" wrap="square" lIns="91440" tIns="45720" rIns="91440" bIns="45720" numCol="1" anchor="t" anchorCtr="0" compatLnSpc="1">
-                <a:prstTxWarp prst="textNoShape">
-                  <a:avLst/>
-                </a:prstTxWarp>
-              </a:bodyPr>
+              <a:bodyPr vert="horz" wrap="square" lIns="91440" tIns="45720" rIns="91440" bIns="45720" numCol="1" anchor="t" anchorCtr="0" compatLnSpc="1"/>
               <a:lstStyle/>
               <a:p>
                 <a:endParaRPr lang="zh-CN" altLang="en-US"/>
@@ -23317,9 +22497,7 @@
           <p:sp>
             <p:nvSpPr>
               <p:cNvPr id="52" name="Freeform 14"/>
-              <p:cNvSpPr>
-                <a:spLocks/>
-              </p:cNvSpPr>
+              <p:cNvSpPr/>
               <p:nvPr/>
             </p:nvSpPr>
             <p:spPr bwMode="auto">
@@ -23452,16 +22630,10 @@
                 <a:noFill/>
                 <a:prstDash val="solid"/>
                 <a:round/>
-                <a:headEnd/>
-                <a:tailEnd/>
               </a:ln>
             </p:spPr>
             <p:txBody>
-              <a:bodyPr vert="horz" wrap="square" lIns="91440" tIns="45720" rIns="91440" bIns="45720" numCol="1" anchor="t" anchorCtr="0" compatLnSpc="1">
-                <a:prstTxWarp prst="textNoShape">
-                  <a:avLst/>
-                </a:prstTxWarp>
-              </a:bodyPr>
+              <a:bodyPr vert="horz" wrap="square" lIns="91440" tIns="45720" rIns="91440" bIns="45720" numCol="1" anchor="t" anchorCtr="0" compatLnSpc="1"/>
               <a:lstStyle/>
               <a:p>
                 <a:endParaRPr lang="zh-CN" altLang="en-US"/>
@@ -23471,9 +22643,7 @@
           <p:sp>
             <p:nvSpPr>
               <p:cNvPr id="53" name="Freeform 15"/>
-              <p:cNvSpPr>
-                <a:spLocks/>
-              </p:cNvSpPr>
+              <p:cNvSpPr/>
               <p:nvPr/>
             </p:nvSpPr>
             <p:spPr bwMode="auto">
@@ -23606,16 +22776,10 @@
                 <a:noFill/>
                 <a:prstDash val="solid"/>
                 <a:round/>
-                <a:headEnd/>
-                <a:tailEnd/>
               </a:ln>
             </p:spPr>
             <p:txBody>
-              <a:bodyPr vert="horz" wrap="square" lIns="91440" tIns="45720" rIns="91440" bIns="45720" numCol="1" anchor="t" anchorCtr="0" compatLnSpc="1">
-                <a:prstTxWarp prst="textNoShape">
-                  <a:avLst/>
-                </a:prstTxWarp>
-              </a:bodyPr>
+              <a:bodyPr vert="horz" wrap="square" lIns="91440" tIns="45720" rIns="91440" bIns="45720" numCol="1" anchor="t" anchorCtr="0" compatLnSpc="1"/>
               <a:lstStyle/>
               <a:p>
                 <a:endParaRPr lang="zh-CN" altLang="en-US"/>
@@ -23625,9 +22789,7 @@
           <p:sp>
             <p:nvSpPr>
               <p:cNvPr id="54" name="Freeform 16"/>
-              <p:cNvSpPr>
-                <a:spLocks/>
-              </p:cNvSpPr>
+              <p:cNvSpPr/>
               <p:nvPr/>
             </p:nvSpPr>
             <p:spPr bwMode="auto">
@@ -23760,16 +22922,10 @@
                 <a:noFill/>
                 <a:prstDash val="solid"/>
                 <a:round/>
-                <a:headEnd/>
-                <a:tailEnd/>
               </a:ln>
             </p:spPr>
             <p:txBody>
-              <a:bodyPr vert="horz" wrap="square" lIns="91440" tIns="45720" rIns="91440" bIns="45720" numCol="1" anchor="t" anchorCtr="0" compatLnSpc="1">
-                <a:prstTxWarp prst="textNoShape">
-                  <a:avLst/>
-                </a:prstTxWarp>
-              </a:bodyPr>
+              <a:bodyPr vert="horz" wrap="square" lIns="91440" tIns="45720" rIns="91440" bIns="45720" numCol="1" anchor="t" anchorCtr="0" compatLnSpc="1"/>
               <a:lstStyle/>
               <a:p>
                 <a:endParaRPr lang="zh-CN" altLang="en-US"/>
@@ -23779,9 +22935,7 @@
           <p:sp>
             <p:nvSpPr>
               <p:cNvPr id="59" name="Freeform 17"/>
-              <p:cNvSpPr>
-                <a:spLocks/>
-              </p:cNvSpPr>
+              <p:cNvSpPr/>
               <p:nvPr/>
             </p:nvSpPr>
             <p:spPr bwMode="auto">
@@ -23914,16 +23068,10 @@
                 <a:noFill/>
                 <a:prstDash val="solid"/>
                 <a:round/>
-                <a:headEnd/>
-                <a:tailEnd/>
               </a:ln>
             </p:spPr>
             <p:txBody>
-              <a:bodyPr vert="horz" wrap="square" lIns="91440" tIns="45720" rIns="91440" bIns="45720" numCol="1" anchor="t" anchorCtr="0" compatLnSpc="1">
-                <a:prstTxWarp prst="textNoShape">
-                  <a:avLst/>
-                </a:prstTxWarp>
-              </a:bodyPr>
+              <a:bodyPr vert="horz" wrap="square" lIns="91440" tIns="45720" rIns="91440" bIns="45720" numCol="1" anchor="t" anchorCtr="0" compatLnSpc="1"/>
               <a:lstStyle/>
               <a:p>
                 <a:endParaRPr lang="zh-CN" altLang="en-US"/>
@@ -23933,9 +23081,7 @@
           <p:sp>
             <p:nvSpPr>
               <p:cNvPr id="60" name="Freeform 18"/>
-              <p:cNvSpPr>
-                <a:spLocks/>
-              </p:cNvSpPr>
+              <p:cNvSpPr/>
               <p:nvPr/>
             </p:nvSpPr>
             <p:spPr bwMode="auto">
@@ -24068,16 +23214,10 @@
                 <a:noFill/>
                 <a:prstDash val="solid"/>
                 <a:round/>
-                <a:headEnd/>
-                <a:tailEnd/>
               </a:ln>
             </p:spPr>
             <p:txBody>
-              <a:bodyPr vert="horz" wrap="square" lIns="91440" tIns="45720" rIns="91440" bIns="45720" numCol="1" anchor="t" anchorCtr="0" compatLnSpc="1">
-                <a:prstTxWarp prst="textNoShape">
-                  <a:avLst/>
-                </a:prstTxWarp>
-              </a:bodyPr>
+              <a:bodyPr vert="horz" wrap="square" lIns="91440" tIns="45720" rIns="91440" bIns="45720" numCol="1" anchor="t" anchorCtr="0" compatLnSpc="1"/>
               <a:lstStyle/>
               <a:p>
                 <a:endParaRPr lang="zh-CN" altLang="en-US"/>
@@ -24142,9 +23282,6 @@
           </p:style>
           <p:txBody>
             <a:bodyPr rot="0" spcFirstLastPara="0" vertOverflow="overflow" horzOverflow="overflow" vert="horz" wrap="square" lIns="91440" tIns="45720" rIns="91440" bIns="45720" numCol="1" spcCol="0" rtlCol="0" fromWordArt="0" anchor="ctr" anchorCtr="0" forceAA="0" compatLnSpc="1">
-              <a:prstTxWarp prst="textNoShape">
-                <a:avLst/>
-              </a:prstTxWarp>
               <a:noAutofit/>
             </a:bodyPr>
             <a:lstStyle/>
@@ -24569,16 +23706,10 @@
                 <a:noFill/>
                 <a:prstDash val="solid"/>
                 <a:round/>
-                <a:headEnd/>
-                <a:tailEnd/>
               </a:ln>
             </p:spPr>
             <p:txBody>
-              <a:bodyPr vert="horz" wrap="square" lIns="91440" tIns="45720" rIns="91440" bIns="45720" numCol="1" anchor="t" anchorCtr="0" compatLnSpc="1">
-                <a:prstTxWarp prst="textNoShape">
-                  <a:avLst/>
-                </a:prstTxWarp>
-              </a:bodyPr>
+              <a:bodyPr vert="horz" wrap="square" lIns="91440" tIns="45720" rIns="91440" bIns="45720" numCol="1" anchor="t" anchorCtr="0" compatLnSpc="1"/>
               <a:lstStyle/>
               <a:p>
                 <a:endParaRPr lang="zh-CN" altLang="en-US"/>
@@ -24588,9 +23719,7 @@
           <p:sp>
             <p:nvSpPr>
               <p:cNvPr id="65" name="Freeform 13"/>
-              <p:cNvSpPr>
-                <a:spLocks/>
-              </p:cNvSpPr>
+              <p:cNvSpPr/>
               <p:nvPr/>
             </p:nvSpPr>
             <p:spPr bwMode="auto">
@@ -24723,16 +23852,10 @@
                 <a:noFill/>
                 <a:prstDash val="solid"/>
                 <a:round/>
-                <a:headEnd/>
-                <a:tailEnd/>
               </a:ln>
             </p:spPr>
             <p:txBody>
-              <a:bodyPr vert="horz" wrap="square" lIns="91440" tIns="45720" rIns="91440" bIns="45720" numCol="1" anchor="t" anchorCtr="0" compatLnSpc="1">
-                <a:prstTxWarp prst="textNoShape">
-                  <a:avLst/>
-                </a:prstTxWarp>
-              </a:bodyPr>
+              <a:bodyPr vert="horz" wrap="square" lIns="91440" tIns="45720" rIns="91440" bIns="45720" numCol="1" anchor="t" anchorCtr="0" compatLnSpc="1"/>
               <a:lstStyle/>
               <a:p>
                 <a:endParaRPr lang="zh-CN" altLang="en-US"/>
@@ -24742,9 +23865,7 @@
           <p:sp>
             <p:nvSpPr>
               <p:cNvPr id="66" name="Freeform 14"/>
-              <p:cNvSpPr>
-                <a:spLocks/>
-              </p:cNvSpPr>
+              <p:cNvSpPr/>
               <p:nvPr/>
             </p:nvSpPr>
             <p:spPr bwMode="auto">
@@ -24877,16 +23998,10 @@
                 <a:noFill/>
                 <a:prstDash val="solid"/>
                 <a:round/>
-                <a:headEnd/>
-                <a:tailEnd/>
               </a:ln>
             </p:spPr>
             <p:txBody>
-              <a:bodyPr vert="horz" wrap="square" lIns="91440" tIns="45720" rIns="91440" bIns="45720" numCol="1" anchor="t" anchorCtr="0" compatLnSpc="1">
-                <a:prstTxWarp prst="textNoShape">
-                  <a:avLst/>
-                </a:prstTxWarp>
-              </a:bodyPr>
+              <a:bodyPr vert="horz" wrap="square" lIns="91440" tIns="45720" rIns="91440" bIns="45720" numCol="1" anchor="t" anchorCtr="0" compatLnSpc="1"/>
               <a:lstStyle/>
               <a:p>
                 <a:endParaRPr lang="zh-CN" altLang="en-US"/>
@@ -24896,9 +24011,7 @@
           <p:sp>
             <p:nvSpPr>
               <p:cNvPr id="67" name="Freeform 15"/>
-              <p:cNvSpPr>
-                <a:spLocks/>
-              </p:cNvSpPr>
+              <p:cNvSpPr/>
               <p:nvPr/>
             </p:nvSpPr>
             <p:spPr bwMode="auto">
@@ -25031,16 +24144,10 @@
                 <a:noFill/>
                 <a:prstDash val="solid"/>
                 <a:round/>
-                <a:headEnd/>
-                <a:tailEnd/>
               </a:ln>
             </p:spPr>
             <p:txBody>
-              <a:bodyPr vert="horz" wrap="square" lIns="91440" tIns="45720" rIns="91440" bIns="45720" numCol="1" anchor="t" anchorCtr="0" compatLnSpc="1">
-                <a:prstTxWarp prst="textNoShape">
-                  <a:avLst/>
-                </a:prstTxWarp>
-              </a:bodyPr>
+              <a:bodyPr vert="horz" wrap="square" lIns="91440" tIns="45720" rIns="91440" bIns="45720" numCol="1" anchor="t" anchorCtr="0" compatLnSpc="1"/>
               <a:lstStyle/>
               <a:p>
                 <a:endParaRPr lang="zh-CN" altLang="en-US"/>
@@ -25050,9 +24157,7 @@
           <p:sp>
             <p:nvSpPr>
               <p:cNvPr id="68" name="Freeform 16"/>
-              <p:cNvSpPr>
-                <a:spLocks/>
-              </p:cNvSpPr>
+              <p:cNvSpPr/>
               <p:nvPr/>
             </p:nvSpPr>
             <p:spPr bwMode="auto">
@@ -25185,16 +24290,10 @@
                 <a:noFill/>
                 <a:prstDash val="solid"/>
                 <a:round/>
-                <a:headEnd/>
-                <a:tailEnd/>
               </a:ln>
             </p:spPr>
             <p:txBody>
-              <a:bodyPr vert="horz" wrap="square" lIns="91440" tIns="45720" rIns="91440" bIns="45720" numCol="1" anchor="t" anchorCtr="0" compatLnSpc="1">
-                <a:prstTxWarp prst="textNoShape">
-                  <a:avLst/>
-                </a:prstTxWarp>
-              </a:bodyPr>
+              <a:bodyPr vert="horz" wrap="square" lIns="91440" tIns="45720" rIns="91440" bIns="45720" numCol="1" anchor="t" anchorCtr="0" compatLnSpc="1"/>
               <a:lstStyle/>
               <a:p>
                 <a:endParaRPr lang="zh-CN" altLang="en-US"/>
@@ -25204,9 +24303,7 @@
           <p:sp>
             <p:nvSpPr>
               <p:cNvPr id="69" name="Freeform 17"/>
-              <p:cNvSpPr>
-                <a:spLocks/>
-              </p:cNvSpPr>
+              <p:cNvSpPr/>
               <p:nvPr/>
             </p:nvSpPr>
             <p:spPr bwMode="auto">
@@ -25339,16 +24436,10 @@
                 <a:noFill/>
                 <a:prstDash val="solid"/>
                 <a:round/>
-                <a:headEnd/>
-                <a:tailEnd/>
               </a:ln>
             </p:spPr>
             <p:txBody>
-              <a:bodyPr vert="horz" wrap="square" lIns="91440" tIns="45720" rIns="91440" bIns="45720" numCol="1" anchor="t" anchorCtr="0" compatLnSpc="1">
-                <a:prstTxWarp prst="textNoShape">
-                  <a:avLst/>
-                </a:prstTxWarp>
-              </a:bodyPr>
+              <a:bodyPr vert="horz" wrap="square" lIns="91440" tIns="45720" rIns="91440" bIns="45720" numCol="1" anchor="t" anchorCtr="0" compatLnSpc="1"/>
               <a:lstStyle/>
               <a:p>
                 <a:endParaRPr lang="zh-CN" altLang="en-US"/>
@@ -25358,9 +24449,7 @@
           <p:sp>
             <p:nvSpPr>
               <p:cNvPr id="70" name="Freeform 18"/>
-              <p:cNvSpPr>
-                <a:spLocks/>
-              </p:cNvSpPr>
+              <p:cNvSpPr/>
               <p:nvPr/>
             </p:nvSpPr>
             <p:spPr bwMode="auto">
@@ -25493,16 +24582,10 @@
                 <a:noFill/>
                 <a:prstDash val="solid"/>
                 <a:round/>
-                <a:headEnd/>
-                <a:tailEnd/>
               </a:ln>
             </p:spPr>
             <p:txBody>
-              <a:bodyPr vert="horz" wrap="square" lIns="91440" tIns="45720" rIns="91440" bIns="45720" numCol="1" anchor="t" anchorCtr="0" compatLnSpc="1">
-                <a:prstTxWarp prst="textNoShape">
-                  <a:avLst/>
-                </a:prstTxWarp>
-              </a:bodyPr>
+              <a:bodyPr vert="horz" wrap="square" lIns="91440" tIns="45720" rIns="91440" bIns="45720" numCol="1" anchor="t" anchorCtr="0" compatLnSpc="1"/>
               <a:lstStyle/>
               <a:p>
                 <a:endParaRPr lang="zh-CN" altLang="en-US"/>
@@ -25567,9 +24650,6 @@
           </p:style>
           <p:txBody>
             <a:bodyPr rot="0" spcFirstLastPara="0" vertOverflow="overflow" horzOverflow="overflow" vert="horz" wrap="square" lIns="91440" tIns="45720" rIns="91440" bIns="45720" numCol="1" spcCol="0" rtlCol="0" fromWordArt="0" anchor="ctr" anchorCtr="0" forceAA="0" compatLnSpc="1">
-              <a:prstTxWarp prst="textNoShape">
-                <a:avLst/>
-              </a:prstTxWarp>
               <a:noAutofit/>
             </a:bodyPr>
             <a:lstStyle/>
@@ -25994,16 +25074,10 @@
                 <a:noFill/>
                 <a:prstDash val="solid"/>
                 <a:round/>
-                <a:headEnd/>
-                <a:tailEnd/>
               </a:ln>
             </p:spPr>
             <p:txBody>
-              <a:bodyPr vert="horz" wrap="square" lIns="91440" tIns="45720" rIns="91440" bIns="45720" numCol="1" anchor="t" anchorCtr="0" compatLnSpc="1">
-                <a:prstTxWarp prst="textNoShape">
-                  <a:avLst/>
-                </a:prstTxWarp>
-              </a:bodyPr>
+              <a:bodyPr vert="horz" wrap="square" lIns="91440" tIns="45720" rIns="91440" bIns="45720" numCol="1" anchor="t" anchorCtr="0" compatLnSpc="1"/>
               <a:lstStyle/>
               <a:p>
                 <a:endParaRPr lang="zh-CN" altLang="en-US"/>
@@ -26013,9 +25087,7 @@
           <p:sp>
             <p:nvSpPr>
               <p:cNvPr id="75" name="Freeform 13"/>
-              <p:cNvSpPr>
-                <a:spLocks/>
-              </p:cNvSpPr>
+              <p:cNvSpPr/>
               <p:nvPr/>
             </p:nvSpPr>
             <p:spPr bwMode="auto">
@@ -26148,16 +25220,10 @@
                 <a:noFill/>
                 <a:prstDash val="solid"/>
                 <a:round/>
-                <a:headEnd/>
-                <a:tailEnd/>
               </a:ln>
             </p:spPr>
             <p:txBody>
-              <a:bodyPr vert="horz" wrap="square" lIns="91440" tIns="45720" rIns="91440" bIns="45720" numCol="1" anchor="t" anchorCtr="0" compatLnSpc="1">
-                <a:prstTxWarp prst="textNoShape">
-                  <a:avLst/>
-                </a:prstTxWarp>
-              </a:bodyPr>
+              <a:bodyPr vert="horz" wrap="square" lIns="91440" tIns="45720" rIns="91440" bIns="45720" numCol="1" anchor="t" anchorCtr="0" compatLnSpc="1"/>
               <a:lstStyle/>
               <a:p>
                 <a:endParaRPr lang="zh-CN" altLang="en-US"/>
@@ -26167,9 +25233,7 @@
           <p:sp>
             <p:nvSpPr>
               <p:cNvPr id="76" name="Freeform 14"/>
-              <p:cNvSpPr>
-                <a:spLocks/>
-              </p:cNvSpPr>
+              <p:cNvSpPr/>
               <p:nvPr/>
             </p:nvSpPr>
             <p:spPr bwMode="auto">
@@ -26302,16 +25366,10 @@
                 <a:noFill/>
                 <a:prstDash val="solid"/>
                 <a:round/>
-                <a:headEnd/>
-                <a:tailEnd/>
               </a:ln>
             </p:spPr>
             <p:txBody>
-              <a:bodyPr vert="horz" wrap="square" lIns="91440" tIns="45720" rIns="91440" bIns="45720" numCol="1" anchor="t" anchorCtr="0" compatLnSpc="1">
-                <a:prstTxWarp prst="textNoShape">
-                  <a:avLst/>
-                </a:prstTxWarp>
-              </a:bodyPr>
+              <a:bodyPr vert="horz" wrap="square" lIns="91440" tIns="45720" rIns="91440" bIns="45720" numCol="1" anchor="t" anchorCtr="0" compatLnSpc="1"/>
               <a:lstStyle/>
               <a:p>
                 <a:endParaRPr lang="zh-CN" altLang="en-US"/>
@@ -26321,9 +25379,7 @@
           <p:sp>
             <p:nvSpPr>
               <p:cNvPr id="77" name="Freeform 15"/>
-              <p:cNvSpPr>
-                <a:spLocks/>
-              </p:cNvSpPr>
+              <p:cNvSpPr/>
               <p:nvPr/>
             </p:nvSpPr>
             <p:spPr bwMode="auto">
@@ -26456,16 +25512,10 @@
                 <a:noFill/>
                 <a:prstDash val="solid"/>
                 <a:round/>
-                <a:headEnd/>
-                <a:tailEnd/>
               </a:ln>
             </p:spPr>
             <p:txBody>
-              <a:bodyPr vert="horz" wrap="square" lIns="91440" tIns="45720" rIns="91440" bIns="45720" numCol="1" anchor="t" anchorCtr="0" compatLnSpc="1">
-                <a:prstTxWarp prst="textNoShape">
-                  <a:avLst/>
-                </a:prstTxWarp>
-              </a:bodyPr>
+              <a:bodyPr vert="horz" wrap="square" lIns="91440" tIns="45720" rIns="91440" bIns="45720" numCol="1" anchor="t" anchorCtr="0" compatLnSpc="1"/>
               <a:lstStyle/>
               <a:p>
                 <a:endParaRPr lang="zh-CN" altLang="en-US"/>
@@ -26475,9 +25525,7 @@
           <p:sp>
             <p:nvSpPr>
               <p:cNvPr id="78" name="Freeform 16"/>
-              <p:cNvSpPr>
-                <a:spLocks/>
-              </p:cNvSpPr>
+              <p:cNvSpPr/>
               <p:nvPr/>
             </p:nvSpPr>
             <p:spPr bwMode="auto">
@@ -26610,16 +25658,10 @@
                 <a:noFill/>
                 <a:prstDash val="solid"/>
                 <a:round/>
-                <a:headEnd/>
-                <a:tailEnd/>
               </a:ln>
             </p:spPr>
             <p:txBody>
-              <a:bodyPr vert="horz" wrap="square" lIns="91440" tIns="45720" rIns="91440" bIns="45720" numCol="1" anchor="t" anchorCtr="0" compatLnSpc="1">
-                <a:prstTxWarp prst="textNoShape">
-                  <a:avLst/>
-                </a:prstTxWarp>
-              </a:bodyPr>
+              <a:bodyPr vert="horz" wrap="square" lIns="91440" tIns="45720" rIns="91440" bIns="45720" numCol="1" anchor="t" anchorCtr="0" compatLnSpc="1"/>
               <a:lstStyle/>
               <a:p>
                 <a:endParaRPr lang="zh-CN" altLang="en-US"/>
@@ -26629,9 +25671,7 @@
           <p:sp>
             <p:nvSpPr>
               <p:cNvPr id="79" name="Freeform 17"/>
-              <p:cNvSpPr>
-                <a:spLocks/>
-              </p:cNvSpPr>
+              <p:cNvSpPr/>
               <p:nvPr/>
             </p:nvSpPr>
             <p:spPr bwMode="auto">
@@ -26764,16 +25804,10 @@
                 <a:noFill/>
                 <a:prstDash val="solid"/>
                 <a:round/>
-                <a:headEnd/>
-                <a:tailEnd/>
               </a:ln>
             </p:spPr>
             <p:txBody>
-              <a:bodyPr vert="horz" wrap="square" lIns="91440" tIns="45720" rIns="91440" bIns="45720" numCol="1" anchor="t" anchorCtr="0" compatLnSpc="1">
-                <a:prstTxWarp prst="textNoShape">
-                  <a:avLst/>
-                </a:prstTxWarp>
-              </a:bodyPr>
+              <a:bodyPr vert="horz" wrap="square" lIns="91440" tIns="45720" rIns="91440" bIns="45720" numCol="1" anchor="t" anchorCtr="0" compatLnSpc="1"/>
               <a:lstStyle/>
               <a:p>
                 <a:endParaRPr lang="zh-CN" altLang="en-US"/>
@@ -26783,9 +25817,7 @@
           <p:sp>
             <p:nvSpPr>
               <p:cNvPr id="80" name="Freeform 18"/>
-              <p:cNvSpPr>
-                <a:spLocks/>
-              </p:cNvSpPr>
+              <p:cNvSpPr/>
               <p:nvPr/>
             </p:nvSpPr>
             <p:spPr bwMode="auto">
@@ -26918,16 +25950,10 @@
                 <a:noFill/>
                 <a:prstDash val="solid"/>
                 <a:round/>
-                <a:headEnd/>
-                <a:tailEnd/>
               </a:ln>
             </p:spPr>
             <p:txBody>
-              <a:bodyPr vert="horz" wrap="square" lIns="91440" tIns="45720" rIns="91440" bIns="45720" numCol="1" anchor="t" anchorCtr="0" compatLnSpc="1">
-                <a:prstTxWarp prst="textNoShape">
-                  <a:avLst/>
-                </a:prstTxWarp>
-              </a:bodyPr>
+              <a:bodyPr vert="horz" wrap="square" lIns="91440" tIns="45720" rIns="91440" bIns="45720" numCol="1" anchor="t" anchorCtr="0" compatLnSpc="1"/>
               <a:lstStyle/>
               <a:p>
                 <a:endParaRPr lang="zh-CN" altLang="en-US"/>
@@ -26989,9 +26015,6 @@
           </p:style>
           <p:txBody>
             <a:bodyPr rot="0" spcFirstLastPara="0" vertOverflow="overflow" horzOverflow="overflow" vert="horz" wrap="square" lIns="91440" tIns="45720" rIns="91440" bIns="45720" numCol="1" spcCol="0" rtlCol="0" fromWordArt="0" anchor="ctr" anchorCtr="0" forceAA="0" compatLnSpc="1">
-              <a:prstTxWarp prst="textNoShape">
-                <a:avLst/>
-              </a:prstTxWarp>
               <a:noAutofit/>
             </a:bodyPr>
             <a:lstStyle/>
@@ -27416,16 +26439,10 @@
                 <a:noFill/>
                 <a:prstDash val="solid"/>
                 <a:round/>
-                <a:headEnd/>
-                <a:tailEnd/>
               </a:ln>
             </p:spPr>
             <p:txBody>
-              <a:bodyPr vert="horz" wrap="square" lIns="91440" tIns="45720" rIns="91440" bIns="45720" numCol="1" anchor="t" anchorCtr="0" compatLnSpc="1">
-                <a:prstTxWarp prst="textNoShape">
-                  <a:avLst/>
-                </a:prstTxWarp>
-              </a:bodyPr>
+              <a:bodyPr vert="horz" wrap="square" lIns="91440" tIns="45720" rIns="91440" bIns="45720" numCol="1" anchor="t" anchorCtr="0" compatLnSpc="1"/>
               <a:lstStyle/>
               <a:p>
                 <a:endParaRPr lang="zh-CN" altLang="en-US"/>
@@ -27435,9 +26452,7 @@
           <p:sp>
             <p:nvSpPr>
               <p:cNvPr id="85" name="Freeform 13"/>
-              <p:cNvSpPr>
-                <a:spLocks/>
-              </p:cNvSpPr>
+              <p:cNvSpPr/>
               <p:nvPr/>
             </p:nvSpPr>
             <p:spPr bwMode="auto">
@@ -27570,16 +26585,10 @@
                 <a:noFill/>
                 <a:prstDash val="solid"/>
                 <a:round/>
-                <a:headEnd/>
-                <a:tailEnd/>
               </a:ln>
             </p:spPr>
             <p:txBody>
-              <a:bodyPr vert="horz" wrap="square" lIns="91440" tIns="45720" rIns="91440" bIns="45720" numCol="1" anchor="t" anchorCtr="0" compatLnSpc="1">
-                <a:prstTxWarp prst="textNoShape">
-                  <a:avLst/>
-                </a:prstTxWarp>
-              </a:bodyPr>
+              <a:bodyPr vert="horz" wrap="square" lIns="91440" tIns="45720" rIns="91440" bIns="45720" numCol="1" anchor="t" anchorCtr="0" compatLnSpc="1"/>
               <a:lstStyle/>
               <a:p>
                 <a:endParaRPr lang="zh-CN" altLang="en-US"/>
@@ -27589,9 +26598,7 @@
           <p:sp>
             <p:nvSpPr>
               <p:cNvPr id="86" name="Freeform 14"/>
-              <p:cNvSpPr>
-                <a:spLocks/>
-              </p:cNvSpPr>
+              <p:cNvSpPr/>
               <p:nvPr/>
             </p:nvSpPr>
             <p:spPr bwMode="auto">
@@ -27724,16 +26731,10 @@
                 <a:noFill/>
                 <a:prstDash val="solid"/>
                 <a:round/>
-                <a:headEnd/>
-                <a:tailEnd/>
               </a:ln>
             </p:spPr>
             <p:txBody>
-              <a:bodyPr vert="horz" wrap="square" lIns="91440" tIns="45720" rIns="91440" bIns="45720" numCol="1" anchor="t" anchorCtr="0" compatLnSpc="1">
-                <a:prstTxWarp prst="textNoShape">
-                  <a:avLst/>
-                </a:prstTxWarp>
-              </a:bodyPr>
+              <a:bodyPr vert="horz" wrap="square" lIns="91440" tIns="45720" rIns="91440" bIns="45720" numCol="1" anchor="t" anchorCtr="0" compatLnSpc="1"/>
               <a:lstStyle/>
               <a:p>
                 <a:endParaRPr lang="zh-CN" altLang="en-US"/>
@@ -27743,9 +26744,7 @@
           <p:sp>
             <p:nvSpPr>
               <p:cNvPr id="87" name="Freeform 15"/>
-              <p:cNvSpPr>
-                <a:spLocks/>
-              </p:cNvSpPr>
+              <p:cNvSpPr/>
               <p:nvPr/>
             </p:nvSpPr>
             <p:spPr bwMode="auto">
@@ -27878,16 +26877,10 @@
                 <a:noFill/>
                 <a:prstDash val="solid"/>
                 <a:round/>
-                <a:headEnd/>
-                <a:tailEnd/>
               </a:ln>
             </p:spPr>
             <p:txBody>
-              <a:bodyPr vert="horz" wrap="square" lIns="91440" tIns="45720" rIns="91440" bIns="45720" numCol="1" anchor="t" anchorCtr="0" compatLnSpc="1">
-                <a:prstTxWarp prst="textNoShape">
-                  <a:avLst/>
-                </a:prstTxWarp>
-              </a:bodyPr>
+              <a:bodyPr vert="horz" wrap="square" lIns="91440" tIns="45720" rIns="91440" bIns="45720" numCol="1" anchor="t" anchorCtr="0" compatLnSpc="1"/>
               <a:lstStyle/>
               <a:p>
                 <a:endParaRPr lang="zh-CN" altLang="en-US"/>
@@ -27897,9 +26890,7 @@
           <p:sp>
             <p:nvSpPr>
               <p:cNvPr id="88" name="Freeform 16"/>
-              <p:cNvSpPr>
-                <a:spLocks/>
-              </p:cNvSpPr>
+              <p:cNvSpPr/>
               <p:nvPr/>
             </p:nvSpPr>
             <p:spPr bwMode="auto">
@@ -28032,16 +27023,10 @@
                 <a:noFill/>
                 <a:prstDash val="solid"/>
                 <a:round/>
-                <a:headEnd/>
-                <a:tailEnd/>
               </a:ln>
             </p:spPr>
             <p:txBody>
-              <a:bodyPr vert="horz" wrap="square" lIns="91440" tIns="45720" rIns="91440" bIns="45720" numCol="1" anchor="t" anchorCtr="0" compatLnSpc="1">
-                <a:prstTxWarp prst="textNoShape">
-                  <a:avLst/>
-                </a:prstTxWarp>
-              </a:bodyPr>
+              <a:bodyPr vert="horz" wrap="square" lIns="91440" tIns="45720" rIns="91440" bIns="45720" numCol="1" anchor="t" anchorCtr="0" compatLnSpc="1"/>
               <a:lstStyle/>
               <a:p>
                 <a:endParaRPr lang="zh-CN" altLang="en-US"/>
@@ -28051,9 +27036,7 @@
           <p:sp>
             <p:nvSpPr>
               <p:cNvPr id="89" name="Freeform 17"/>
-              <p:cNvSpPr>
-                <a:spLocks/>
-              </p:cNvSpPr>
+              <p:cNvSpPr/>
               <p:nvPr/>
             </p:nvSpPr>
             <p:spPr bwMode="auto">
@@ -28186,16 +27169,10 @@
                 <a:noFill/>
                 <a:prstDash val="solid"/>
                 <a:round/>
-                <a:headEnd/>
-                <a:tailEnd/>
               </a:ln>
             </p:spPr>
             <p:txBody>
-              <a:bodyPr vert="horz" wrap="square" lIns="91440" tIns="45720" rIns="91440" bIns="45720" numCol="1" anchor="t" anchorCtr="0" compatLnSpc="1">
-                <a:prstTxWarp prst="textNoShape">
-                  <a:avLst/>
-                </a:prstTxWarp>
-              </a:bodyPr>
+              <a:bodyPr vert="horz" wrap="square" lIns="91440" tIns="45720" rIns="91440" bIns="45720" numCol="1" anchor="t" anchorCtr="0" compatLnSpc="1"/>
               <a:lstStyle/>
               <a:p>
                 <a:endParaRPr lang="zh-CN" altLang="en-US"/>
@@ -28205,9 +27182,7 @@
           <p:sp>
             <p:nvSpPr>
               <p:cNvPr id="90" name="Freeform 18"/>
-              <p:cNvSpPr>
-                <a:spLocks/>
-              </p:cNvSpPr>
+              <p:cNvSpPr/>
               <p:nvPr/>
             </p:nvSpPr>
             <p:spPr bwMode="auto">
@@ -28340,16 +27315,10 @@
                 <a:noFill/>
                 <a:prstDash val="solid"/>
                 <a:round/>
-                <a:headEnd/>
-                <a:tailEnd/>
               </a:ln>
             </p:spPr>
             <p:txBody>
-              <a:bodyPr vert="horz" wrap="square" lIns="91440" tIns="45720" rIns="91440" bIns="45720" numCol="1" anchor="t" anchorCtr="0" compatLnSpc="1">
-                <a:prstTxWarp prst="textNoShape">
-                  <a:avLst/>
-                </a:prstTxWarp>
-              </a:bodyPr>
+              <a:bodyPr vert="horz" wrap="square" lIns="91440" tIns="45720" rIns="91440" bIns="45720" numCol="1" anchor="t" anchorCtr="0" compatLnSpc="1"/>
               <a:lstStyle/>
               <a:p>
                 <a:endParaRPr lang="zh-CN" altLang="en-US"/>
@@ -28379,7 +27348,7 @@
           </a:bodyPr>
           <a:lstStyle/>
           <a:p>
-            <a:pPr defTabSz="1219170">
+            <a:pPr defTabSz="1218565">
               <a:lnSpc>
                 <a:spcPct val="130000"/>
               </a:lnSpc>
@@ -28453,7 +27422,7 @@
           </a:bodyPr>
           <a:lstStyle/>
           <a:p>
-            <a:pPr defTabSz="1219170">
+            <a:pPr defTabSz="1218565">
               <a:lnSpc>
                 <a:spcPct val="130000"/>
               </a:lnSpc>
@@ -28527,7 +27496,7 @@
           </a:bodyPr>
           <a:lstStyle/>
           <a:p>
-            <a:pPr algn="r" defTabSz="1219170">
+            <a:pPr algn="r" defTabSz="1218565">
               <a:lnSpc>
                 <a:spcPct val="130000"/>
               </a:lnSpc>
@@ -28579,7 +27548,7 @@
           </a:bodyPr>
           <a:lstStyle/>
           <a:p>
-            <a:pPr algn="r" defTabSz="1219170">
+            <a:pPr algn="r" defTabSz="1218565">
               <a:lnSpc>
                 <a:spcPct val="130000"/>
               </a:lnSpc>
@@ -28630,11 +27599,6 @@
         </p:txBody>
       </p:sp>
     </p:spTree>
-    <p:extLst>
-      <p:ext uri="{BB962C8B-B14F-4D97-AF65-F5344CB8AC3E}">
-        <p14:creationId xmlns:p14="http://schemas.microsoft.com/office/powerpoint/2010/main" val="1793895841"/>
-      </p:ext>
-    </p:extLst>
   </p:cSld>
   <p:clrMapOvr>
     <a:masterClrMapping/>
@@ -28673,13 +27637,7 @@
       </p:grpSpPr>
       <p:sp>
         <p:nvSpPr>
-          <p:cNvPr id="2" name="文本占位符 1">
-            <a:extLst>
-              <a:ext uri="{FF2B5EF4-FFF2-40B4-BE49-F238E27FC236}">
-                <a16:creationId xmlns:a16="http://schemas.microsoft.com/office/drawing/2014/main" id="{AE10D22F-6050-4845-8FD8-CB149B8196F1}"/>
-              </a:ext>
-            </a:extLst>
-          </p:cNvPr>
+          <p:cNvPr id="2" name="文本占位符 1"/>
           <p:cNvSpPr>
             <a:spLocks noGrp="1"/>
           </p:cNvSpPr>
@@ -28707,13 +27665,7 @@
       </p:sp>
       <p:sp>
         <p:nvSpPr>
-          <p:cNvPr id="3" name="文本占位符 2">
-            <a:extLst>
-              <a:ext uri="{FF2B5EF4-FFF2-40B4-BE49-F238E27FC236}">
-                <a16:creationId xmlns:a16="http://schemas.microsoft.com/office/drawing/2014/main" id="{DE3031A9-7143-4361-8432-FBD2534CDC9C}"/>
-              </a:ext>
-            </a:extLst>
-          </p:cNvPr>
+          <p:cNvPr id="3" name="文本占位符 2"/>
           <p:cNvSpPr>
             <a:spLocks noGrp="1"/>
           </p:cNvSpPr>
@@ -28735,13 +27687,7 @@
       </p:sp>
       <p:pic>
         <p:nvPicPr>
-          <p:cNvPr id="4" name="图片 3">
-            <a:extLst>
-              <a:ext uri="{FF2B5EF4-FFF2-40B4-BE49-F238E27FC236}">
-                <a16:creationId xmlns:a16="http://schemas.microsoft.com/office/drawing/2014/main" id="{FC17FA9D-EAC8-4212-811B-6A95F1E80F50}"/>
-              </a:ext>
-            </a:extLst>
-          </p:cNvPr>
+          <p:cNvPr id="4" name="图片 3"/>
           <p:cNvPicPr/>
           <p:nvPr/>
         </p:nvPicPr>
@@ -28773,13 +27719,7 @@
       </p:pic>
       <p:pic>
         <p:nvPicPr>
-          <p:cNvPr id="5" name="图片 4">
-            <a:extLst>
-              <a:ext uri="{FF2B5EF4-FFF2-40B4-BE49-F238E27FC236}">
-                <a16:creationId xmlns:a16="http://schemas.microsoft.com/office/drawing/2014/main" id="{EB8D3116-AB00-43B0-BD9D-67F5B5BE301B}"/>
-              </a:ext>
-            </a:extLst>
-          </p:cNvPr>
+          <p:cNvPr id="5" name="图片 4"/>
           <p:cNvPicPr/>
           <p:nvPr/>
         </p:nvPicPr>
@@ -28811,13 +27751,7 @@
       </p:pic>
       <p:sp>
         <p:nvSpPr>
-          <p:cNvPr id="6" name="文本框 5">
-            <a:extLst>
-              <a:ext uri="{FF2B5EF4-FFF2-40B4-BE49-F238E27FC236}">
-                <a16:creationId xmlns:a16="http://schemas.microsoft.com/office/drawing/2014/main" id="{45161FD0-37C9-4EB9-AA48-80D6A5D82361}"/>
-              </a:ext>
-            </a:extLst>
-          </p:cNvPr>
+          <p:cNvPr id="6" name="文本框 5"/>
           <p:cNvSpPr txBox="1"/>
           <p:nvPr/>
         </p:nvSpPr>
@@ -28846,13 +27780,7 @@
       </p:sp>
       <p:sp>
         <p:nvSpPr>
-          <p:cNvPr id="7" name="文本框 6">
-            <a:extLst>
-              <a:ext uri="{FF2B5EF4-FFF2-40B4-BE49-F238E27FC236}">
-                <a16:creationId xmlns:a16="http://schemas.microsoft.com/office/drawing/2014/main" id="{14575405-37E3-4C5E-A53B-001C4307A7C1}"/>
-              </a:ext>
-            </a:extLst>
-          </p:cNvPr>
+          <p:cNvPr id="7" name="文本框 6"/>
           <p:cNvSpPr txBox="1"/>
           <p:nvPr/>
         </p:nvSpPr>
@@ -28885,13 +27813,7 @@
       </p:sp>
       <p:sp>
         <p:nvSpPr>
-          <p:cNvPr id="8" name="文本框 7">
-            <a:extLst>
-              <a:ext uri="{FF2B5EF4-FFF2-40B4-BE49-F238E27FC236}">
-                <a16:creationId xmlns:a16="http://schemas.microsoft.com/office/drawing/2014/main" id="{4C4B3CC6-2DE2-4130-B989-E1291965B3D6}"/>
-              </a:ext>
-            </a:extLst>
-          </p:cNvPr>
+          <p:cNvPr id="8" name="文本框 7"/>
           <p:cNvSpPr txBox="1"/>
           <p:nvPr/>
         </p:nvSpPr>
@@ -28928,11 +27850,6 @@
         </p:txBody>
       </p:sp>
     </p:spTree>
-    <p:extLst>
-      <p:ext uri="{BB962C8B-B14F-4D97-AF65-F5344CB8AC3E}">
-        <p14:creationId xmlns:p14="http://schemas.microsoft.com/office/powerpoint/2010/main" val="3830541429"/>
-      </p:ext>
-    </p:extLst>
   </p:cSld>
   <p:clrMapOvr>
     <a:masterClrMapping/>
@@ -29217,11 +28134,6 @@
         </p:txBody>
       </p:sp>
     </p:spTree>
-    <p:extLst>
-      <p:ext uri="{BB962C8B-B14F-4D97-AF65-F5344CB8AC3E}">
-        <p14:creationId xmlns:p14="http://schemas.microsoft.com/office/powerpoint/2010/main" val="1060494695"/>
-      </p:ext>
-    </p:extLst>
   </p:cSld>
   <p:clrMapOvr>
     <a:masterClrMapping/>
@@ -29251,13 +28163,7 @@
       </p:grpSpPr>
       <p:sp>
         <p:nvSpPr>
-          <p:cNvPr id="2" name="文本占位符 1">
-            <a:extLst>
-              <a:ext uri="{FF2B5EF4-FFF2-40B4-BE49-F238E27FC236}">
-                <a16:creationId xmlns:a16="http://schemas.microsoft.com/office/drawing/2014/main" id="{A8AACE30-66D7-4AF8-B50F-C7707B1A22D9}"/>
-              </a:ext>
-            </a:extLst>
-          </p:cNvPr>
+          <p:cNvPr id="2" name="文本占位符 1"/>
           <p:cNvSpPr>
             <a:spLocks noGrp="1"/>
           </p:cNvSpPr>
@@ -29280,13 +28186,7 @@
       </p:sp>
       <p:sp>
         <p:nvSpPr>
-          <p:cNvPr id="3" name="文本占位符 2">
-            <a:extLst>
-              <a:ext uri="{FF2B5EF4-FFF2-40B4-BE49-F238E27FC236}">
-                <a16:creationId xmlns:a16="http://schemas.microsoft.com/office/drawing/2014/main" id="{035C1137-B6BE-4896-9B47-41FFCF6C6D71}"/>
-              </a:ext>
-            </a:extLst>
-          </p:cNvPr>
+          <p:cNvPr id="3" name="文本占位符 2"/>
           <p:cNvSpPr>
             <a:spLocks noGrp="1"/>
           </p:cNvSpPr>
@@ -29308,23 +28208,11 @@
       </p:sp>
       <p:graphicFrame>
         <p:nvGraphicFramePr>
-          <p:cNvPr id="7" name="表格 6">
-            <a:extLst>
-              <a:ext uri="{FF2B5EF4-FFF2-40B4-BE49-F238E27FC236}">
-                <a16:creationId xmlns:a16="http://schemas.microsoft.com/office/drawing/2014/main" id="{7BB6CBE8-028C-47EE-829F-D3440E32D2DC}"/>
-              </a:ext>
-            </a:extLst>
-          </p:cNvPr>
+          <p:cNvPr id="7" name="表格 6"/>
           <p:cNvGraphicFramePr>
             <a:graphicFrameLocks noGrp="1"/>
           </p:cNvGraphicFramePr>
-          <p:nvPr>
-            <p:extLst>
-              <p:ext uri="{D42A27DB-BD31-4B8C-83A1-F6EECF244321}">
-                <p14:modId xmlns:p14="http://schemas.microsoft.com/office/powerpoint/2010/main" val="2973987562"/>
-              </p:ext>
-            </p:extLst>
-          </p:nvPr>
+          <p:nvPr/>
         </p:nvGraphicFramePr>
         <p:xfrm>
           <a:off x="1417208" y="1200834"/>
@@ -29340,21 +28228,21 @@
                 <a:gridCol w="3099311">
                   <a:extLst>
                     <a:ext uri="{9D8B030D-6E8A-4147-A177-3AD203B41FA5}">
-                      <a16:colId xmlns:a16="http://schemas.microsoft.com/office/drawing/2014/main" val="3246586920"/>
+                      <a16:colId xmlns:a16="http://schemas.microsoft.com/office/drawing/2014/main" val="20000"/>
                     </a:ext>
                   </a:extLst>
                 </a:gridCol>
                 <a:gridCol w="3414473">
                   <a:extLst>
                     <a:ext uri="{9D8B030D-6E8A-4147-A177-3AD203B41FA5}">
-                      <a16:colId xmlns:a16="http://schemas.microsoft.com/office/drawing/2014/main" val="4045850022"/>
+                      <a16:colId xmlns:a16="http://schemas.microsoft.com/office/drawing/2014/main" val="20001"/>
                     </a:ext>
                   </a:extLst>
                 </a:gridCol>
                 <a:gridCol w="3139463">
                   <a:extLst>
                     <a:ext uri="{9D8B030D-6E8A-4147-A177-3AD203B41FA5}">
-                      <a16:colId xmlns:a16="http://schemas.microsoft.com/office/drawing/2014/main" val="1666884994"/>
+                      <a16:colId xmlns:a16="http://schemas.microsoft.com/office/drawing/2014/main" val="20002"/>
                     </a:ext>
                   </a:extLst>
                 </a:gridCol>
@@ -29467,7 +28355,7 @@
                 </a:tc>
                 <a:extLst>
                   <a:ext uri="{0D108BD9-81ED-4DB2-BD59-A6C34878D82A}">
-                    <a16:rowId xmlns:a16="http://schemas.microsoft.com/office/drawing/2014/main" val="3504832027"/>
+                    <a16:rowId xmlns:a16="http://schemas.microsoft.com/office/drawing/2014/main" val="10000"/>
                   </a:ext>
                 </a:extLst>
               </a:tr>
@@ -29561,7 +28449,7 @@
                 </a:tc>
                 <a:extLst>
                   <a:ext uri="{0D108BD9-81ED-4DB2-BD59-A6C34878D82A}">
-                    <a16:rowId xmlns:a16="http://schemas.microsoft.com/office/drawing/2014/main" val="570021713"/>
+                    <a16:rowId xmlns:a16="http://schemas.microsoft.com/office/drawing/2014/main" val="10001"/>
                   </a:ext>
                 </a:extLst>
               </a:tr>
@@ -29661,7 +28549,7 @@
                 </a:tc>
                 <a:extLst>
                   <a:ext uri="{0D108BD9-81ED-4DB2-BD59-A6C34878D82A}">
-                    <a16:rowId xmlns:a16="http://schemas.microsoft.com/office/drawing/2014/main" val="1572190079"/>
+                    <a16:rowId xmlns:a16="http://schemas.microsoft.com/office/drawing/2014/main" val="10002"/>
                   </a:ext>
                 </a:extLst>
               </a:tr>
@@ -29755,7 +28643,7 @@
                 </a:tc>
                 <a:extLst>
                   <a:ext uri="{0D108BD9-81ED-4DB2-BD59-A6C34878D82A}">
-                    <a16:rowId xmlns:a16="http://schemas.microsoft.com/office/drawing/2014/main" val="257541748"/>
+                    <a16:rowId xmlns:a16="http://schemas.microsoft.com/office/drawing/2014/main" val="10003"/>
                   </a:ext>
                 </a:extLst>
               </a:tr>
@@ -29849,7 +28737,7 @@
                 </a:tc>
                 <a:extLst>
                   <a:ext uri="{0D108BD9-81ED-4DB2-BD59-A6C34878D82A}">
-                    <a16:rowId xmlns:a16="http://schemas.microsoft.com/office/drawing/2014/main" val="75833327"/>
+                    <a16:rowId xmlns:a16="http://schemas.microsoft.com/office/drawing/2014/main" val="10004"/>
                   </a:ext>
                 </a:extLst>
               </a:tr>
@@ -29943,7 +28831,7 @@
                 </a:tc>
                 <a:extLst>
                   <a:ext uri="{0D108BD9-81ED-4DB2-BD59-A6C34878D82A}">
-                    <a16:rowId xmlns:a16="http://schemas.microsoft.com/office/drawing/2014/main" val="3335161028"/>
+                    <a16:rowId xmlns:a16="http://schemas.microsoft.com/office/drawing/2014/main" val="10005"/>
                   </a:ext>
                 </a:extLst>
               </a:tr>
@@ -30037,7 +28925,7 @@
                 </a:tc>
                 <a:extLst>
                   <a:ext uri="{0D108BD9-81ED-4DB2-BD59-A6C34878D82A}">
-                    <a16:rowId xmlns:a16="http://schemas.microsoft.com/office/drawing/2014/main" val="2048132085"/>
+                    <a16:rowId xmlns:a16="http://schemas.microsoft.com/office/drawing/2014/main" val="10006"/>
                   </a:ext>
                 </a:extLst>
               </a:tr>
@@ -30047,13 +28935,7 @@
       </p:graphicFrame>
       <p:sp>
         <p:nvSpPr>
-          <p:cNvPr id="8" name="文本框 7">
-            <a:extLst>
-              <a:ext uri="{FF2B5EF4-FFF2-40B4-BE49-F238E27FC236}">
-                <a16:creationId xmlns:a16="http://schemas.microsoft.com/office/drawing/2014/main" id="{1FDF3BCE-E306-4002-A6CC-ABE69D2B24AB}"/>
-              </a:ext>
-            </a:extLst>
-          </p:cNvPr>
+          <p:cNvPr id="8" name="文本框 7"/>
           <p:cNvSpPr txBox="1"/>
           <p:nvPr/>
         </p:nvSpPr>
@@ -30093,11 +28975,6 @@
         </p:txBody>
       </p:sp>
     </p:spTree>
-    <p:extLst>
-      <p:ext uri="{BB962C8B-B14F-4D97-AF65-F5344CB8AC3E}">
-        <p14:creationId xmlns:p14="http://schemas.microsoft.com/office/powerpoint/2010/main" val="2783739152"/>
-      </p:ext>
-    </p:extLst>
   </p:cSld>
   <p:clrMapOvr>
     <a:masterClrMapping/>
@@ -30124,13 +29001,7 @@
       </p:grpSpPr>
       <p:sp>
         <p:nvSpPr>
-          <p:cNvPr id="4" name="文本框 3">
-            <a:extLst>
-              <a:ext uri="{FF2B5EF4-FFF2-40B4-BE49-F238E27FC236}">
-                <a16:creationId xmlns:a16="http://schemas.microsoft.com/office/drawing/2014/main" id="{BD5A59A7-BF1F-4619-A47E-85ACDF2CCB7D}"/>
-              </a:ext>
-            </a:extLst>
-          </p:cNvPr>
+          <p:cNvPr id="4" name="文本框 3"/>
           <p:cNvSpPr txBox="1"/>
           <p:nvPr/>
         </p:nvSpPr>
@@ -30179,13 +29050,7 @@
       </p:sp>
       <p:grpSp>
         <p:nvGrpSpPr>
-          <p:cNvPr id="29" name="组合 28">
-            <a:extLst>
-              <a:ext uri="{FF2B5EF4-FFF2-40B4-BE49-F238E27FC236}">
-                <a16:creationId xmlns:a16="http://schemas.microsoft.com/office/drawing/2014/main" id="{20C28FB6-98AD-424B-852A-E760158DE273}"/>
-              </a:ext>
-            </a:extLst>
-          </p:cNvPr>
+          <p:cNvPr id="29" name="组合 28"/>
           <p:cNvGrpSpPr/>
           <p:nvPr/>
         </p:nvGrpSpPr>
@@ -30199,13 +29064,7 @@
         </p:grpSpPr>
         <p:sp>
           <p:nvSpPr>
-            <p:cNvPr id="5" name="矩形: 圆角 4">
-              <a:extLst>
-                <a:ext uri="{FF2B5EF4-FFF2-40B4-BE49-F238E27FC236}">
-                  <a16:creationId xmlns:a16="http://schemas.microsoft.com/office/drawing/2014/main" id="{3372ACCB-164A-4CE1-87B8-06E7CE3FCD69}"/>
-                </a:ext>
-              </a:extLst>
-            </p:cNvPr>
+            <p:cNvPr id="5" name="矩形: 圆角 4"/>
             <p:cNvSpPr/>
             <p:nvPr/>
           </p:nvSpPr>
@@ -30217,7 +29076,6 @@
             <a:prstGeom prst="roundRect">
               <a:avLst/>
             </a:prstGeom>
-            <a:ln/>
           </p:spPr>
           <p:style>
             <a:lnRef idx="2">
@@ -30235,9 +29093,6 @@
           </p:style>
           <p:txBody>
             <a:bodyPr rot="0" spcFirstLastPara="0" vertOverflow="overflow" horzOverflow="overflow" vert="horz" wrap="square" lIns="91440" tIns="45720" rIns="91440" bIns="45720" numCol="1" spcCol="0" rtlCol="0" fromWordArt="0" anchor="ctr" anchorCtr="0" forceAA="0" compatLnSpc="1">
-              <a:prstTxWarp prst="textNoShape">
-                <a:avLst/>
-              </a:prstTxWarp>
               <a:noAutofit/>
             </a:bodyPr>
             <a:lstStyle/>
@@ -30252,13 +29107,7 @@
         </p:sp>
         <p:sp>
           <p:nvSpPr>
-            <p:cNvPr id="6" name="矩形: 圆角 5">
-              <a:extLst>
-                <a:ext uri="{FF2B5EF4-FFF2-40B4-BE49-F238E27FC236}">
-                  <a16:creationId xmlns:a16="http://schemas.microsoft.com/office/drawing/2014/main" id="{721C60A0-6347-4AC0-B45A-F44509DD6EE9}"/>
-                </a:ext>
-              </a:extLst>
-            </p:cNvPr>
+            <p:cNvPr id="6" name="矩形: 圆角 5"/>
             <p:cNvSpPr/>
             <p:nvPr/>
           </p:nvSpPr>
@@ -30270,7 +29119,6 @@
             <a:prstGeom prst="roundRect">
               <a:avLst/>
             </a:prstGeom>
-            <a:ln/>
           </p:spPr>
           <p:style>
             <a:lnRef idx="0">
@@ -30288,9 +29136,6 @@
           </p:style>
           <p:txBody>
             <a:bodyPr rot="0" spcFirstLastPara="0" vertOverflow="overflow" horzOverflow="overflow" vert="horz" wrap="square" lIns="91440" tIns="45720" rIns="91440" bIns="45720" numCol="1" spcCol="0" rtlCol="0" fromWordArt="0" anchor="ctr" anchorCtr="0" forceAA="0" compatLnSpc="1">
-              <a:prstTxWarp prst="textNoShape">
-                <a:avLst/>
-              </a:prstTxWarp>
               <a:noAutofit/>
             </a:bodyPr>
             <a:lstStyle/>
@@ -30314,13 +29159,7 @@
         </p:sp>
         <p:sp>
           <p:nvSpPr>
-            <p:cNvPr id="7" name="矩形: 圆角 6">
-              <a:extLst>
-                <a:ext uri="{FF2B5EF4-FFF2-40B4-BE49-F238E27FC236}">
-                  <a16:creationId xmlns:a16="http://schemas.microsoft.com/office/drawing/2014/main" id="{B9E8A73D-1171-46A5-8A54-F34F17408535}"/>
-                </a:ext>
-              </a:extLst>
-            </p:cNvPr>
+            <p:cNvPr id="7" name="矩形: 圆角 6"/>
             <p:cNvSpPr/>
             <p:nvPr/>
           </p:nvSpPr>
@@ -30332,7 +29171,6 @@
             <a:prstGeom prst="roundRect">
               <a:avLst/>
             </a:prstGeom>
-            <a:ln/>
           </p:spPr>
           <p:style>
             <a:lnRef idx="1">
@@ -30350,9 +29188,6 @@
           </p:style>
           <p:txBody>
             <a:bodyPr rot="0" spcFirstLastPara="0" vertOverflow="overflow" horzOverflow="overflow" vert="horz" wrap="square" lIns="91440" tIns="45720" rIns="91440" bIns="45720" numCol="1" spcCol="0" rtlCol="0" fromWordArt="0" anchor="ctr" anchorCtr="0" forceAA="0" compatLnSpc="1">
-              <a:prstTxWarp prst="textNoShape">
-                <a:avLst/>
-              </a:prstTxWarp>
               <a:noAutofit/>
             </a:bodyPr>
             <a:lstStyle/>
@@ -30372,13 +29207,7 @@
         </p:sp>
         <p:sp>
           <p:nvSpPr>
-            <p:cNvPr id="17" name="矩形: 圆角 16">
-              <a:extLst>
-                <a:ext uri="{FF2B5EF4-FFF2-40B4-BE49-F238E27FC236}">
-                  <a16:creationId xmlns:a16="http://schemas.microsoft.com/office/drawing/2014/main" id="{66CB0AF5-63AF-4AE5-9001-EF12C94BBE88}"/>
-                </a:ext>
-              </a:extLst>
-            </p:cNvPr>
+            <p:cNvPr id="17" name="矩形: 圆角 16"/>
             <p:cNvSpPr/>
             <p:nvPr/>
           </p:nvSpPr>
@@ -30390,7 +29219,6 @@
             <a:prstGeom prst="roundRect">
               <a:avLst/>
             </a:prstGeom>
-            <a:ln/>
           </p:spPr>
           <p:style>
             <a:lnRef idx="1">
@@ -30408,9 +29236,6 @@
           </p:style>
           <p:txBody>
             <a:bodyPr rot="0" spcFirstLastPara="0" vertOverflow="overflow" horzOverflow="overflow" vert="horz" wrap="square" lIns="91440" tIns="45720" rIns="91440" bIns="45720" numCol="1" spcCol="0" rtlCol="0" fromWordArt="0" anchor="ctr" anchorCtr="0" forceAA="0" compatLnSpc="1">
-              <a:prstTxWarp prst="textNoShape">
-                <a:avLst/>
-              </a:prstTxWarp>
               <a:noAutofit/>
             </a:bodyPr>
             <a:lstStyle/>
@@ -30446,13 +29271,7 @@
         </p:sp>
         <p:sp>
           <p:nvSpPr>
-            <p:cNvPr id="18" name="矩形: 圆角 17">
-              <a:extLst>
-                <a:ext uri="{FF2B5EF4-FFF2-40B4-BE49-F238E27FC236}">
-                  <a16:creationId xmlns:a16="http://schemas.microsoft.com/office/drawing/2014/main" id="{1FA8645B-0292-44A1-B911-D081588D8F4E}"/>
-                </a:ext>
-              </a:extLst>
-            </p:cNvPr>
+            <p:cNvPr id="18" name="矩形: 圆角 17"/>
             <p:cNvSpPr/>
             <p:nvPr/>
           </p:nvSpPr>
@@ -30464,7 +29283,6 @@
             <a:prstGeom prst="roundRect">
               <a:avLst/>
             </a:prstGeom>
-            <a:ln/>
           </p:spPr>
           <p:style>
             <a:lnRef idx="0">
@@ -30482,9 +29300,6 @@
           </p:style>
           <p:txBody>
             <a:bodyPr rot="0" spcFirstLastPara="0" vertOverflow="overflow" horzOverflow="overflow" vert="horz" wrap="square" lIns="91440" tIns="45720" rIns="91440" bIns="45720" numCol="1" spcCol="0" rtlCol="0" fromWordArt="0" anchor="ctr" anchorCtr="0" forceAA="0" compatLnSpc="1">
-              <a:prstTxWarp prst="textNoShape">
-                <a:avLst/>
-              </a:prstTxWarp>
               <a:noAutofit/>
             </a:bodyPr>
             <a:lstStyle/>
@@ -30512,13 +29327,7 @@
         </p:sp>
         <p:sp>
           <p:nvSpPr>
-            <p:cNvPr id="19" name="矩形: 圆角 18">
-              <a:extLst>
-                <a:ext uri="{FF2B5EF4-FFF2-40B4-BE49-F238E27FC236}">
-                  <a16:creationId xmlns:a16="http://schemas.microsoft.com/office/drawing/2014/main" id="{44BB337F-6F7E-4A3E-809D-60E83099D250}"/>
-                </a:ext>
-              </a:extLst>
-            </p:cNvPr>
+            <p:cNvPr id="19" name="矩形: 圆角 18"/>
             <p:cNvSpPr/>
             <p:nvPr/>
           </p:nvSpPr>
@@ -30530,7 +29339,6 @@
             <a:prstGeom prst="roundRect">
               <a:avLst/>
             </a:prstGeom>
-            <a:ln/>
           </p:spPr>
           <p:style>
             <a:lnRef idx="1">
@@ -30548,9 +29356,6 @@
           </p:style>
           <p:txBody>
             <a:bodyPr rot="0" spcFirstLastPara="0" vertOverflow="overflow" horzOverflow="overflow" vert="horz" wrap="square" lIns="91440" tIns="45720" rIns="91440" bIns="45720" numCol="1" spcCol="0" rtlCol="0" fromWordArt="0" anchor="ctr" anchorCtr="0" forceAA="0" compatLnSpc="1">
-              <a:prstTxWarp prst="textNoShape">
-                <a:avLst/>
-              </a:prstTxWarp>
               <a:noAutofit/>
             </a:bodyPr>
             <a:lstStyle/>
@@ -30570,13 +29375,7 @@
         </p:sp>
         <p:sp>
           <p:nvSpPr>
-            <p:cNvPr id="20" name="矩形: 圆角 19">
-              <a:extLst>
-                <a:ext uri="{FF2B5EF4-FFF2-40B4-BE49-F238E27FC236}">
-                  <a16:creationId xmlns:a16="http://schemas.microsoft.com/office/drawing/2014/main" id="{C155EF0B-BF56-43FF-9F16-4CD13DECE882}"/>
-                </a:ext>
-              </a:extLst>
-            </p:cNvPr>
+            <p:cNvPr id="20" name="矩形: 圆角 19"/>
             <p:cNvSpPr/>
             <p:nvPr/>
           </p:nvSpPr>
@@ -30588,7 +29387,6 @@
             <a:prstGeom prst="roundRect">
               <a:avLst/>
             </a:prstGeom>
-            <a:ln/>
           </p:spPr>
           <p:style>
             <a:lnRef idx="0">
@@ -30606,9 +29404,6 @@
           </p:style>
           <p:txBody>
             <a:bodyPr rot="0" spcFirstLastPara="0" vertOverflow="overflow" horzOverflow="overflow" vert="horz" wrap="square" lIns="91440" tIns="45720" rIns="91440" bIns="45720" numCol="1" spcCol="0" rtlCol="0" fromWordArt="0" anchor="ctr" anchorCtr="0" forceAA="0" compatLnSpc="1">
-              <a:prstTxWarp prst="textNoShape">
-                <a:avLst/>
-              </a:prstTxWarp>
               <a:noAutofit/>
             </a:bodyPr>
             <a:lstStyle/>
@@ -30636,13 +29431,7 @@
         </p:sp>
         <p:sp>
           <p:nvSpPr>
-            <p:cNvPr id="21" name="矩形: 圆角 20">
-              <a:extLst>
-                <a:ext uri="{FF2B5EF4-FFF2-40B4-BE49-F238E27FC236}">
-                  <a16:creationId xmlns:a16="http://schemas.microsoft.com/office/drawing/2014/main" id="{077F4B1E-F7E2-4A1B-AE74-C629E4CD7D60}"/>
-                </a:ext>
-              </a:extLst>
-            </p:cNvPr>
+            <p:cNvPr id="21" name="矩形: 圆角 20"/>
             <p:cNvSpPr/>
             <p:nvPr/>
           </p:nvSpPr>
@@ -30654,7 +29443,6 @@
             <a:prstGeom prst="roundRect">
               <a:avLst/>
             </a:prstGeom>
-            <a:ln/>
           </p:spPr>
           <p:style>
             <a:lnRef idx="1">
@@ -30672,9 +29460,6 @@
           </p:style>
           <p:txBody>
             <a:bodyPr rot="0" spcFirstLastPara="0" vertOverflow="overflow" horzOverflow="overflow" vert="horz" wrap="square" lIns="91440" tIns="45720" rIns="91440" bIns="45720" numCol="1" spcCol="0" rtlCol="0" fromWordArt="0" anchor="ctr" anchorCtr="0" forceAA="0" compatLnSpc="1">
-              <a:prstTxWarp prst="textNoShape">
-                <a:avLst/>
-              </a:prstTxWarp>
               <a:noAutofit/>
             </a:bodyPr>
             <a:lstStyle/>
@@ -30694,13 +29479,7 @@
         </p:sp>
         <p:sp>
           <p:nvSpPr>
-            <p:cNvPr id="22" name="椭圆 21">
-              <a:extLst>
-                <a:ext uri="{FF2B5EF4-FFF2-40B4-BE49-F238E27FC236}">
-                  <a16:creationId xmlns:a16="http://schemas.microsoft.com/office/drawing/2014/main" id="{729AD289-9CA6-4266-8780-131988765AA6}"/>
-                </a:ext>
-              </a:extLst>
-            </p:cNvPr>
+            <p:cNvPr id="22" name="椭圆 21"/>
             <p:cNvSpPr/>
             <p:nvPr/>
           </p:nvSpPr>
@@ -30712,7 +29491,6 @@
             <a:prstGeom prst="ellipse">
               <a:avLst/>
             </a:prstGeom>
-            <a:ln/>
           </p:spPr>
           <p:style>
             <a:lnRef idx="2">
@@ -30730,9 +29508,6 @@
           </p:style>
           <p:txBody>
             <a:bodyPr rot="0" spcFirstLastPara="0" vertOverflow="overflow" horzOverflow="overflow" vert="horz" wrap="square" lIns="91440" tIns="45720" rIns="91440" bIns="45720" numCol="1" spcCol="0" rtlCol="0" fromWordArt="0" anchor="ctr" anchorCtr="0" forceAA="0" compatLnSpc="1">
-              <a:prstTxWarp prst="textNoShape">
-                <a:avLst/>
-              </a:prstTxWarp>
               <a:noAutofit/>
             </a:bodyPr>
             <a:lstStyle/>
@@ -30747,13 +29522,7 @@
         </p:sp>
         <p:sp>
           <p:nvSpPr>
-            <p:cNvPr id="23" name="箭头: 下 22">
-              <a:extLst>
-                <a:ext uri="{FF2B5EF4-FFF2-40B4-BE49-F238E27FC236}">
-                  <a16:creationId xmlns:a16="http://schemas.microsoft.com/office/drawing/2014/main" id="{BDE5923F-2A89-4E80-971A-4A2066ECEC40}"/>
-                </a:ext>
-              </a:extLst>
-            </p:cNvPr>
+            <p:cNvPr id="23" name="箭头: 下 22"/>
             <p:cNvSpPr/>
             <p:nvPr/>
           </p:nvSpPr>
@@ -30787,9 +29556,6 @@
           </p:style>
           <p:txBody>
             <a:bodyPr rot="0" spcFirstLastPara="0" vertOverflow="overflow" horzOverflow="overflow" vert="horz" wrap="square" lIns="91440" tIns="45720" rIns="91440" bIns="45720" numCol="1" spcCol="0" rtlCol="0" fromWordArt="0" anchor="ctr" anchorCtr="0" forceAA="0" compatLnSpc="1">
-              <a:prstTxWarp prst="textNoShape">
-                <a:avLst/>
-              </a:prstTxWarp>
               <a:noAutofit/>
             </a:bodyPr>
             <a:lstStyle/>
@@ -30801,13 +29567,7 @@
         </p:sp>
         <p:sp>
           <p:nvSpPr>
-            <p:cNvPr id="24" name="箭头: 下 23">
-              <a:extLst>
-                <a:ext uri="{FF2B5EF4-FFF2-40B4-BE49-F238E27FC236}">
-                  <a16:creationId xmlns:a16="http://schemas.microsoft.com/office/drawing/2014/main" id="{A7ADED72-4775-4800-88B0-A0EFC714B999}"/>
-                </a:ext>
-              </a:extLst>
-            </p:cNvPr>
+            <p:cNvPr id="24" name="箭头: 下 23"/>
             <p:cNvSpPr/>
             <p:nvPr/>
           </p:nvSpPr>
@@ -30841,9 +29601,6 @@
           </p:style>
           <p:txBody>
             <a:bodyPr rot="0" spcFirstLastPara="0" vertOverflow="overflow" horzOverflow="overflow" vert="horz" wrap="square" lIns="91440" tIns="45720" rIns="91440" bIns="45720" numCol="1" spcCol="0" rtlCol="0" fromWordArt="0" anchor="ctr" anchorCtr="0" forceAA="0" compatLnSpc="1">
-              <a:prstTxWarp prst="textNoShape">
-                <a:avLst/>
-              </a:prstTxWarp>
               <a:noAutofit/>
             </a:bodyPr>
             <a:lstStyle/>
@@ -30855,13 +29612,7 @@
         </p:sp>
         <p:sp>
           <p:nvSpPr>
-            <p:cNvPr id="25" name="箭头: 下 24">
-              <a:extLst>
-                <a:ext uri="{FF2B5EF4-FFF2-40B4-BE49-F238E27FC236}">
-                  <a16:creationId xmlns:a16="http://schemas.microsoft.com/office/drawing/2014/main" id="{2948194F-74C4-4699-A231-A212EE24B6A1}"/>
-                </a:ext>
-              </a:extLst>
-            </p:cNvPr>
+            <p:cNvPr id="25" name="箭头: 下 24"/>
             <p:cNvSpPr/>
             <p:nvPr/>
           </p:nvSpPr>
@@ -30895,9 +29646,6 @@
           </p:style>
           <p:txBody>
             <a:bodyPr rot="0" spcFirstLastPara="0" vertOverflow="overflow" horzOverflow="overflow" vert="horz" wrap="square" lIns="91440" tIns="45720" rIns="91440" bIns="45720" numCol="1" spcCol="0" rtlCol="0" fromWordArt="0" anchor="ctr" anchorCtr="0" forceAA="0" compatLnSpc="1">
-              <a:prstTxWarp prst="textNoShape">
-                <a:avLst/>
-              </a:prstTxWarp>
               <a:noAutofit/>
             </a:bodyPr>
             <a:lstStyle/>
@@ -30909,13 +29657,7 @@
         </p:sp>
         <p:sp>
           <p:nvSpPr>
-            <p:cNvPr id="27" name="箭头: 下 26">
-              <a:extLst>
-                <a:ext uri="{FF2B5EF4-FFF2-40B4-BE49-F238E27FC236}">
-                  <a16:creationId xmlns:a16="http://schemas.microsoft.com/office/drawing/2014/main" id="{18262903-6D64-4C3B-A7CA-2CF9278DE558}"/>
-                </a:ext>
-              </a:extLst>
-            </p:cNvPr>
+            <p:cNvPr id="27" name="箭头: 下 26"/>
             <p:cNvSpPr/>
             <p:nvPr/>
           </p:nvSpPr>
@@ -30949,9 +29691,6 @@
           </p:style>
           <p:txBody>
             <a:bodyPr rot="0" spcFirstLastPara="0" vertOverflow="overflow" horzOverflow="overflow" vert="horz" wrap="square" lIns="91440" tIns="45720" rIns="91440" bIns="45720" numCol="1" spcCol="0" rtlCol="0" fromWordArt="0" anchor="ctr" anchorCtr="0" forceAA="0" compatLnSpc="1">
-              <a:prstTxWarp prst="textNoShape">
-                <a:avLst/>
-              </a:prstTxWarp>
               <a:noAutofit/>
             </a:bodyPr>
             <a:lstStyle/>
@@ -30963,13 +29702,7 @@
         </p:sp>
         <p:sp>
           <p:nvSpPr>
-            <p:cNvPr id="28" name="箭头: 下 27">
-              <a:extLst>
-                <a:ext uri="{FF2B5EF4-FFF2-40B4-BE49-F238E27FC236}">
-                  <a16:creationId xmlns:a16="http://schemas.microsoft.com/office/drawing/2014/main" id="{A9D2B8C3-7320-40D1-9DF9-84F3FA48F1AC}"/>
-                </a:ext>
-              </a:extLst>
-            </p:cNvPr>
+            <p:cNvPr id="28" name="箭头: 下 27"/>
             <p:cNvSpPr/>
             <p:nvPr/>
           </p:nvSpPr>
@@ -31003,9 +29736,6 @@
           </p:style>
           <p:txBody>
             <a:bodyPr rot="0" spcFirstLastPara="0" vertOverflow="overflow" horzOverflow="overflow" vert="horz" wrap="square" lIns="91440" tIns="45720" rIns="91440" bIns="45720" numCol="1" spcCol="0" rtlCol="0" fromWordArt="0" anchor="ctr" anchorCtr="0" forceAA="0" compatLnSpc="1">
-              <a:prstTxWarp prst="textNoShape">
-                <a:avLst/>
-              </a:prstTxWarp>
               <a:noAutofit/>
             </a:bodyPr>
             <a:lstStyle/>
@@ -31018,13 +29748,7 @@
       </p:grpSp>
       <p:grpSp>
         <p:nvGrpSpPr>
-          <p:cNvPr id="81" name="组合 80">
-            <a:extLst>
-              <a:ext uri="{FF2B5EF4-FFF2-40B4-BE49-F238E27FC236}">
-                <a16:creationId xmlns:a16="http://schemas.microsoft.com/office/drawing/2014/main" id="{607E5132-D0D6-4511-A714-8E08BFAAD0C5}"/>
-              </a:ext>
-            </a:extLst>
-          </p:cNvPr>
+          <p:cNvPr id="81" name="组合 80"/>
           <p:cNvGrpSpPr/>
           <p:nvPr/>
         </p:nvGrpSpPr>
@@ -31038,13 +29762,7 @@
         </p:grpSpPr>
         <p:sp>
           <p:nvSpPr>
-            <p:cNvPr id="31" name="矩形: 圆角 30">
-              <a:extLst>
-                <a:ext uri="{FF2B5EF4-FFF2-40B4-BE49-F238E27FC236}">
-                  <a16:creationId xmlns:a16="http://schemas.microsoft.com/office/drawing/2014/main" id="{6B8C3857-58F9-4DCA-8EF9-7916DADD3097}"/>
-                </a:ext>
-              </a:extLst>
-            </p:cNvPr>
+            <p:cNvPr id="31" name="矩形: 圆角 30"/>
             <p:cNvSpPr/>
             <p:nvPr/>
           </p:nvSpPr>
@@ -31056,7 +29774,6 @@
             <a:prstGeom prst="roundRect">
               <a:avLst/>
             </a:prstGeom>
-            <a:ln/>
           </p:spPr>
           <p:style>
             <a:lnRef idx="2">
@@ -31074,9 +29791,6 @@
           </p:style>
           <p:txBody>
             <a:bodyPr rot="0" spcFirstLastPara="0" vertOverflow="overflow" horzOverflow="overflow" vert="horz" wrap="square" lIns="91440" tIns="45720" rIns="91440" bIns="45720" numCol="1" spcCol="0" rtlCol="0" fromWordArt="0" anchor="ctr" anchorCtr="0" forceAA="0" compatLnSpc="1">
-              <a:prstTxWarp prst="textNoShape">
-                <a:avLst/>
-              </a:prstTxWarp>
               <a:noAutofit/>
             </a:bodyPr>
             <a:lstStyle/>
@@ -31091,13 +29805,7 @@
         </p:sp>
         <p:sp>
           <p:nvSpPr>
-            <p:cNvPr id="32" name="矩形: 圆角 31">
-              <a:extLst>
-                <a:ext uri="{FF2B5EF4-FFF2-40B4-BE49-F238E27FC236}">
-                  <a16:creationId xmlns:a16="http://schemas.microsoft.com/office/drawing/2014/main" id="{A058D09A-EDE2-483F-8919-113ABA976546}"/>
-                </a:ext>
-              </a:extLst>
-            </p:cNvPr>
+            <p:cNvPr id="32" name="矩形: 圆角 31"/>
             <p:cNvSpPr/>
             <p:nvPr/>
           </p:nvSpPr>
@@ -31109,7 +29817,6 @@
             <a:prstGeom prst="roundRect">
               <a:avLst/>
             </a:prstGeom>
-            <a:ln/>
           </p:spPr>
           <p:style>
             <a:lnRef idx="0">
@@ -31127,9 +29834,6 @@
           </p:style>
           <p:txBody>
             <a:bodyPr rot="0" spcFirstLastPara="0" vertOverflow="overflow" horzOverflow="overflow" vert="horz" wrap="square" lIns="91440" tIns="45720" rIns="91440" bIns="45720" numCol="1" spcCol="0" rtlCol="0" fromWordArt="0" anchor="ctr" anchorCtr="0" forceAA="0" compatLnSpc="1">
-              <a:prstTxWarp prst="textNoShape">
-                <a:avLst/>
-              </a:prstTxWarp>
               <a:noAutofit/>
             </a:bodyPr>
             <a:lstStyle/>
@@ -31153,13 +29857,7 @@
         </p:sp>
         <p:sp>
           <p:nvSpPr>
-            <p:cNvPr id="35" name="矩形: 圆角 34">
-              <a:extLst>
-                <a:ext uri="{FF2B5EF4-FFF2-40B4-BE49-F238E27FC236}">
-                  <a16:creationId xmlns:a16="http://schemas.microsoft.com/office/drawing/2014/main" id="{76838870-B4B8-4F11-897F-F5FF5D3504B8}"/>
-                </a:ext>
-              </a:extLst>
-            </p:cNvPr>
+            <p:cNvPr id="35" name="矩形: 圆角 34"/>
             <p:cNvSpPr/>
             <p:nvPr/>
           </p:nvSpPr>
@@ -31171,7 +29869,6 @@
             <a:prstGeom prst="roundRect">
               <a:avLst/>
             </a:prstGeom>
-            <a:ln/>
           </p:spPr>
           <p:style>
             <a:lnRef idx="0">
@@ -31189,9 +29886,6 @@
           </p:style>
           <p:txBody>
             <a:bodyPr rot="0" spcFirstLastPara="0" vertOverflow="overflow" horzOverflow="overflow" vert="horz" wrap="square" lIns="91440" tIns="45720" rIns="91440" bIns="45720" numCol="1" spcCol="0" rtlCol="0" fromWordArt="0" anchor="ctr" anchorCtr="0" forceAA="0" compatLnSpc="1">
-              <a:prstTxWarp prst="textNoShape">
-                <a:avLst/>
-              </a:prstTxWarp>
               <a:noAutofit/>
             </a:bodyPr>
             <a:lstStyle/>
@@ -31219,13 +29913,7 @@
         </p:sp>
         <p:sp>
           <p:nvSpPr>
-            <p:cNvPr id="37" name="矩形: 圆角 36">
-              <a:extLst>
-                <a:ext uri="{FF2B5EF4-FFF2-40B4-BE49-F238E27FC236}">
-                  <a16:creationId xmlns:a16="http://schemas.microsoft.com/office/drawing/2014/main" id="{0BDED44A-B8AD-4070-80E5-F2E15DC92B1F}"/>
-                </a:ext>
-              </a:extLst>
-            </p:cNvPr>
+            <p:cNvPr id="37" name="矩形: 圆角 36"/>
             <p:cNvSpPr/>
             <p:nvPr/>
           </p:nvSpPr>
@@ -31237,7 +29925,6 @@
             <a:prstGeom prst="roundRect">
               <a:avLst/>
             </a:prstGeom>
-            <a:ln/>
           </p:spPr>
           <p:style>
             <a:lnRef idx="0">
@@ -31255,9 +29942,6 @@
           </p:style>
           <p:txBody>
             <a:bodyPr rot="0" spcFirstLastPara="0" vertOverflow="overflow" horzOverflow="overflow" vert="horz" wrap="square" lIns="91440" tIns="45720" rIns="91440" bIns="45720" numCol="1" spcCol="0" rtlCol="0" fromWordArt="0" anchor="ctr" anchorCtr="0" forceAA="0" compatLnSpc="1">
-              <a:prstTxWarp prst="textNoShape">
-                <a:avLst/>
-              </a:prstTxWarp>
               <a:noAutofit/>
             </a:bodyPr>
             <a:lstStyle/>
@@ -31285,13 +29969,7 @@
         </p:sp>
         <p:sp>
           <p:nvSpPr>
-            <p:cNvPr id="39" name="椭圆 38">
-              <a:extLst>
-                <a:ext uri="{FF2B5EF4-FFF2-40B4-BE49-F238E27FC236}">
-                  <a16:creationId xmlns:a16="http://schemas.microsoft.com/office/drawing/2014/main" id="{DFF93908-E0B0-4802-9EF6-BCC6FF770FB6}"/>
-                </a:ext>
-              </a:extLst>
-            </p:cNvPr>
+            <p:cNvPr id="39" name="椭圆 38"/>
             <p:cNvSpPr/>
             <p:nvPr/>
           </p:nvSpPr>
@@ -31303,7 +29981,6 @@
             <a:prstGeom prst="ellipse">
               <a:avLst/>
             </a:prstGeom>
-            <a:ln/>
           </p:spPr>
           <p:style>
             <a:lnRef idx="2">
@@ -31321,9 +29998,6 @@
           </p:style>
           <p:txBody>
             <a:bodyPr rot="0" spcFirstLastPara="0" vertOverflow="overflow" horzOverflow="overflow" vert="horz" wrap="square" lIns="91440" tIns="45720" rIns="91440" bIns="45720" numCol="1" spcCol="0" rtlCol="0" fromWordArt="0" anchor="ctr" anchorCtr="0" forceAA="0" compatLnSpc="1">
-              <a:prstTxWarp prst="textNoShape">
-                <a:avLst/>
-              </a:prstTxWarp>
               <a:noAutofit/>
             </a:bodyPr>
             <a:lstStyle/>
@@ -31338,13 +30012,7 @@
         </p:sp>
         <p:sp>
           <p:nvSpPr>
-            <p:cNvPr id="40" name="箭头: 下 39">
-              <a:extLst>
-                <a:ext uri="{FF2B5EF4-FFF2-40B4-BE49-F238E27FC236}">
-                  <a16:creationId xmlns:a16="http://schemas.microsoft.com/office/drawing/2014/main" id="{5C75A87B-8EAD-45C5-912A-A71575F0E164}"/>
-                </a:ext>
-              </a:extLst>
-            </p:cNvPr>
+            <p:cNvPr id="40" name="箭头: 下 39"/>
             <p:cNvSpPr/>
             <p:nvPr/>
           </p:nvSpPr>
@@ -31378,9 +30046,6 @@
           </p:style>
           <p:txBody>
             <a:bodyPr rot="0" spcFirstLastPara="0" vertOverflow="overflow" horzOverflow="overflow" vert="horz" wrap="square" lIns="91440" tIns="45720" rIns="91440" bIns="45720" numCol="1" spcCol="0" rtlCol="0" fromWordArt="0" anchor="ctr" anchorCtr="0" forceAA="0" compatLnSpc="1">
-              <a:prstTxWarp prst="textNoShape">
-                <a:avLst/>
-              </a:prstTxWarp>
               <a:noAutofit/>
             </a:bodyPr>
             <a:lstStyle/>
@@ -31392,13 +30057,7 @@
         </p:sp>
         <p:sp>
           <p:nvSpPr>
-            <p:cNvPr id="41" name="箭头: 下 40">
-              <a:extLst>
-                <a:ext uri="{FF2B5EF4-FFF2-40B4-BE49-F238E27FC236}">
-                  <a16:creationId xmlns:a16="http://schemas.microsoft.com/office/drawing/2014/main" id="{5435ADC8-8E96-47DD-A4DB-143C56E8BE94}"/>
-                </a:ext>
-              </a:extLst>
-            </p:cNvPr>
+            <p:cNvPr id="41" name="箭头: 下 40"/>
             <p:cNvSpPr/>
             <p:nvPr/>
           </p:nvSpPr>
@@ -31432,9 +30091,6 @@
           </p:style>
           <p:txBody>
             <a:bodyPr rot="0" spcFirstLastPara="0" vertOverflow="overflow" horzOverflow="overflow" vert="horz" wrap="square" lIns="91440" tIns="45720" rIns="91440" bIns="45720" numCol="1" spcCol="0" rtlCol="0" fromWordArt="0" anchor="ctr" anchorCtr="0" forceAA="0" compatLnSpc="1">
-              <a:prstTxWarp prst="textNoShape">
-                <a:avLst/>
-              </a:prstTxWarp>
               <a:noAutofit/>
             </a:bodyPr>
             <a:lstStyle/>
@@ -31446,13 +30102,7 @@
         </p:sp>
         <p:sp>
           <p:nvSpPr>
-            <p:cNvPr id="42" name="箭头: 下 41">
-              <a:extLst>
-                <a:ext uri="{FF2B5EF4-FFF2-40B4-BE49-F238E27FC236}">
-                  <a16:creationId xmlns:a16="http://schemas.microsoft.com/office/drawing/2014/main" id="{BFB45FEB-4130-4C58-A08E-AB0D8B8B45C3}"/>
-                </a:ext>
-              </a:extLst>
-            </p:cNvPr>
+            <p:cNvPr id="42" name="箭头: 下 41"/>
             <p:cNvSpPr/>
             <p:nvPr/>
           </p:nvSpPr>
@@ -31486,9 +30136,6 @@
           </p:style>
           <p:txBody>
             <a:bodyPr rot="0" spcFirstLastPara="0" vertOverflow="overflow" horzOverflow="overflow" vert="horz" wrap="square" lIns="91440" tIns="45720" rIns="91440" bIns="45720" numCol="1" spcCol="0" rtlCol="0" fromWordArt="0" anchor="ctr" anchorCtr="0" forceAA="0" compatLnSpc="1">
-              <a:prstTxWarp prst="textNoShape">
-                <a:avLst/>
-              </a:prstTxWarp>
               <a:noAutofit/>
             </a:bodyPr>
             <a:lstStyle/>
@@ -31500,13 +30147,7 @@
         </p:sp>
         <p:sp>
           <p:nvSpPr>
-            <p:cNvPr id="43" name="箭头: 下 42">
-              <a:extLst>
-                <a:ext uri="{FF2B5EF4-FFF2-40B4-BE49-F238E27FC236}">
-                  <a16:creationId xmlns:a16="http://schemas.microsoft.com/office/drawing/2014/main" id="{475CB5C1-B377-4BE0-A24F-9C04FA77324B}"/>
-                </a:ext>
-              </a:extLst>
-            </p:cNvPr>
+            <p:cNvPr id="43" name="箭头: 下 42"/>
             <p:cNvSpPr/>
             <p:nvPr/>
           </p:nvSpPr>
@@ -31540,9 +30181,6 @@
           </p:style>
           <p:txBody>
             <a:bodyPr rot="0" spcFirstLastPara="0" vertOverflow="overflow" horzOverflow="overflow" vert="horz" wrap="square" lIns="91440" tIns="45720" rIns="91440" bIns="45720" numCol="1" spcCol="0" rtlCol="0" fromWordArt="0" anchor="ctr" anchorCtr="0" forceAA="0" compatLnSpc="1">
-              <a:prstTxWarp prst="textNoShape">
-                <a:avLst/>
-              </a:prstTxWarp>
               <a:noAutofit/>
             </a:bodyPr>
             <a:lstStyle/>
@@ -31554,13 +30192,7 @@
         </p:sp>
         <p:sp>
           <p:nvSpPr>
-            <p:cNvPr id="44" name="箭头: 下 43">
-              <a:extLst>
-                <a:ext uri="{FF2B5EF4-FFF2-40B4-BE49-F238E27FC236}">
-                  <a16:creationId xmlns:a16="http://schemas.microsoft.com/office/drawing/2014/main" id="{72FF5866-AD5C-4497-AC33-8066F2C7C26B}"/>
-                </a:ext>
-              </a:extLst>
-            </p:cNvPr>
+            <p:cNvPr id="44" name="箭头: 下 43"/>
             <p:cNvSpPr/>
             <p:nvPr/>
           </p:nvSpPr>
@@ -31594,9 +30226,6 @@
           </p:style>
           <p:txBody>
             <a:bodyPr rot="0" spcFirstLastPara="0" vertOverflow="overflow" horzOverflow="overflow" vert="horz" wrap="square" lIns="91440" tIns="45720" rIns="91440" bIns="45720" numCol="1" spcCol="0" rtlCol="0" fromWordArt="0" anchor="ctr" anchorCtr="0" forceAA="0" compatLnSpc="1">
-              <a:prstTxWarp prst="textNoShape">
-                <a:avLst/>
-              </a:prstTxWarp>
               <a:noAutofit/>
             </a:bodyPr>
             <a:lstStyle/>
@@ -31608,13 +30237,7 @@
         </p:sp>
         <p:sp>
           <p:nvSpPr>
-            <p:cNvPr id="75" name="矩形: 圆角 74">
-              <a:extLst>
-                <a:ext uri="{FF2B5EF4-FFF2-40B4-BE49-F238E27FC236}">
-                  <a16:creationId xmlns:a16="http://schemas.microsoft.com/office/drawing/2014/main" id="{D9B7ACA2-758F-44DE-B76F-EB5612D04E08}"/>
-                </a:ext>
-              </a:extLst>
-            </p:cNvPr>
+            <p:cNvPr id="75" name="矩形: 圆角 74"/>
             <p:cNvSpPr/>
             <p:nvPr/>
           </p:nvSpPr>
@@ -31626,7 +30249,6 @@
             <a:prstGeom prst="roundRect">
               <a:avLst/>
             </a:prstGeom>
-            <a:ln/>
           </p:spPr>
           <p:style>
             <a:lnRef idx="0">
@@ -31644,9 +30266,6 @@
           </p:style>
           <p:txBody>
             <a:bodyPr rot="0" spcFirstLastPara="0" vertOverflow="overflow" horzOverflow="overflow" vert="horz" wrap="square" lIns="91440" tIns="45720" rIns="91440" bIns="45720" numCol="1" spcCol="0" rtlCol="0" fromWordArt="0" anchor="ctr" anchorCtr="0" forceAA="0" compatLnSpc="1">
-              <a:prstTxWarp prst="textNoShape">
-                <a:avLst/>
-              </a:prstTxWarp>
               <a:noAutofit/>
             </a:bodyPr>
             <a:lstStyle/>
@@ -31674,13 +30293,7 @@
         </p:sp>
         <p:sp>
           <p:nvSpPr>
-            <p:cNvPr id="76" name="矩形: 圆角 75">
-              <a:extLst>
-                <a:ext uri="{FF2B5EF4-FFF2-40B4-BE49-F238E27FC236}">
-                  <a16:creationId xmlns:a16="http://schemas.microsoft.com/office/drawing/2014/main" id="{5F7EBBA8-3525-41A1-80D2-BFBB4F2812FD}"/>
-                </a:ext>
-              </a:extLst>
-            </p:cNvPr>
+            <p:cNvPr id="76" name="矩形: 圆角 75"/>
             <p:cNvSpPr/>
             <p:nvPr/>
           </p:nvSpPr>
@@ -31692,7 +30305,6 @@
             <a:prstGeom prst="roundRect">
               <a:avLst/>
             </a:prstGeom>
-            <a:ln/>
           </p:spPr>
           <p:style>
             <a:lnRef idx="0">
@@ -31710,9 +30322,6 @@
           </p:style>
           <p:txBody>
             <a:bodyPr rot="0" spcFirstLastPara="0" vertOverflow="overflow" horzOverflow="overflow" vert="horz" wrap="square" lIns="91440" tIns="45720" rIns="91440" bIns="45720" numCol="1" spcCol="0" rtlCol="0" fromWordArt="0" anchor="ctr" anchorCtr="0" forceAA="0" compatLnSpc="1">
-              <a:prstTxWarp prst="textNoShape">
-                <a:avLst/>
-              </a:prstTxWarp>
               <a:noAutofit/>
             </a:bodyPr>
             <a:lstStyle/>
@@ -31744,13 +30353,7 @@
         </p:sp>
         <p:sp>
           <p:nvSpPr>
-            <p:cNvPr id="79" name="矩形: 圆角 78">
-              <a:extLst>
-                <a:ext uri="{FF2B5EF4-FFF2-40B4-BE49-F238E27FC236}">
-                  <a16:creationId xmlns:a16="http://schemas.microsoft.com/office/drawing/2014/main" id="{24C89A25-51AF-42F2-9A02-2F15F6504381}"/>
-                </a:ext>
-              </a:extLst>
-            </p:cNvPr>
+            <p:cNvPr id="79" name="矩形: 圆角 78"/>
             <p:cNvSpPr/>
             <p:nvPr/>
           </p:nvSpPr>
@@ -31762,7 +30365,6 @@
             <a:prstGeom prst="roundRect">
               <a:avLst/>
             </a:prstGeom>
-            <a:ln/>
           </p:spPr>
           <p:style>
             <a:lnRef idx="0">
@@ -31780,9 +30382,6 @@
           </p:style>
           <p:txBody>
             <a:bodyPr rot="0" spcFirstLastPara="0" vertOverflow="overflow" horzOverflow="overflow" vert="horz" wrap="square" lIns="91440" tIns="45720" rIns="91440" bIns="45720" numCol="1" spcCol="0" rtlCol="0" fromWordArt="0" anchor="ctr" anchorCtr="0" forceAA="0" compatLnSpc="1">
-              <a:prstTxWarp prst="textNoShape">
-                <a:avLst/>
-              </a:prstTxWarp>
               <a:noAutofit/>
             </a:bodyPr>
             <a:lstStyle/>
@@ -31814,13 +30413,7 @@
         </p:sp>
         <p:sp>
           <p:nvSpPr>
-            <p:cNvPr id="80" name="矩形: 圆角 79">
-              <a:extLst>
-                <a:ext uri="{FF2B5EF4-FFF2-40B4-BE49-F238E27FC236}">
-                  <a16:creationId xmlns:a16="http://schemas.microsoft.com/office/drawing/2014/main" id="{3A26470A-CA05-4785-8954-B3FCDE7554DC}"/>
-                </a:ext>
-              </a:extLst>
-            </p:cNvPr>
+            <p:cNvPr id="80" name="矩形: 圆角 79"/>
             <p:cNvSpPr/>
             <p:nvPr/>
           </p:nvSpPr>
@@ -31832,7 +30425,6 @@
             <a:prstGeom prst="roundRect">
               <a:avLst/>
             </a:prstGeom>
-            <a:ln/>
           </p:spPr>
           <p:style>
             <a:lnRef idx="0">
@@ -31850,9 +30442,6 @@
           </p:style>
           <p:txBody>
             <a:bodyPr rot="0" spcFirstLastPara="0" vertOverflow="overflow" horzOverflow="overflow" vert="horz" wrap="square" lIns="91440" tIns="45720" rIns="91440" bIns="45720" numCol="1" spcCol="0" rtlCol="0" fromWordArt="0" anchor="ctr" anchorCtr="0" forceAA="0" compatLnSpc="1">
-              <a:prstTxWarp prst="textNoShape">
-                <a:avLst/>
-              </a:prstTxWarp>
               <a:noAutofit/>
             </a:bodyPr>
             <a:lstStyle/>
@@ -31885,13 +30474,7 @@
       </p:grpSp>
       <p:sp>
         <p:nvSpPr>
-          <p:cNvPr id="82" name="矩形 81">
-            <a:extLst>
-              <a:ext uri="{FF2B5EF4-FFF2-40B4-BE49-F238E27FC236}">
-                <a16:creationId xmlns:a16="http://schemas.microsoft.com/office/drawing/2014/main" id="{196C843D-38A8-4F1E-BFA8-24EB04475C24}"/>
-              </a:ext>
-            </a:extLst>
-          </p:cNvPr>
+          <p:cNvPr id="82" name="矩形 81"/>
           <p:cNvSpPr/>
           <p:nvPr/>
         </p:nvSpPr>
@@ -31976,13 +30559,7 @@
       </p:sp>
       <p:sp>
         <p:nvSpPr>
-          <p:cNvPr id="84" name="矩形 83">
-            <a:extLst>
-              <a:ext uri="{FF2B5EF4-FFF2-40B4-BE49-F238E27FC236}">
-                <a16:creationId xmlns:a16="http://schemas.microsoft.com/office/drawing/2014/main" id="{71BDD54A-6957-4B19-92B4-913E8D20AC3C}"/>
-              </a:ext>
-            </a:extLst>
-          </p:cNvPr>
+          <p:cNvPr id="84" name="矩形 83"/>
           <p:cNvSpPr/>
           <p:nvPr/>
         </p:nvSpPr>
@@ -32067,13 +30644,7 @@
       </p:sp>
       <p:cxnSp>
         <p:nvCxnSpPr>
-          <p:cNvPr id="90" name="直接连接符 89">
-            <a:extLst>
-              <a:ext uri="{FF2B5EF4-FFF2-40B4-BE49-F238E27FC236}">
-                <a16:creationId xmlns:a16="http://schemas.microsoft.com/office/drawing/2014/main" id="{C12913DD-DEBE-47D4-932E-1A8D7CA5216D}"/>
-              </a:ext>
-            </a:extLst>
-          </p:cNvPr>
+          <p:cNvPr id="90" name="直接连接符 89"/>
           <p:cNvCxnSpPr>
             <a:stCxn id="4" idx="2"/>
           </p:cNvCxnSpPr>
@@ -32113,11 +30684,6 @@
         </p:style>
       </p:cxnSp>
     </p:spTree>
-    <p:extLst>
-      <p:ext uri="{BB962C8B-B14F-4D97-AF65-F5344CB8AC3E}">
-        <p14:creationId xmlns:p14="http://schemas.microsoft.com/office/powerpoint/2010/main" val="1318358944"/>
-      </p:ext>
-    </p:extLst>
   </p:cSld>
   <p:clrMapOvr>
     <a:masterClrMapping/>
@@ -32189,13 +30755,7 @@
       </p:sp>
       <p:pic>
         <p:nvPicPr>
-          <p:cNvPr id="23" name="图片 22">
-            <a:extLst>
-              <a:ext uri="{FF2B5EF4-FFF2-40B4-BE49-F238E27FC236}">
-                <a16:creationId xmlns:a16="http://schemas.microsoft.com/office/drawing/2014/main" id="{C6FDFE7F-3D57-4369-8215-E33DFFC2F6D3}"/>
-              </a:ext>
-            </a:extLst>
-          </p:cNvPr>
+          <p:cNvPr id="23" name="图片 22"/>
           <p:cNvPicPr>
             <a:picLocks noChangeAspect="1"/>
           </p:cNvPicPr>
@@ -32240,13 +30800,7 @@
       </p:pic>
       <p:sp>
         <p:nvSpPr>
-          <p:cNvPr id="24" name="矩形 23">
-            <a:extLst>
-              <a:ext uri="{FF2B5EF4-FFF2-40B4-BE49-F238E27FC236}">
-                <a16:creationId xmlns:a16="http://schemas.microsoft.com/office/drawing/2014/main" id="{73931992-2BE6-4642-B813-BB97A8F30C50}"/>
-              </a:ext>
-            </a:extLst>
-          </p:cNvPr>
+          <p:cNvPr id="24" name="矩形 23"/>
           <p:cNvSpPr/>
           <p:nvPr/>
         </p:nvSpPr>
@@ -32328,11 +30882,6 @@
         </p:txBody>
       </p:sp>
     </p:spTree>
-    <p:extLst>
-      <p:ext uri="{BB962C8B-B14F-4D97-AF65-F5344CB8AC3E}">
-        <p14:creationId xmlns:p14="http://schemas.microsoft.com/office/powerpoint/2010/main" val="1886821228"/>
-      </p:ext>
-    </p:extLst>
   </p:cSld>
   <p:clrMapOvr>
     <a:masterClrMapping/>
@@ -32371,13 +30920,7 @@
       </p:grpSpPr>
       <p:sp>
         <p:nvSpPr>
-          <p:cNvPr id="2" name="文本占位符 1">
-            <a:extLst>
-              <a:ext uri="{FF2B5EF4-FFF2-40B4-BE49-F238E27FC236}">
-                <a16:creationId xmlns:a16="http://schemas.microsoft.com/office/drawing/2014/main" id="{AC6FD9C9-B568-49B4-BCFB-71395CAB2239}"/>
-              </a:ext>
-            </a:extLst>
-          </p:cNvPr>
+          <p:cNvPr id="2" name="文本占位符 1"/>
           <p:cNvSpPr>
             <a:spLocks noGrp="1"/>
           </p:cNvSpPr>
@@ -32400,13 +30943,7 @@
       </p:sp>
       <p:sp>
         <p:nvSpPr>
-          <p:cNvPr id="3" name="文本占位符 2">
-            <a:extLst>
-              <a:ext uri="{FF2B5EF4-FFF2-40B4-BE49-F238E27FC236}">
-                <a16:creationId xmlns:a16="http://schemas.microsoft.com/office/drawing/2014/main" id="{CF734E70-5884-4103-A5CA-38639B166240}"/>
-              </a:ext>
-            </a:extLst>
-          </p:cNvPr>
+          <p:cNvPr id="3" name="文本占位符 2"/>
           <p:cNvSpPr>
             <a:spLocks noGrp="1"/>
           </p:cNvSpPr>
@@ -32428,13 +30965,7 @@
       </p:sp>
       <p:pic>
         <p:nvPicPr>
-          <p:cNvPr id="14" name="图片 13">
-            <a:extLst>
-              <a:ext uri="{FF2B5EF4-FFF2-40B4-BE49-F238E27FC236}">
-                <a16:creationId xmlns:a16="http://schemas.microsoft.com/office/drawing/2014/main" id="{4AA3BF68-A3E9-4160-A01D-55CE46751400}"/>
-              </a:ext>
-            </a:extLst>
-          </p:cNvPr>
+          <p:cNvPr id="14" name="图片 13"/>
           <p:cNvPicPr>
             <a:picLocks noChangeAspect="1"/>
           </p:cNvPicPr>
@@ -32458,13 +30989,7 @@
       </p:pic>
       <p:pic>
         <p:nvPicPr>
-          <p:cNvPr id="18" name="图片 17">
-            <a:extLst>
-              <a:ext uri="{FF2B5EF4-FFF2-40B4-BE49-F238E27FC236}">
-                <a16:creationId xmlns:a16="http://schemas.microsoft.com/office/drawing/2014/main" id="{68DFBB06-C81C-4CB6-BD2C-062FA69541BB}"/>
-              </a:ext>
-            </a:extLst>
-          </p:cNvPr>
+          <p:cNvPr id="18" name="图片 17"/>
           <p:cNvPicPr>
             <a:picLocks noChangeAspect="1"/>
           </p:cNvPicPr>
@@ -32488,13 +31013,7 @@
       </p:pic>
       <p:grpSp>
         <p:nvGrpSpPr>
-          <p:cNvPr id="29" name="组合 28">
-            <a:extLst>
-              <a:ext uri="{FF2B5EF4-FFF2-40B4-BE49-F238E27FC236}">
-                <a16:creationId xmlns:a16="http://schemas.microsoft.com/office/drawing/2014/main" id="{7B647045-D3E5-4D3B-BC44-CBF8976EF306}"/>
-              </a:ext>
-            </a:extLst>
-          </p:cNvPr>
+          <p:cNvPr id="29" name="组合 28"/>
           <p:cNvGrpSpPr/>
           <p:nvPr/>
         </p:nvGrpSpPr>
@@ -32508,13 +31027,7 @@
         </p:grpSpPr>
         <p:pic>
           <p:nvPicPr>
-            <p:cNvPr id="16" name="图片 15">
-              <a:extLst>
-                <a:ext uri="{FF2B5EF4-FFF2-40B4-BE49-F238E27FC236}">
-                  <a16:creationId xmlns:a16="http://schemas.microsoft.com/office/drawing/2014/main" id="{9A11B64C-36C1-42B5-8D68-27AE12CD80D9}"/>
-                </a:ext>
-              </a:extLst>
-            </p:cNvPr>
+            <p:cNvPr id="16" name="图片 15"/>
             <p:cNvPicPr>
               <a:picLocks noChangeAspect="1"/>
             </p:cNvPicPr>
@@ -32541,13 +31054,7 @@
         </p:pic>
         <p:grpSp>
           <p:nvGrpSpPr>
-            <p:cNvPr id="20" name="组合 19">
-              <a:extLst>
-                <a:ext uri="{FF2B5EF4-FFF2-40B4-BE49-F238E27FC236}">
-                  <a16:creationId xmlns:a16="http://schemas.microsoft.com/office/drawing/2014/main" id="{3D8A2018-04A6-4D17-A43A-26FCC0D0EC1D}"/>
-                </a:ext>
-              </a:extLst>
-            </p:cNvPr>
+            <p:cNvPr id="20" name="组合 19"/>
             <p:cNvGrpSpPr/>
             <p:nvPr/>
           </p:nvGrpSpPr>
@@ -32561,13 +31068,7 @@
           </p:grpSpPr>
           <p:sp>
             <p:nvSpPr>
-              <p:cNvPr id="21" name="矩形 20">
-                <a:extLst>
-                  <a:ext uri="{FF2B5EF4-FFF2-40B4-BE49-F238E27FC236}">
-                    <a16:creationId xmlns:a16="http://schemas.microsoft.com/office/drawing/2014/main" id="{E8FD19F2-0AAC-4519-B6D7-3046941A6ED8}"/>
-                  </a:ext>
-                </a:extLst>
-              </p:cNvPr>
+              <p:cNvPr id="21" name="矩形 20"/>
               <p:cNvSpPr/>
               <p:nvPr/>
             </p:nvSpPr>
@@ -32623,13 +31124,7 @@
           </p:sp>
           <p:sp>
             <p:nvSpPr>
-              <p:cNvPr id="22" name="文本框 21">
-                <a:extLst>
-                  <a:ext uri="{FF2B5EF4-FFF2-40B4-BE49-F238E27FC236}">
-                    <a16:creationId xmlns:a16="http://schemas.microsoft.com/office/drawing/2014/main" id="{E80F465B-E8B0-4C0E-892D-EBBE5F603553}"/>
-                  </a:ext>
-                </a:extLst>
-              </p:cNvPr>
+              <p:cNvPr id="22" name="文本框 21"/>
               <p:cNvSpPr txBox="1"/>
               <p:nvPr/>
             </p:nvSpPr>
@@ -32693,13 +31188,7 @@
       </p:grpSp>
       <p:grpSp>
         <p:nvGrpSpPr>
-          <p:cNvPr id="23" name="组合 22">
-            <a:extLst>
-              <a:ext uri="{FF2B5EF4-FFF2-40B4-BE49-F238E27FC236}">
-                <a16:creationId xmlns:a16="http://schemas.microsoft.com/office/drawing/2014/main" id="{2097FC93-D112-493E-B1EF-D83B282F9356}"/>
-              </a:ext>
-            </a:extLst>
-          </p:cNvPr>
+          <p:cNvPr id="23" name="组合 22"/>
           <p:cNvGrpSpPr/>
           <p:nvPr/>
         </p:nvGrpSpPr>
@@ -32713,13 +31202,7 @@
         </p:grpSpPr>
         <p:sp>
           <p:nvSpPr>
-            <p:cNvPr id="24" name="矩形 23">
-              <a:extLst>
-                <a:ext uri="{FF2B5EF4-FFF2-40B4-BE49-F238E27FC236}">
-                  <a16:creationId xmlns:a16="http://schemas.microsoft.com/office/drawing/2014/main" id="{B1AA20BE-CF1C-485F-975F-4599C54CF295}"/>
-                </a:ext>
-              </a:extLst>
-            </p:cNvPr>
+            <p:cNvPr id="24" name="矩形 23"/>
             <p:cNvSpPr/>
             <p:nvPr/>
           </p:nvSpPr>
@@ -32772,13 +31255,7 @@
         </p:sp>
         <p:sp>
           <p:nvSpPr>
-            <p:cNvPr id="25" name="文本框 24">
-              <a:extLst>
-                <a:ext uri="{FF2B5EF4-FFF2-40B4-BE49-F238E27FC236}">
-                  <a16:creationId xmlns:a16="http://schemas.microsoft.com/office/drawing/2014/main" id="{1871388F-4AA4-49F8-BA8A-999EACC90F9B}"/>
-                </a:ext>
-              </a:extLst>
-            </p:cNvPr>
+            <p:cNvPr id="25" name="文本框 24"/>
             <p:cNvSpPr txBox="1"/>
             <p:nvPr/>
           </p:nvSpPr>
@@ -32838,8 +31315,8 @@
                       <a:alphaOff val="0"/>
                     </a:srgbClr>
                   </a:solidFill>
-                  <a:latin typeface="Century Gothic"/>
-                  <a:ea typeface="微软雅黑"/>
+                  <a:latin typeface="Century Gothic" panose="020B0502020202020204"/>
+                  <a:ea typeface="微软雅黑" panose="020B0503020204020204" charset="-122"/>
                   <a:cs typeface="+mn-cs"/>
                 </a:rPr>
                 <a:t>损失函数</a:t>
@@ -32850,13 +31327,7 @@
       </p:grpSp>
       <p:grpSp>
         <p:nvGrpSpPr>
-          <p:cNvPr id="26" name="组合 25">
-            <a:extLst>
-              <a:ext uri="{FF2B5EF4-FFF2-40B4-BE49-F238E27FC236}">
-                <a16:creationId xmlns:a16="http://schemas.microsoft.com/office/drawing/2014/main" id="{9985E104-623D-42F4-8D30-38EFED62B987}"/>
-              </a:ext>
-            </a:extLst>
-          </p:cNvPr>
+          <p:cNvPr id="26" name="组合 25"/>
           <p:cNvGrpSpPr/>
           <p:nvPr/>
         </p:nvGrpSpPr>
@@ -32870,13 +31341,7 @@
         </p:grpSpPr>
         <p:sp>
           <p:nvSpPr>
-            <p:cNvPr id="27" name="矩形 26">
-              <a:extLst>
-                <a:ext uri="{FF2B5EF4-FFF2-40B4-BE49-F238E27FC236}">
-                  <a16:creationId xmlns:a16="http://schemas.microsoft.com/office/drawing/2014/main" id="{B84602CD-A464-4E30-9898-0F1A4BAB6B58}"/>
-                </a:ext>
-              </a:extLst>
-            </p:cNvPr>
+            <p:cNvPr id="27" name="矩形 26"/>
             <p:cNvSpPr/>
             <p:nvPr/>
           </p:nvSpPr>
@@ -32929,13 +31394,7 @@
         </p:sp>
         <p:sp>
           <p:nvSpPr>
-            <p:cNvPr id="28" name="文本框 27">
-              <a:extLst>
-                <a:ext uri="{FF2B5EF4-FFF2-40B4-BE49-F238E27FC236}">
-                  <a16:creationId xmlns:a16="http://schemas.microsoft.com/office/drawing/2014/main" id="{4C6C12BA-D879-4B6A-8D17-25F5DDE3157F}"/>
-                </a:ext>
-              </a:extLst>
-            </p:cNvPr>
+            <p:cNvPr id="28" name="文本框 27"/>
             <p:cNvSpPr txBox="1"/>
             <p:nvPr/>
           </p:nvSpPr>
@@ -32995,13 +31454,7 @@
       </p:grpSp>
       <p:sp>
         <p:nvSpPr>
-          <p:cNvPr id="30" name="矩形 29">
-            <a:extLst>
-              <a:ext uri="{FF2B5EF4-FFF2-40B4-BE49-F238E27FC236}">
-                <a16:creationId xmlns:a16="http://schemas.microsoft.com/office/drawing/2014/main" id="{7804D0E3-1E7B-40CC-9263-05380C3CE0AF}"/>
-              </a:ext>
-            </a:extLst>
-          </p:cNvPr>
+          <p:cNvPr id="30" name="矩形 29"/>
           <p:cNvSpPr/>
           <p:nvPr/>
         </p:nvSpPr>
@@ -33066,9 +31519,6 @@
         </p:style>
         <p:txBody>
           <a:bodyPr rot="0" spcFirstLastPara="0" vertOverflow="overflow" horzOverflow="overflow" vert="horz" wrap="square" lIns="91440" tIns="45720" rIns="91440" bIns="45720" numCol="1" spcCol="0" rtlCol="0" fromWordArt="0" anchor="ctr" anchorCtr="0" forceAA="0" compatLnSpc="1">
-            <a:prstTxWarp prst="textNoShape">
-              <a:avLst/>
-            </a:prstTxWarp>
             <a:noAutofit/>
           </a:bodyPr>
           <a:lstStyle/>
@@ -33080,13 +31530,7 @@
       </p:sp>
       <p:sp>
         <p:nvSpPr>
-          <p:cNvPr id="31" name="矩形 30">
-            <a:extLst>
-              <a:ext uri="{FF2B5EF4-FFF2-40B4-BE49-F238E27FC236}">
-                <a16:creationId xmlns:a16="http://schemas.microsoft.com/office/drawing/2014/main" id="{5E452D45-EA86-4073-844A-2DBA2BCD64B1}"/>
-              </a:ext>
-            </a:extLst>
-          </p:cNvPr>
+          <p:cNvPr id="31" name="矩形 30"/>
           <p:cNvSpPr/>
           <p:nvPr/>
         </p:nvSpPr>
@@ -33151,9 +31595,6 @@
         </p:style>
         <p:txBody>
           <a:bodyPr rot="0" spcFirstLastPara="0" vertOverflow="overflow" horzOverflow="overflow" vert="horz" wrap="square" lIns="91440" tIns="45720" rIns="91440" bIns="45720" numCol="1" spcCol="0" rtlCol="0" fromWordArt="0" anchor="ctr" anchorCtr="0" forceAA="0" compatLnSpc="1">
-            <a:prstTxWarp prst="textNoShape">
-              <a:avLst/>
-            </a:prstTxWarp>
             <a:noAutofit/>
           </a:bodyPr>
           <a:lstStyle/>
@@ -33165,13 +31606,7 @@
       </p:sp>
       <p:sp>
         <p:nvSpPr>
-          <p:cNvPr id="32" name="矩形 31">
-            <a:extLst>
-              <a:ext uri="{FF2B5EF4-FFF2-40B4-BE49-F238E27FC236}">
-                <a16:creationId xmlns:a16="http://schemas.microsoft.com/office/drawing/2014/main" id="{F80789D3-49D0-4AFE-AEB7-0518D289B529}"/>
-              </a:ext>
-            </a:extLst>
-          </p:cNvPr>
+          <p:cNvPr id="32" name="矩形 31"/>
           <p:cNvSpPr/>
           <p:nvPr/>
         </p:nvSpPr>
@@ -33236,9 +31671,6 @@
         </p:style>
         <p:txBody>
           <a:bodyPr rot="0" spcFirstLastPara="0" vertOverflow="overflow" horzOverflow="overflow" vert="horz" wrap="square" lIns="91440" tIns="45720" rIns="91440" bIns="45720" numCol="1" spcCol="0" rtlCol="0" fromWordArt="0" anchor="ctr" anchorCtr="0" forceAA="0" compatLnSpc="1">
-            <a:prstTxWarp prst="textNoShape">
-              <a:avLst/>
-            </a:prstTxWarp>
             <a:noAutofit/>
           </a:bodyPr>
           <a:lstStyle/>
@@ -33250,13 +31682,7 @@
       </p:sp>
       <p:sp>
         <p:nvSpPr>
-          <p:cNvPr id="33" name="矩形 32">
-            <a:extLst>
-              <a:ext uri="{FF2B5EF4-FFF2-40B4-BE49-F238E27FC236}">
-                <a16:creationId xmlns:a16="http://schemas.microsoft.com/office/drawing/2014/main" id="{B16116F4-52E3-4BF9-848F-A88F15AC7B71}"/>
-              </a:ext>
-            </a:extLst>
-          </p:cNvPr>
+          <p:cNvPr id="33" name="矩形 32"/>
           <p:cNvSpPr/>
           <p:nvPr/>
         </p:nvSpPr>
@@ -33353,11 +31779,6 @@
         </p:txBody>
       </p:sp>
     </p:spTree>
-    <p:extLst>
-      <p:ext uri="{BB962C8B-B14F-4D97-AF65-F5344CB8AC3E}">
-        <p14:creationId xmlns:p14="http://schemas.microsoft.com/office/powerpoint/2010/main" val="344024452"/>
-      </p:ext>
-    </p:extLst>
   </p:cSld>
   <p:clrMapOvr>
     <a:masterClrMapping/>
@@ -33384,23 +31805,11 @@
       </p:grpSpPr>
       <p:graphicFrame>
         <p:nvGraphicFramePr>
-          <p:cNvPr id="3" name="表格 2">
-            <a:extLst>
-              <a:ext uri="{FF2B5EF4-FFF2-40B4-BE49-F238E27FC236}">
-                <a16:creationId xmlns:a16="http://schemas.microsoft.com/office/drawing/2014/main" id="{9BA23730-5777-4E92-BCEE-1B87200CEA53}"/>
-              </a:ext>
-            </a:extLst>
-          </p:cNvPr>
+          <p:cNvPr id="3" name="表格 2"/>
           <p:cNvGraphicFramePr>
             <a:graphicFrameLocks noGrp="1"/>
           </p:cNvGraphicFramePr>
-          <p:nvPr>
-            <p:extLst>
-              <p:ext uri="{D42A27DB-BD31-4B8C-83A1-F6EECF244321}">
-                <p14:modId xmlns:p14="http://schemas.microsoft.com/office/powerpoint/2010/main" val="2821647816"/>
-              </p:ext>
-            </p:extLst>
-          </p:nvPr>
+          <p:nvPr/>
         </p:nvGraphicFramePr>
         <p:xfrm>
           <a:off x="1051751" y="1372887"/>
@@ -33416,21 +31825,21 @@
                 <a:gridCol w="3362832">
                   <a:extLst>
                     <a:ext uri="{9D8B030D-6E8A-4147-A177-3AD203B41FA5}">
-                      <a16:colId xmlns:a16="http://schemas.microsoft.com/office/drawing/2014/main" val="2196419986"/>
+                      <a16:colId xmlns:a16="http://schemas.microsoft.com/office/drawing/2014/main" val="20000"/>
                     </a:ext>
                   </a:extLst>
                 </a:gridCol>
                 <a:gridCol w="3362832">
                   <a:extLst>
                     <a:ext uri="{9D8B030D-6E8A-4147-A177-3AD203B41FA5}">
-                      <a16:colId xmlns:a16="http://schemas.microsoft.com/office/drawing/2014/main" val="1018215179"/>
+                      <a16:colId xmlns:a16="http://schemas.microsoft.com/office/drawing/2014/main" val="20001"/>
                     </a:ext>
                   </a:extLst>
                 </a:gridCol>
                 <a:gridCol w="3362832">
                   <a:extLst>
                     <a:ext uri="{9D8B030D-6E8A-4147-A177-3AD203B41FA5}">
-                      <a16:colId xmlns:a16="http://schemas.microsoft.com/office/drawing/2014/main" val="3790355281"/>
+                      <a16:colId xmlns:a16="http://schemas.microsoft.com/office/drawing/2014/main" val="20002"/>
                     </a:ext>
                   </a:extLst>
                 </a:gridCol>
@@ -33525,7 +31934,7 @@
                 </a:tc>
                 <a:extLst>
                   <a:ext uri="{0D108BD9-81ED-4DB2-BD59-A6C34878D82A}">
-                    <a16:rowId xmlns:a16="http://schemas.microsoft.com/office/drawing/2014/main" val="451585091"/>
+                    <a16:rowId xmlns:a16="http://schemas.microsoft.com/office/drawing/2014/main" val="10000"/>
                   </a:ext>
                 </a:extLst>
               </a:tr>
@@ -33622,7 +32031,7 @@
                 </a:tc>
                 <a:extLst>
                   <a:ext uri="{0D108BD9-81ED-4DB2-BD59-A6C34878D82A}">
-                    <a16:rowId xmlns:a16="http://schemas.microsoft.com/office/drawing/2014/main" val="1930817981"/>
+                    <a16:rowId xmlns:a16="http://schemas.microsoft.com/office/drawing/2014/main" val="10001"/>
                   </a:ext>
                 </a:extLst>
               </a:tr>
@@ -33722,7 +32131,7 @@
                 </a:tc>
                 <a:extLst>
                   <a:ext uri="{0D108BD9-81ED-4DB2-BD59-A6C34878D82A}">
-                    <a16:rowId xmlns:a16="http://schemas.microsoft.com/office/drawing/2014/main" val="1261778124"/>
+                    <a16:rowId xmlns:a16="http://schemas.microsoft.com/office/drawing/2014/main" val="10002"/>
                   </a:ext>
                 </a:extLst>
               </a:tr>
@@ -33822,7 +32231,7 @@
                 </a:tc>
                 <a:extLst>
                   <a:ext uri="{0D108BD9-81ED-4DB2-BD59-A6C34878D82A}">
-                    <a16:rowId xmlns:a16="http://schemas.microsoft.com/office/drawing/2014/main" val="2720544013"/>
+                    <a16:rowId xmlns:a16="http://schemas.microsoft.com/office/drawing/2014/main" val="10003"/>
                   </a:ext>
                 </a:extLst>
               </a:tr>
@@ -33922,7 +32331,7 @@
                 </a:tc>
                 <a:extLst>
                   <a:ext uri="{0D108BD9-81ED-4DB2-BD59-A6C34878D82A}">
-                    <a16:rowId xmlns:a16="http://schemas.microsoft.com/office/drawing/2014/main" val="1152758905"/>
+                    <a16:rowId xmlns:a16="http://schemas.microsoft.com/office/drawing/2014/main" val="10004"/>
                   </a:ext>
                 </a:extLst>
               </a:tr>
@@ -34022,7 +32431,7 @@
                 </a:tc>
                 <a:extLst>
                   <a:ext uri="{0D108BD9-81ED-4DB2-BD59-A6C34878D82A}">
-                    <a16:rowId xmlns:a16="http://schemas.microsoft.com/office/drawing/2014/main" val="2129678039"/>
+                    <a16:rowId xmlns:a16="http://schemas.microsoft.com/office/drawing/2014/main" val="10005"/>
                   </a:ext>
                 </a:extLst>
               </a:tr>
@@ -34122,7 +32531,7 @@
                 </a:tc>
                 <a:extLst>
                   <a:ext uri="{0D108BD9-81ED-4DB2-BD59-A6C34878D82A}">
-                    <a16:rowId xmlns:a16="http://schemas.microsoft.com/office/drawing/2014/main" val="1436851236"/>
+                    <a16:rowId xmlns:a16="http://schemas.microsoft.com/office/drawing/2014/main" val="10006"/>
                   </a:ext>
                 </a:extLst>
               </a:tr>
@@ -34132,13 +32541,7 @@
       </p:graphicFrame>
       <p:sp>
         <p:nvSpPr>
-          <p:cNvPr id="4" name="矩形 3">
-            <a:extLst>
-              <a:ext uri="{FF2B5EF4-FFF2-40B4-BE49-F238E27FC236}">
-                <a16:creationId xmlns:a16="http://schemas.microsoft.com/office/drawing/2014/main" id="{43319B44-ED35-4563-A5B0-A13A3F901FE8}"/>
-              </a:ext>
-            </a:extLst>
-          </p:cNvPr>
+          <p:cNvPr id="4" name="矩形 3"/>
           <p:cNvSpPr/>
           <p:nvPr/>
         </p:nvSpPr>
@@ -34169,7 +32572,6 @@
           <a:p>
             <a:r>
               <a:rPr lang="en-US" altLang="zh-CN" sz="2400" b="1" dirty="0" err="1">
-                <a:ln/>
                 <a:solidFill>
                   <a:schemeClr val="accent4"/>
                 </a:solidFill>
@@ -34178,7 +32580,6 @@
             </a:r>
             <a:r>
               <a:rPr lang="zh-CN" altLang="en-US" sz="2400" b="1" dirty="0">
-                <a:ln/>
                 <a:solidFill>
                   <a:schemeClr val="accent4"/>
                 </a:solidFill>
@@ -34187,7 +32588,6 @@
             </a:r>
             <a:r>
               <a:rPr lang="en-US" altLang="zh-CN" sz="2400" b="1" dirty="0">
-                <a:ln/>
                 <a:solidFill>
                   <a:schemeClr val="accent4"/>
                 </a:solidFill>
@@ -34196,7 +32596,6 @@
             </a:r>
             <a:r>
               <a:rPr lang="zh-CN" altLang="en-US" sz="2400" b="1" dirty="0">
-                <a:ln/>
                 <a:solidFill>
                   <a:schemeClr val="accent4"/>
                 </a:solidFill>
@@ -34205,7 +32604,6 @@
             </a:r>
             <a:r>
               <a:rPr lang="en-US" altLang="zh-CN" sz="2400" b="1" dirty="0">
-                <a:ln/>
                 <a:solidFill>
                   <a:schemeClr val="accent4"/>
                 </a:solidFill>
@@ -34214,7 +32612,6 @@
             </a:r>
             <a:r>
               <a:rPr lang="zh-CN" altLang="en-US" sz="2400" b="1" dirty="0">
-                <a:ln/>
                 <a:solidFill>
                   <a:schemeClr val="accent4"/>
                 </a:solidFill>
@@ -34225,11 +32622,6 @@
         </p:txBody>
       </p:sp>
     </p:spTree>
-    <p:extLst>
-      <p:ext uri="{BB962C8B-B14F-4D97-AF65-F5344CB8AC3E}">
-        <p14:creationId xmlns:p14="http://schemas.microsoft.com/office/powerpoint/2010/main" val="1589631316"/>
-      </p:ext>
-    </p:extLst>
   </p:cSld>
   <p:clrMapOvr>
     <a:masterClrMapping/>
@@ -34256,13 +32648,7 @@
       </p:grpSpPr>
       <p:sp>
         <p:nvSpPr>
-          <p:cNvPr id="4" name="文本框 3">
-            <a:extLst>
-              <a:ext uri="{FF2B5EF4-FFF2-40B4-BE49-F238E27FC236}">
-                <a16:creationId xmlns:a16="http://schemas.microsoft.com/office/drawing/2014/main" id="{BD5A59A7-BF1F-4619-A47E-85ACDF2CCB7D}"/>
-              </a:ext>
-            </a:extLst>
-          </p:cNvPr>
+          <p:cNvPr id="4" name="文本框 3"/>
           <p:cNvSpPr txBox="1"/>
           <p:nvPr/>
         </p:nvSpPr>
@@ -34311,13 +32697,7 @@
       </p:sp>
       <p:grpSp>
         <p:nvGrpSpPr>
-          <p:cNvPr id="29" name="组合 28">
-            <a:extLst>
-              <a:ext uri="{FF2B5EF4-FFF2-40B4-BE49-F238E27FC236}">
-                <a16:creationId xmlns:a16="http://schemas.microsoft.com/office/drawing/2014/main" id="{20C28FB6-98AD-424B-852A-E760158DE273}"/>
-              </a:ext>
-            </a:extLst>
-          </p:cNvPr>
+          <p:cNvPr id="29" name="组合 28"/>
           <p:cNvGrpSpPr/>
           <p:nvPr/>
         </p:nvGrpSpPr>
@@ -34331,13 +32711,7 @@
         </p:grpSpPr>
         <p:sp>
           <p:nvSpPr>
-            <p:cNvPr id="5" name="矩形: 圆角 4">
-              <a:extLst>
-                <a:ext uri="{FF2B5EF4-FFF2-40B4-BE49-F238E27FC236}">
-                  <a16:creationId xmlns:a16="http://schemas.microsoft.com/office/drawing/2014/main" id="{3372ACCB-164A-4CE1-87B8-06E7CE3FCD69}"/>
-                </a:ext>
-              </a:extLst>
-            </p:cNvPr>
+            <p:cNvPr id="5" name="矩形: 圆角 4"/>
             <p:cNvSpPr/>
             <p:nvPr/>
           </p:nvSpPr>
@@ -34349,7 +32723,6 @@
             <a:prstGeom prst="roundRect">
               <a:avLst/>
             </a:prstGeom>
-            <a:ln/>
           </p:spPr>
           <p:style>
             <a:lnRef idx="2">
@@ -34367,9 +32740,6 @@
           </p:style>
           <p:txBody>
             <a:bodyPr rot="0" spcFirstLastPara="0" vertOverflow="overflow" horzOverflow="overflow" vert="horz" wrap="square" lIns="91440" tIns="45720" rIns="91440" bIns="45720" numCol="1" spcCol="0" rtlCol="0" fromWordArt="0" anchor="ctr" anchorCtr="0" forceAA="0" compatLnSpc="1">
-              <a:prstTxWarp prst="textNoShape">
-                <a:avLst/>
-              </a:prstTxWarp>
               <a:noAutofit/>
             </a:bodyPr>
             <a:lstStyle/>
@@ -34384,13 +32754,7 @@
         </p:sp>
         <p:sp>
           <p:nvSpPr>
-            <p:cNvPr id="6" name="矩形: 圆角 5">
-              <a:extLst>
-                <a:ext uri="{FF2B5EF4-FFF2-40B4-BE49-F238E27FC236}">
-                  <a16:creationId xmlns:a16="http://schemas.microsoft.com/office/drawing/2014/main" id="{721C60A0-6347-4AC0-B45A-F44509DD6EE9}"/>
-                </a:ext>
-              </a:extLst>
-            </p:cNvPr>
+            <p:cNvPr id="6" name="矩形: 圆角 5"/>
             <p:cNvSpPr/>
             <p:nvPr/>
           </p:nvSpPr>
@@ -34402,7 +32766,6 @@
             <a:prstGeom prst="roundRect">
               <a:avLst/>
             </a:prstGeom>
-            <a:ln/>
           </p:spPr>
           <p:style>
             <a:lnRef idx="0">
@@ -34420,9 +32783,6 @@
           </p:style>
           <p:txBody>
             <a:bodyPr rot="0" spcFirstLastPara="0" vertOverflow="overflow" horzOverflow="overflow" vert="horz" wrap="square" lIns="91440" tIns="45720" rIns="91440" bIns="45720" numCol="1" spcCol="0" rtlCol="0" fromWordArt="0" anchor="ctr" anchorCtr="0" forceAA="0" compatLnSpc="1">
-              <a:prstTxWarp prst="textNoShape">
-                <a:avLst/>
-              </a:prstTxWarp>
               <a:noAutofit/>
             </a:bodyPr>
             <a:lstStyle/>
@@ -34446,13 +32806,7 @@
         </p:sp>
         <p:sp>
           <p:nvSpPr>
-            <p:cNvPr id="7" name="矩形: 圆角 6">
-              <a:extLst>
-                <a:ext uri="{FF2B5EF4-FFF2-40B4-BE49-F238E27FC236}">
-                  <a16:creationId xmlns:a16="http://schemas.microsoft.com/office/drawing/2014/main" id="{B9E8A73D-1171-46A5-8A54-F34F17408535}"/>
-                </a:ext>
-              </a:extLst>
-            </p:cNvPr>
+            <p:cNvPr id="7" name="矩形: 圆角 6"/>
             <p:cNvSpPr/>
             <p:nvPr/>
           </p:nvSpPr>
@@ -34464,7 +32818,6 @@
             <a:prstGeom prst="roundRect">
               <a:avLst/>
             </a:prstGeom>
-            <a:ln/>
           </p:spPr>
           <p:style>
             <a:lnRef idx="1">
@@ -34482,9 +32835,6 @@
           </p:style>
           <p:txBody>
             <a:bodyPr rot="0" spcFirstLastPara="0" vertOverflow="overflow" horzOverflow="overflow" vert="horz" wrap="square" lIns="91440" tIns="45720" rIns="91440" bIns="45720" numCol="1" spcCol="0" rtlCol="0" fromWordArt="0" anchor="ctr" anchorCtr="0" forceAA="0" compatLnSpc="1">
-              <a:prstTxWarp prst="textNoShape">
-                <a:avLst/>
-              </a:prstTxWarp>
               <a:noAutofit/>
             </a:bodyPr>
             <a:lstStyle/>
@@ -34504,13 +32854,7 @@
         </p:sp>
         <p:sp>
           <p:nvSpPr>
-            <p:cNvPr id="17" name="矩形: 圆角 16">
-              <a:extLst>
-                <a:ext uri="{FF2B5EF4-FFF2-40B4-BE49-F238E27FC236}">
-                  <a16:creationId xmlns:a16="http://schemas.microsoft.com/office/drawing/2014/main" id="{66CB0AF5-63AF-4AE5-9001-EF12C94BBE88}"/>
-                </a:ext>
-              </a:extLst>
-            </p:cNvPr>
+            <p:cNvPr id="17" name="矩形: 圆角 16"/>
             <p:cNvSpPr/>
             <p:nvPr/>
           </p:nvSpPr>
@@ -34522,7 +32866,6 @@
             <a:prstGeom prst="roundRect">
               <a:avLst/>
             </a:prstGeom>
-            <a:ln/>
           </p:spPr>
           <p:style>
             <a:lnRef idx="1">
@@ -34540,9 +32883,6 @@
           </p:style>
           <p:txBody>
             <a:bodyPr rot="0" spcFirstLastPara="0" vertOverflow="overflow" horzOverflow="overflow" vert="horz" wrap="square" lIns="91440" tIns="45720" rIns="91440" bIns="45720" numCol="1" spcCol="0" rtlCol="0" fromWordArt="0" anchor="ctr" anchorCtr="0" forceAA="0" compatLnSpc="1">
-              <a:prstTxWarp prst="textNoShape">
-                <a:avLst/>
-              </a:prstTxWarp>
               <a:noAutofit/>
             </a:bodyPr>
             <a:lstStyle/>
@@ -34578,13 +32918,7 @@
         </p:sp>
         <p:sp>
           <p:nvSpPr>
-            <p:cNvPr id="18" name="矩形: 圆角 17">
-              <a:extLst>
-                <a:ext uri="{FF2B5EF4-FFF2-40B4-BE49-F238E27FC236}">
-                  <a16:creationId xmlns:a16="http://schemas.microsoft.com/office/drawing/2014/main" id="{1FA8645B-0292-44A1-B911-D081588D8F4E}"/>
-                </a:ext>
-              </a:extLst>
-            </p:cNvPr>
+            <p:cNvPr id="18" name="矩形: 圆角 17"/>
             <p:cNvSpPr/>
             <p:nvPr/>
           </p:nvSpPr>
@@ -34596,7 +32930,6 @@
             <a:prstGeom prst="roundRect">
               <a:avLst/>
             </a:prstGeom>
-            <a:ln/>
           </p:spPr>
           <p:style>
             <a:lnRef idx="0">
@@ -34614,9 +32947,6 @@
           </p:style>
           <p:txBody>
             <a:bodyPr rot="0" spcFirstLastPara="0" vertOverflow="overflow" horzOverflow="overflow" vert="horz" wrap="square" lIns="91440" tIns="45720" rIns="91440" bIns="45720" numCol="1" spcCol="0" rtlCol="0" fromWordArt="0" anchor="ctr" anchorCtr="0" forceAA="0" compatLnSpc="1">
-              <a:prstTxWarp prst="textNoShape">
-                <a:avLst/>
-              </a:prstTxWarp>
               <a:noAutofit/>
             </a:bodyPr>
             <a:lstStyle/>
@@ -34644,13 +32974,7 @@
         </p:sp>
         <p:sp>
           <p:nvSpPr>
-            <p:cNvPr id="19" name="矩形: 圆角 18">
-              <a:extLst>
-                <a:ext uri="{FF2B5EF4-FFF2-40B4-BE49-F238E27FC236}">
-                  <a16:creationId xmlns:a16="http://schemas.microsoft.com/office/drawing/2014/main" id="{44BB337F-6F7E-4A3E-809D-60E83099D250}"/>
-                </a:ext>
-              </a:extLst>
-            </p:cNvPr>
+            <p:cNvPr id="19" name="矩形: 圆角 18"/>
             <p:cNvSpPr/>
             <p:nvPr/>
           </p:nvSpPr>
@@ -34662,7 +32986,6 @@
             <a:prstGeom prst="roundRect">
               <a:avLst/>
             </a:prstGeom>
-            <a:ln/>
           </p:spPr>
           <p:style>
             <a:lnRef idx="1">
@@ -34680,9 +33003,6 @@
           </p:style>
           <p:txBody>
             <a:bodyPr rot="0" spcFirstLastPara="0" vertOverflow="overflow" horzOverflow="overflow" vert="horz" wrap="square" lIns="91440" tIns="45720" rIns="91440" bIns="45720" numCol="1" spcCol="0" rtlCol="0" fromWordArt="0" anchor="ctr" anchorCtr="0" forceAA="0" compatLnSpc="1">
-              <a:prstTxWarp prst="textNoShape">
-                <a:avLst/>
-              </a:prstTxWarp>
               <a:noAutofit/>
             </a:bodyPr>
             <a:lstStyle/>
@@ -34702,13 +33022,7 @@
         </p:sp>
         <p:sp>
           <p:nvSpPr>
-            <p:cNvPr id="20" name="矩形: 圆角 19">
-              <a:extLst>
-                <a:ext uri="{FF2B5EF4-FFF2-40B4-BE49-F238E27FC236}">
-                  <a16:creationId xmlns:a16="http://schemas.microsoft.com/office/drawing/2014/main" id="{C155EF0B-BF56-43FF-9F16-4CD13DECE882}"/>
-                </a:ext>
-              </a:extLst>
-            </p:cNvPr>
+            <p:cNvPr id="20" name="矩形: 圆角 19"/>
             <p:cNvSpPr/>
             <p:nvPr/>
           </p:nvSpPr>
@@ -34720,7 +33034,6 @@
             <a:prstGeom prst="roundRect">
               <a:avLst/>
             </a:prstGeom>
-            <a:ln/>
           </p:spPr>
           <p:style>
             <a:lnRef idx="0">
@@ -34738,9 +33051,6 @@
           </p:style>
           <p:txBody>
             <a:bodyPr rot="0" spcFirstLastPara="0" vertOverflow="overflow" horzOverflow="overflow" vert="horz" wrap="square" lIns="91440" tIns="45720" rIns="91440" bIns="45720" numCol="1" spcCol="0" rtlCol="0" fromWordArt="0" anchor="ctr" anchorCtr="0" forceAA="0" compatLnSpc="1">
-              <a:prstTxWarp prst="textNoShape">
-                <a:avLst/>
-              </a:prstTxWarp>
               <a:noAutofit/>
             </a:bodyPr>
             <a:lstStyle/>
@@ -34768,13 +33078,7 @@
         </p:sp>
         <p:sp>
           <p:nvSpPr>
-            <p:cNvPr id="21" name="矩形: 圆角 20">
-              <a:extLst>
-                <a:ext uri="{FF2B5EF4-FFF2-40B4-BE49-F238E27FC236}">
-                  <a16:creationId xmlns:a16="http://schemas.microsoft.com/office/drawing/2014/main" id="{077F4B1E-F7E2-4A1B-AE74-C629E4CD7D60}"/>
-                </a:ext>
-              </a:extLst>
-            </p:cNvPr>
+            <p:cNvPr id="21" name="矩形: 圆角 20"/>
             <p:cNvSpPr/>
             <p:nvPr/>
           </p:nvSpPr>
@@ -34786,7 +33090,6 @@
             <a:prstGeom prst="roundRect">
               <a:avLst/>
             </a:prstGeom>
-            <a:ln/>
           </p:spPr>
           <p:style>
             <a:lnRef idx="1">
@@ -34804,9 +33107,6 @@
           </p:style>
           <p:txBody>
             <a:bodyPr rot="0" spcFirstLastPara="0" vertOverflow="overflow" horzOverflow="overflow" vert="horz" wrap="square" lIns="91440" tIns="45720" rIns="91440" bIns="45720" numCol="1" spcCol="0" rtlCol="0" fromWordArt="0" anchor="ctr" anchorCtr="0" forceAA="0" compatLnSpc="1">
-              <a:prstTxWarp prst="textNoShape">
-                <a:avLst/>
-              </a:prstTxWarp>
               <a:noAutofit/>
             </a:bodyPr>
             <a:lstStyle/>
@@ -34826,13 +33126,7 @@
         </p:sp>
         <p:sp>
           <p:nvSpPr>
-            <p:cNvPr id="22" name="椭圆 21">
-              <a:extLst>
-                <a:ext uri="{FF2B5EF4-FFF2-40B4-BE49-F238E27FC236}">
-                  <a16:creationId xmlns:a16="http://schemas.microsoft.com/office/drawing/2014/main" id="{729AD289-9CA6-4266-8780-131988765AA6}"/>
-                </a:ext>
-              </a:extLst>
-            </p:cNvPr>
+            <p:cNvPr id="22" name="椭圆 21"/>
             <p:cNvSpPr/>
             <p:nvPr/>
           </p:nvSpPr>
@@ -34844,7 +33138,6 @@
             <a:prstGeom prst="ellipse">
               <a:avLst/>
             </a:prstGeom>
-            <a:ln/>
           </p:spPr>
           <p:style>
             <a:lnRef idx="2">
@@ -34862,9 +33155,6 @@
           </p:style>
           <p:txBody>
             <a:bodyPr rot="0" spcFirstLastPara="0" vertOverflow="overflow" horzOverflow="overflow" vert="horz" wrap="square" lIns="91440" tIns="45720" rIns="91440" bIns="45720" numCol="1" spcCol="0" rtlCol="0" fromWordArt="0" anchor="ctr" anchorCtr="0" forceAA="0" compatLnSpc="1">
-              <a:prstTxWarp prst="textNoShape">
-                <a:avLst/>
-              </a:prstTxWarp>
               <a:noAutofit/>
             </a:bodyPr>
             <a:lstStyle/>
@@ -34879,13 +33169,7 @@
         </p:sp>
         <p:sp>
           <p:nvSpPr>
-            <p:cNvPr id="23" name="箭头: 下 22">
-              <a:extLst>
-                <a:ext uri="{FF2B5EF4-FFF2-40B4-BE49-F238E27FC236}">
-                  <a16:creationId xmlns:a16="http://schemas.microsoft.com/office/drawing/2014/main" id="{BDE5923F-2A89-4E80-971A-4A2066ECEC40}"/>
-                </a:ext>
-              </a:extLst>
-            </p:cNvPr>
+            <p:cNvPr id="23" name="箭头: 下 22"/>
             <p:cNvSpPr/>
             <p:nvPr/>
           </p:nvSpPr>
@@ -34919,9 +33203,6 @@
           </p:style>
           <p:txBody>
             <a:bodyPr rot="0" spcFirstLastPara="0" vertOverflow="overflow" horzOverflow="overflow" vert="horz" wrap="square" lIns="91440" tIns="45720" rIns="91440" bIns="45720" numCol="1" spcCol="0" rtlCol="0" fromWordArt="0" anchor="ctr" anchorCtr="0" forceAA="0" compatLnSpc="1">
-              <a:prstTxWarp prst="textNoShape">
-                <a:avLst/>
-              </a:prstTxWarp>
               <a:noAutofit/>
             </a:bodyPr>
             <a:lstStyle/>
@@ -34933,13 +33214,7 @@
         </p:sp>
         <p:sp>
           <p:nvSpPr>
-            <p:cNvPr id="24" name="箭头: 下 23">
-              <a:extLst>
-                <a:ext uri="{FF2B5EF4-FFF2-40B4-BE49-F238E27FC236}">
-                  <a16:creationId xmlns:a16="http://schemas.microsoft.com/office/drawing/2014/main" id="{A7ADED72-4775-4800-88B0-A0EFC714B999}"/>
-                </a:ext>
-              </a:extLst>
-            </p:cNvPr>
+            <p:cNvPr id="24" name="箭头: 下 23"/>
             <p:cNvSpPr/>
             <p:nvPr/>
           </p:nvSpPr>
@@ -34973,9 +33248,6 @@
           </p:style>
           <p:txBody>
             <a:bodyPr rot="0" spcFirstLastPara="0" vertOverflow="overflow" horzOverflow="overflow" vert="horz" wrap="square" lIns="91440" tIns="45720" rIns="91440" bIns="45720" numCol="1" spcCol="0" rtlCol="0" fromWordArt="0" anchor="ctr" anchorCtr="0" forceAA="0" compatLnSpc="1">
-              <a:prstTxWarp prst="textNoShape">
-                <a:avLst/>
-              </a:prstTxWarp>
               <a:noAutofit/>
             </a:bodyPr>
             <a:lstStyle/>
@@ -34987,13 +33259,7 @@
         </p:sp>
         <p:sp>
           <p:nvSpPr>
-            <p:cNvPr id="25" name="箭头: 下 24">
-              <a:extLst>
-                <a:ext uri="{FF2B5EF4-FFF2-40B4-BE49-F238E27FC236}">
-                  <a16:creationId xmlns:a16="http://schemas.microsoft.com/office/drawing/2014/main" id="{2948194F-74C4-4699-A231-A212EE24B6A1}"/>
-                </a:ext>
-              </a:extLst>
-            </p:cNvPr>
+            <p:cNvPr id="25" name="箭头: 下 24"/>
             <p:cNvSpPr/>
             <p:nvPr/>
           </p:nvSpPr>
@@ -35027,9 +33293,6 @@
           </p:style>
           <p:txBody>
             <a:bodyPr rot="0" spcFirstLastPara="0" vertOverflow="overflow" horzOverflow="overflow" vert="horz" wrap="square" lIns="91440" tIns="45720" rIns="91440" bIns="45720" numCol="1" spcCol="0" rtlCol="0" fromWordArt="0" anchor="ctr" anchorCtr="0" forceAA="0" compatLnSpc="1">
-              <a:prstTxWarp prst="textNoShape">
-                <a:avLst/>
-              </a:prstTxWarp>
               <a:noAutofit/>
             </a:bodyPr>
             <a:lstStyle/>
@@ -35041,13 +33304,7 @@
         </p:sp>
         <p:sp>
           <p:nvSpPr>
-            <p:cNvPr id="27" name="箭头: 下 26">
-              <a:extLst>
-                <a:ext uri="{FF2B5EF4-FFF2-40B4-BE49-F238E27FC236}">
-                  <a16:creationId xmlns:a16="http://schemas.microsoft.com/office/drawing/2014/main" id="{18262903-6D64-4C3B-A7CA-2CF9278DE558}"/>
-                </a:ext>
-              </a:extLst>
-            </p:cNvPr>
+            <p:cNvPr id="27" name="箭头: 下 26"/>
             <p:cNvSpPr/>
             <p:nvPr/>
           </p:nvSpPr>
@@ -35081,9 +33338,6 @@
           </p:style>
           <p:txBody>
             <a:bodyPr rot="0" spcFirstLastPara="0" vertOverflow="overflow" horzOverflow="overflow" vert="horz" wrap="square" lIns="91440" tIns="45720" rIns="91440" bIns="45720" numCol="1" spcCol="0" rtlCol="0" fromWordArt="0" anchor="ctr" anchorCtr="0" forceAA="0" compatLnSpc="1">
-              <a:prstTxWarp prst="textNoShape">
-                <a:avLst/>
-              </a:prstTxWarp>
               <a:noAutofit/>
             </a:bodyPr>
             <a:lstStyle/>
@@ -35095,13 +33349,7 @@
         </p:sp>
         <p:sp>
           <p:nvSpPr>
-            <p:cNvPr id="28" name="箭头: 下 27">
-              <a:extLst>
-                <a:ext uri="{FF2B5EF4-FFF2-40B4-BE49-F238E27FC236}">
-                  <a16:creationId xmlns:a16="http://schemas.microsoft.com/office/drawing/2014/main" id="{A9D2B8C3-7320-40D1-9DF9-84F3FA48F1AC}"/>
-                </a:ext>
-              </a:extLst>
-            </p:cNvPr>
+            <p:cNvPr id="28" name="箭头: 下 27"/>
             <p:cNvSpPr/>
             <p:nvPr/>
           </p:nvSpPr>
@@ -35135,9 +33383,6 @@
           </p:style>
           <p:txBody>
             <a:bodyPr rot="0" spcFirstLastPara="0" vertOverflow="overflow" horzOverflow="overflow" vert="horz" wrap="square" lIns="91440" tIns="45720" rIns="91440" bIns="45720" numCol="1" spcCol="0" rtlCol="0" fromWordArt="0" anchor="ctr" anchorCtr="0" forceAA="0" compatLnSpc="1">
-              <a:prstTxWarp prst="textNoShape">
-                <a:avLst/>
-              </a:prstTxWarp>
               <a:noAutofit/>
             </a:bodyPr>
             <a:lstStyle/>
@@ -35150,13 +33395,7 @@
       </p:grpSp>
       <p:grpSp>
         <p:nvGrpSpPr>
-          <p:cNvPr id="81" name="组合 80">
-            <a:extLst>
-              <a:ext uri="{FF2B5EF4-FFF2-40B4-BE49-F238E27FC236}">
-                <a16:creationId xmlns:a16="http://schemas.microsoft.com/office/drawing/2014/main" id="{607E5132-D0D6-4511-A714-8E08BFAAD0C5}"/>
-              </a:ext>
-            </a:extLst>
-          </p:cNvPr>
+          <p:cNvPr id="81" name="组合 80"/>
           <p:cNvGrpSpPr/>
           <p:nvPr/>
         </p:nvGrpSpPr>
@@ -35170,13 +33409,7 @@
         </p:grpSpPr>
         <p:sp>
           <p:nvSpPr>
-            <p:cNvPr id="31" name="矩形: 圆角 30">
-              <a:extLst>
-                <a:ext uri="{FF2B5EF4-FFF2-40B4-BE49-F238E27FC236}">
-                  <a16:creationId xmlns:a16="http://schemas.microsoft.com/office/drawing/2014/main" id="{6B8C3857-58F9-4DCA-8EF9-7916DADD3097}"/>
-                </a:ext>
-              </a:extLst>
-            </p:cNvPr>
+            <p:cNvPr id="31" name="矩形: 圆角 30"/>
             <p:cNvSpPr/>
             <p:nvPr/>
           </p:nvSpPr>
@@ -35188,7 +33421,6 @@
             <a:prstGeom prst="roundRect">
               <a:avLst/>
             </a:prstGeom>
-            <a:ln/>
           </p:spPr>
           <p:style>
             <a:lnRef idx="2">
@@ -35206,9 +33438,6 @@
           </p:style>
           <p:txBody>
             <a:bodyPr rot="0" spcFirstLastPara="0" vertOverflow="overflow" horzOverflow="overflow" vert="horz" wrap="square" lIns="91440" tIns="45720" rIns="91440" bIns="45720" numCol="1" spcCol="0" rtlCol="0" fromWordArt="0" anchor="ctr" anchorCtr="0" forceAA="0" compatLnSpc="1">
-              <a:prstTxWarp prst="textNoShape">
-                <a:avLst/>
-              </a:prstTxWarp>
               <a:noAutofit/>
             </a:bodyPr>
             <a:lstStyle/>
@@ -35223,13 +33452,7 @@
         </p:sp>
         <p:sp>
           <p:nvSpPr>
-            <p:cNvPr id="32" name="矩形: 圆角 31">
-              <a:extLst>
-                <a:ext uri="{FF2B5EF4-FFF2-40B4-BE49-F238E27FC236}">
-                  <a16:creationId xmlns:a16="http://schemas.microsoft.com/office/drawing/2014/main" id="{A058D09A-EDE2-483F-8919-113ABA976546}"/>
-                </a:ext>
-              </a:extLst>
-            </p:cNvPr>
+            <p:cNvPr id="32" name="矩形: 圆角 31"/>
             <p:cNvSpPr/>
             <p:nvPr/>
           </p:nvSpPr>
@@ -35241,7 +33464,6 @@
             <a:prstGeom prst="roundRect">
               <a:avLst/>
             </a:prstGeom>
-            <a:ln/>
           </p:spPr>
           <p:style>
             <a:lnRef idx="0">
@@ -35259,9 +33481,6 @@
           </p:style>
           <p:txBody>
             <a:bodyPr rot="0" spcFirstLastPara="0" vertOverflow="overflow" horzOverflow="overflow" vert="horz" wrap="square" lIns="91440" tIns="45720" rIns="91440" bIns="45720" numCol="1" spcCol="0" rtlCol="0" fromWordArt="0" anchor="ctr" anchorCtr="0" forceAA="0" compatLnSpc="1">
-              <a:prstTxWarp prst="textNoShape">
-                <a:avLst/>
-              </a:prstTxWarp>
               <a:noAutofit/>
             </a:bodyPr>
             <a:lstStyle/>
@@ -35285,13 +33504,7 @@
         </p:sp>
         <p:sp>
           <p:nvSpPr>
-            <p:cNvPr id="35" name="矩形: 圆角 34">
-              <a:extLst>
-                <a:ext uri="{FF2B5EF4-FFF2-40B4-BE49-F238E27FC236}">
-                  <a16:creationId xmlns:a16="http://schemas.microsoft.com/office/drawing/2014/main" id="{76838870-B4B8-4F11-897F-F5FF5D3504B8}"/>
-                </a:ext>
-              </a:extLst>
-            </p:cNvPr>
+            <p:cNvPr id="35" name="矩形: 圆角 34"/>
             <p:cNvSpPr/>
             <p:nvPr/>
           </p:nvSpPr>
@@ -35303,7 +33516,6 @@
             <a:prstGeom prst="roundRect">
               <a:avLst/>
             </a:prstGeom>
-            <a:ln/>
           </p:spPr>
           <p:style>
             <a:lnRef idx="0">
@@ -35321,9 +33533,6 @@
           </p:style>
           <p:txBody>
             <a:bodyPr rot="0" spcFirstLastPara="0" vertOverflow="overflow" horzOverflow="overflow" vert="horz" wrap="square" lIns="91440" tIns="45720" rIns="91440" bIns="45720" numCol="1" spcCol="0" rtlCol="0" fromWordArt="0" anchor="ctr" anchorCtr="0" forceAA="0" compatLnSpc="1">
-              <a:prstTxWarp prst="textNoShape">
-                <a:avLst/>
-              </a:prstTxWarp>
               <a:noAutofit/>
             </a:bodyPr>
             <a:lstStyle/>
@@ -35351,13 +33560,7 @@
         </p:sp>
         <p:sp>
           <p:nvSpPr>
-            <p:cNvPr id="37" name="矩形: 圆角 36">
-              <a:extLst>
-                <a:ext uri="{FF2B5EF4-FFF2-40B4-BE49-F238E27FC236}">
-                  <a16:creationId xmlns:a16="http://schemas.microsoft.com/office/drawing/2014/main" id="{0BDED44A-B8AD-4070-80E5-F2E15DC92B1F}"/>
-                </a:ext>
-              </a:extLst>
-            </p:cNvPr>
+            <p:cNvPr id="37" name="矩形: 圆角 36"/>
             <p:cNvSpPr/>
             <p:nvPr/>
           </p:nvSpPr>
@@ -35369,7 +33572,6 @@
             <a:prstGeom prst="roundRect">
               <a:avLst/>
             </a:prstGeom>
-            <a:ln/>
           </p:spPr>
           <p:style>
             <a:lnRef idx="0">
@@ -35387,9 +33589,6 @@
           </p:style>
           <p:txBody>
             <a:bodyPr rot="0" spcFirstLastPara="0" vertOverflow="overflow" horzOverflow="overflow" vert="horz" wrap="square" lIns="91440" tIns="45720" rIns="91440" bIns="45720" numCol="1" spcCol="0" rtlCol="0" fromWordArt="0" anchor="ctr" anchorCtr="0" forceAA="0" compatLnSpc="1">
-              <a:prstTxWarp prst="textNoShape">
-                <a:avLst/>
-              </a:prstTxWarp>
               <a:noAutofit/>
             </a:bodyPr>
             <a:lstStyle/>
@@ -35417,13 +33616,7 @@
         </p:sp>
         <p:sp>
           <p:nvSpPr>
-            <p:cNvPr id="39" name="椭圆 38">
-              <a:extLst>
-                <a:ext uri="{FF2B5EF4-FFF2-40B4-BE49-F238E27FC236}">
-                  <a16:creationId xmlns:a16="http://schemas.microsoft.com/office/drawing/2014/main" id="{DFF93908-E0B0-4802-9EF6-BCC6FF770FB6}"/>
-                </a:ext>
-              </a:extLst>
-            </p:cNvPr>
+            <p:cNvPr id="39" name="椭圆 38"/>
             <p:cNvSpPr/>
             <p:nvPr/>
           </p:nvSpPr>
@@ -35435,7 +33628,6 @@
             <a:prstGeom prst="ellipse">
               <a:avLst/>
             </a:prstGeom>
-            <a:ln/>
           </p:spPr>
           <p:style>
             <a:lnRef idx="2">
@@ -35453,9 +33645,6 @@
           </p:style>
           <p:txBody>
             <a:bodyPr rot="0" spcFirstLastPara="0" vertOverflow="overflow" horzOverflow="overflow" vert="horz" wrap="square" lIns="91440" tIns="45720" rIns="91440" bIns="45720" numCol="1" spcCol="0" rtlCol="0" fromWordArt="0" anchor="ctr" anchorCtr="0" forceAA="0" compatLnSpc="1">
-              <a:prstTxWarp prst="textNoShape">
-                <a:avLst/>
-              </a:prstTxWarp>
               <a:noAutofit/>
             </a:bodyPr>
             <a:lstStyle/>
@@ -35470,13 +33659,7 @@
         </p:sp>
         <p:sp>
           <p:nvSpPr>
-            <p:cNvPr id="40" name="箭头: 下 39">
-              <a:extLst>
-                <a:ext uri="{FF2B5EF4-FFF2-40B4-BE49-F238E27FC236}">
-                  <a16:creationId xmlns:a16="http://schemas.microsoft.com/office/drawing/2014/main" id="{5C75A87B-8EAD-45C5-912A-A71575F0E164}"/>
-                </a:ext>
-              </a:extLst>
-            </p:cNvPr>
+            <p:cNvPr id="40" name="箭头: 下 39"/>
             <p:cNvSpPr/>
             <p:nvPr/>
           </p:nvSpPr>
@@ -35510,9 +33693,6 @@
           </p:style>
           <p:txBody>
             <a:bodyPr rot="0" spcFirstLastPara="0" vertOverflow="overflow" horzOverflow="overflow" vert="horz" wrap="square" lIns="91440" tIns="45720" rIns="91440" bIns="45720" numCol="1" spcCol="0" rtlCol="0" fromWordArt="0" anchor="ctr" anchorCtr="0" forceAA="0" compatLnSpc="1">
-              <a:prstTxWarp prst="textNoShape">
-                <a:avLst/>
-              </a:prstTxWarp>
               <a:noAutofit/>
             </a:bodyPr>
             <a:lstStyle/>
@@ -35524,13 +33704,7 @@
         </p:sp>
         <p:sp>
           <p:nvSpPr>
-            <p:cNvPr id="41" name="箭头: 下 40">
-              <a:extLst>
-                <a:ext uri="{FF2B5EF4-FFF2-40B4-BE49-F238E27FC236}">
-                  <a16:creationId xmlns:a16="http://schemas.microsoft.com/office/drawing/2014/main" id="{5435ADC8-8E96-47DD-A4DB-143C56E8BE94}"/>
-                </a:ext>
-              </a:extLst>
-            </p:cNvPr>
+            <p:cNvPr id="41" name="箭头: 下 40"/>
             <p:cNvSpPr/>
             <p:nvPr/>
           </p:nvSpPr>
@@ -35564,9 +33738,6 @@
           </p:style>
           <p:txBody>
             <a:bodyPr rot="0" spcFirstLastPara="0" vertOverflow="overflow" horzOverflow="overflow" vert="horz" wrap="square" lIns="91440" tIns="45720" rIns="91440" bIns="45720" numCol="1" spcCol="0" rtlCol="0" fromWordArt="0" anchor="ctr" anchorCtr="0" forceAA="0" compatLnSpc="1">
-              <a:prstTxWarp prst="textNoShape">
-                <a:avLst/>
-              </a:prstTxWarp>
               <a:noAutofit/>
             </a:bodyPr>
             <a:lstStyle/>
@@ -35578,13 +33749,7 @@
         </p:sp>
         <p:sp>
           <p:nvSpPr>
-            <p:cNvPr id="42" name="箭头: 下 41">
-              <a:extLst>
-                <a:ext uri="{FF2B5EF4-FFF2-40B4-BE49-F238E27FC236}">
-                  <a16:creationId xmlns:a16="http://schemas.microsoft.com/office/drawing/2014/main" id="{BFB45FEB-4130-4C58-A08E-AB0D8B8B45C3}"/>
-                </a:ext>
-              </a:extLst>
-            </p:cNvPr>
+            <p:cNvPr id="42" name="箭头: 下 41"/>
             <p:cNvSpPr/>
             <p:nvPr/>
           </p:nvSpPr>
@@ -35618,9 +33783,6 @@
           </p:style>
           <p:txBody>
             <a:bodyPr rot="0" spcFirstLastPara="0" vertOverflow="overflow" horzOverflow="overflow" vert="horz" wrap="square" lIns="91440" tIns="45720" rIns="91440" bIns="45720" numCol="1" spcCol="0" rtlCol="0" fromWordArt="0" anchor="ctr" anchorCtr="0" forceAA="0" compatLnSpc="1">
-              <a:prstTxWarp prst="textNoShape">
-                <a:avLst/>
-              </a:prstTxWarp>
               <a:noAutofit/>
             </a:bodyPr>
             <a:lstStyle/>
@@ -35632,13 +33794,7 @@
         </p:sp>
         <p:sp>
           <p:nvSpPr>
-            <p:cNvPr id="43" name="箭头: 下 42">
-              <a:extLst>
-                <a:ext uri="{FF2B5EF4-FFF2-40B4-BE49-F238E27FC236}">
-                  <a16:creationId xmlns:a16="http://schemas.microsoft.com/office/drawing/2014/main" id="{475CB5C1-B377-4BE0-A24F-9C04FA77324B}"/>
-                </a:ext>
-              </a:extLst>
-            </p:cNvPr>
+            <p:cNvPr id="43" name="箭头: 下 42"/>
             <p:cNvSpPr/>
             <p:nvPr/>
           </p:nvSpPr>
@@ -35672,9 +33828,6 @@
           </p:style>
           <p:txBody>
             <a:bodyPr rot="0" spcFirstLastPara="0" vertOverflow="overflow" horzOverflow="overflow" vert="horz" wrap="square" lIns="91440" tIns="45720" rIns="91440" bIns="45720" numCol="1" spcCol="0" rtlCol="0" fromWordArt="0" anchor="ctr" anchorCtr="0" forceAA="0" compatLnSpc="1">
-              <a:prstTxWarp prst="textNoShape">
-                <a:avLst/>
-              </a:prstTxWarp>
               <a:noAutofit/>
             </a:bodyPr>
             <a:lstStyle/>
@@ -35686,13 +33839,7 @@
         </p:sp>
         <p:sp>
           <p:nvSpPr>
-            <p:cNvPr id="44" name="箭头: 下 43">
-              <a:extLst>
-                <a:ext uri="{FF2B5EF4-FFF2-40B4-BE49-F238E27FC236}">
-                  <a16:creationId xmlns:a16="http://schemas.microsoft.com/office/drawing/2014/main" id="{72FF5866-AD5C-4497-AC33-8066F2C7C26B}"/>
-                </a:ext>
-              </a:extLst>
-            </p:cNvPr>
+            <p:cNvPr id="44" name="箭头: 下 43"/>
             <p:cNvSpPr/>
             <p:nvPr/>
           </p:nvSpPr>
@@ -35726,9 +33873,6 @@
           </p:style>
           <p:txBody>
             <a:bodyPr rot="0" spcFirstLastPara="0" vertOverflow="overflow" horzOverflow="overflow" vert="horz" wrap="square" lIns="91440" tIns="45720" rIns="91440" bIns="45720" numCol="1" spcCol="0" rtlCol="0" fromWordArt="0" anchor="ctr" anchorCtr="0" forceAA="0" compatLnSpc="1">
-              <a:prstTxWarp prst="textNoShape">
-                <a:avLst/>
-              </a:prstTxWarp>
               <a:noAutofit/>
             </a:bodyPr>
             <a:lstStyle/>
@@ -35740,13 +33884,7 @@
         </p:sp>
         <p:sp>
           <p:nvSpPr>
-            <p:cNvPr id="75" name="矩形: 圆角 74">
-              <a:extLst>
-                <a:ext uri="{FF2B5EF4-FFF2-40B4-BE49-F238E27FC236}">
-                  <a16:creationId xmlns:a16="http://schemas.microsoft.com/office/drawing/2014/main" id="{D9B7ACA2-758F-44DE-B76F-EB5612D04E08}"/>
-                </a:ext>
-              </a:extLst>
-            </p:cNvPr>
+            <p:cNvPr id="75" name="矩形: 圆角 74"/>
             <p:cNvSpPr/>
             <p:nvPr/>
           </p:nvSpPr>
@@ -35758,7 +33896,6 @@
             <a:prstGeom prst="roundRect">
               <a:avLst/>
             </a:prstGeom>
-            <a:ln/>
           </p:spPr>
           <p:style>
             <a:lnRef idx="0">
@@ -35776,9 +33913,6 @@
           </p:style>
           <p:txBody>
             <a:bodyPr rot="0" spcFirstLastPara="0" vertOverflow="overflow" horzOverflow="overflow" vert="horz" wrap="square" lIns="91440" tIns="45720" rIns="91440" bIns="45720" numCol="1" spcCol="0" rtlCol="0" fromWordArt="0" anchor="ctr" anchorCtr="0" forceAA="0" compatLnSpc="1">
-              <a:prstTxWarp prst="textNoShape">
-                <a:avLst/>
-              </a:prstTxWarp>
               <a:noAutofit/>
             </a:bodyPr>
             <a:lstStyle/>
@@ -35806,13 +33940,7 @@
         </p:sp>
         <p:sp>
           <p:nvSpPr>
-            <p:cNvPr id="76" name="矩形: 圆角 75">
-              <a:extLst>
-                <a:ext uri="{FF2B5EF4-FFF2-40B4-BE49-F238E27FC236}">
-                  <a16:creationId xmlns:a16="http://schemas.microsoft.com/office/drawing/2014/main" id="{5F7EBBA8-3525-41A1-80D2-BFBB4F2812FD}"/>
-                </a:ext>
-              </a:extLst>
-            </p:cNvPr>
+            <p:cNvPr id="76" name="矩形: 圆角 75"/>
             <p:cNvSpPr/>
             <p:nvPr/>
           </p:nvSpPr>
@@ -35824,7 +33952,6 @@
             <a:prstGeom prst="roundRect">
               <a:avLst/>
             </a:prstGeom>
-            <a:ln/>
           </p:spPr>
           <p:style>
             <a:lnRef idx="0">
@@ -35842,9 +33969,6 @@
           </p:style>
           <p:txBody>
             <a:bodyPr rot="0" spcFirstLastPara="0" vertOverflow="overflow" horzOverflow="overflow" vert="horz" wrap="square" lIns="91440" tIns="45720" rIns="91440" bIns="45720" numCol="1" spcCol="0" rtlCol="0" fromWordArt="0" anchor="ctr" anchorCtr="0" forceAA="0" compatLnSpc="1">
-              <a:prstTxWarp prst="textNoShape">
-                <a:avLst/>
-              </a:prstTxWarp>
               <a:noAutofit/>
             </a:bodyPr>
             <a:lstStyle/>
@@ -35876,13 +34000,7 @@
         </p:sp>
         <p:sp>
           <p:nvSpPr>
-            <p:cNvPr id="79" name="矩形: 圆角 78">
-              <a:extLst>
-                <a:ext uri="{FF2B5EF4-FFF2-40B4-BE49-F238E27FC236}">
-                  <a16:creationId xmlns:a16="http://schemas.microsoft.com/office/drawing/2014/main" id="{24C89A25-51AF-42F2-9A02-2F15F6504381}"/>
-                </a:ext>
-              </a:extLst>
-            </p:cNvPr>
+            <p:cNvPr id="79" name="矩形: 圆角 78"/>
             <p:cNvSpPr/>
             <p:nvPr/>
           </p:nvSpPr>
@@ -35894,7 +34012,6 @@
             <a:prstGeom prst="roundRect">
               <a:avLst/>
             </a:prstGeom>
-            <a:ln/>
           </p:spPr>
           <p:style>
             <a:lnRef idx="0">
@@ -35912,9 +34029,6 @@
           </p:style>
           <p:txBody>
             <a:bodyPr rot="0" spcFirstLastPara="0" vertOverflow="overflow" horzOverflow="overflow" vert="horz" wrap="square" lIns="91440" tIns="45720" rIns="91440" bIns="45720" numCol="1" spcCol="0" rtlCol="0" fromWordArt="0" anchor="ctr" anchorCtr="0" forceAA="0" compatLnSpc="1">
-              <a:prstTxWarp prst="textNoShape">
-                <a:avLst/>
-              </a:prstTxWarp>
               <a:noAutofit/>
             </a:bodyPr>
             <a:lstStyle/>
@@ -35946,13 +34060,7 @@
         </p:sp>
         <p:sp>
           <p:nvSpPr>
-            <p:cNvPr id="80" name="矩形: 圆角 79">
-              <a:extLst>
-                <a:ext uri="{FF2B5EF4-FFF2-40B4-BE49-F238E27FC236}">
-                  <a16:creationId xmlns:a16="http://schemas.microsoft.com/office/drawing/2014/main" id="{3A26470A-CA05-4785-8954-B3FCDE7554DC}"/>
-                </a:ext>
-              </a:extLst>
-            </p:cNvPr>
+            <p:cNvPr id="80" name="矩形: 圆角 79"/>
             <p:cNvSpPr/>
             <p:nvPr/>
           </p:nvSpPr>
@@ -35964,7 +34072,6 @@
             <a:prstGeom prst="roundRect">
               <a:avLst/>
             </a:prstGeom>
-            <a:ln/>
           </p:spPr>
           <p:style>
             <a:lnRef idx="0">
@@ -35982,9 +34089,6 @@
           </p:style>
           <p:txBody>
             <a:bodyPr rot="0" spcFirstLastPara="0" vertOverflow="overflow" horzOverflow="overflow" vert="horz" wrap="square" lIns="91440" tIns="45720" rIns="91440" bIns="45720" numCol="1" spcCol="0" rtlCol="0" fromWordArt="0" anchor="ctr" anchorCtr="0" forceAA="0" compatLnSpc="1">
-              <a:prstTxWarp prst="textNoShape">
-                <a:avLst/>
-              </a:prstTxWarp>
               <a:noAutofit/>
             </a:bodyPr>
             <a:lstStyle/>
@@ -36017,13 +34121,7 @@
       </p:grpSp>
       <p:sp>
         <p:nvSpPr>
-          <p:cNvPr id="82" name="矩形 81">
-            <a:extLst>
-              <a:ext uri="{FF2B5EF4-FFF2-40B4-BE49-F238E27FC236}">
-                <a16:creationId xmlns:a16="http://schemas.microsoft.com/office/drawing/2014/main" id="{196C843D-38A8-4F1E-BFA8-24EB04475C24}"/>
-              </a:ext>
-            </a:extLst>
-          </p:cNvPr>
+          <p:cNvPr id="82" name="矩形 81"/>
           <p:cNvSpPr/>
           <p:nvPr/>
         </p:nvSpPr>
@@ -36108,13 +34206,7 @@
       </p:sp>
       <p:sp>
         <p:nvSpPr>
-          <p:cNvPr id="84" name="矩形 83">
-            <a:extLst>
-              <a:ext uri="{FF2B5EF4-FFF2-40B4-BE49-F238E27FC236}">
-                <a16:creationId xmlns:a16="http://schemas.microsoft.com/office/drawing/2014/main" id="{71BDD54A-6957-4B19-92B4-913E8D20AC3C}"/>
-              </a:ext>
-            </a:extLst>
-          </p:cNvPr>
+          <p:cNvPr id="84" name="矩形 83"/>
           <p:cNvSpPr/>
           <p:nvPr/>
         </p:nvSpPr>
@@ -36199,16 +34291,8 @@
       </p:sp>
       <p:cxnSp>
         <p:nvCxnSpPr>
-          <p:cNvPr id="38" name="直接连接符 37">
-            <a:extLst>
-              <a:ext uri="{FF2B5EF4-FFF2-40B4-BE49-F238E27FC236}">
-                <a16:creationId xmlns:a16="http://schemas.microsoft.com/office/drawing/2014/main" id="{9EE486A2-6B1E-4311-B9A3-53C8106BAE8F}"/>
-              </a:ext>
-            </a:extLst>
-          </p:cNvPr>
-          <p:cNvCxnSpPr>
-            <a:cxnSpLocks/>
-          </p:cNvCxnSpPr>
+          <p:cNvPr id="38" name="直接连接符 37"/>
+          <p:cNvCxnSpPr/>
           <p:nvPr/>
         </p:nvCxnSpPr>
         <p:spPr>
@@ -36245,11 +34329,6 @@
         </p:style>
       </p:cxnSp>
     </p:spTree>
-    <p:extLst>
-      <p:ext uri="{BB962C8B-B14F-4D97-AF65-F5344CB8AC3E}">
-        <p14:creationId xmlns:p14="http://schemas.microsoft.com/office/powerpoint/2010/main" val="2577841379"/>
-      </p:ext>
-    </p:extLst>
   </p:cSld>
   <p:clrMapOvr>
     <a:masterClrMapping/>
@@ -36321,13 +34400,7 @@
       </p:sp>
       <p:pic>
         <p:nvPicPr>
-          <p:cNvPr id="23" name="图片 22">
-            <a:extLst>
-              <a:ext uri="{FF2B5EF4-FFF2-40B4-BE49-F238E27FC236}">
-                <a16:creationId xmlns:a16="http://schemas.microsoft.com/office/drawing/2014/main" id="{C6FDFE7F-3D57-4369-8215-E33DFFC2F6D3}"/>
-              </a:ext>
-            </a:extLst>
-          </p:cNvPr>
+          <p:cNvPr id="23" name="图片 22"/>
           <p:cNvPicPr>
             <a:picLocks noChangeAspect="1"/>
           </p:cNvPicPr>
@@ -36372,13 +34445,7 @@
       </p:pic>
       <p:sp>
         <p:nvSpPr>
-          <p:cNvPr id="24" name="矩形 23">
-            <a:extLst>
-              <a:ext uri="{FF2B5EF4-FFF2-40B4-BE49-F238E27FC236}">
-                <a16:creationId xmlns:a16="http://schemas.microsoft.com/office/drawing/2014/main" id="{73931992-2BE6-4642-B813-BB97A8F30C50}"/>
-              </a:ext>
-            </a:extLst>
-          </p:cNvPr>
+          <p:cNvPr id="24" name="矩形 23"/>
           <p:cNvSpPr/>
           <p:nvPr/>
         </p:nvSpPr>
@@ -36440,11 +34507,6 @@
         </p:txBody>
       </p:sp>
     </p:spTree>
-    <p:extLst>
-      <p:ext uri="{BB962C8B-B14F-4D97-AF65-F5344CB8AC3E}">
-        <p14:creationId xmlns:p14="http://schemas.microsoft.com/office/powerpoint/2010/main" val="1790415965"/>
-      </p:ext>
-    </p:extLst>
   </p:cSld>
   <p:clrMapOvr>
     <a:masterClrMapping/>
@@ -36483,13 +34545,7 @@
       </p:grpSpPr>
       <p:sp>
         <p:nvSpPr>
-          <p:cNvPr id="2" name="文本占位符 1">
-            <a:extLst>
-              <a:ext uri="{FF2B5EF4-FFF2-40B4-BE49-F238E27FC236}">
-                <a16:creationId xmlns:a16="http://schemas.microsoft.com/office/drawing/2014/main" id="{AC6FD9C9-B568-49B4-BCFB-71395CAB2239}"/>
-              </a:ext>
-            </a:extLst>
-          </p:cNvPr>
+          <p:cNvPr id="2" name="文本占位符 1"/>
           <p:cNvSpPr>
             <a:spLocks noGrp="1"/>
           </p:cNvSpPr>
@@ -36512,13 +34568,7 @@
       </p:sp>
       <p:sp>
         <p:nvSpPr>
-          <p:cNvPr id="3" name="文本占位符 2">
-            <a:extLst>
-              <a:ext uri="{FF2B5EF4-FFF2-40B4-BE49-F238E27FC236}">
-                <a16:creationId xmlns:a16="http://schemas.microsoft.com/office/drawing/2014/main" id="{CF734E70-5884-4103-A5CA-38639B166240}"/>
-              </a:ext>
-            </a:extLst>
-          </p:cNvPr>
+          <p:cNvPr id="3" name="文本占位符 2"/>
           <p:cNvSpPr>
             <a:spLocks noGrp="1"/>
           </p:cNvSpPr>
@@ -36540,13 +34590,7 @@
       </p:sp>
       <p:pic>
         <p:nvPicPr>
-          <p:cNvPr id="14" name="图片 13">
-            <a:extLst>
-              <a:ext uri="{FF2B5EF4-FFF2-40B4-BE49-F238E27FC236}">
-                <a16:creationId xmlns:a16="http://schemas.microsoft.com/office/drawing/2014/main" id="{4AA3BF68-A3E9-4160-A01D-55CE46751400}"/>
-              </a:ext>
-            </a:extLst>
-          </p:cNvPr>
+          <p:cNvPr id="14" name="图片 13"/>
           <p:cNvPicPr>
             <a:picLocks noChangeAspect="1"/>
           </p:cNvPicPr>
@@ -36570,13 +34614,7 @@
       </p:pic>
       <p:pic>
         <p:nvPicPr>
-          <p:cNvPr id="18" name="图片 17">
-            <a:extLst>
-              <a:ext uri="{FF2B5EF4-FFF2-40B4-BE49-F238E27FC236}">
-                <a16:creationId xmlns:a16="http://schemas.microsoft.com/office/drawing/2014/main" id="{68DFBB06-C81C-4CB6-BD2C-062FA69541BB}"/>
-              </a:ext>
-            </a:extLst>
-          </p:cNvPr>
+          <p:cNvPr id="18" name="图片 17"/>
           <p:cNvPicPr>
             <a:picLocks noChangeAspect="1"/>
           </p:cNvPicPr>
@@ -36600,13 +34638,7 @@
       </p:pic>
       <p:grpSp>
         <p:nvGrpSpPr>
-          <p:cNvPr id="29" name="组合 28">
-            <a:extLst>
-              <a:ext uri="{FF2B5EF4-FFF2-40B4-BE49-F238E27FC236}">
-                <a16:creationId xmlns:a16="http://schemas.microsoft.com/office/drawing/2014/main" id="{7B647045-D3E5-4D3B-BC44-CBF8976EF306}"/>
-              </a:ext>
-            </a:extLst>
-          </p:cNvPr>
+          <p:cNvPr id="29" name="组合 28"/>
           <p:cNvGrpSpPr/>
           <p:nvPr/>
         </p:nvGrpSpPr>
@@ -36620,13 +34652,7 @@
         </p:grpSpPr>
         <p:pic>
           <p:nvPicPr>
-            <p:cNvPr id="16" name="图片 15">
-              <a:extLst>
-                <a:ext uri="{FF2B5EF4-FFF2-40B4-BE49-F238E27FC236}">
-                  <a16:creationId xmlns:a16="http://schemas.microsoft.com/office/drawing/2014/main" id="{9A11B64C-36C1-42B5-8D68-27AE12CD80D9}"/>
-                </a:ext>
-              </a:extLst>
-            </p:cNvPr>
+            <p:cNvPr id="16" name="图片 15"/>
             <p:cNvPicPr>
               <a:picLocks noChangeAspect="1"/>
             </p:cNvPicPr>
@@ -36653,13 +34679,7 @@
         </p:pic>
         <p:grpSp>
           <p:nvGrpSpPr>
-            <p:cNvPr id="20" name="组合 19">
-              <a:extLst>
-                <a:ext uri="{FF2B5EF4-FFF2-40B4-BE49-F238E27FC236}">
-                  <a16:creationId xmlns:a16="http://schemas.microsoft.com/office/drawing/2014/main" id="{3D8A2018-04A6-4D17-A43A-26FCC0D0EC1D}"/>
-                </a:ext>
-              </a:extLst>
-            </p:cNvPr>
+            <p:cNvPr id="20" name="组合 19"/>
             <p:cNvGrpSpPr/>
             <p:nvPr/>
           </p:nvGrpSpPr>
@@ -36673,13 +34693,7 @@
           </p:grpSpPr>
           <p:sp>
             <p:nvSpPr>
-              <p:cNvPr id="21" name="矩形 20">
-                <a:extLst>
-                  <a:ext uri="{FF2B5EF4-FFF2-40B4-BE49-F238E27FC236}">
-                    <a16:creationId xmlns:a16="http://schemas.microsoft.com/office/drawing/2014/main" id="{E8FD19F2-0AAC-4519-B6D7-3046941A6ED8}"/>
-                  </a:ext>
-                </a:extLst>
-              </p:cNvPr>
+              <p:cNvPr id="21" name="矩形 20"/>
               <p:cNvSpPr/>
               <p:nvPr/>
             </p:nvSpPr>
@@ -36735,13 +34749,7 @@
           </p:sp>
           <p:sp>
             <p:nvSpPr>
-              <p:cNvPr id="22" name="文本框 21">
-                <a:extLst>
-                  <a:ext uri="{FF2B5EF4-FFF2-40B4-BE49-F238E27FC236}">
-                    <a16:creationId xmlns:a16="http://schemas.microsoft.com/office/drawing/2014/main" id="{E80F465B-E8B0-4C0E-892D-EBBE5F603553}"/>
-                  </a:ext>
-                </a:extLst>
-              </p:cNvPr>
+              <p:cNvPr id="22" name="文本框 21"/>
               <p:cNvSpPr txBox="1"/>
               <p:nvPr/>
             </p:nvSpPr>
@@ -36805,13 +34813,7 @@
       </p:grpSp>
       <p:grpSp>
         <p:nvGrpSpPr>
-          <p:cNvPr id="23" name="组合 22">
-            <a:extLst>
-              <a:ext uri="{FF2B5EF4-FFF2-40B4-BE49-F238E27FC236}">
-                <a16:creationId xmlns:a16="http://schemas.microsoft.com/office/drawing/2014/main" id="{2097FC93-D112-493E-B1EF-D83B282F9356}"/>
-              </a:ext>
-            </a:extLst>
-          </p:cNvPr>
+          <p:cNvPr id="23" name="组合 22"/>
           <p:cNvGrpSpPr/>
           <p:nvPr/>
         </p:nvGrpSpPr>
@@ -36825,13 +34827,7 @@
         </p:grpSpPr>
         <p:sp>
           <p:nvSpPr>
-            <p:cNvPr id="24" name="矩形 23">
-              <a:extLst>
-                <a:ext uri="{FF2B5EF4-FFF2-40B4-BE49-F238E27FC236}">
-                  <a16:creationId xmlns:a16="http://schemas.microsoft.com/office/drawing/2014/main" id="{B1AA20BE-CF1C-485F-975F-4599C54CF295}"/>
-                </a:ext>
-              </a:extLst>
-            </p:cNvPr>
+            <p:cNvPr id="24" name="矩形 23"/>
             <p:cNvSpPr/>
             <p:nvPr/>
           </p:nvSpPr>
@@ -36884,13 +34880,7 @@
         </p:sp>
         <p:sp>
           <p:nvSpPr>
-            <p:cNvPr id="25" name="文本框 24">
-              <a:extLst>
-                <a:ext uri="{FF2B5EF4-FFF2-40B4-BE49-F238E27FC236}">
-                  <a16:creationId xmlns:a16="http://schemas.microsoft.com/office/drawing/2014/main" id="{1871388F-4AA4-49F8-BA8A-999EACC90F9B}"/>
-                </a:ext>
-              </a:extLst>
-            </p:cNvPr>
+            <p:cNvPr id="25" name="文本框 24"/>
             <p:cNvSpPr txBox="1"/>
             <p:nvPr/>
           </p:nvSpPr>
@@ -36950,8 +34940,8 @@
                       <a:alphaOff val="0"/>
                     </a:srgbClr>
                   </a:solidFill>
-                  <a:latin typeface="Century Gothic"/>
-                  <a:ea typeface="微软雅黑"/>
+                  <a:latin typeface="Century Gothic" panose="020B0502020202020204"/>
+                  <a:ea typeface="微软雅黑" panose="020B0503020204020204" charset="-122"/>
                   <a:cs typeface="+mn-cs"/>
                 </a:rPr>
                 <a:t>损失函数</a:t>
@@ -36962,13 +34952,7 @@
       </p:grpSp>
       <p:grpSp>
         <p:nvGrpSpPr>
-          <p:cNvPr id="26" name="组合 25">
-            <a:extLst>
-              <a:ext uri="{FF2B5EF4-FFF2-40B4-BE49-F238E27FC236}">
-                <a16:creationId xmlns:a16="http://schemas.microsoft.com/office/drawing/2014/main" id="{9985E104-623D-42F4-8D30-38EFED62B987}"/>
-              </a:ext>
-            </a:extLst>
-          </p:cNvPr>
+          <p:cNvPr id="26" name="组合 25"/>
           <p:cNvGrpSpPr/>
           <p:nvPr/>
         </p:nvGrpSpPr>
@@ -36982,13 +34966,7 @@
         </p:grpSpPr>
         <p:sp>
           <p:nvSpPr>
-            <p:cNvPr id="27" name="矩形 26">
-              <a:extLst>
-                <a:ext uri="{FF2B5EF4-FFF2-40B4-BE49-F238E27FC236}">
-                  <a16:creationId xmlns:a16="http://schemas.microsoft.com/office/drawing/2014/main" id="{B84602CD-A464-4E30-9898-0F1A4BAB6B58}"/>
-                </a:ext>
-              </a:extLst>
-            </p:cNvPr>
+            <p:cNvPr id="27" name="矩形 26"/>
             <p:cNvSpPr/>
             <p:nvPr/>
           </p:nvSpPr>
@@ -37041,13 +35019,7 @@
         </p:sp>
         <p:sp>
           <p:nvSpPr>
-            <p:cNvPr id="28" name="文本框 27">
-              <a:extLst>
-                <a:ext uri="{FF2B5EF4-FFF2-40B4-BE49-F238E27FC236}">
-                  <a16:creationId xmlns:a16="http://schemas.microsoft.com/office/drawing/2014/main" id="{4C6C12BA-D879-4B6A-8D17-25F5DDE3157F}"/>
-                </a:ext>
-              </a:extLst>
-            </p:cNvPr>
+            <p:cNvPr id="28" name="文本框 27"/>
             <p:cNvSpPr txBox="1"/>
             <p:nvPr/>
           </p:nvSpPr>
@@ -37107,13 +35079,7 @@
       </p:grpSp>
       <p:sp>
         <p:nvSpPr>
-          <p:cNvPr id="30" name="矩形 29">
-            <a:extLst>
-              <a:ext uri="{FF2B5EF4-FFF2-40B4-BE49-F238E27FC236}">
-                <a16:creationId xmlns:a16="http://schemas.microsoft.com/office/drawing/2014/main" id="{7804D0E3-1E7B-40CC-9263-05380C3CE0AF}"/>
-              </a:ext>
-            </a:extLst>
-          </p:cNvPr>
+          <p:cNvPr id="30" name="矩形 29"/>
           <p:cNvSpPr/>
           <p:nvPr/>
         </p:nvSpPr>
@@ -37178,9 +35144,6 @@
         </p:style>
         <p:txBody>
           <a:bodyPr rot="0" spcFirstLastPara="0" vertOverflow="overflow" horzOverflow="overflow" vert="horz" wrap="square" lIns="91440" tIns="45720" rIns="91440" bIns="45720" numCol="1" spcCol="0" rtlCol="0" fromWordArt="0" anchor="ctr" anchorCtr="0" forceAA="0" compatLnSpc="1">
-            <a:prstTxWarp prst="textNoShape">
-              <a:avLst/>
-            </a:prstTxWarp>
             <a:noAutofit/>
           </a:bodyPr>
           <a:lstStyle/>
@@ -37192,13 +35155,7 @@
       </p:sp>
       <p:sp>
         <p:nvSpPr>
-          <p:cNvPr id="31" name="矩形 30">
-            <a:extLst>
-              <a:ext uri="{FF2B5EF4-FFF2-40B4-BE49-F238E27FC236}">
-                <a16:creationId xmlns:a16="http://schemas.microsoft.com/office/drawing/2014/main" id="{5E452D45-EA86-4073-844A-2DBA2BCD64B1}"/>
-              </a:ext>
-            </a:extLst>
-          </p:cNvPr>
+          <p:cNvPr id="31" name="矩形 30"/>
           <p:cNvSpPr/>
           <p:nvPr/>
         </p:nvSpPr>
@@ -37263,9 +35220,6 @@
         </p:style>
         <p:txBody>
           <a:bodyPr rot="0" spcFirstLastPara="0" vertOverflow="overflow" horzOverflow="overflow" vert="horz" wrap="square" lIns="91440" tIns="45720" rIns="91440" bIns="45720" numCol="1" spcCol="0" rtlCol="0" fromWordArt="0" anchor="ctr" anchorCtr="0" forceAA="0" compatLnSpc="1">
-            <a:prstTxWarp prst="textNoShape">
-              <a:avLst/>
-            </a:prstTxWarp>
             <a:noAutofit/>
           </a:bodyPr>
           <a:lstStyle/>
@@ -37277,13 +35231,7 @@
       </p:sp>
       <p:sp>
         <p:nvSpPr>
-          <p:cNvPr id="32" name="矩形 31">
-            <a:extLst>
-              <a:ext uri="{FF2B5EF4-FFF2-40B4-BE49-F238E27FC236}">
-                <a16:creationId xmlns:a16="http://schemas.microsoft.com/office/drawing/2014/main" id="{F80789D3-49D0-4AFE-AEB7-0518D289B529}"/>
-              </a:ext>
-            </a:extLst>
-          </p:cNvPr>
+          <p:cNvPr id="32" name="矩形 31"/>
           <p:cNvSpPr/>
           <p:nvPr/>
         </p:nvSpPr>
@@ -37348,9 +35296,6 @@
         </p:style>
         <p:txBody>
           <a:bodyPr rot="0" spcFirstLastPara="0" vertOverflow="overflow" horzOverflow="overflow" vert="horz" wrap="square" lIns="91440" tIns="45720" rIns="91440" bIns="45720" numCol="1" spcCol="0" rtlCol="0" fromWordArt="0" anchor="ctr" anchorCtr="0" forceAA="0" compatLnSpc="1">
-            <a:prstTxWarp prst="textNoShape">
-              <a:avLst/>
-            </a:prstTxWarp>
             <a:noAutofit/>
           </a:bodyPr>
           <a:lstStyle/>
@@ -37362,13 +35307,7 @@
       </p:sp>
       <p:sp>
         <p:nvSpPr>
-          <p:cNvPr id="33" name="矩形 32">
-            <a:extLst>
-              <a:ext uri="{FF2B5EF4-FFF2-40B4-BE49-F238E27FC236}">
-                <a16:creationId xmlns:a16="http://schemas.microsoft.com/office/drawing/2014/main" id="{D93F84A7-AD0D-4AA0-B1EA-AF1077BF2E17}"/>
-              </a:ext>
-            </a:extLst>
-          </p:cNvPr>
+          <p:cNvPr id="33" name="矩形 32"/>
           <p:cNvSpPr/>
           <p:nvPr/>
         </p:nvSpPr>
@@ -37446,11 +35385,6 @@
         </p:txBody>
       </p:sp>
     </p:spTree>
-    <p:extLst>
-      <p:ext uri="{BB962C8B-B14F-4D97-AF65-F5344CB8AC3E}">
-        <p14:creationId xmlns:p14="http://schemas.microsoft.com/office/powerpoint/2010/main" val="1668239902"/>
-      </p:ext>
-    </p:extLst>
   </p:cSld>
   <p:clrMapOvr>
     <a:masterClrMapping/>
@@ -37477,23 +35411,11 @@
       </p:grpSpPr>
       <p:graphicFrame>
         <p:nvGraphicFramePr>
-          <p:cNvPr id="3" name="表格 2">
-            <a:extLst>
-              <a:ext uri="{FF2B5EF4-FFF2-40B4-BE49-F238E27FC236}">
-                <a16:creationId xmlns:a16="http://schemas.microsoft.com/office/drawing/2014/main" id="{9BA23730-5777-4E92-BCEE-1B87200CEA53}"/>
-              </a:ext>
-            </a:extLst>
-          </p:cNvPr>
+          <p:cNvPr id="3" name="表格 2"/>
           <p:cNvGraphicFramePr>
             <a:graphicFrameLocks noGrp="1"/>
           </p:cNvGraphicFramePr>
-          <p:nvPr>
-            <p:extLst>
-              <p:ext uri="{D42A27DB-BD31-4B8C-83A1-F6EECF244321}">
-                <p14:modId xmlns:p14="http://schemas.microsoft.com/office/powerpoint/2010/main" val="2002977258"/>
-              </p:ext>
-            </p:extLst>
-          </p:nvPr>
+          <p:nvPr/>
         </p:nvGraphicFramePr>
         <p:xfrm>
           <a:off x="1051751" y="1372887"/>
@@ -37509,21 +35431,21 @@
                 <a:gridCol w="3362832">
                   <a:extLst>
                     <a:ext uri="{9D8B030D-6E8A-4147-A177-3AD203B41FA5}">
-                      <a16:colId xmlns:a16="http://schemas.microsoft.com/office/drawing/2014/main" val="2196419986"/>
+                      <a16:colId xmlns:a16="http://schemas.microsoft.com/office/drawing/2014/main" val="20000"/>
                     </a:ext>
                   </a:extLst>
                 </a:gridCol>
                 <a:gridCol w="3362832">
                   <a:extLst>
                     <a:ext uri="{9D8B030D-6E8A-4147-A177-3AD203B41FA5}">
-                      <a16:colId xmlns:a16="http://schemas.microsoft.com/office/drawing/2014/main" val="1018215179"/>
+                      <a16:colId xmlns:a16="http://schemas.microsoft.com/office/drawing/2014/main" val="20001"/>
                     </a:ext>
                   </a:extLst>
                 </a:gridCol>
                 <a:gridCol w="3362832">
                   <a:extLst>
                     <a:ext uri="{9D8B030D-6E8A-4147-A177-3AD203B41FA5}">
-                      <a16:colId xmlns:a16="http://schemas.microsoft.com/office/drawing/2014/main" val="3790355281"/>
+                      <a16:colId xmlns:a16="http://schemas.microsoft.com/office/drawing/2014/main" val="20002"/>
                     </a:ext>
                   </a:extLst>
                 </a:gridCol>
@@ -37618,7 +35540,7 @@
                 </a:tc>
                 <a:extLst>
                   <a:ext uri="{0D108BD9-81ED-4DB2-BD59-A6C34878D82A}">
-                    <a16:rowId xmlns:a16="http://schemas.microsoft.com/office/drawing/2014/main" val="451585091"/>
+                    <a16:rowId xmlns:a16="http://schemas.microsoft.com/office/drawing/2014/main" val="10000"/>
                   </a:ext>
                 </a:extLst>
               </a:tr>
@@ -37715,7 +35637,7 @@
                 </a:tc>
                 <a:extLst>
                   <a:ext uri="{0D108BD9-81ED-4DB2-BD59-A6C34878D82A}">
-                    <a16:rowId xmlns:a16="http://schemas.microsoft.com/office/drawing/2014/main" val="1930817981"/>
+                    <a16:rowId xmlns:a16="http://schemas.microsoft.com/office/drawing/2014/main" val="10001"/>
                   </a:ext>
                 </a:extLst>
               </a:tr>
@@ -37815,7 +35737,7 @@
                 </a:tc>
                 <a:extLst>
                   <a:ext uri="{0D108BD9-81ED-4DB2-BD59-A6C34878D82A}">
-                    <a16:rowId xmlns:a16="http://schemas.microsoft.com/office/drawing/2014/main" val="1261778124"/>
+                    <a16:rowId xmlns:a16="http://schemas.microsoft.com/office/drawing/2014/main" val="10002"/>
                   </a:ext>
                 </a:extLst>
               </a:tr>
@@ -37915,7 +35837,7 @@
                 </a:tc>
                 <a:extLst>
                   <a:ext uri="{0D108BD9-81ED-4DB2-BD59-A6C34878D82A}">
-                    <a16:rowId xmlns:a16="http://schemas.microsoft.com/office/drawing/2014/main" val="2720544013"/>
+                    <a16:rowId xmlns:a16="http://schemas.microsoft.com/office/drawing/2014/main" val="10003"/>
                   </a:ext>
                 </a:extLst>
               </a:tr>
@@ -38015,7 +35937,7 @@
                 </a:tc>
                 <a:extLst>
                   <a:ext uri="{0D108BD9-81ED-4DB2-BD59-A6C34878D82A}">
-                    <a16:rowId xmlns:a16="http://schemas.microsoft.com/office/drawing/2014/main" val="1152758905"/>
+                    <a16:rowId xmlns:a16="http://schemas.microsoft.com/office/drawing/2014/main" val="10004"/>
                   </a:ext>
                 </a:extLst>
               </a:tr>
@@ -38115,7 +36037,7 @@
                 </a:tc>
                 <a:extLst>
                   <a:ext uri="{0D108BD9-81ED-4DB2-BD59-A6C34878D82A}">
-                    <a16:rowId xmlns:a16="http://schemas.microsoft.com/office/drawing/2014/main" val="2129678039"/>
+                    <a16:rowId xmlns:a16="http://schemas.microsoft.com/office/drawing/2014/main" val="10005"/>
                   </a:ext>
                 </a:extLst>
               </a:tr>
@@ -38215,7 +36137,7 @@
                 </a:tc>
                 <a:extLst>
                   <a:ext uri="{0D108BD9-81ED-4DB2-BD59-A6C34878D82A}">
-                    <a16:rowId xmlns:a16="http://schemas.microsoft.com/office/drawing/2014/main" val="1436851236"/>
+                    <a16:rowId xmlns:a16="http://schemas.microsoft.com/office/drawing/2014/main" val="10006"/>
                   </a:ext>
                 </a:extLst>
               </a:tr>
@@ -38225,13 +36147,7 @@
       </p:graphicFrame>
       <p:sp>
         <p:nvSpPr>
-          <p:cNvPr id="4" name="矩形 3">
-            <a:extLst>
-              <a:ext uri="{FF2B5EF4-FFF2-40B4-BE49-F238E27FC236}">
-                <a16:creationId xmlns:a16="http://schemas.microsoft.com/office/drawing/2014/main" id="{43319B44-ED35-4563-A5B0-A13A3F901FE8}"/>
-              </a:ext>
-            </a:extLst>
-          </p:cNvPr>
+          <p:cNvPr id="4" name="矩形 3"/>
           <p:cNvSpPr/>
           <p:nvPr/>
         </p:nvSpPr>
@@ -38262,7 +36178,6 @@
           <a:p>
             <a:r>
               <a:rPr lang="en-US" altLang="zh-CN" sz="2400" b="1" dirty="0">
-                <a:ln/>
                 <a:solidFill>
                   <a:schemeClr val="accent4"/>
                 </a:solidFill>
@@ -38271,7 +36186,6 @@
             </a:r>
             <a:r>
               <a:rPr lang="zh-CN" altLang="en-US" sz="2400" b="1" dirty="0">
-                <a:ln/>
                 <a:solidFill>
                   <a:schemeClr val="accent4"/>
                 </a:solidFill>
@@ -38280,7 +36194,6 @@
             </a:r>
             <a:r>
               <a:rPr lang="en-US" altLang="zh-CN" sz="2400" b="1" dirty="0">
-                <a:ln/>
                 <a:solidFill>
                   <a:schemeClr val="accent4"/>
                 </a:solidFill>
@@ -38289,7 +36202,6 @@
             </a:r>
             <a:r>
               <a:rPr lang="zh-CN" altLang="en-US" sz="2400" b="1" dirty="0">
-                <a:ln/>
                 <a:solidFill>
                   <a:schemeClr val="accent4"/>
                 </a:solidFill>
@@ -38298,7 +36210,6 @@
             </a:r>
             <a:r>
               <a:rPr lang="en-US" altLang="zh-CN" sz="2400" b="1" dirty="0">
-                <a:ln/>
                 <a:solidFill>
                   <a:schemeClr val="accent4"/>
                 </a:solidFill>
@@ -38307,7 +36218,6 @@
             </a:r>
             <a:r>
               <a:rPr lang="zh-CN" altLang="en-US" sz="2400" b="1" dirty="0">
-                <a:ln/>
                 <a:solidFill>
                   <a:schemeClr val="accent4"/>
                 </a:solidFill>
@@ -38318,11 +36228,6 @@
         </p:txBody>
       </p:sp>
     </p:spTree>
-    <p:extLst>
-      <p:ext uri="{BB962C8B-B14F-4D97-AF65-F5344CB8AC3E}">
-        <p14:creationId xmlns:p14="http://schemas.microsoft.com/office/powerpoint/2010/main" val="1503704987"/>
-      </p:ext>
-    </p:extLst>
   </p:cSld>
   <p:clrMapOvr>
     <a:masterClrMapping/>
@@ -38393,11 +36298,6 @@
         </p:txBody>
       </p:sp>
     </p:spTree>
-    <p:extLst>
-      <p:ext uri="{BB962C8B-B14F-4D97-AF65-F5344CB8AC3E}">
-        <p14:creationId xmlns:p14="http://schemas.microsoft.com/office/powerpoint/2010/main" val="203030386"/>
-      </p:ext>
-    </p:extLst>
   </p:cSld>
   <p:clrMapOvr>
     <a:masterClrMapping/>
@@ -38480,11 +36380,6 @@
         </p:txBody>
       </p:sp>
     </p:spTree>
-    <p:extLst>
-      <p:ext uri="{BB962C8B-B14F-4D97-AF65-F5344CB8AC3E}">
-        <p14:creationId xmlns:p14="http://schemas.microsoft.com/office/powerpoint/2010/main" val="1731563037"/>
-      </p:ext>
-    </p:extLst>
   </p:cSld>
   <p:clrMapOvr>
     <a:masterClrMapping/>
@@ -38595,7 +36490,7 @@
           </a:bodyPr>
           <a:lstStyle/>
           <a:p>
-            <a:pPr defTabSz="1219170">
+            <a:pPr defTabSz="1218565">
               <a:lnSpc>
                 <a:spcPct val="130000"/>
               </a:lnSpc>
@@ -39025,7 +36920,7 @@
           </a:bodyPr>
           <a:lstStyle/>
           <a:p>
-            <a:pPr defTabSz="1219170">
+            <a:pPr defTabSz="1218565">
               <a:lnSpc>
                 <a:spcPct val="130000"/>
               </a:lnSpc>
@@ -39049,13 +36944,7 @@
       </p:sp>
       <p:sp>
         <p:nvSpPr>
-          <p:cNvPr id="4" name="文本框 3">
-            <a:extLst>
-              <a:ext uri="{FF2B5EF4-FFF2-40B4-BE49-F238E27FC236}">
-                <a16:creationId xmlns:a16="http://schemas.microsoft.com/office/drawing/2014/main" id="{7D82DF9C-26F0-452C-969C-47C7654B8E4D}"/>
-              </a:ext>
-            </a:extLst>
-          </p:cNvPr>
+          <p:cNvPr id="4" name="文本框 3"/>
           <p:cNvSpPr txBox="1"/>
           <p:nvPr/>
         </p:nvSpPr>
@@ -39280,11 +37169,6 @@
         </p:txBody>
       </p:sp>
     </p:spTree>
-    <p:extLst>
-      <p:ext uri="{BB962C8B-B14F-4D97-AF65-F5344CB8AC3E}">
-        <p14:creationId xmlns:p14="http://schemas.microsoft.com/office/powerpoint/2010/main" val="777134495"/>
-      </p:ext>
-    </p:extLst>
   </p:cSld>
   <p:clrMapOvr>
     <a:masterClrMapping/>
@@ -39387,7 +37271,7 @@
           </a:bodyPr>
           <a:lstStyle/>
           <a:p>
-            <a:pPr defTabSz="1219170">
+            <a:pPr defTabSz="1218565">
               <a:lnSpc>
                 <a:spcPct val="130000"/>
               </a:lnSpc>
@@ -39472,7 +37356,7 @@
           </a:bodyPr>
           <a:lstStyle/>
           <a:p>
-            <a:pPr defTabSz="1219170">
+            <a:pPr defTabSz="1218565">
               <a:lnSpc>
                 <a:spcPct val="130000"/>
               </a:lnSpc>
@@ -39496,13 +37380,7 @@
       </p:sp>
       <p:sp>
         <p:nvSpPr>
-          <p:cNvPr id="5" name="文本框 4">
-            <a:extLst>
-              <a:ext uri="{FF2B5EF4-FFF2-40B4-BE49-F238E27FC236}">
-                <a16:creationId xmlns:a16="http://schemas.microsoft.com/office/drawing/2014/main" id="{FAC239CE-7FE7-4288-9B62-BB676F647715}"/>
-              </a:ext>
-            </a:extLst>
-          </p:cNvPr>
+          <p:cNvPr id="5" name="文本框 4"/>
           <p:cNvSpPr txBox="1"/>
           <p:nvPr/>
         </p:nvSpPr>
@@ -39602,11 +37480,6 @@
         </p:txBody>
       </p:sp>
     </p:spTree>
-    <p:extLst>
-      <p:ext uri="{BB962C8B-B14F-4D97-AF65-F5344CB8AC3E}">
-        <p14:creationId xmlns:p14="http://schemas.microsoft.com/office/powerpoint/2010/main" val="1309398337"/>
-      </p:ext>
-    </p:extLst>
   </p:cSld>
   <p:clrMapOvr>
     <a:masterClrMapping/>
@@ -39753,11 +37626,6 @@
         </p:txBody>
       </p:sp>
     </p:spTree>
-    <p:extLst>
-      <p:ext uri="{BB962C8B-B14F-4D97-AF65-F5344CB8AC3E}">
-        <p14:creationId xmlns:p14="http://schemas.microsoft.com/office/powerpoint/2010/main" val="116087764"/>
-      </p:ext>
-    </p:extLst>
   </p:cSld>
   <p:clrMapOvr>
     <a:masterClrMapping/>
@@ -39796,13 +37664,7 @@
       </p:grpSpPr>
       <p:sp>
         <p:nvSpPr>
-          <p:cNvPr id="2" name="文本占位符 1">
-            <a:extLst>
-              <a:ext uri="{FF2B5EF4-FFF2-40B4-BE49-F238E27FC236}">
-                <a16:creationId xmlns:a16="http://schemas.microsoft.com/office/drawing/2014/main" id="{61086C7F-01F6-43A0-9F86-8007D142E179}"/>
-              </a:ext>
-            </a:extLst>
-          </p:cNvPr>
+          <p:cNvPr id="2" name="文本占位符 1"/>
           <p:cNvSpPr>
             <a:spLocks noGrp="1"/>
           </p:cNvSpPr>
@@ -39825,13 +37687,7 @@
       </p:sp>
       <p:sp>
         <p:nvSpPr>
-          <p:cNvPr id="3" name="文本占位符 2">
-            <a:extLst>
-              <a:ext uri="{FF2B5EF4-FFF2-40B4-BE49-F238E27FC236}">
-                <a16:creationId xmlns:a16="http://schemas.microsoft.com/office/drawing/2014/main" id="{CAB7BDA3-F725-4836-A256-B074C7C3CF30}"/>
-              </a:ext>
-            </a:extLst>
-          </p:cNvPr>
+          <p:cNvPr id="3" name="文本占位符 2"/>
           <p:cNvSpPr>
             <a:spLocks noGrp="1"/>
           </p:cNvSpPr>
@@ -39853,13 +37709,7 @@
       </p:sp>
       <p:sp>
         <p:nvSpPr>
-          <p:cNvPr id="4" name="文本框 3">
-            <a:extLst>
-              <a:ext uri="{FF2B5EF4-FFF2-40B4-BE49-F238E27FC236}">
-                <a16:creationId xmlns:a16="http://schemas.microsoft.com/office/drawing/2014/main" id="{662E61B5-E012-4B83-BB6D-812FD36E9EA4}"/>
-              </a:ext>
-            </a:extLst>
-          </p:cNvPr>
+          <p:cNvPr id="4" name="文本框 3"/>
           <p:cNvSpPr txBox="1"/>
           <p:nvPr/>
         </p:nvSpPr>
@@ -39888,13 +37738,7 @@
       </p:sp>
       <p:pic>
         <p:nvPicPr>
-          <p:cNvPr id="5" name="图片 4">
-            <a:extLst>
-              <a:ext uri="{FF2B5EF4-FFF2-40B4-BE49-F238E27FC236}">
-                <a16:creationId xmlns:a16="http://schemas.microsoft.com/office/drawing/2014/main" id="{77BA0094-6793-4B7A-BEDB-71BA63165CF9}"/>
-              </a:ext>
-            </a:extLst>
-          </p:cNvPr>
+          <p:cNvPr id="5" name="图片 4"/>
           <p:cNvPicPr>
             <a:picLocks noChangeAspect="1"/>
           </p:cNvPicPr>
@@ -39917,11 +37761,6 @@
         </p:spPr>
       </p:pic>
     </p:spTree>
-    <p:extLst>
-      <p:ext uri="{BB962C8B-B14F-4D97-AF65-F5344CB8AC3E}">
-        <p14:creationId xmlns:p14="http://schemas.microsoft.com/office/powerpoint/2010/main" val="1769842473"/>
-      </p:ext>
-    </p:extLst>
   </p:cSld>
   <p:clrMapOvr>
     <a:masterClrMapping/>
@@ -40406,16 +38245,10 @@
               <a:noFill/>
               <a:prstDash val="solid"/>
               <a:round/>
-              <a:headEnd/>
-              <a:tailEnd/>
             </a:ln>
           </p:spPr>
           <p:txBody>
-            <a:bodyPr vert="horz" wrap="square" lIns="91440" tIns="45720" rIns="91440" bIns="45720" numCol="1" anchor="t" anchorCtr="0" compatLnSpc="1">
-              <a:prstTxWarp prst="textNoShape">
-                <a:avLst/>
-              </a:prstTxWarp>
-            </a:bodyPr>
+            <a:bodyPr vert="horz" wrap="square" lIns="91440" tIns="45720" rIns="91440" bIns="45720" numCol="1" anchor="t" anchorCtr="0" compatLnSpc="1"/>
             <a:lstStyle/>
             <a:p>
               <a:endParaRPr lang="zh-CN" altLang="en-US" dirty="0"/>
@@ -40425,9 +38258,7 @@
         <p:sp>
           <p:nvSpPr>
             <p:cNvPr id="6" name="Freeform 13"/>
-            <p:cNvSpPr>
-              <a:spLocks/>
-            </p:cNvSpPr>
+            <p:cNvSpPr/>
             <p:nvPr/>
           </p:nvSpPr>
           <p:spPr bwMode="auto">
@@ -40560,16 +38391,10 @@
               <a:noFill/>
               <a:prstDash val="solid"/>
               <a:round/>
-              <a:headEnd/>
-              <a:tailEnd/>
             </a:ln>
           </p:spPr>
           <p:txBody>
-            <a:bodyPr vert="horz" wrap="square" lIns="91440" tIns="45720" rIns="91440" bIns="45720" numCol="1" anchor="t" anchorCtr="0" compatLnSpc="1">
-              <a:prstTxWarp prst="textNoShape">
-                <a:avLst/>
-              </a:prstTxWarp>
-            </a:bodyPr>
+            <a:bodyPr vert="horz" wrap="square" lIns="91440" tIns="45720" rIns="91440" bIns="45720" numCol="1" anchor="t" anchorCtr="0" compatLnSpc="1"/>
             <a:lstStyle/>
             <a:p>
               <a:endParaRPr lang="zh-CN" altLang="en-US"/>
@@ -40579,9 +38404,7 @@
         <p:sp>
           <p:nvSpPr>
             <p:cNvPr id="7" name="Freeform 14"/>
-            <p:cNvSpPr>
-              <a:spLocks/>
-            </p:cNvSpPr>
+            <p:cNvSpPr/>
             <p:nvPr/>
           </p:nvSpPr>
           <p:spPr bwMode="auto">
@@ -40714,16 +38537,10 @@
               <a:noFill/>
               <a:prstDash val="solid"/>
               <a:round/>
-              <a:headEnd/>
-              <a:tailEnd/>
             </a:ln>
           </p:spPr>
           <p:txBody>
-            <a:bodyPr vert="horz" wrap="square" lIns="91440" tIns="45720" rIns="91440" bIns="45720" numCol="1" anchor="t" anchorCtr="0" compatLnSpc="1">
-              <a:prstTxWarp prst="textNoShape">
-                <a:avLst/>
-              </a:prstTxWarp>
-            </a:bodyPr>
+            <a:bodyPr vert="horz" wrap="square" lIns="91440" tIns="45720" rIns="91440" bIns="45720" numCol="1" anchor="t" anchorCtr="0" compatLnSpc="1"/>
             <a:lstStyle/>
             <a:p>
               <a:endParaRPr lang="zh-CN" altLang="en-US"/>
@@ -40733,9 +38550,7 @@
         <p:sp>
           <p:nvSpPr>
             <p:cNvPr id="8" name="Freeform 15"/>
-            <p:cNvSpPr>
-              <a:spLocks/>
-            </p:cNvSpPr>
+            <p:cNvSpPr/>
             <p:nvPr/>
           </p:nvSpPr>
           <p:spPr bwMode="auto">
@@ -40868,16 +38683,10 @@
               <a:noFill/>
               <a:prstDash val="solid"/>
               <a:round/>
-              <a:headEnd/>
-              <a:tailEnd/>
             </a:ln>
           </p:spPr>
           <p:txBody>
-            <a:bodyPr vert="horz" wrap="square" lIns="91440" tIns="45720" rIns="91440" bIns="45720" numCol="1" anchor="t" anchorCtr="0" compatLnSpc="1">
-              <a:prstTxWarp prst="textNoShape">
-                <a:avLst/>
-              </a:prstTxWarp>
-            </a:bodyPr>
+            <a:bodyPr vert="horz" wrap="square" lIns="91440" tIns="45720" rIns="91440" bIns="45720" numCol="1" anchor="t" anchorCtr="0" compatLnSpc="1"/>
             <a:lstStyle/>
             <a:p>
               <a:endParaRPr lang="zh-CN" altLang="en-US"/>
@@ -40887,9 +38696,7 @@
         <p:sp>
           <p:nvSpPr>
             <p:cNvPr id="9" name="Freeform 16"/>
-            <p:cNvSpPr>
-              <a:spLocks/>
-            </p:cNvSpPr>
+            <p:cNvSpPr/>
             <p:nvPr/>
           </p:nvSpPr>
           <p:spPr bwMode="auto">
@@ -41022,16 +38829,10 @@
               <a:noFill/>
               <a:prstDash val="solid"/>
               <a:round/>
-              <a:headEnd/>
-              <a:tailEnd/>
             </a:ln>
           </p:spPr>
           <p:txBody>
-            <a:bodyPr vert="horz" wrap="square" lIns="91440" tIns="45720" rIns="91440" bIns="45720" numCol="1" anchor="t" anchorCtr="0" compatLnSpc="1">
-              <a:prstTxWarp prst="textNoShape">
-                <a:avLst/>
-              </a:prstTxWarp>
-            </a:bodyPr>
+            <a:bodyPr vert="horz" wrap="square" lIns="91440" tIns="45720" rIns="91440" bIns="45720" numCol="1" anchor="t" anchorCtr="0" compatLnSpc="1"/>
             <a:lstStyle/>
             <a:p>
               <a:endParaRPr lang="zh-CN" altLang="en-US"/>
@@ -41041,9 +38842,7 @@
         <p:sp>
           <p:nvSpPr>
             <p:cNvPr id="10" name="Freeform 17"/>
-            <p:cNvSpPr>
-              <a:spLocks/>
-            </p:cNvSpPr>
+            <p:cNvSpPr/>
             <p:nvPr/>
           </p:nvSpPr>
           <p:spPr bwMode="auto">
@@ -41176,16 +38975,10 @@
               <a:noFill/>
               <a:prstDash val="solid"/>
               <a:round/>
-              <a:headEnd/>
-              <a:tailEnd/>
             </a:ln>
           </p:spPr>
           <p:txBody>
-            <a:bodyPr vert="horz" wrap="square" lIns="91440" tIns="45720" rIns="91440" bIns="45720" numCol="1" anchor="t" anchorCtr="0" compatLnSpc="1">
-              <a:prstTxWarp prst="textNoShape">
-                <a:avLst/>
-              </a:prstTxWarp>
-            </a:bodyPr>
+            <a:bodyPr vert="horz" wrap="square" lIns="91440" tIns="45720" rIns="91440" bIns="45720" numCol="1" anchor="t" anchorCtr="0" compatLnSpc="1"/>
             <a:lstStyle/>
             <a:p>
               <a:endParaRPr lang="zh-CN" altLang="en-US"/>
@@ -41195,9 +38988,7 @@
         <p:sp>
           <p:nvSpPr>
             <p:cNvPr id="11" name="Freeform 18"/>
-            <p:cNvSpPr>
-              <a:spLocks/>
-            </p:cNvSpPr>
+            <p:cNvSpPr/>
             <p:nvPr/>
           </p:nvSpPr>
           <p:spPr bwMode="auto">
@@ -41330,16 +39121,10 @@
               <a:noFill/>
               <a:prstDash val="solid"/>
               <a:round/>
-              <a:headEnd/>
-              <a:tailEnd/>
             </a:ln>
           </p:spPr>
           <p:txBody>
-            <a:bodyPr vert="horz" wrap="square" lIns="91440" tIns="45720" rIns="91440" bIns="45720" numCol="1" anchor="t" anchorCtr="0" compatLnSpc="1">
-              <a:prstTxWarp prst="textNoShape">
-                <a:avLst/>
-              </a:prstTxWarp>
-            </a:bodyPr>
+            <a:bodyPr vert="horz" wrap="square" lIns="91440" tIns="45720" rIns="91440" bIns="45720" numCol="1" anchor="t" anchorCtr="0" compatLnSpc="1"/>
             <a:lstStyle/>
             <a:p>
               <a:endParaRPr lang="zh-CN" altLang="en-US"/>
@@ -41935,16 +39720,10 @@
               <a:noFill/>
               <a:prstDash val="solid"/>
               <a:round/>
-              <a:headEnd/>
-              <a:tailEnd/>
             </a:ln>
           </p:spPr>
           <p:txBody>
-            <a:bodyPr vert="horz" wrap="square" lIns="91440" tIns="45720" rIns="91440" bIns="45720" numCol="1" anchor="t" anchorCtr="0" compatLnSpc="1">
-              <a:prstTxWarp prst="textNoShape">
-                <a:avLst/>
-              </a:prstTxWarp>
-            </a:bodyPr>
+            <a:bodyPr vert="horz" wrap="square" lIns="91440" tIns="45720" rIns="91440" bIns="45720" numCol="1" anchor="t" anchorCtr="0" compatLnSpc="1"/>
             <a:lstStyle/>
             <a:p>
               <a:endParaRPr lang="zh-CN" altLang="en-US"/>
@@ -41954,9 +39733,7 @@
         <p:sp>
           <p:nvSpPr>
             <p:cNvPr id="18" name="Freeform 13"/>
-            <p:cNvSpPr>
-              <a:spLocks/>
-            </p:cNvSpPr>
+            <p:cNvSpPr/>
             <p:nvPr/>
           </p:nvSpPr>
           <p:spPr bwMode="auto">
@@ -42089,16 +39866,10 @@
               <a:noFill/>
               <a:prstDash val="solid"/>
               <a:round/>
-              <a:headEnd/>
-              <a:tailEnd/>
             </a:ln>
           </p:spPr>
           <p:txBody>
-            <a:bodyPr vert="horz" wrap="square" lIns="91440" tIns="45720" rIns="91440" bIns="45720" numCol="1" anchor="t" anchorCtr="0" compatLnSpc="1">
-              <a:prstTxWarp prst="textNoShape">
-                <a:avLst/>
-              </a:prstTxWarp>
-            </a:bodyPr>
+            <a:bodyPr vert="horz" wrap="square" lIns="91440" tIns="45720" rIns="91440" bIns="45720" numCol="1" anchor="t" anchorCtr="0" compatLnSpc="1"/>
             <a:lstStyle/>
             <a:p>
               <a:endParaRPr lang="zh-CN" altLang="en-US"/>
@@ -42108,9 +39879,7 @@
         <p:sp>
           <p:nvSpPr>
             <p:cNvPr id="19" name="Freeform 14"/>
-            <p:cNvSpPr>
-              <a:spLocks/>
-            </p:cNvSpPr>
+            <p:cNvSpPr/>
             <p:nvPr/>
           </p:nvSpPr>
           <p:spPr bwMode="auto">
@@ -42243,16 +40012,10 @@
               <a:noFill/>
               <a:prstDash val="solid"/>
               <a:round/>
-              <a:headEnd/>
-              <a:tailEnd/>
             </a:ln>
           </p:spPr>
           <p:txBody>
-            <a:bodyPr vert="horz" wrap="square" lIns="91440" tIns="45720" rIns="91440" bIns="45720" numCol="1" anchor="t" anchorCtr="0" compatLnSpc="1">
-              <a:prstTxWarp prst="textNoShape">
-                <a:avLst/>
-              </a:prstTxWarp>
-            </a:bodyPr>
+            <a:bodyPr vert="horz" wrap="square" lIns="91440" tIns="45720" rIns="91440" bIns="45720" numCol="1" anchor="t" anchorCtr="0" compatLnSpc="1"/>
             <a:lstStyle/>
             <a:p>
               <a:endParaRPr lang="zh-CN" altLang="en-US"/>
@@ -42262,9 +40025,7 @@
         <p:sp>
           <p:nvSpPr>
             <p:cNvPr id="20" name="Freeform 15"/>
-            <p:cNvSpPr>
-              <a:spLocks/>
-            </p:cNvSpPr>
+            <p:cNvSpPr/>
             <p:nvPr/>
           </p:nvSpPr>
           <p:spPr bwMode="auto">
@@ -42397,16 +40158,10 @@
               <a:noFill/>
               <a:prstDash val="solid"/>
               <a:round/>
-              <a:headEnd/>
-              <a:tailEnd/>
             </a:ln>
           </p:spPr>
           <p:txBody>
-            <a:bodyPr vert="horz" wrap="square" lIns="91440" tIns="45720" rIns="91440" bIns="45720" numCol="1" anchor="t" anchorCtr="0" compatLnSpc="1">
-              <a:prstTxWarp prst="textNoShape">
-                <a:avLst/>
-              </a:prstTxWarp>
-            </a:bodyPr>
+            <a:bodyPr vert="horz" wrap="square" lIns="91440" tIns="45720" rIns="91440" bIns="45720" numCol="1" anchor="t" anchorCtr="0" compatLnSpc="1"/>
             <a:lstStyle/>
             <a:p>
               <a:endParaRPr lang="zh-CN" altLang="en-US"/>
@@ -42416,9 +40171,7 @@
         <p:sp>
           <p:nvSpPr>
             <p:cNvPr id="21" name="Freeform 16"/>
-            <p:cNvSpPr>
-              <a:spLocks/>
-            </p:cNvSpPr>
+            <p:cNvSpPr/>
             <p:nvPr/>
           </p:nvSpPr>
           <p:spPr bwMode="auto">
@@ -42551,16 +40304,10 @@
               <a:noFill/>
               <a:prstDash val="solid"/>
               <a:round/>
-              <a:headEnd/>
-              <a:tailEnd/>
             </a:ln>
           </p:spPr>
           <p:txBody>
-            <a:bodyPr vert="horz" wrap="square" lIns="91440" tIns="45720" rIns="91440" bIns="45720" numCol="1" anchor="t" anchorCtr="0" compatLnSpc="1">
-              <a:prstTxWarp prst="textNoShape">
-                <a:avLst/>
-              </a:prstTxWarp>
-            </a:bodyPr>
+            <a:bodyPr vert="horz" wrap="square" lIns="91440" tIns="45720" rIns="91440" bIns="45720" numCol="1" anchor="t" anchorCtr="0" compatLnSpc="1"/>
             <a:lstStyle/>
             <a:p>
               <a:endParaRPr lang="zh-CN" altLang="en-US"/>
@@ -42570,9 +40317,7 @@
         <p:sp>
           <p:nvSpPr>
             <p:cNvPr id="22" name="Freeform 17"/>
-            <p:cNvSpPr>
-              <a:spLocks/>
-            </p:cNvSpPr>
+            <p:cNvSpPr/>
             <p:nvPr/>
           </p:nvSpPr>
           <p:spPr bwMode="auto">
@@ -42705,16 +40450,10 @@
               <a:noFill/>
               <a:prstDash val="solid"/>
               <a:round/>
-              <a:headEnd/>
-              <a:tailEnd/>
             </a:ln>
           </p:spPr>
           <p:txBody>
-            <a:bodyPr vert="horz" wrap="square" lIns="91440" tIns="45720" rIns="91440" bIns="45720" numCol="1" anchor="t" anchorCtr="0" compatLnSpc="1">
-              <a:prstTxWarp prst="textNoShape">
-                <a:avLst/>
-              </a:prstTxWarp>
-            </a:bodyPr>
+            <a:bodyPr vert="horz" wrap="square" lIns="91440" tIns="45720" rIns="91440" bIns="45720" numCol="1" anchor="t" anchorCtr="0" compatLnSpc="1"/>
             <a:lstStyle/>
             <a:p>
               <a:endParaRPr lang="zh-CN" altLang="en-US"/>
@@ -42724,9 +40463,7 @@
         <p:sp>
           <p:nvSpPr>
             <p:cNvPr id="23" name="Freeform 18"/>
-            <p:cNvSpPr>
-              <a:spLocks/>
-            </p:cNvSpPr>
+            <p:cNvSpPr/>
             <p:nvPr/>
           </p:nvSpPr>
           <p:spPr bwMode="auto">
@@ -42859,16 +40596,10 @@
               <a:noFill/>
               <a:prstDash val="solid"/>
               <a:round/>
-              <a:headEnd/>
-              <a:tailEnd/>
             </a:ln>
           </p:spPr>
           <p:txBody>
-            <a:bodyPr vert="horz" wrap="square" lIns="91440" tIns="45720" rIns="91440" bIns="45720" numCol="1" anchor="t" anchorCtr="0" compatLnSpc="1">
-              <a:prstTxWarp prst="textNoShape">
-                <a:avLst/>
-              </a:prstTxWarp>
-            </a:bodyPr>
+            <a:bodyPr vert="horz" wrap="square" lIns="91440" tIns="45720" rIns="91440" bIns="45720" numCol="1" anchor="t" anchorCtr="0" compatLnSpc="1"/>
             <a:lstStyle/>
             <a:p>
               <a:endParaRPr lang="zh-CN" altLang="en-US"/>
@@ -43451,16 +41182,10 @@
               <a:noFill/>
               <a:prstDash val="solid"/>
               <a:round/>
-              <a:headEnd/>
-              <a:tailEnd/>
             </a:ln>
           </p:spPr>
           <p:txBody>
-            <a:bodyPr vert="horz" wrap="square" lIns="91440" tIns="45720" rIns="91440" bIns="45720" numCol="1" anchor="t" anchorCtr="0" compatLnSpc="1">
-              <a:prstTxWarp prst="textNoShape">
-                <a:avLst/>
-              </a:prstTxWarp>
-            </a:bodyPr>
+            <a:bodyPr vert="horz" wrap="square" lIns="91440" tIns="45720" rIns="91440" bIns="45720" numCol="1" anchor="t" anchorCtr="0" compatLnSpc="1"/>
             <a:lstStyle/>
             <a:p>
               <a:endParaRPr lang="zh-CN" altLang="en-US"/>
@@ -43470,9 +41195,7 @@
         <p:sp>
           <p:nvSpPr>
             <p:cNvPr id="28" name="Freeform 13"/>
-            <p:cNvSpPr>
-              <a:spLocks/>
-            </p:cNvSpPr>
+            <p:cNvSpPr/>
             <p:nvPr/>
           </p:nvSpPr>
           <p:spPr bwMode="auto">
@@ -43605,16 +41328,10 @@
               <a:noFill/>
               <a:prstDash val="solid"/>
               <a:round/>
-              <a:headEnd/>
-              <a:tailEnd/>
             </a:ln>
           </p:spPr>
           <p:txBody>
-            <a:bodyPr vert="horz" wrap="square" lIns="91440" tIns="45720" rIns="91440" bIns="45720" numCol="1" anchor="t" anchorCtr="0" compatLnSpc="1">
-              <a:prstTxWarp prst="textNoShape">
-                <a:avLst/>
-              </a:prstTxWarp>
-            </a:bodyPr>
+            <a:bodyPr vert="horz" wrap="square" lIns="91440" tIns="45720" rIns="91440" bIns="45720" numCol="1" anchor="t" anchorCtr="0" compatLnSpc="1"/>
             <a:lstStyle/>
             <a:p>
               <a:endParaRPr lang="zh-CN" altLang="en-US"/>
@@ -43624,9 +41341,7 @@
         <p:sp>
           <p:nvSpPr>
             <p:cNvPr id="29" name="Freeform 14"/>
-            <p:cNvSpPr>
-              <a:spLocks/>
-            </p:cNvSpPr>
+            <p:cNvSpPr/>
             <p:nvPr/>
           </p:nvSpPr>
           <p:spPr bwMode="auto">
@@ -43759,16 +41474,10 @@
               <a:noFill/>
               <a:prstDash val="solid"/>
               <a:round/>
-              <a:headEnd/>
-              <a:tailEnd/>
             </a:ln>
           </p:spPr>
           <p:txBody>
-            <a:bodyPr vert="horz" wrap="square" lIns="91440" tIns="45720" rIns="91440" bIns="45720" numCol="1" anchor="t" anchorCtr="0" compatLnSpc="1">
-              <a:prstTxWarp prst="textNoShape">
-                <a:avLst/>
-              </a:prstTxWarp>
-            </a:bodyPr>
+            <a:bodyPr vert="horz" wrap="square" lIns="91440" tIns="45720" rIns="91440" bIns="45720" numCol="1" anchor="t" anchorCtr="0" compatLnSpc="1"/>
             <a:lstStyle/>
             <a:p>
               <a:endParaRPr lang="zh-CN" altLang="en-US"/>
@@ -43778,9 +41487,7 @@
         <p:sp>
           <p:nvSpPr>
             <p:cNvPr id="30" name="Freeform 15"/>
-            <p:cNvSpPr>
-              <a:spLocks/>
-            </p:cNvSpPr>
+            <p:cNvSpPr/>
             <p:nvPr/>
           </p:nvSpPr>
           <p:spPr bwMode="auto">
@@ -43913,16 +41620,10 @@
               <a:noFill/>
               <a:prstDash val="solid"/>
               <a:round/>
-              <a:headEnd/>
-              <a:tailEnd/>
             </a:ln>
           </p:spPr>
           <p:txBody>
-            <a:bodyPr vert="horz" wrap="square" lIns="91440" tIns="45720" rIns="91440" bIns="45720" numCol="1" anchor="t" anchorCtr="0" compatLnSpc="1">
-              <a:prstTxWarp prst="textNoShape">
-                <a:avLst/>
-              </a:prstTxWarp>
-            </a:bodyPr>
+            <a:bodyPr vert="horz" wrap="square" lIns="91440" tIns="45720" rIns="91440" bIns="45720" numCol="1" anchor="t" anchorCtr="0" compatLnSpc="1"/>
             <a:lstStyle/>
             <a:p>
               <a:endParaRPr lang="zh-CN" altLang="en-US"/>
@@ -43932,9 +41633,7 @@
         <p:sp>
           <p:nvSpPr>
             <p:cNvPr id="31" name="Freeform 16"/>
-            <p:cNvSpPr>
-              <a:spLocks/>
-            </p:cNvSpPr>
+            <p:cNvSpPr/>
             <p:nvPr/>
           </p:nvSpPr>
           <p:spPr bwMode="auto">
@@ -44067,16 +41766,10 @@
               <a:noFill/>
               <a:prstDash val="solid"/>
               <a:round/>
-              <a:headEnd/>
-              <a:tailEnd/>
             </a:ln>
           </p:spPr>
           <p:txBody>
-            <a:bodyPr vert="horz" wrap="square" lIns="91440" tIns="45720" rIns="91440" bIns="45720" numCol="1" anchor="t" anchorCtr="0" compatLnSpc="1">
-              <a:prstTxWarp prst="textNoShape">
-                <a:avLst/>
-              </a:prstTxWarp>
-            </a:bodyPr>
+            <a:bodyPr vert="horz" wrap="square" lIns="91440" tIns="45720" rIns="91440" bIns="45720" numCol="1" anchor="t" anchorCtr="0" compatLnSpc="1"/>
             <a:lstStyle/>
             <a:p>
               <a:endParaRPr lang="zh-CN" altLang="en-US"/>
@@ -44086,9 +41779,7 @@
         <p:sp>
           <p:nvSpPr>
             <p:cNvPr id="32" name="Freeform 17"/>
-            <p:cNvSpPr>
-              <a:spLocks/>
-            </p:cNvSpPr>
+            <p:cNvSpPr/>
             <p:nvPr/>
           </p:nvSpPr>
           <p:spPr bwMode="auto">
@@ -44221,16 +41912,10 @@
               <a:noFill/>
               <a:prstDash val="solid"/>
               <a:round/>
-              <a:headEnd/>
-              <a:tailEnd/>
             </a:ln>
           </p:spPr>
           <p:txBody>
-            <a:bodyPr vert="horz" wrap="square" lIns="91440" tIns="45720" rIns="91440" bIns="45720" numCol="1" anchor="t" anchorCtr="0" compatLnSpc="1">
-              <a:prstTxWarp prst="textNoShape">
-                <a:avLst/>
-              </a:prstTxWarp>
-            </a:bodyPr>
+            <a:bodyPr vert="horz" wrap="square" lIns="91440" tIns="45720" rIns="91440" bIns="45720" numCol="1" anchor="t" anchorCtr="0" compatLnSpc="1"/>
             <a:lstStyle/>
             <a:p>
               <a:endParaRPr lang="zh-CN" altLang="en-US"/>
@@ -44240,9 +41925,7 @@
         <p:sp>
           <p:nvSpPr>
             <p:cNvPr id="33" name="Freeform 18"/>
-            <p:cNvSpPr>
-              <a:spLocks/>
-            </p:cNvSpPr>
+            <p:cNvSpPr/>
             <p:nvPr/>
           </p:nvSpPr>
           <p:spPr bwMode="auto">
@@ -44375,16 +42058,10 @@
               <a:noFill/>
               <a:prstDash val="solid"/>
               <a:round/>
-              <a:headEnd/>
-              <a:tailEnd/>
             </a:ln>
           </p:spPr>
           <p:txBody>
-            <a:bodyPr vert="horz" wrap="square" lIns="91440" tIns="45720" rIns="91440" bIns="45720" numCol="1" anchor="t" anchorCtr="0" compatLnSpc="1">
-              <a:prstTxWarp prst="textNoShape">
-                <a:avLst/>
-              </a:prstTxWarp>
-            </a:bodyPr>
+            <a:bodyPr vert="horz" wrap="square" lIns="91440" tIns="45720" rIns="91440" bIns="45720" numCol="1" anchor="t" anchorCtr="0" compatLnSpc="1"/>
             <a:lstStyle/>
             <a:p>
               <a:endParaRPr lang="zh-CN" altLang="en-US"/>
@@ -44571,11 +42248,6 @@
         </p:txBody>
       </p:sp>
     </p:spTree>
-    <p:extLst>
-      <p:ext uri="{BB962C8B-B14F-4D97-AF65-F5344CB8AC3E}">
-        <p14:creationId xmlns:p14="http://schemas.microsoft.com/office/powerpoint/2010/main" val="1999337836"/>
-      </p:ext>
-    </p:extLst>
   </p:cSld>
   <p:clrMapOvr>
     <a:masterClrMapping/>
@@ -44670,11 +42342,6 @@
         </p:txBody>
       </p:sp>
     </p:spTree>
-    <p:extLst>
-      <p:ext uri="{BB962C8B-B14F-4D97-AF65-F5344CB8AC3E}">
-        <p14:creationId xmlns:p14="http://schemas.microsoft.com/office/powerpoint/2010/main" val="1579059895"/>
-      </p:ext>
-    </p:extLst>
   </p:cSld>
   <p:clrMapOvr>
     <a:masterClrMapping/>
@@ -44713,13 +42380,7 @@
       </p:grpSpPr>
       <p:sp>
         <p:nvSpPr>
-          <p:cNvPr id="2" name="文本占位符 1">
-            <a:extLst>
-              <a:ext uri="{FF2B5EF4-FFF2-40B4-BE49-F238E27FC236}">
-                <a16:creationId xmlns:a16="http://schemas.microsoft.com/office/drawing/2014/main" id="{30B5DABE-AEE3-4875-92EC-152876C8F503}"/>
-              </a:ext>
-            </a:extLst>
-          </p:cNvPr>
+          <p:cNvPr id="2" name="文本占位符 1"/>
           <p:cNvSpPr>
             <a:spLocks noGrp="1"/>
           </p:cNvSpPr>
@@ -44742,13 +42403,7 @@
       </p:sp>
       <p:sp>
         <p:nvSpPr>
-          <p:cNvPr id="3" name="文本占位符 2">
-            <a:extLst>
-              <a:ext uri="{FF2B5EF4-FFF2-40B4-BE49-F238E27FC236}">
-                <a16:creationId xmlns:a16="http://schemas.microsoft.com/office/drawing/2014/main" id="{BAF4F1E3-39FB-4F7C-BE38-D37CBB0B26C5}"/>
-              </a:ext>
-            </a:extLst>
-          </p:cNvPr>
+          <p:cNvPr id="3" name="文本占位符 2"/>
           <p:cNvSpPr>
             <a:spLocks noGrp="1"/>
           </p:cNvSpPr>
@@ -44782,13 +42437,7 @@
       </p:sp>
       <p:sp>
         <p:nvSpPr>
-          <p:cNvPr id="4" name="矩形 3">
-            <a:extLst>
-              <a:ext uri="{FF2B5EF4-FFF2-40B4-BE49-F238E27FC236}">
-                <a16:creationId xmlns:a16="http://schemas.microsoft.com/office/drawing/2014/main" id="{42171ABB-6E0E-43F8-A1B3-B6E37D2C7DF9}"/>
-              </a:ext>
-            </a:extLst>
-          </p:cNvPr>
+          <p:cNvPr id="4" name="矩形 3"/>
           <p:cNvSpPr/>
           <p:nvPr/>
         </p:nvSpPr>
@@ -44826,13 +42475,7 @@
       </p:sp>
       <p:pic>
         <p:nvPicPr>
-          <p:cNvPr id="6" name="图片 5">
-            <a:extLst>
-              <a:ext uri="{FF2B5EF4-FFF2-40B4-BE49-F238E27FC236}">
-                <a16:creationId xmlns:a16="http://schemas.microsoft.com/office/drawing/2014/main" id="{1B394C90-E73F-4D23-95F2-5D84AE0D540B}"/>
-              </a:ext>
-            </a:extLst>
-          </p:cNvPr>
+          <p:cNvPr id="6" name="图片 5"/>
           <p:cNvPicPr>
             <a:picLocks noChangeAspect="1"/>
           </p:cNvPicPr>
@@ -44856,13 +42499,7 @@
       </p:pic>
       <p:grpSp>
         <p:nvGrpSpPr>
-          <p:cNvPr id="24" name="组合 23">
-            <a:extLst>
-              <a:ext uri="{FF2B5EF4-FFF2-40B4-BE49-F238E27FC236}">
-                <a16:creationId xmlns:a16="http://schemas.microsoft.com/office/drawing/2014/main" id="{BD282CEF-2623-48EF-9231-7366C82C0BCE}"/>
-              </a:ext>
-            </a:extLst>
-          </p:cNvPr>
+          <p:cNvPr id="24" name="组合 23"/>
           <p:cNvGrpSpPr/>
           <p:nvPr/>
         </p:nvGrpSpPr>
@@ -44876,13 +42513,7 @@
         </p:grpSpPr>
         <p:sp>
           <p:nvSpPr>
-            <p:cNvPr id="7" name="矩形: 圆角 6">
-              <a:extLst>
-                <a:ext uri="{FF2B5EF4-FFF2-40B4-BE49-F238E27FC236}">
-                  <a16:creationId xmlns:a16="http://schemas.microsoft.com/office/drawing/2014/main" id="{ED6FE828-685F-4D23-A02B-B7BF003C776C}"/>
-                </a:ext>
-              </a:extLst>
-            </p:cNvPr>
+            <p:cNvPr id="7" name="矩形: 圆角 6"/>
             <p:cNvSpPr/>
             <p:nvPr/>
           </p:nvSpPr>
@@ -44894,7 +42525,6 @@
             <a:prstGeom prst="roundRect">
               <a:avLst/>
             </a:prstGeom>
-            <a:ln/>
           </p:spPr>
           <p:style>
             <a:lnRef idx="2">
@@ -44912,9 +42542,6 @@
           </p:style>
           <p:txBody>
             <a:bodyPr rot="0" spcFirstLastPara="0" vertOverflow="overflow" horzOverflow="overflow" vert="horz" wrap="square" lIns="91440" tIns="45720" rIns="91440" bIns="45720" numCol="1" spcCol="0" rtlCol="0" fromWordArt="0" anchor="ctr" anchorCtr="0" forceAA="0" compatLnSpc="1">
-              <a:prstTxWarp prst="textNoShape">
-                <a:avLst/>
-              </a:prstTxWarp>
               <a:noAutofit/>
             </a:bodyPr>
             <a:lstStyle/>
@@ -44929,13 +42556,7 @@
         </p:sp>
         <p:sp>
           <p:nvSpPr>
-            <p:cNvPr id="8" name="矩形: 圆角 7">
-              <a:extLst>
-                <a:ext uri="{FF2B5EF4-FFF2-40B4-BE49-F238E27FC236}">
-                  <a16:creationId xmlns:a16="http://schemas.microsoft.com/office/drawing/2014/main" id="{D70FBF00-EBA1-4BD8-A3B0-D6D46C9C58BE}"/>
-                </a:ext>
-              </a:extLst>
-            </p:cNvPr>
+            <p:cNvPr id="8" name="矩形: 圆角 7"/>
             <p:cNvSpPr/>
             <p:nvPr/>
           </p:nvSpPr>
@@ -44947,7 +42568,6 @@
             <a:prstGeom prst="roundRect">
               <a:avLst/>
             </a:prstGeom>
-            <a:ln/>
           </p:spPr>
           <p:style>
             <a:lnRef idx="2">
@@ -44965,9 +42585,6 @@
           </p:style>
           <p:txBody>
             <a:bodyPr rot="0" spcFirstLastPara="0" vertOverflow="overflow" horzOverflow="overflow" vert="horz" wrap="square" lIns="91440" tIns="45720" rIns="91440" bIns="45720" numCol="1" spcCol="0" rtlCol="0" fromWordArt="0" anchor="ctr" anchorCtr="0" forceAA="0" compatLnSpc="1">
-              <a:prstTxWarp prst="textNoShape">
-                <a:avLst/>
-              </a:prstTxWarp>
               <a:noAutofit/>
             </a:bodyPr>
             <a:lstStyle/>
@@ -44982,13 +42599,7 @@
         </p:sp>
         <p:sp>
           <p:nvSpPr>
-            <p:cNvPr id="9" name="矩形: 圆角 8">
-              <a:extLst>
-                <a:ext uri="{FF2B5EF4-FFF2-40B4-BE49-F238E27FC236}">
-                  <a16:creationId xmlns:a16="http://schemas.microsoft.com/office/drawing/2014/main" id="{D892B7C0-12AB-42A0-BDAF-D3C591FDB5E7}"/>
-                </a:ext>
-              </a:extLst>
-            </p:cNvPr>
+            <p:cNvPr id="9" name="矩形: 圆角 8"/>
             <p:cNvSpPr/>
             <p:nvPr/>
           </p:nvSpPr>
@@ -45000,7 +42611,6 @@
             <a:prstGeom prst="roundRect">
               <a:avLst/>
             </a:prstGeom>
-            <a:ln/>
           </p:spPr>
           <p:style>
             <a:lnRef idx="2">
@@ -45018,9 +42628,6 @@
           </p:style>
           <p:txBody>
             <a:bodyPr rot="0" spcFirstLastPara="0" vertOverflow="overflow" horzOverflow="overflow" vert="horz" wrap="square" lIns="91440" tIns="45720" rIns="91440" bIns="45720" numCol="1" spcCol="0" rtlCol="0" fromWordArt="0" anchor="ctr" anchorCtr="0" forceAA="0" compatLnSpc="1">
-              <a:prstTxWarp prst="textNoShape">
-                <a:avLst/>
-              </a:prstTxWarp>
               <a:noAutofit/>
             </a:bodyPr>
             <a:lstStyle/>
@@ -45035,13 +42642,7 @@
         </p:sp>
         <p:cxnSp>
           <p:nvCxnSpPr>
-            <p:cNvPr id="14" name="直接箭头连接符 13">
-              <a:extLst>
-                <a:ext uri="{FF2B5EF4-FFF2-40B4-BE49-F238E27FC236}">
-                  <a16:creationId xmlns:a16="http://schemas.microsoft.com/office/drawing/2014/main" id="{F76A3B50-C3D9-4C54-B1BD-20FFDA88D08A}"/>
-                </a:ext>
-              </a:extLst>
-            </p:cNvPr>
+            <p:cNvPr id="14" name="直接箭头连接符 13"/>
             <p:cNvCxnSpPr>
               <a:stCxn id="7" idx="2"/>
               <a:endCxn id="8" idx="0"/>
@@ -45077,13 +42678,7 @@
         </p:cxnSp>
         <p:cxnSp>
           <p:nvCxnSpPr>
-            <p:cNvPr id="16" name="直接箭头连接符 15">
-              <a:extLst>
-                <a:ext uri="{FF2B5EF4-FFF2-40B4-BE49-F238E27FC236}">
-                  <a16:creationId xmlns:a16="http://schemas.microsoft.com/office/drawing/2014/main" id="{372D7B4F-D004-4E3A-A864-F15871A3D37B}"/>
-                </a:ext>
-              </a:extLst>
-            </p:cNvPr>
+            <p:cNvPr id="16" name="直接箭头连接符 15"/>
             <p:cNvCxnSpPr/>
             <p:nvPr/>
           </p:nvCxnSpPr>
@@ -45116,13 +42711,7 @@
         </p:cxnSp>
         <p:cxnSp>
           <p:nvCxnSpPr>
-            <p:cNvPr id="17" name="直接箭头连接符 16">
-              <a:extLst>
-                <a:ext uri="{FF2B5EF4-FFF2-40B4-BE49-F238E27FC236}">
-                  <a16:creationId xmlns:a16="http://schemas.microsoft.com/office/drawing/2014/main" id="{37B27DCE-0D07-4DB6-8D4E-18BCD60EC9FB}"/>
-                </a:ext>
-              </a:extLst>
-            </p:cNvPr>
+            <p:cNvPr id="17" name="直接箭头连接符 16"/>
             <p:cNvCxnSpPr/>
             <p:nvPr/>
           </p:nvCxnSpPr>
@@ -45155,13 +42744,7 @@
         </p:cxnSp>
         <p:cxnSp>
           <p:nvCxnSpPr>
-            <p:cNvPr id="18" name="直接箭头连接符 17">
-              <a:extLst>
-                <a:ext uri="{FF2B5EF4-FFF2-40B4-BE49-F238E27FC236}">
-                  <a16:creationId xmlns:a16="http://schemas.microsoft.com/office/drawing/2014/main" id="{0F2C24A6-8D67-4DB2-8943-DD436A98AD87}"/>
-                </a:ext>
-              </a:extLst>
-            </p:cNvPr>
+            <p:cNvPr id="18" name="直接箭头连接符 17"/>
             <p:cNvCxnSpPr/>
             <p:nvPr/>
           </p:nvCxnSpPr>
@@ -45194,13 +42777,7 @@
         </p:cxnSp>
         <p:sp>
           <p:nvSpPr>
-            <p:cNvPr id="19" name="文本框 18">
-              <a:extLst>
-                <a:ext uri="{FF2B5EF4-FFF2-40B4-BE49-F238E27FC236}">
-                  <a16:creationId xmlns:a16="http://schemas.microsoft.com/office/drawing/2014/main" id="{9A89BE53-DE19-41B9-B96B-E804B54F9524}"/>
-                </a:ext>
-              </a:extLst>
-            </p:cNvPr>
+            <p:cNvPr id="19" name="文本框 18"/>
             <p:cNvSpPr txBox="1"/>
             <p:nvPr/>
           </p:nvSpPr>
@@ -45229,13 +42806,7 @@
         </p:sp>
         <p:sp>
           <p:nvSpPr>
-            <p:cNvPr id="20" name="文本框 19">
-              <a:extLst>
-                <a:ext uri="{FF2B5EF4-FFF2-40B4-BE49-F238E27FC236}">
-                  <a16:creationId xmlns:a16="http://schemas.microsoft.com/office/drawing/2014/main" id="{A6DB6C27-699C-4F9C-82DA-EDEA3ED43FA9}"/>
-                </a:ext>
-              </a:extLst>
-            </p:cNvPr>
+            <p:cNvPr id="20" name="文本框 19"/>
             <p:cNvSpPr txBox="1"/>
             <p:nvPr/>
           </p:nvSpPr>
@@ -45264,13 +42835,7 @@
         </p:sp>
         <p:sp>
           <p:nvSpPr>
-            <p:cNvPr id="21" name="箭头: 右弧形 20">
-              <a:extLst>
-                <a:ext uri="{FF2B5EF4-FFF2-40B4-BE49-F238E27FC236}">
-                  <a16:creationId xmlns:a16="http://schemas.microsoft.com/office/drawing/2014/main" id="{D0BCDC7D-1E49-462C-83A8-06BA97D3CCE2}"/>
-                </a:ext>
-              </a:extLst>
-            </p:cNvPr>
+            <p:cNvPr id="21" name="箭头: 右弧形 20"/>
             <p:cNvSpPr/>
             <p:nvPr/>
           </p:nvSpPr>
@@ -45306,9 +42871,6 @@
           </p:style>
           <p:txBody>
             <a:bodyPr rot="0" spcFirstLastPara="0" vertOverflow="overflow" horzOverflow="overflow" vert="horz" wrap="square" lIns="91440" tIns="45720" rIns="91440" bIns="45720" numCol="1" spcCol="0" rtlCol="0" fromWordArt="0" anchor="ctr" anchorCtr="0" forceAA="0" compatLnSpc="1">
-              <a:prstTxWarp prst="textNoShape">
-                <a:avLst/>
-              </a:prstTxWarp>
               <a:noAutofit/>
             </a:bodyPr>
             <a:lstStyle/>
@@ -45347,13 +42909,7 @@
         </p:sp>
         <p:sp>
           <p:nvSpPr>
-            <p:cNvPr id="22" name="文本框 21">
-              <a:extLst>
-                <a:ext uri="{FF2B5EF4-FFF2-40B4-BE49-F238E27FC236}">
-                  <a16:creationId xmlns:a16="http://schemas.microsoft.com/office/drawing/2014/main" id="{E3066B29-6F79-4A7A-8902-6FA9F92B8B22}"/>
-                </a:ext>
-              </a:extLst>
-            </p:cNvPr>
+            <p:cNvPr id="22" name="文本框 21"/>
             <p:cNvSpPr txBox="1"/>
             <p:nvPr/>
           </p:nvSpPr>
@@ -45382,11 +42938,6 @@
         </p:sp>
       </p:grpSp>
     </p:spTree>
-    <p:extLst>
-      <p:ext uri="{BB962C8B-B14F-4D97-AF65-F5344CB8AC3E}">
-        <p14:creationId xmlns:p14="http://schemas.microsoft.com/office/powerpoint/2010/main" val="4079505938"/>
-      </p:ext>
-    </p:extLst>
   </p:cSld>
   <p:clrMapOvr>
     <a:masterClrMapping/>
@@ -45413,13 +42964,7 @@
       </p:grpSpPr>
       <p:sp>
         <p:nvSpPr>
-          <p:cNvPr id="2" name="文本占位符 1">
-            <a:extLst>
-              <a:ext uri="{FF2B5EF4-FFF2-40B4-BE49-F238E27FC236}">
-                <a16:creationId xmlns:a16="http://schemas.microsoft.com/office/drawing/2014/main" id="{30B5DABE-AEE3-4875-92EC-152876C8F503}"/>
-              </a:ext>
-            </a:extLst>
-          </p:cNvPr>
+          <p:cNvPr id="2" name="文本占位符 1"/>
           <p:cNvSpPr>
             <a:spLocks noGrp="1"/>
           </p:cNvSpPr>
@@ -45442,13 +42987,7 @@
       </p:sp>
       <p:sp>
         <p:nvSpPr>
-          <p:cNvPr id="3" name="文本占位符 2">
-            <a:extLst>
-              <a:ext uri="{FF2B5EF4-FFF2-40B4-BE49-F238E27FC236}">
-                <a16:creationId xmlns:a16="http://schemas.microsoft.com/office/drawing/2014/main" id="{BAF4F1E3-39FB-4F7C-BE38-D37CBB0B26C5}"/>
-              </a:ext>
-            </a:extLst>
-          </p:cNvPr>
+          <p:cNvPr id="3" name="文本占位符 2"/>
           <p:cNvSpPr>
             <a:spLocks noGrp="1"/>
           </p:cNvSpPr>
@@ -45482,13 +43021,7 @@
       </p:sp>
       <p:sp>
         <p:nvSpPr>
-          <p:cNvPr id="4" name="矩形 3">
-            <a:extLst>
-              <a:ext uri="{FF2B5EF4-FFF2-40B4-BE49-F238E27FC236}">
-                <a16:creationId xmlns:a16="http://schemas.microsoft.com/office/drawing/2014/main" id="{42171ABB-6E0E-43F8-A1B3-B6E37D2C7DF9}"/>
-              </a:ext>
-            </a:extLst>
-          </p:cNvPr>
+          <p:cNvPr id="4" name="矩形 3"/>
           <p:cNvSpPr/>
           <p:nvPr/>
         </p:nvSpPr>
@@ -45526,13 +43059,7 @@
       </p:sp>
       <p:grpSp>
         <p:nvGrpSpPr>
-          <p:cNvPr id="12" name="组合 11">
-            <a:extLst>
-              <a:ext uri="{FF2B5EF4-FFF2-40B4-BE49-F238E27FC236}">
-                <a16:creationId xmlns:a16="http://schemas.microsoft.com/office/drawing/2014/main" id="{EC3A6F7A-DAA8-4348-A7F5-AE6A2FE7514A}"/>
-              </a:ext>
-            </a:extLst>
-          </p:cNvPr>
+          <p:cNvPr id="12" name="组合 11"/>
           <p:cNvGrpSpPr/>
           <p:nvPr/>
         </p:nvGrpSpPr>
@@ -45546,13 +43073,7 @@
         </p:grpSpPr>
         <p:grpSp>
           <p:nvGrpSpPr>
-            <p:cNvPr id="24" name="组合 23">
-              <a:extLst>
-                <a:ext uri="{FF2B5EF4-FFF2-40B4-BE49-F238E27FC236}">
-                  <a16:creationId xmlns:a16="http://schemas.microsoft.com/office/drawing/2014/main" id="{BD282CEF-2623-48EF-9231-7366C82C0BCE}"/>
-                </a:ext>
-              </a:extLst>
-            </p:cNvPr>
+            <p:cNvPr id="24" name="组合 23"/>
             <p:cNvGrpSpPr/>
             <p:nvPr/>
           </p:nvGrpSpPr>
@@ -45566,13 +43087,7 @@
           </p:grpSpPr>
           <p:sp>
             <p:nvSpPr>
-              <p:cNvPr id="7" name="矩形: 圆角 6">
-                <a:extLst>
-                  <a:ext uri="{FF2B5EF4-FFF2-40B4-BE49-F238E27FC236}">
-                    <a16:creationId xmlns:a16="http://schemas.microsoft.com/office/drawing/2014/main" id="{ED6FE828-685F-4D23-A02B-B7BF003C776C}"/>
-                  </a:ext>
-                </a:extLst>
-              </p:cNvPr>
+              <p:cNvPr id="7" name="矩形: 圆角 6"/>
               <p:cNvSpPr/>
               <p:nvPr/>
             </p:nvSpPr>
@@ -45584,7 +43099,6 @@
               <a:prstGeom prst="roundRect">
                 <a:avLst/>
               </a:prstGeom>
-              <a:ln/>
             </p:spPr>
             <p:style>
               <a:lnRef idx="2">
@@ -45602,9 +43116,6 @@
             </p:style>
             <p:txBody>
               <a:bodyPr rot="0" spcFirstLastPara="0" vertOverflow="overflow" horzOverflow="overflow" vert="horz" wrap="square" lIns="91440" tIns="45720" rIns="91440" bIns="45720" numCol="1" spcCol="0" rtlCol="0" fromWordArt="0" anchor="ctr" anchorCtr="0" forceAA="0" compatLnSpc="1">
-                <a:prstTxWarp prst="textNoShape">
-                  <a:avLst/>
-                </a:prstTxWarp>
                 <a:noAutofit/>
               </a:bodyPr>
               <a:lstStyle/>
@@ -45619,13 +43130,7 @@
           </p:sp>
           <p:sp>
             <p:nvSpPr>
-              <p:cNvPr id="8" name="矩形: 圆角 7">
-                <a:extLst>
-                  <a:ext uri="{FF2B5EF4-FFF2-40B4-BE49-F238E27FC236}">
-                    <a16:creationId xmlns:a16="http://schemas.microsoft.com/office/drawing/2014/main" id="{D70FBF00-EBA1-4BD8-A3B0-D6D46C9C58BE}"/>
-                  </a:ext>
-                </a:extLst>
-              </p:cNvPr>
+              <p:cNvPr id="8" name="矩形: 圆角 7"/>
               <p:cNvSpPr/>
               <p:nvPr/>
             </p:nvSpPr>
@@ -45637,7 +43142,6 @@
               <a:prstGeom prst="roundRect">
                 <a:avLst/>
               </a:prstGeom>
-              <a:ln/>
             </p:spPr>
             <p:style>
               <a:lnRef idx="2">
@@ -45655,9 +43159,6 @@
             </p:style>
             <p:txBody>
               <a:bodyPr rot="0" spcFirstLastPara="0" vertOverflow="overflow" horzOverflow="overflow" vert="horz" wrap="square" lIns="91440" tIns="45720" rIns="91440" bIns="45720" numCol="1" spcCol="0" rtlCol="0" fromWordArt="0" anchor="ctr" anchorCtr="0" forceAA="0" compatLnSpc="1">
-                <a:prstTxWarp prst="textNoShape">
-                  <a:avLst/>
-                </a:prstTxWarp>
                 <a:noAutofit/>
               </a:bodyPr>
               <a:lstStyle/>
@@ -45672,13 +43173,7 @@
           </p:sp>
           <p:sp>
             <p:nvSpPr>
-              <p:cNvPr id="9" name="矩形: 圆角 8">
-                <a:extLst>
-                  <a:ext uri="{FF2B5EF4-FFF2-40B4-BE49-F238E27FC236}">
-                    <a16:creationId xmlns:a16="http://schemas.microsoft.com/office/drawing/2014/main" id="{D892B7C0-12AB-42A0-BDAF-D3C591FDB5E7}"/>
-                  </a:ext>
-                </a:extLst>
-              </p:cNvPr>
+              <p:cNvPr id="9" name="矩形: 圆角 8"/>
               <p:cNvSpPr/>
               <p:nvPr/>
             </p:nvSpPr>
@@ -45690,7 +43185,6 @@
               <a:prstGeom prst="roundRect">
                 <a:avLst/>
               </a:prstGeom>
-              <a:ln/>
             </p:spPr>
             <p:style>
               <a:lnRef idx="2">
@@ -45708,9 +43202,6 @@
             </p:style>
             <p:txBody>
               <a:bodyPr rot="0" spcFirstLastPara="0" vertOverflow="overflow" horzOverflow="overflow" vert="horz" wrap="square" lIns="91440" tIns="45720" rIns="91440" bIns="45720" numCol="1" spcCol="0" rtlCol="0" fromWordArt="0" anchor="ctr" anchorCtr="0" forceAA="0" compatLnSpc="1">
-                <a:prstTxWarp prst="textNoShape">
-                  <a:avLst/>
-                </a:prstTxWarp>
                 <a:noAutofit/>
               </a:bodyPr>
               <a:lstStyle/>
@@ -45725,13 +43216,7 @@
           </p:sp>
           <p:cxnSp>
             <p:nvCxnSpPr>
-              <p:cNvPr id="14" name="直接箭头连接符 13">
-                <a:extLst>
-                  <a:ext uri="{FF2B5EF4-FFF2-40B4-BE49-F238E27FC236}">
-                    <a16:creationId xmlns:a16="http://schemas.microsoft.com/office/drawing/2014/main" id="{F76A3B50-C3D9-4C54-B1BD-20FFDA88D08A}"/>
-                  </a:ext>
-                </a:extLst>
-              </p:cNvPr>
+              <p:cNvPr id="14" name="直接箭头连接符 13"/>
               <p:cNvCxnSpPr>
                 <a:stCxn id="7" idx="2"/>
                 <a:endCxn id="8" idx="0"/>
@@ -45767,13 +43252,7 @@
           </p:cxnSp>
           <p:cxnSp>
             <p:nvCxnSpPr>
-              <p:cNvPr id="16" name="直接箭头连接符 15">
-                <a:extLst>
-                  <a:ext uri="{FF2B5EF4-FFF2-40B4-BE49-F238E27FC236}">
-                    <a16:creationId xmlns:a16="http://schemas.microsoft.com/office/drawing/2014/main" id="{372D7B4F-D004-4E3A-A864-F15871A3D37B}"/>
-                  </a:ext>
-                </a:extLst>
-              </p:cNvPr>
+              <p:cNvPr id="16" name="直接箭头连接符 15"/>
               <p:cNvCxnSpPr/>
               <p:nvPr/>
             </p:nvCxnSpPr>
@@ -45806,13 +43285,7 @@
           </p:cxnSp>
           <p:cxnSp>
             <p:nvCxnSpPr>
-              <p:cNvPr id="17" name="直接箭头连接符 16">
-                <a:extLst>
-                  <a:ext uri="{FF2B5EF4-FFF2-40B4-BE49-F238E27FC236}">
-                    <a16:creationId xmlns:a16="http://schemas.microsoft.com/office/drawing/2014/main" id="{37B27DCE-0D07-4DB6-8D4E-18BCD60EC9FB}"/>
-                  </a:ext>
-                </a:extLst>
-              </p:cNvPr>
+              <p:cNvPr id="17" name="直接箭头连接符 16"/>
               <p:cNvCxnSpPr/>
               <p:nvPr/>
             </p:nvCxnSpPr>
@@ -45845,13 +43318,7 @@
           </p:cxnSp>
           <p:cxnSp>
             <p:nvCxnSpPr>
-              <p:cNvPr id="18" name="直接箭头连接符 17">
-                <a:extLst>
-                  <a:ext uri="{FF2B5EF4-FFF2-40B4-BE49-F238E27FC236}">
-                    <a16:creationId xmlns:a16="http://schemas.microsoft.com/office/drawing/2014/main" id="{0F2C24A6-8D67-4DB2-8943-DD436A98AD87}"/>
-                  </a:ext>
-                </a:extLst>
-              </p:cNvPr>
+              <p:cNvPr id="18" name="直接箭头连接符 17"/>
               <p:cNvCxnSpPr/>
               <p:nvPr/>
             </p:nvCxnSpPr>
@@ -45884,13 +43351,7 @@
           </p:cxnSp>
           <p:sp>
             <p:nvSpPr>
-              <p:cNvPr id="19" name="文本框 18">
-                <a:extLst>
-                  <a:ext uri="{FF2B5EF4-FFF2-40B4-BE49-F238E27FC236}">
-                    <a16:creationId xmlns:a16="http://schemas.microsoft.com/office/drawing/2014/main" id="{9A89BE53-DE19-41B9-B96B-E804B54F9524}"/>
-                  </a:ext>
-                </a:extLst>
-              </p:cNvPr>
+              <p:cNvPr id="19" name="文本框 18"/>
               <p:cNvSpPr txBox="1"/>
               <p:nvPr/>
             </p:nvSpPr>
@@ -45919,13 +43380,7 @@
           </p:sp>
           <p:sp>
             <p:nvSpPr>
-              <p:cNvPr id="20" name="文本框 19">
-                <a:extLst>
-                  <a:ext uri="{FF2B5EF4-FFF2-40B4-BE49-F238E27FC236}">
-                    <a16:creationId xmlns:a16="http://schemas.microsoft.com/office/drawing/2014/main" id="{A6DB6C27-699C-4F9C-82DA-EDEA3ED43FA9}"/>
-                  </a:ext>
-                </a:extLst>
-              </p:cNvPr>
+              <p:cNvPr id="20" name="文本框 19"/>
               <p:cNvSpPr txBox="1"/>
               <p:nvPr/>
             </p:nvSpPr>
@@ -45955,13 +43410,7 @@
         </p:grpSp>
         <p:sp>
           <p:nvSpPr>
-            <p:cNvPr id="5" name="箭头: 右 4">
-              <a:extLst>
-                <a:ext uri="{FF2B5EF4-FFF2-40B4-BE49-F238E27FC236}">
-                  <a16:creationId xmlns:a16="http://schemas.microsoft.com/office/drawing/2014/main" id="{9FF51386-8002-4B59-B382-F15075851295}"/>
-                </a:ext>
-              </a:extLst>
-            </p:cNvPr>
+            <p:cNvPr id="5" name="箭头: 右 4"/>
             <p:cNvSpPr/>
             <p:nvPr/>
           </p:nvSpPr>
@@ -45973,7 +43422,6 @@
             <a:prstGeom prst="rightArrow">
               <a:avLst/>
             </a:prstGeom>
-            <a:ln/>
           </p:spPr>
           <p:style>
             <a:lnRef idx="2">
@@ -45991,9 +43439,6 @@
           </p:style>
           <p:txBody>
             <a:bodyPr rot="0" spcFirstLastPara="0" vertOverflow="overflow" horzOverflow="overflow" vert="horz" wrap="square" lIns="91440" tIns="45720" rIns="91440" bIns="45720" numCol="1" spcCol="0" rtlCol="0" fromWordArt="0" anchor="ctr" anchorCtr="0" forceAA="0" compatLnSpc="1">
-              <a:prstTxWarp prst="textNoShape">
-                <a:avLst/>
-              </a:prstTxWarp>
               <a:noAutofit/>
             </a:bodyPr>
             <a:lstStyle/>
@@ -46005,13 +43450,7 @@
         </p:sp>
         <p:sp>
           <p:nvSpPr>
-            <p:cNvPr id="23" name="箭头: 右 22">
-              <a:extLst>
-                <a:ext uri="{FF2B5EF4-FFF2-40B4-BE49-F238E27FC236}">
-                  <a16:creationId xmlns:a16="http://schemas.microsoft.com/office/drawing/2014/main" id="{8456FF14-E5D9-4FB7-8155-198F73A59883}"/>
-                </a:ext>
-              </a:extLst>
-            </p:cNvPr>
+            <p:cNvPr id="23" name="箭头: 右 22"/>
             <p:cNvSpPr/>
             <p:nvPr/>
           </p:nvSpPr>
@@ -46023,7 +43462,6 @@
             <a:prstGeom prst="rightArrow">
               <a:avLst/>
             </a:prstGeom>
-            <a:ln/>
           </p:spPr>
           <p:style>
             <a:lnRef idx="2">
@@ -46041,9 +43479,6 @@
           </p:style>
           <p:txBody>
             <a:bodyPr rot="0" spcFirstLastPara="0" vertOverflow="overflow" horzOverflow="overflow" vert="horz" wrap="square" lIns="91440" tIns="45720" rIns="91440" bIns="45720" numCol="1" spcCol="0" rtlCol="0" fromWordArt="0" anchor="ctr" anchorCtr="0" forceAA="0" compatLnSpc="1">
-              <a:prstTxWarp prst="textNoShape">
-                <a:avLst/>
-              </a:prstTxWarp>
               <a:noAutofit/>
             </a:bodyPr>
             <a:lstStyle/>
@@ -46055,13 +43490,7 @@
         </p:sp>
         <p:sp>
           <p:nvSpPr>
-            <p:cNvPr id="10" name="文本框 9">
-              <a:extLst>
-                <a:ext uri="{FF2B5EF4-FFF2-40B4-BE49-F238E27FC236}">
-                  <a16:creationId xmlns:a16="http://schemas.microsoft.com/office/drawing/2014/main" id="{8A083FB7-AFA1-4AA3-9D6D-96C9F24A9CD6}"/>
-                </a:ext>
-              </a:extLst>
-            </p:cNvPr>
+            <p:cNvPr id="10" name="文本框 9"/>
             <p:cNvSpPr txBox="1"/>
             <p:nvPr/>
           </p:nvSpPr>
@@ -46091,13 +43520,7 @@
       </p:grpSp>
       <p:grpSp>
         <p:nvGrpSpPr>
-          <p:cNvPr id="30" name="组合 29">
-            <a:extLst>
-              <a:ext uri="{FF2B5EF4-FFF2-40B4-BE49-F238E27FC236}">
-                <a16:creationId xmlns:a16="http://schemas.microsoft.com/office/drawing/2014/main" id="{BA0D8B10-6DD7-4488-926C-214890B3D3C2}"/>
-              </a:ext>
-            </a:extLst>
-          </p:cNvPr>
+          <p:cNvPr id="30" name="组合 29"/>
           <p:cNvGrpSpPr/>
           <p:nvPr/>
         </p:nvGrpSpPr>
@@ -46111,13 +43534,7 @@
         </p:grpSpPr>
         <p:pic>
           <p:nvPicPr>
-            <p:cNvPr id="11" name="图片 10">
-              <a:extLst>
-                <a:ext uri="{FF2B5EF4-FFF2-40B4-BE49-F238E27FC236}">
-                  <a16:creationId xmlns:a16="http://schemas.microsoft.com/office/drawing/2014/main" id="{52FBED71-8B8F-4BED-8EED-6AE638C03AD4}"/>
-                </a:ext>
-              </a:extLst>
-            </p:cNvPr>
+            <p:cNvPr id="11" name="图片 10"/>
             <p:cNvPicPr>
               <a:picLocks noChangeAspect="1"/>
             </p:cNvPicPr>
@@ -46141,13 +43558,7 @@
         </p:pic>
         <p:sp>
           <p:nvSpPr>
-            <p:cNvPr id="13" name="文本框 12">
-              <a:extLst>
-                <a:ext uri="{FF2B5EF4-FFF2-40B4-BE49-F238E27FC236}">
-                  <a16:creationId xmlns:a16="http://schemas.microsoft.com/office/drawing/2014/main" id="{D943E8D7-FB61-4BB4-ACBA-1D9EC94036B9}"/>
-                </a:ext>
-              </a:extLst>
-            </p:cNvPr>
+            <p:cNvPr id="13" name="文本框 12"/>
             <p:cNvSpPr txBox="1"/>
             <p:nvPr/>
           </p:nvSpPr>
@@ -46176,13 +43587,7 @@
         </p:sp>
         <p:sp>
           <p:nvSpPr>
-            <p:cNvPr id="28" name="箭头: 丁字 27">
-              <a:extLst>
-                <a:ext uri="{FF2B5EF4-FFF2-40B4-BE49-F238E27FC236}">
-                  <a16:creationId xmlns:a16="http://schemas.microsoft.com/office/drawing/2014/main" id="{7BCC3280-9FAA-4124-A4A7-C951D06B4420}"/>
-                </a:ext>
-              </a:extLst>
-            </p:cNvPr>
+            <p:cNvPr id="28" name="箭头: 丁字 27"/>
             <p:cNvSpPr/>
             <p:nvPr/>
           </p:nvSpPr>
@@ -46194,7 +43599,6 @@
             <a:prstGeom prst="leftRightUpArrow">
               <a:avLst/>
             </a:prstGeom>
-            <a:ln/>
           </p:spPr>
           <p:style>
             <a:lnRef idx="2">
@@ -46214,9 +43618,6 @@
           </p:style>
           <p:txBody>
             <a:bodyPr rot="0" spcFirstLastPara="0" vertOverflow="overflow" horzOverflow="overflow" vert="horz" wrap="square" lIns="91440" tIns="45720" rIns="91440" bIns="45720" numCol="1" spcCol="0" rtlCol="0" fromWordArt="0" anchor="ctr" anchorCtr="0" forceAA="0" compatLnSpc="1">
-              <a:prstTxWarp prst="textNoShape">
-                <a:avLst/>
-              </a:prstTxWarp>
               <a:noAutofit/>
             </a:bodyPr>
             <a:lstStyle/>
@@ -46228,11 +43629,6 @@
         </p:sp>
       </p:grpSp>
     </p:spTree>
-    <p:extLst>
-      <p:ext uri="{BB962C8B-B14F-4D97-AF65-F5344CB8AC3E}">
-        <p14:creationId xmlns:p14="http://schemas.microsoft.com/office/powerpoint/2010/main" val="3332557499"/>
-      </p:ext>
-    </p:extLst>
   </p:cSld>
   <p:clrMapOvr>
     <a:masterClrMapping/>
@@ -46259,13 +43655,7 @@
       </p:grpSpPr>
       <p:sp>
         <p:nvSpPr>
-          <p:cNvPr id="2" name="文本占位符 1">
-            <a:extLst>
-              <a:ext uri="{FF2B5EF4-FFF2-40B4-BE49-F238E27FC236}">
-                <a16:creationId xmlns:a16="http://schemas.microsoft.com/office/drawing/2014/main" id="{30B5DABE-AEE3-4875-92EC-152876C8F503}"/>
-              </a:ext>
-            </a:extLst>
-          </p:cNvPr>
+          <p:cNvPr id="2" name="文本占位符 1"/>
           <p:cNvSpPr>
             <a:spLocks noGrp="1"/>
           </p:cNvSpPr>
@@ -46288,13 +43678,7 @@
       </p:sp>
       <p:sp>
         <p:nvSpPr>
-          <p:cNvPr id="3" name="文本占位符 2">
-            <a:extLst>
-              <a:ext uri="{FF2B5EF4-FFF2-40B4-BE49-F238E27FC236}">
-                <a16:creationId xmlns:a16="http://schemas.microsoft.com/office/drawing/2014/main" id="{BAF4F1E3-39FB-4F7C-BE38-D37CBB0B26C5}"/>
-              </a:ext>
-            </a:extLst>
-          </p:cNvPr>
+          <p:cNvPr id="3" name="文本占位符 2"/>
           <p:cNvSpPr>
             <a:spLocks noGrp="1"/>
           </p:cNvSpPr>
@@ -46328,13 +43712,7 @@
       </p:sp>
       <p:sp>
         <p:nvSpPr>
-          <p:cNvPr id="4" name="矩形 3">
-            <a:extLst>
-              <a:ext uri="{FF2B5EF4-FFF2-40B4-BE49-F238E27FC236}">
-                <a16:creationId xmlns:a16="http://schemas.microsoft.com/office/drawing/2014/main" id="{42171ABB-6E0E-43F8-A1B3-B6E37D2C7DF9}"/>
-              </a:ext>
-            </a:extLst>
-          </p:cNvPr>
+          <p:cNvPr id="4" name="矩形 3"/>
           <p:cNvSpPr/>
           <p:nvPr/>
         </p:nvSpPr>
@@ -46368,13 +43746,7 @@
       </p:sp>
       <p:grpSp>
         <p:nvGrpSpPr>
-          <p:cNvPr id="27" name="组合 26">
-            <a:extLst>
-              <a:ext uri="{FF2B5EF4-FFF2-40B4-BE49-F238E27FC236}">
-                <a16:creationId xmlns:a16="http://schemas.microsoft.com/office/drawing/2014/main" id="{E88F41D8-4BA2-4ABA-A524-14F4266CF024}"/>
-              </a:ext>
-            </a:extLst>
-          </p:cNvPr>
+          <p:cNvPr id="27" name="组合 26"/>
           <p:cNvGrpSpPr/>
           <p:nvPr/>
         </p:nvGrpSpPr>
@@ -46388,13 +43760,7 @@
         </p:grpSpPr>
         <p:pic>
           <p:nvPicPr>
-            <p:cNvPr id="6" name="图片 5">
-              <a:extLst>
-                <a:ext uri="{FF2B5EF4-FFF2-40B4-BE49-F238E27FC236}">
-                  <a16:creationId xmlns:a16="http://schemas.microsoft.com/office/drawing/2014/main" id="{71FB66F2-501A-43AF-BBCD-2171007DE25E}"/>
-                </a:ext>
-              </a:extLst>
-            </p:cNvPr>
+            <p:cNvPr id="6" name="图片 5"/>
             <p:cNvPicPr>
               <a:picLocks noChangeAspect="1"/>
             </p:cNvPicPr>
@@ -46418,13 +43784,7 @@
         </p:pic>
         <p:pic>
           <p:nvPicPr>
-            <p:cNvPr id="15" name="图片 14">
-              <a:extLst>
-                <a:ext uri="{FF2B5EF4-FFF2-40B4-BE49-F238E27FC236}">
-                  <a16:creationId xmlns:a16="http://schemas.microsoft.com/office/drawing/2014/main" id="{53CABF83-FAD2-46F6-9DE0-16CA1E57F88E}"/>
-                </a:ext>
-              </a:extLst>
-            </p:cNvPr>
+            <p:cNvPr id="15" name="图片 14"/>
             <p:cNvPicPr>
               <a:picLocks noChangeAspect="1"/>
             </p:cNvPicPr>
@@ -46448,13 +43808,7 @@
         </p:pic>
         <p:pic>
           <p:nvPicPr>
-            <p:cNvPr id="21" name="图片 20">
-              <a:extLst>
-                <a:ext uri="{FF2B5EF4-FFF2-40B4-BE49-F238E27FC236}">
-                  <a16:creationId xmlns:a16="http://schemas.microsoft.com/office/drawing/2014/main" id="{27A8ACB6-28FB-4106-BA35-9773B8798E8E}"/>
-                </a:ext>
-              </a:extLst>
-            </p:cNvPr>
+            <p:cNvPr id="21" name="图片 20"/>
             <p:cNvPicPr>
               <a:picLocks noChangeAspect="1"/>
             </p:cNvPicPr>
@@ -46478,13 +43832,7 @@
         </p:pic>
         <p:pic>
           <p:nvPicPr>
-            <p:cNvPr id="22" name="图片 21">
-              <a:extLst>
-                <a:ext uri="{FF2B5EF4-FFF2-40B4-BE49-F238E27FC236}">
-                  <a16:creationId xmlns:a16="http://schemas.microsoft.com/office/drawing/2014/main" id="{42DD875D-FEF2-46E4-B2E3-5153A6057CAB}"/>
-                </a:ext>
-              </a:extLst>
-            </p:cNvPr>
+            <p:cNvPr id="22" name="图片 21"/>
             <p:cNvPicPr>
               <a:picLocks noChangeAspect="1"/>
             </p:cNvPicPr>
@@ -46508,13 +43856,7 @@
         </p:pic>
         <p:sp>
           <p:nvSpPr>
-            <p:cNvPr id="25" name="箭头: 右 24">
-              <a:extLst>
-                <a:ext uri="{FF2B5EF4-FFF2-40B4-BE49-F238E27FC236}">
-                  <a16:creationId xmlns:a16="http://schemas.microsoft.com/office/drawing/2014/main" id="{7D2BF048-FF89-49B2-B894-BC06F9C48168}"/>
-                </a:ext>
-              </a:extLst>
-            </p:cNvPr>
+            <p:cNvPr id="25" name="箭头: 右 24"/>
             <p:cNvSpPr/>
             <p:nvPr/>
           </p:nvSpPr>
@@ -46526,7 +43868,6 @@
             <a:prstGeom prst="rightArrow">
               <a:avLst/>
             </a:prstGeom>
-            <a:ln/>
           </p:spPr>
           <p:style>
             <a:lnRef idx="2">
@@ -46546,9 +43887,6 @@
           </p:style>
           <p:txBody>
             <a:bodyPr rot="0" spcFirstLastPara="0" vertOverflow="overflow" horzOverflow="overflow" vert="horz" wrap="square" lIns="91440" tIns="45720" rIns="91440" bIns="45720" numCol="1" spcCol="0" rtlCol="0" fromWordArt="0" anchor="ctr" anchorCtr="0" forceAA="0" compatLnSpc="1">
-              <a:prstTxWarp prst="textNoShape">
-                <a:avLst/>
-              </a:prstTxWarp>
               <a:noAutofit/>
             </a:bodyPr>
             <a:lstStyle/>
@@ -46560,13 +43898,7 @@
         </p:sp>
         <p:pic>
           <p:nvPicPr>
-            <p:cNvPr id="26" name="图片 25">
-              <a:extLst>
-                <a:ext uri="{FF2B5EF4-FFF2-40B4-BE49-F238E27FC236}">
-                  <a16:creationId xmlns:a16="http://schemas.microsoft.com/office/drawing/2014/main" id="{32575742-685C-48C2-A8EB-E20EB4C22372}"/>
-                </a:ext>
-              </a:extLst>
-            </p:cNvPr>
+            <p:cNvPr id="26" name="图片 25"/>
             <p:cNvPicPr>
               <a:picLocks noChangeAspect="1"/>
             </p:cNvPicPr>
@@ -46591,13 +43923,7 @@
       </p:grpSp>
       <p:grpSp>
         <p:nvGrpSpPr>
-          <p:cNvPr id="42" name="组合 41">
-            <a:extLst>
-              <a:ext uri="{FF2B5EF4-FFF2-40B4-BE49-F238E27FC236}">
-                <a16:creationId xmlns:a16="http://schemas.microsoft.com/office/drawing/2014/main" id="{F4419016-4B55-4383-8129-E9ACD5D3A834}"/>
-              </a:ext>
-            </a:extLst>
-          </p:cNvPr>
+          <p:cNvPr id="42" name="组合 41"/>
           <p:cNvGrpSpPr/>
           <p:nvPr/>
         </p:nvGrpSpPr>
@@ -46611,13 +43937,7 @@
         </p:grpSpPr>
         <p:grpSp>
           <p:nvGrpSpPr>
-            <p:cNvPr id="37" name="组合 36">
-              <a:extLst>
-                <a:ext uri="{FF2B5EF4-FFF2-40B4-BE49-F238E27FC236}">
-                  <a16:creationId xmlns:a16="http://schemas.microsoft.com/office/drawing/2014/main" id="{59EB8E8C-AFFA-4185-A37D-45D58A379BF6}"/>
-                </a:ext>
-              </a:extLst>
-            </p:cNvPr>
+            <p:cNvPr id="37" name="组合 36"/>
             <p:cNvGrpSpPr/>
             <p:nvPr/>
           </p:nvGrpSpPr>
@@ -46631,13 +43951,7 @@
           </p:grpSpPr>
           <p:pic>
             <p:nvPicPr>
-              <p:cNvPr id="30" name="图片 29">
-                <a:extLst>
-                  <a:ext uri="{FF2B5EF4-FFF2-40B4-BE49-F238E27FC236}">
-                    <a16:creationId xmlns:a16="http://schemas.microsoft.com/office/drawing/2014/main" id="{8A82A39E-D043-4344-B804-5F398A1AF303}"/>
-                  </a:ext>
-                </a:extLst>
-              </p:cNvPr>
+              <p:cNvPr id="30" name="图片 29"/>
               <p:cNvPicPr>
                 <a:picLocks noChangeAspect="1"/>
               </p:cNvPicPr>
@@ -46661,13 +43975,7 @@
           </p:pic>
           <p:pic>
             <p:nvPicPr>
-              <p:cNvPr id="32" name="图片 31">
-                <a:extLst>
-                  <a:ext uri="{FF2B5EF4-FFF2-40B4-BE49-F238E27FC236}">
-                    <a16:creationId xmlns:a16="http://schemas.microsoft.com/office/drawing/2014/main" id="{495745F7-B41D-4A76-9097-69A5A1E23B26}"/>
-                  </a:ext>
-                </a:extLst>
-              </p:cNvPr>
+              <p:cNvPr id="32" name="图片 31"/>
               <p:cNvPicPr>
                 <a:picLocks noChangeAspect="1"/>
               </p:cNvPicPr>
@@ -46691,13 +43999,7 @@
           </p:pic>
           <p:pic>
             <p:nvPicPr>
-              <p:cNvPr id="34" name="图片 33">
-                <a:extLst>
-                  <a:ext uri="{FF2B5EF4-FFF2-40B4-BE49-F238E27FC236}">
-                    <a16:creationId xmlns:a16="http://schemas.microsoft.com/office/drawing/2014/main" id="{7838C8D9-D26A-4773-9332-1EC476CBDD9D}"/>
-                  </a:ext>
-                </a:extLst>
-              </p:cNvPr>
+              <p:cNvPr id="34" name="图片 33"/>
               <p:cNvPicPr>
                 <a:picLocks noChangeAspect="1"/>
               </p:cNvPicPr>
@@ -46721,13 +44023,7 @@
           </p:pic>
           <p:pic>
             <p:nvPicPr>
-              <p:cNvPr id="35" name="图片 34">
-                <a:extLst>
-                  <a:ext uri="{FF2B5EF4-FFF2-40B4-BE49-F238E27FC236}">
-                    <a16:creationId xmlns:a16="http://schemas.microsoft.com/office/drawing/2014/main" id="{BD3A9A12-6318-4B52-A056-7D8AD78208E5}"/>
-                  </a:ext>
-                </a:extLst>
-              </p:cNvPr>
+              <p:cNvPr id="35" name="图片 34"/>
               <p:cNvPicPr>
                 <a:picLocks noChangeAspect="1"/>
               </p:cNvPicPr>
@@ -46752,13 +44048,7 @@
         </p:grpSp>
         <p:sp>
           <p:nvSpPr>
-            <p:cNvPr id="38" name="文本框 37">
-              <a:extLst>
-                <a:ext uri="{FF2B5EF4-FFF2-40B4-BE49-F238E27FC236}">
-                  <a16:creationId xmlns:a16="http://schemas.microsoft.com/office/drawing/2014/main" id="{13261E2D-8645-46B8-A3A1-7B897EDD8FB1}"/>
-                </a:ext>
-              </a:extLst>
-            </p:cNvPr>
+            <p:cNvPr id="38" name="文本框 37"/>
             <p:cNvSpPr txBox="1"/>
             <p:nvPr/>
           </p:nvSpPr>
@@ -46791,13 +44081,7 @@
         </p:sp>
         <p:sp>
           <p:nvSpPr>
-            <p:cNvPr id="39" name="文本框 38">
-              <a:extLst>
-                <a:ext uri="{FF2B5EF4-FFF2-40B4-BE49-F238E27FC236}">
-                  <a16:creationId xmlns:a16="http://schemas.microsoft.com/office/drawing/2014/main" id="{7A948F86-8541-4065-8CCB-772FDB9FAD1D}"/>
-                </a:ext>
-              </a:extLst>
-            </p:cNvPr>
+            <p:cNvPr id="39" name="文本框 38"/>
             <p:cNvSpPr txBox="1"/>
             <p:nvPr/>
           </p:nvSpPr>
@@ -46830,13 +44114,7 @@
         </p:sp>
         <p:sp>
           <p:nvSpPr>
-            <p:cNvPr id="40" name="文本框 39">
-              <a:extLst>
-                <a:ext uri="{FF2B5EF4-FFF2-40B4-BE49-F238E27FC236}">
-                  <a16:creationId xmlns:a16="http://schemas.microsoft.com/office/drawing/2014/main" id="{88AE9B2A-C677-4948-A9F4-2217D097461F}"/>
-                </a:ext>
-              </a:extLst>
-            </p:cNvPr>
+            <p:cNvPr id="40" name="文本框 39"/>
             <p:cNvSpPr txBox="1"/>
             <p:nvPr/>
           </p:nvSpPr>
@@ -46870,13 +44148,7 @@
       </p:grpSp>
       <p:sp>
         <p:nvSpPr>
-          <p:cNvPr id="41" name="文本框 40">
-            <a:extLst>
-              <a:ext uri="{FF2B5EF4-FFF2-40B4-BE49-F238E27FC236}">
-                <a16:creationId xmlns:a16="http://schemas.microsoft.com/office/drawing/2014/main" id="{D955DB26-3535-4BD4-A19E-DBBBFD3176B1}"/>
-              </a:ext>
-            </a:extLst>
-          </p:cNvPr>
+          <p:cNvPr id="41" name="文本框 40"/>
           <p:cNvSpPr txBox="1"/>
           <p:nvPr/>
         </p:nvSpPr>
@@ -46904,11 +44176,6 @@
         </p:txBody>
       </p:sp>
     </p:spTree>
-    <p:extLst>
-      <p:ext uri="{BB962C8B-B14F-4D97-AF65-F5344CB8AC3E}">
-        <p14:creationId xmlns:p14="http://schemas.microsoft.com/office/powerpoint/2010/main" val="2515222099"/>
-      </p:ext>
-    </p:extLst>
   </p:cSld>
   <p:clrMapOvr>
     <a:masterClrMapping/>
@@ -47115,9 +44382,6 @@
         </a:ln>
       </a:spPr>
       <a:bodyPr rot="0" spcFirstLastPara="0" vertOverflow="overflow" horzOverflow="overflow" vert="horz" wrap="square" lIns="91440" tIns="45720" rIns="91440" bIns="45720" numCol="1" spcCol="0" rtlCol="0" fromWordArt="0" anchor="ctr" anchorCtr="0" forceAA="0" compatLnSpc="1">
-        <a:prstTxWarp prst="textNoShape">
-          <a:avLst/>
-        </a:prstTxWarp>
         <a:noAutofit/>
       </a:bodyPr>
       <a:lstStyle>
@@ -47195,7 +44459,7 @@
     </a:clrScheme>
     <a:fontScheme name="Century Gothic">
       <a:majorFont>
-        <a:latin typeface="Century Gothic" panose="020F0302020204030204"/>
+        <a:latin typeface="Century Gothic"/>
         <a:ea typeface=""/>
         <a:cs typeface=""/>
         <a:font script="Jpan" typeface="メイリオ"/>
@@ -47230,7 +44494,7 @@
         <a:font script="Geor" typeface="Sylfaen"/>
       </a:majorFont>
       <a:minorFont>
-        <a:latin typeface="Century Gothic" panose="020F0302020204030204"/>
+        <a:latin typeface="Century Gothic"/>
         <a:ea typeface=""/>
         <a:cs typeface=""/>
         <a:font script="Jpan" typeface="メイリオ"/>
@@ -47456,7 +44720,7 @@
     </a:clrScheme>
     <a:fontScheme name="Office">
       <a:majorFont>
-        <a:latin typeface="Calibri Light" panose="020F0302020204030204"/>
+        <a:latin typeface="Calibri Light"/>
         <a:ea typeface=""/>
         <a:cs typeface=""/>
         <a:font script="Jpan" typeface="ＭＳ Ｐゴシック"/>
@@ -47491,7 +44755,7 @@
         <a:font script="Geor" typeface="Sylfaen"/>
       </a:majorFont>
       <a:minorFont>
-        <a:latin typeface="Calibri" panose="020F0502020204030204"/>
+        <a:latin typeface="Calibri"/>
         <a:ea typeface=""/>
         <a:cs typeface=""/>
         <a:font script="Jpan" typeface="ＭＳ Ｐゴシック"/>
